--- a/ToegepasteAnalogeElektronica/PowerPoint/Spice-simulatie.pptx
+++ b/ToegepasteAnalogeElektronica/PowerPoint/Spice-simulatie.pptx
@@ -5659,7 +5659,7 @@
               </a:defRPr>
             </a:pPr>
             <a:r>
-              <a:t>September 2022</a:t>
+              <a:t>September 2025</a:t>
             </a:r>
           </a:p>
         </p:txBody>

--- a/ToegepasteAnalogeElektronica/PowerPoint/Spice-simulatie.pptx
+++ b/ToegepasteAnalogeElektronica/PowerPoint/Spice-simulatie.pptx
@@ -24,6 +24,9 @@
     <p:sldId id="266" r:id="rId23"/>
     <p:sldId id="267" r:id="rId24"/>
     <p:sldId id="268" r:id="rId25"/>
+    <p:sldId id="269" r:id="rId26"/>
+    <p:sldId id="270" r:id="rId27"/>
+    <p:sldId id="271" r:id="rId28"/>
   </p:sldIdLst>
   <p:sldSz cx="12192000" cy="6858000"/>
   <p:notesSz cx="6858000" cy="9144000"/>
@@ -5684,67 +5687,7 @@
       <p:grpSpPr/>
       <p:sp>
         <p:nvSpPr>
-          <p:cNvPr id="2" name="Content Placeholder 1"/>
-          <p:cNvSpPr>
-            <a:spLocks noGrp="1"/>
-          </p:cNvSpPr>
-          <p:nvPr>
-            <p:ph idx="1"/>
-          </p:nvPr>
-        </p:nvSpPr>
-        <p:spPr/>
-        <p:txBody>
-          <a:bodyPr wrap="square">
-            <a:noAutofit/>
-          </a:bodyPr>
-          <a:lstStyle/>
-          <a:p>
-            <a:pPr>
-              <a:lnSpc>
-                <a:spcPts val="1800"/>
-              </a:lnSpc>
-              <a:defRPr>
-                <a:solidFill>
-                  <a:srgbClr val="010101"/>
-                </a:solidFill>
-              </a:defRPr>
-            </a:pPr>
-            <a:r>
-              <a:rPr sz="3000" b="0" i="0">
-                <a:latin typeface="Courier"/>
-              </a:rPr>
-              <a:t>.MODEL NMOS NMOS(LEVEL=1 VTO=0.50 KP=90.000E-6 LAMBDA=0.001)</a:t>
-            </a:r>
-            <a:endParaRPr sz="3000" b="0" i="0">
-              <a:latin typeface="Courier"/>
-            </a:endParaRPr>
-          </a:p>
-          <a:p>
-            <a:pPr>
-              <a:lnSpc>
-                <a:spcPts val="1800"/>
-              </a:lnSpc>
-              <a:defRPr>
-                <a:solidFill>
-                  <a:srgbClr val="010101"/>
-                </a:solidFill>
-              </a:defRPr>
-            </a:pPr>
-            <a:r>
-              <a:rPr sz="3000" b="0" i="0">
-                <a:latin typeface="Courier"/>
-              </a:rPr>
-              <a:t>.MODEL PMOS PMOS(LEVEL=1 VTO=-0.45 KP=55.000E-6 LAMBDA=0.001)</a:t>
-            </a:r>
-            <a:endParaRPr sz="3000" b="0" i="0">
-              <a:latin typeface="Courier"/>
-            </a:endParaRPr>
-          </a:p>
-        </p:txBody>
-      </p:sp>
-      <p:sp>
-        <p:nvSpPr>
-          <p:cNvPr id="3" name="Title 2"/>
+          <p:cNvPr id="2" name="Title 1"/>
           <p:cNvSpPr>
             <a:spLocks noGrp="1"/>
           </p:cNvSpPr>
@@ -5763,7 +5706,7 @@
               <a:rPr sz="3200" b="1" i="0">
                 <a:latin typeface="Arial"/>
               </a:rPr>
-              <a:t>Eenvoudige transistormodellen</a:t>
+              <a:t>nMOS transistors van de verschilversterker</a:t>
             </a:r>
             <a:endParaRPr sz="3200" b="1" i="0">
               <a:latin typeface="Arial"/>
@@ -5771,6 +5714,30 @@
           </a:p>
         </p:txBody>
       </p:sp>
+      <p:pic>
+        <p:nvPicPr>
+          <p:cNvPr id="3" name="Picture 2" descr="image.png"/>
+          <p:cNvPicPr>
+            <a:picLocks noChangeAspect="1"/>
+          </p:cNvPicPr>
+          <p:nvPr/>
+        </p:nvPicPr>
+        <p:blipFill>
+          <a:blip r:embed="rId2"/>
+          <a:stretch>
+            <a:fillRect/>
+          </a:stretch>
+        </p:blipFill>
+        <p:spPr>
+          <a:xfrm>
+            <a:off x="1214717" y="1179576"/>
+            <a:ext cx="9762565" cy="5029200"/>
+          </a:xfrm>
+          <a:prstGeom prst="rect">
+            <a:avLst/>
+          </a:prstGeom>
+        </p:spPr>
+      </p:pic>
     </p:spTree>
   </p:cSld>
   <p:clrMapOvr>
@@ -5780,6 +5747,333 @@
 </file>
 
 <file path=ppt/slides/slide11.xml><?xml version="1.0" encoding="utf-8"?>
+<p:sld xmlns:a="http://schemas.openxmlformats.org/drawingml/2006/main" xmlns:p="http://schemas.openxmlformats.org/presentationml/2006/main" xmlns:r="http://schemas.openxmlformats.org/officeDocument/2006/relationships">
+  <p:cSld>
+    <p:spTree>
+      <p:nvGrpSpPr>
+        <p:cNvPr id="1" name=""/>
+        <p:cNvGrpSpPr/>
+        <p:nvPr/>
+      </p:nvGrpSpPr>
+      <p:grpSpPr/>
+      <p:sp>
+        <p:nvSpPr>
+          <p:cNvPr id="2" name="Content Placeholder 1"/>
+          <p:cNvSpPr>
+            <a:spLocks noGrp="1"/>
+          </p:cNvSpPr>
+          <p:nvPr>
+            <p:ph idx="1"/>
+          </p:nvPr>
+        </p:nvSpPr>
+        <p:spPr/>
+        <p:txBody>
+          <a:bodyPr wrap="square">
+            <a:noAutofit/>
+          </a:bodyPr>
+          <a:lstStyle/>
+          <a:p>
+            <a:pPr>
+              <a:lnSpc>
+                <a:spcPts val="1800"/>
+              </a:lnSpc>
+              <a:defRPr>
+                <a:solidFill>
+                  <a:srgbClr val="FFFFFF"/>
+                </a:solidFill>
+              </a:defRPr>
+            </a:pPr>
+            <a:r>
+              <a:rPr sz="3000" b="0" i="0">
+                <a:latin typeface="Courier"/>
+              </a:rPr>
+              <a:t>MP1 1 4 3 1  PMOS w=3.50u L=0.50U</a:t>
+            </a:r>
+            <a:endParaRPr sz="3000" b="0" i="0">
+              <a:latin typeface="Courier"/>
+            </a:endParaRPr>
+          </a:p>
+          <a:p>
+            <a:pPr>
+              <a:lnSpc>
+                <a:spcPts val="1800"/>
+              </a:lnSpc>
+              <a:defRPr>
+                <a:solidFill>
+                  <a:srgbClr val="FFFFFF"/>
+                </a:solidFill>
+              </a:defRPr>
+            </a:pPr>
+            <a:r>
+              <a:rPr sz="3000" b="0" i="0">
+                <a:latin typeface="Courier"/>
+              </a:rPr>
+              <a:t>MP2 4 4 1 1  PMOS w=3.50u L=0.50U</a:t>
+            </a:r>
+            <a:endParaRPr sz="3000" b="0" i="0">
+              <a:latin typeface="Courier"/>
+            </a:endParaRPr>
+          </a:p>
+          <a:p>
+            <a:pPr>
+              <a:lnSpc>
+                <a:spcPts val="1800"/>
+              </a:lnSpc>
+              <a:defRPr>
+                <a:solidFill>
+                  <a:srgbClr val="FFFFFF"/>
+                </a:solidFill>
+              </a:defRPr>
+            </a:pPr>
+            <a:r>
+              <a:rPr sz="3000" b="0" i="0">
+                <a:latin typeface="Courier"/>
+              </a:rPr>
+              <a:t>MP3 1 6 5 1  PMOS w=3.50u L=0.50U</a:t>
+            </a:r>
+            <a:endParaRPr sz="3000" b="0" i="0">
+              <a:latin typeface="Courier"/>
+            </a:endParaRPr>
+          </a:p>
+          <a:p>
+            <a:pPr>
+              <a:lnSpc>
+                <a:spcPts val="1800"/>
+              </a:lnSpc>
+              <a:defRPr>
+                <a:solidFill>
+                  <a:srgbClr val="FFFFFF"/>
+                </a:solidFill>
+              </a:defRPr>
+            </a:pPr>
+            <a:r>
+              <a:rPr sz="3000" b="0" i="0">
+                <a:latin typeface="Courier"/>
+              </a:rPr>
+              <a:t>MP4 6 6 1 1  PMOS w=3.50u L=0.50U</a:t>
+            </a:r>
+            <a:endParaRPr sz="3000" b="0" i="0">
+              <a:latin typeface="Courier"/>
+            </a:endParaRPr>
+          </a:p>
+        </p:txBody>
+      </p:sp>
+      <p:sp>
+        <p:nvSpPr>
+          <p:cNvPr id="3" name="Title 2"/>
+          <p:cNvSpPr>
+            <a:spLocks noGrp="1"/>
+          </p:cNvSpPr>
+          <p:nvPr>
+            <p:ph type="title"/>
+          </p:nvPr>
+        </p:nvSpPr>
+        <p:spPr/>
+        <p:txBody>
+          <a:bodyPr wrap="square">
+            <a:noAutofit/>
+          </a:bodyPr>
+          <a:lstStyle/>
+          <a:p>
+            <a:r>
+              <a:rPr sz="3200" b="1" i="0">
+                <a:latin typeface="Arial"/>
+              </a:rPr>
+              <a:t>pMOS transistors van de verschilversterker</a:t>
+            </a:r>
+            <a:endParaRPr sz="3200" b="1" i="0">
+              <a:latin typeface="Arial"/>
+            </a:endParaRPr>
+          </a:p>
+        </p:txBody>
+      </p:sp>
+    </p:spTree>
+  </p:cSld>
+  <p:clrMapOvr>
+    <a:masterClrMapping/>
+  </p:clrMapOvr>
+</p:sld>
+</file>
+
+<file path=ppt/slides/slide12.xml><?xml version="1.0" encoding="utf-8"?>
+<p:sld xmlns:a="http://schemas.openxmlformats.org/drawingml/2006/main" xmlns:p="http://schemas.openxmlformats.org/presentationml/2006/main" xmlns:r="http://schemas.openxmlformats.org/officeDocument/2006/relationships">
+  <p:cSld>
+    <p:spTree>
+      <p:nvGrpSpPr>
+        <p:cNvPr id="1" name=""/>
+        <p:cNvGrpSpPr/>
+        <p:nvPr/>
+      </p:nvGrpSpPr>
+      <p:grpSpPr/>
+      <p:sp>
+        <p:nvSpPr>
+          <p:cNvPr id="2" name="Title 1"/>
+          <p:cNvSpPr>
+            <a:spLocks noGrp="1"/>
+          </p:cNvSpPr>
+          <p:nvPr>
+            <p:ph type="title"/>
+          </p:nvPr>
+        </p:nvSpPr>
+        <p:spPr/>
+        <p:txBody>
+          <a:bodyPr wrap="square">
+            <a:noAutofit/>
+          </a:bodyPr>
+          <a:lstStyle/>
+          <a:p>
+            <a:r>
+              <a:rPr sz="3200" b="1" i="0">
+                <a:latin typeface="Arial"/>
+              </a:rPr>
+              <a:t>pMOS transistors van de verschilversterker</a:t>
+            </a:r>
+            <a:endParaRPr sz="3200" b="1" i="0">
+              <a:latin typeface="Arial"/>
+            </a:endParaRPr>
+          </a:p>
+        </p:txBody>
+      </p:sp>
+      <p:pic>
+        <p:nvPicPr>
+          <p:cNvPr id="3" name="Picture 2" descr="image.png"/>
+          <p:cNvPicPr>
+            <a:picLocks noChangeAspect="1"/>
+          </p:cNvPicPr>
+          <p:nvPr/>
+        </p:nvPicPr>
+        <p:blipFill>
+          <a:blip r:embed="rId2"/>
+          <a:stretch>
+            <a:fillRect/>
+          </a:stretch>
+        </p:blipFill>
+        <p:spPr>
+          <a:xfrm>
+            <a:off x="0" y="1179576"/>
+            <a:ext cx="12192000" cy="5029200"/>
+          </a:xfrm>
+          <a:prstGeom prst="rect">
+            <a:avLst/>
+          </a:prstGeom>
+        </p:spPr>
+      </p:pic>
+    </p:spTree>
+  </p:cSld>
+  <p:clrMapOvr>
+    <a:masterClrMapping/>
+  </p:clrMapOvr>
+</p:sld>
+</file>
+
+<file path=ppt/slides/slide13.xml><?xml version="1.0" encoding="utf-8"?>
+<p:sld xmlns:a="http://schemas.openxmlformats.org/drawingml/2006/main" xmlns:p="http://schemas.openxmlformats.org/presentationml/2006/main" xmlns:r="http://schemas.openxmlformats.org/officeDocument/2006/relationships">
+  <p:cSld>
+    <p:spTree>
+      <p:nvGrpSpPr>
+        <p:cNvPr id="1" name=""/>
+        <p:cNvGrpSpPr/>
+        <p:nvPr/>
+      </p:nvGrpSpPr>
+      <p:grpSpPr/>
+      <p:sp>
+        <p:nvSpPr>
+          <p:cNvPr id="2" name="Content Placeholder 1"/>
+          <p:cNvSpPr>
+            <a:spLocks noGrp="1"/>
+          </p:cNvSpPr>
+          <p:nvPr>
+            <p:ph idx="1"/>
+          </p:nvPr>
+        </p:nvSpPr>
+        <p:spPr/>
+        <p:txBody>
+          <a:bodyPr wrap="square">
+            <a:noAutofit/>
+          </a:bodyPr>
+          <a:lstStyle/>
+          <a:p>
+            <a:pPr>
+              <a:lnSpc>
+                <a:spcPts val="1800"/>
+              </a:lnSpc>
+              <a:defRPr>
+                <a:solidFill>
+                  <a:srgbClr val="FFFFFF"/>
+                </a:solidFill>
+              </a:defRPr>
+            </a:pPr>
+            <a:r>
+              <a:rPr sz="3000" b="0" i="0">
+                <a:latin typeface="Courier"/>
+              </a:rPr>
+              <a:t>.MODEL NMOS NMOS(LEVEL=1 VTO=0.50 KP=90.000E-6 LAMBDA=0.001)</a:t>
+            </a:r>
+            <a:endParaRPr sz="3000" b="0" i="0">
+              <a:latin typeface="Courier"/>
+            </a:endParaRPr>
+          </a:p>
+          <a:p>
+            <a:pPr>
+              <a:lnSpc>
+                <a:spcPts val="1800"/>
+              </a:lnSpc>
+              <a:defRPr>
+                <a:solidFill>
+                  <a:srgbClr val="FFFFFF"/>
+                </a:solidFill>
+              </a:defRPr>
+            </a:pPr>
+            <a:r>
+              <a:rPr sz="3000" b="0" i="0">
+                <a:latin typeface="Courier"/>
+              </a:rPr>
+              <a:t>.MODEL PMOS PMOS(LEVEL=1 VTO=-0.45 KP=55.000E-6 LAMBDA=0.001)</a:t>
+            </a:r>
+            <a:endParaRPr sz="3000" b="0" i="0">
+              <a:latin typeface="Courier"/>
+            </a:endParaRPr>
+          </a:p>
+        </p:txBody>
+      </p:sp>
+      <p:sp>
+        <p:nvSpPr>
+          <p:cNvPr id="3" name="Title 2"/>
+          <p:cNvSpPr>
+            <a:spLocks noGrp="1"/>
+          </p:cNvSpPr>
+          <p:nvPr>
+            <p:ph type="title"/>
+          </p:nvPr>
+        </p:nvSpPr>
+        <p:spPr/>
+        <p:txBody>
+          <a:bodyPr wrap="square">
+            <a:noAutofit/>
+          </a:bodyPr>
+          <a:lstStyle/>
+          <a:p>
+            <a:r>
+              <a:rPr sz="3200" b="1" i="0">
+                <a:latin typeface="Arial"/>
+              </a:rPr>
+              <a:t>Eenvoudige transistormodellen</a:t>
+            </a:r>
+            <a:endParaRPr sz="3200" b="1" i="0">
+              <a:latin typeface="Arial"/>
+            </a:endParaRPr>
+          </a:p>
+        </p:txBody>
+      </p:sp>
+    </p:spTree>
+  </p:cSld>
+  <p:clrMapOvr>
+    <a:masterClrMapping/>
+  </p:clrMapOvr>
+</p:sld>
+</file>
+
+<file path=ppt/slides/slide14.xml><?xml version="1.0" encoding="utf-8"?>
 <p:sld xmlns:a="http://schemas.openxmlformats.org/drawingml/2006/main" xmlns:p="http://schemas.openxmlformats.org/presentationml/2006/main" xmlns:r="http://schemas.openxmlformats.org/officeDocument/2006/relationships">
   <p:cSld>
     <p:spTree>
@@ -5850,7 +6144,7 @@
 </p:sld>
 </file>
 
-<file path=ppt/slides/slide12.xml><?xml version="1.0" encoding="utf-8"?>
+<file path=ppt/slides/slide15.xml><?xml version="1.0" encoding="utf-8"?>
 <p:sld xmlns:a="http://schemas.openxmlformats.org/drawingml/2006/main" xmlns:p="http://schemas.openxmlformats.org/presentationml/2006/main" xmlns:r="http://schemas.openxmlformats.org/officeDocument/2006/relationships">
   <p:cSld>
     <p:spTree>
@@ -5868,7 +6162,7 @@
 </p:sld>
 </file>
 
-<file path=ppt/slides/slide13.xml><?xml version="1.0" encoding="utf-8"?>
+<file path=ppt/slides/slide16.xml><?xml version="1.0" encoding="utf-8"?>
 <p:sld xmlns:a="http://schemas.openxmlformats.org/drawingml/2006/main" xmlns:p="http://schemas.openxmlformats.org/presentationml/2006/main" xmlns:r="http://schemas.openxmlformats.org/officeDocument/2006/relationships">
   <p:cSld>
     <p:spTree>
@@ -5887,6 +6181,342 @@
 </file>
 
 <file path=ppt/slides/slide2.xml><?xml version="1.0" encoding="utf-8"?>
+<p:sld xmlns:a="http://schemas.openxmlformats.org/drawingml/2006/main" xmlns:p="http://schemas.openxmlformats.org/presentationml/2006/main" xmlns:r="http://schemas.openxmlformats.org/officeDocument/2006/relationships">
+  <p:cSld>
+    <p:spTree>
+      <p:nvGrpSpPr>
+        <p:cNvPr id="1" name=""/>
+        <p:cNvGrpSpPr/>
+        <p:nvPr/>
+      </p:nvGrpSpPr>
+      <p:grpSpPr/>
+      <p:sp>
+        <p:nvSpPr>
+          <p:cNvPr id="2" name="Content Placeholder 1"/>
+          <p:cNvSpPr>
+            <a:spLocks noGrp="1"/>
+          </p:cNvSpPr>
+          <p:nvPr>
+            <p:ph idx="1"/>
+          </p:nvPr>
+        </p:nvSpPr>
+        <p:spPr/>
+        <p:txBody>
+          <a:bodyPr/>
+          <a:lstStyle/>
+          <a:p/>
+          <a:p>
+            <a:pPr/>
+            <a:r>
+              <a:t>SPICE (Simulation Program for Integrated Circuits Emphasis) is een algemene analoge circuit simulator die kan gebruikt worden voor het voorspellen en controleren van het gedrag van circuits.</a:t>
+            </a:r>
+          </a:p>
+          <a:p>
+            <a:pPr/>
+            <a:r>
+              <a:t>Ontwikkeld in de 1970’s in Berkeley</a:t>
+            </a:r>
+          </a:p>
+        </p:txBody>
+      </p:sp>
+      <p:sp>
+        <p:nvSpPr>
+          <p:cNvPr id="3" name="Title 2"/>
+          <p:cNvSpPr>
+            <a:spLocks noGrp="1"/>
+          </p:cNvSpPr>
+          <p:nvPr>
+            <p:ph type="title"/>
+          </p:nvPr>
+        </p:nvSpPr>
+        <p:spPr/>
+        <p:txBody>
+          <a:bodyPr wrap="square">
+            <a:noAutofit/>
+          </a:bodyPr>
+          <a:lstStyle/>
+          <a:p>
+            <a:r>
+              <a:rPr sz="3200" b="1" i="0">
+                <a:latin typeface="Arial"/>
+              </a:rPr>
+              <a:t>Inleiding SPICE</a:t>
+            </a:r>
+            <a:endParaRPr sz="3200" b="1" i="0">
+              <a:latin typeface="Arial"/>
+            </a:endParaRPr>
+          </a:p>
+        </p:txBody>
+      </p:sp>
+    </p:spTree>
+  </p:cSld>
+  <p:clrMapOvr>
+    <a:masterClrMapping/>
+  </p:clrMapOvr>
+</p:sld>
+</file>
+
+<file path=ppt/slides/slide3.xml><?xml version="1.0" encoding="utf-8"?>
+<p:sld xmlns:a="http://schemas.openxmlformats.org/drawingml/2006/main" xmlns:p="http://schemas.openxmlformats.org/presentationml/2006/main" xmlns:r="http://schemas.openxmlformats.org/officeDocument/2006/relationships">
+  <p:cSld>
+    <p:spTree>
+      <p:nvGrpSpPr>
+        <p:cNvPr id="1" name=""/>
+        <p:cNvGrpSpPr/>
+        <p:nvPr/>
+      </p:nvGrpSpPr>
+      <p:grpSpPr/>
+      <p:sp>
+        <p:nvSpPr>
+          <p:cNvPr id="2" name="Content Placeholder 1"/>
+          <p:cNvSpPr>
+            <a:spLocks noGrp="1"/>
+          </p:cNvSpPr>
+          <p:nvPr>
+            <p:ph idx="1"/>
+          </p:nvPr>
+        </p:nvSpPr>
+        <p:spPr/>
+        <p:txBody>
+          <a:bodyPr/>
+          <a:lstStyle/>
+          <a:p/>
+          <a:p>
+            <a:pPr/>
+            <a:r>
+              <a:t>Niet-lineare DC analyse</a:t>
+            </a:r>
+          </a:p>
+          <a:p>
+            <a:pPr/>
+            <a:r>
+              <a:t>Niet-lineare transient analyse</a:t>
+            </a:r>
+          </a:p>
+          <a:p>
+            <a:pPr/>
+            <a:r>
+              <a:t>Lineare AC Analyse</a:t>
+            </a:r>
+          </a:p>
+          <a:p>
+            <a:pPr/>
+            <a:r>
+              <a:t>Noise analyse</a:t>
+            </a:r>
+          </a:p>
+          <a:p>
+            <a:pPr/>
+            <a:r>
+              <a:t>Sensitiviteit analyse</a:t>
+            </a:r>
+          </a:p>
+          <a:p>
+            <a:pPr/>
+            <a:r>
+              <a:t>Distortie analysis</a:t>
+            </a:r>
+          </a:p>
+          <a:p>
+            <a:pPr/>
+            <a:r>
+              <a:t>Fourier analyse</a:t>
+            </a:r>
+          </a:p>
+          <a:p>
+            <a:pPr/>
+            <a:r>
+              <a:t>Monte Carlo analyse</a:t>
+            </a:r>
+          </a:p>
+        </p:txBody>
+      </p:sp>
+      <p:sp>
+        <p:nvSpPr>
+          <p:cNvPr id="3" name="Title 2"/>
+          <p:cNvSpPr>
+            <a:spLocks noGrp="1"/>
+          </p:cNvSpPr>
+          <p:nvPr>
+            <p:ph type="title"/>
+          </p:nvPr>
+        </p:nvSpPr>
+        <p:spPr/>
+        <p:txBody>
+          <a:bodyPr wrap="square">
+            <a:noAutofit/>
+          </a:bodyPr>
+          <a:lstStyle/>
+          <a:p>
+            <a:r>
+              <a:rPr sz="3200" b="1" i="0">
+                <a:latin typeface="Arial"/>
+              </a:rPr>
+              <a:t>Types van analyse</a:t>
+            </a:r>
+            <a:endParaRPr sz="3200" b="1" i="0">
+              <a:latin typeface="Arial"/>
+            </a:endParaRPr>
+          </a:p>
+        </p:txBody>
+      </p:sp>
+    </p:spTree>
+  </p:cSld>
+  <p:clrMapOvr>
+    <a:masterClrMapping/>
+  </p:clrMapOvr>
+</p:sld>
+</file>
+
+<file path=ppt/slides/slide4.xml><?xml version="1.0" encoding="utf-8"?>
+<p:sld xmlns:a="http://schemas.openxmlformats.org/drawingml/2006/main" xmlns:p="http://schemas.openxmlformats.org/presentationml/2006/main" xmlns:r="http://schemas.openxmlformats.org/officeDocument/2006/relationships">
+  <p:cSld>
+    <p:spTree>
+      <p:nvGrpSpPr>
+        <p:cNvPr id="1" name=""/>
+        <p:cNvGrpSpPr/>
+        <p:nvPr/>
+      </p:nvGrpSpPr>
+      <p:grpSpPr/>
+      <p:sp>
+        <p:nvSpPr>
+          <p:cNvPr id="2" name="Content Placeholder 1"/>
+          <p:cNvSpPr>
+            <a:spLocks noGrp="1"/>
+          </p:cNvSpPr>
+          <p:nvPr>
+            <p:ph idx="1"/>
+          </p:nvPr>
+        </p:nvSpPr>
+        <p:spPr/>
+        <p:txBody>
+          <a:bodyPr/>
+          <a:lstStyle/>
+          <a:p/>
+          <a:p>
+            <a:pPr/>
+            <a:r>
+              <a:t>Onafhankelijke en afhankelijke spanning en stroombronnen</a:t>
+            </a:r>
+          </a:p>
+          <a:p>
+            <a:pPr/>
+            <a:r>
+              <a:t>Weerstanden</a:t>
+            </a:r>
+          </a:p>
+          <a:p>
+            <a:pPr/>
+            <a:r>
+              <a:t>Capaciteiten</a:t>
+            </a:r>
+          </a:p>
+          <a:p>
+            <a:pPr/>
+            <a:r>
+              <a:t>Spoelen</a:t>
+            </a:r>
+          </a:p>
+          <a:p>
+            <a:pPr/>
+            <a:r>
+              <a:t>Gekoppelde spoelen</a:t>
+            </a:r>
+          </a:p>
+          <a:p>
+            <a:pPr/>
+            <a:r>
+              <a:t>Transmissie lijnen</a:t>
+            </a:r>
+          </a:p>
+          <a:p>
+            <a:pPr/>
+            <a:r>
+              <a:t>Operational amplifiers</a:t>
+            </a:r>
+          </a:p>
+          <a:p>
+            <a:pPr/>
+            <a:r>
+              <a:t>Schakelaars</a:t>
+            </a:r>
+          </a:p>
+          <a:p>
+            <a:pPr/>
+            <a:r>
+              <a:t>Diodes</a:t>
+            </a:r>
+          </a:p>
+          <a:p>
+            <a:pPr/>
+            <a:r>
+              <a:t>Bipolaire transistors</a:t>
+            </a:r>
+          </a:p>
+          <a:p>
+            <a:pPr/>
+            <a:r>
+              <a:t>MOS transistors</a:t>
+            </a:r>
+          </a:p>
+          <a:p>
+            <a:pPr/>
+            <a:r>
+              <a:t>JFET</a:t>
+            </a:r>
+          </a:p>
+          <a:p>
+            <a:pPr/>
+            <a:r>
+              <a:t>MESFET</a:t>
+            </a:r>
+          </a:p>
+          <a:p>
+            <a:pPr/>
+            <a:r>
+              <a:t>Digitale poorten</a:t>
+            </a:r>
+          </a:p>
+        </p:txBody>
+      </p:sp>
+      <p:sp>
+        <p:nvSpPr>
+          <p:cNvPr id="3" name="Title 2"/>
+          <p:cNvSpPr>
+            <a:spLocks noGrp="1"/>
+          </p:cNvSpPr>
+          <p:nvPr>
+            <p:ph type="title"/>
+          </p:nvPr>
+        </p:nvSpPr>
+        <p:spPr/>
+        <p:txBody>
+          <a:bodyPr wrap="square">
+            <a:noAutofit/>
+          </a:bodyPr>
+          <a:lstStyle/>
+          <a:p>
+            <a:r>
+              <a:rPr sz="3200" b="1" i="0">
+                <a:latin typeface="Arial"/>
+              </a:rPr>
+              <a:t>Beschikbare componenten</a:t>
+            </a:r>
+            <a:endParaRPr sz="3200" b="1" i="0">
+              <a:latin typeface="Arial"/>
+            </a:endParaRPr>
+          </a:p>
+        </p:txBody>
+      </p:sp>
+    </p:spTree>
+  </p:cSld>
+  <p:clrMapOvr>
+    <a:masterClrMapping/>
+  </p:clrMapOvr>
+</p:sld>
+</file>
+
+<file path=ppt/slides/slide5.xml><?xml version="1.0" encoding="utf-8"?>
 <p:sld xmlns:a="http://schemas.openxmlformats.org/drawingml/2006/main" xmlns:p="http://schemas.openxmlformats.org/presentationml/2006/main" xmlns:r="http://schemas.openxmlformats.org/officeDocument/2006/relationships">
   <p:cSld>
     <p:spTree>
@@ -5957,7 +6587,7 @@
 </p:sld>
 </file>
 
-<file path=ppt/slides/slide3.xml><?xml version="1.0" encoding="utf-8"?>
+<file path=ppt/slides/slide6.xml><?xml version="1.0" encoding="utf-8"?>
 <p:sld xmlns:a="http://schemas.openxmlformats.org/drawingml/2006/main" xmlns:p="http://schemas.openxmlformats.org/presentationml/2006/main" xmlns:r="http://schemas.openxmlformats.org/officeDocument/2006/relationships">
   <p:cSld>
     <p:spTree>
@@ -6028,831 +6658,6 @@
 </p:sld>
 </file>
 
-<file path=ppt/slides/slide4.xml><?xml version="1.0" encoding="utf-8"?>
-<p:sld xmlns:a="http://schemas.openxmlformats.org/drawingml/2006/main" xmlns:p="http://schemas.openxmlformats.org/presentationml/2006/main" xmlns:r="http://schemas.openxmlformats.org/officeDocument/2006/relationships">
-  <p:cSld>
-    <p:spTree>
-      <p:nvGrpSpPr>
-        <p:cNvPr id="1" name=""/>
-        <p:cNvGrpSpPr/>
-        <p:nvPr/>
-      </p:nvGrpSpPr>
-      <p:grpSpPr/>
-      <p:sp>
-        <p:nvSpPr>
-          <p:cNvPr id="2" name="Content Placeholder 1"/>
-          <p:cNvSpPr>
-            <a:spLocks noGrp="1"/>
-          </p:cNvSpPr>
-          <p:nvPr>
-            <p:ph idx="1"/>
-          </p:nvPr>
-        </p:nvSpPr>
-        <p:spPr/>
-        <p:txBody>
-          <a:bodyPr wrap="square">
-            <a:noAutofit/>
-          </a:bodyPr>
-          <a:lstStyle/>
-          <a:p>
-            <a:pPr>
-              <a:lnSpc>
-                <a:spcPts val="1800"/>
-              </a:lnSpc>
-              <a:defRPr>
-                <a:solidFill>
-                  <a:srgbClr val="010101"/>
-                </a:solidFill>
-              </a:defRPr>
-            </a:pPr>
-            <a:r>
-              <a:rPr sz="3000" b="0" i="0">
-                <a:latin typeface="Courier"/>
-              </a:rPr>
-              <a:t>* CIRCUIT Spice file van een verschilversterker</a:t>
-            </a:r>
-            <a:endParaRPr sz="3000" b="0" i="0">
-              <a:latin typeface="Courier"/>
-            </a:endParaRPr>
-          </a:p>
-          <a:p>
-            <a:pPr>
-              <a:lnSpc>
-                <a:spcPts val="1800"/>
-              </a:lnSpc>
-              <a:defRPr>
-                <a:solidFill>
-                  <a:srgbClr val="010101"/>
-                </a:solidFill>
-              </a:defRPr>
-            </a:pPr>
-            <a:r>
-              <a:rPr sz="3000" b="0" i="0">
-                <a:latin typeface="Courier"/>
-              </a:rPr>
-              <a:t>VDD    1 0 DC=5.0</a:t>
-            </a:r>
-            <a:endParaRPr sz="3000" b="0" i="0">
-              <a:latin typeface="Courier"/>
-            </a:endParaRPr>
-          </a:p>
-          <a:p>
-            <a:pPr>
-              <a:lnSpc>
-                <a:spcPts val="1800"/>
-              </a:lnSpc>
-              <a:defRPr>
-                <a:solidFill>
-                  <a:srgbClr val="010101"/>
-                </a:solidFill>
-              </a:defRPr>
-            </a:pPr>
-            <a:r>
-              <a:rPr sz="3000" b="0" i="0">
-                <a:latin typeface="Courier"/>
-              </a:rPr>
-              <a:t>VPLUS 10 0 DC=2.5</a:t>
-            </a:r>
-            <a:endParaRPr sz="3000" b="0" i="0">
-              <a:latin typeface="Courier"/>
-            </a:endParaRPr>
-          </a:p>
-          <a:p>
-            <a:pPr>
-              <a:lnSpc>
-                <a:spcPts val="1800"/>
-              </a:lnSpc>
-              <a:defRPr>
-                <a:solidFill>
-                  <a:srgbClr val="010101"/>
-                </a:solidFill>
-              </a:defRPr>
-            </a:pPr>
-            <a:r>
-              <a:rPr sz="3000" b="0" i="0">
-                <a:latin typeface="Courier"/>
-              </a:rPr>
-              <a:t>VMIN  11 0 SIN(2.5 50U 1E6) DC=2.5</a:t>
-            </a:r>
-            <a:endParaRPr sz="3000" b="0" i="0">
-              <a:latin typeface="Courier"/>
-            </a:endParaRPr>
-          </a:p>
-          <a:p>
-            <a:pPr>
-              <a:lnSpc>
-                <a:spcPts val="1800"/>
-              </a:lnSpc>
-              <a:defRPr>
-                <a:solidFill>
-                  <a:srgbClr val="010101"/>
-                </a:solidFill>
-              </a:defRPr>
-            </a:pPr>
-            <a:r>
-              <a:rPr sz="3000" b="0" i="0">
-                <a:latin typeface="Courier"/>
-              </a:rPr>
-              <a:t>VB    9 0 DC=1.5</a:t>
-            </a:r>
-            <a:endParaRPr sz="3000" b="0" i="0">
-              <a:latin typeface="Courier"/>
-            </a:endParaRPr>
-          </a:p>
-          <a:p>
-            <a:pPr>
-              <a:lnSpc>
-                <a:spcPts val="1800"/>
-              </a:lnSpc>
-              <a:defRPr>
-                <a:solidFill>
-                  <a:srgbClr val="010101"/>
-                </a:solidFill>
-              </a:defRPr>
-            </a:pPr>
-            <a:r>
-              <a:rPr sz="3000" b="0" i="0">
-                <a:latin typeface="Courier"/>
-              </a:rPr>
-              <a:t>C3     3 0   5.914fF</a:t>
-            </a:r>
-            <a:endParaRPr sz="3000" b="0" i="0">
-              <a:latin typeface="Courier"/>
-            </a:endParaRPr>
-          </a:p>
-          <a:p>
-            <a:pPr>
-              <a:lnSpc>
-                <a:spcPts val="1800"/>
-              </a:lnSpc>
-              <a:defRPr>
-                <a:solidFill>
-                  <a:srgbClr val="010101"/>
-                </a:solidFill>
-              </a:defRPr>
-            </a:pPr>
-            <a:r>
-              <a:rPr sz="3000" b="0" i="0">
-                <a:latin typeface="Courier"/>
-              </a:rPr>
-              <a:t>C4     4 0  14.737fF</a:t>
-            </a:r>
-            <a:endParaRPr sz="3000" b="0" i="0">
-              <a:latin typeface="Courier"/>
-            </a:endParaRPr>
-          </a:p>
-          <a:p>
-            <a:pPr>
-              <a:lnSpc>
-                <a:spcPts val="1800"/>
-              </a:lnSpc>
-              <a:defRPr>
-                <a:solidFill>
-                  <a:srgbClr val="010101"/>
-                </a:solidFill>
-              </a:defRPr>
-            </a:pPr>
-            <a:r>
-              <a:rPr sz="3000" b="0" i="0">
-                <a:latin typeface="Courier"/>
-              </a:rPr>
-              <a:t>C5     5 0  10.124fF</a:t>
-            </a:r>
-            <a:endParaRPr sz="3000" b="0" i="0">
-              <a:latin typeface="Courier"/>
-            </a:endParaRPr>
-          </a:p>
-          <a:p>
-            <a:pPr>
-              <a:lnSpc>
-                <a:spcPts val="1800"/>
-              </a:lnSpc>
-              <a:defRPr>
-                <a:solidFill>
-                  <a:srgbClr val="010101"/>
-                </a:solidFill>
-              </a:defRPr>
-            </a:pPr>
-            <a:r>
-              <a:rPr sz="3000" b="0" i="0">
-                <a:latin typeface="Courier"/>
-              </a:rPr>
-              <a:t>C6     6 0  14.434fF</a:t>
-            </a:r>
-            <a:endParaRPr sz="3000" b="0" i="0">
-              <a:latin typeface="Courier"/>
-            </a:endParaRPr>
-          </a:p>
-          <a:p>
-            <a:pPr>
-              <a:lnSpc>
-                <a:spcPts val="1800"/>
-              </a:lnSpc>
-              <a:defRPr>
-                <a:solidFill>
-                  <a:srgbClr val="010101"/>
-                </a:solidFill>
-              </a:defRPr>
-            </a:pPr>
-            <a:r>
-              <a:rPr sz="3000" b="0" i="0">
-                <a:latin typeface="Courier"/>
-              </a:rPr>
-              <a:t>C8     8 0   7.919fF</a:t>
-            </a:r>
-            <a:endParaRPr sz="3000" b="0" i="0">
-              <a:latin typeface="Courier"/>
-            </a:endParaRPr>
-          </a:p>
-          <a:p>
-            <a:pPr>
-              <a:lnSpc>
-                <a:spcPts val="1800"/>
-              </a:lnSpc>
-              <a:defRPr>
-                <a:solidFill>
-                  <a:srgbClr val="010101"/>
-                </a:solidFill>
-              </a:defRPr>
-            </a:pPr>
-            <a:r>
-              <a:rPr sz="3000" b="0" i="0">
-                <a:latin typeface="Courier"/>
-              </a:rPr>
-              <a:t>C9     9 0  15.257fF</a:t>
-            </a:r>
-            <a:endParaRPr sz="3000" b="0" i="0">
-              <a:latin typeface="Courier"/>
-            </a:endParaRPr>
-          </a:p>
-          <a:p>
-            <a:pPr>
-              <a:lnSpc>
-                <a:spcPts val="1800"/>
-              </a:lnSpc>
-              <a:defRPr>
-                <a:solidFill>
-                  <a:srgbClr val="010101"/>
-                </a:solidFill>
-              </a:defRPr>
-            </a:pPr>
-            <a:r>
-              <a:rPr sz="3000" b="0" i="0">
-                <a:latin typeface="Courier"/>
-              </a:rPr>
-              <a:t>C10   10 0 1.872fF</a:t>
-            </a:r>
-            <a:endParaRPr sz="3000" b="0" i="0">
-              <a:latin typeface="Courier"/>
-            </a:endParaRPr>
-          </a:p>
-          <a:p>
-            <a:pPr>
-              <a:lnSpc>
-                <a:spcPts val="1800"/>
-              </a:lnSpc>
-              <a:defRPr>
-                <a:solidFill>
-                  <a:srgbClr val="010101"/>
-                </a:solidFill>
-              </a:defRPr>
-            </a:pPr>
-            <a:r>
-              <a:rPr sz="3000" b="0" i="0">
-                <a:latin typeface="Courier"/>
-              </a:rPr>
-              <a:t>C11   11 0 1.688fF</a:t>
-            </a:r>
-            <a:endParaRPr sz="3000" b="0" i="0">
-              <a:latin typeface="Courier"/>
-            </a:endParaRPr>
-          </a:p>
-          <a:p>
-            <a:pPr>
-              <a:lnSpc>
-                <a:spcPts val="1800"/>
-              </a:lnSpc>
-              <a:defRPr>
-                <a:solidFill>
-                  <a:srgbClr val="010101"/>
-                </a:solidFill>
-              </a:defRPr>
-            </a:pPr>
-            <a:r>
-              <a:rPr sz="3000" b="0" i="0">
-                <a:latin typeface="Courier"/>
-              </a:rPr>
-              <a:t>C25    1 5  1fF</a:t>
-            </a:r>
-            <a:endParaRPr sz="3000" b="0" i="0">
-              <a:latin typeface="Courier"/>
-            </a:endParaRPr>
-          </a:p>
-          <a:p>
-            <a:pPr>
-              <a:lnSpc>
-                <a:spcPts val="1800"/>
-              </a:lnSpc>
-              <a:defRPr>
-                <a:solidFill>
-                  <a:srgbClr val="010101"/>
-                </a:solidFill>
-              </a:defRPr>
-            </a:pPr>
-            <a:r>
-              <a:rPr sz="3000" b="0" i="0">
-                <a:latin typeface="Courier"/>
-              </a:rPr>
-              <a:t>MN1 3 5 0 0  NMOS w=1.50u L=0.50u</a:t>
-            </a:r>
-            <a:endParaRPr sz="3000" b="0" i="0">
-              <a:latin typeface="Courier"/>
-            </a:endParaRPr>
-          </a:p>
-        </p:txBody>
-      </p:sp>
-      <p:sp>
-        <p:nvSpPr>
-          <p:cNvPr id="3" name="Title 2"/>
-          <p:cNvSpPr>
-            <a:spLocks noGrp="1"/>
-          </p:cNvSpPr>
-          <p:nvPr>
-            <p:ph type="title"/>
-          </p:nvPr>
-        </p:nvSpPr>
-        <p:spPr/>
-        <p:txBody>
-          <a:bodyPr wrap="square">
-            <a:noAutofit/>
-          </a:bodyPr>
-          <a:lstStyle/>
-          <a:p>
-            <a:r>
-              <a:rPr sz="3200" b="1" i="0">
-                <a:latin typeface="Arial"/>
-              </a:rPr>
-              <a:t>Spice beschrijving</a:t>
-            </a:r>
-            <a:endParaRPr sz="3200" b="1" i="0">
-              <a:latin typeface="Arial"/>
-            </a:endParaRPr>
-          </a:p>
-        </p:txBody>
-      </p:sp>
-    </p:spTree>
-  </p:cSld>
-  <p:clrMapOvr>
-    <a:masterClrMapping/>
-  </p:clrMapOvr>
-</p:sld>
-</file>
-
-<file path=ppt/slides/slide5.xml><?xml version="1.0" encoding="utf-8"?>
-<p:sld xmlns:a="http://schemas.openxmlformats.org/drawingml/2006/main" xmlns:p="http://schemas.openxmlformats.org/presentationml/2006/main" xmlns:r="http://schemas.openxmlformats.org/officeDocument/2006/relationships">
-  <p:cSld>
-    <p:spTree>
-      <p:nvGrpSpPr>
-        <p:cNvPr id="1" name=""/>
-        <p:cNvGrpSpPr/>
-        <p:nvPr/>
-      </p:nvGrpSpPr>
-      <p:grpSpPr/>
-      <p:sp>
-        <p:nvSpPr>
-          <p:cNvPr id="2" name="Content Placeholder 1"/>
-          <p:cNvSpPr>
-            <a:spLocks noGrp="1"/>
-          </p:cNvSpPr>
-          <p:nvPr>
-            <p:ph idx="1"/>
-          </p:nvPr>
-        </p:nvSpPr>
-        <p:spPr/>
-        <p:txBody>
-          <a:bodyPr wrap="square">
-            <a:noAutofit/>
-          </a:bodyPr>
-          <a:lstStyle/>
-          <a:p>
-            <a:pPr>
-              <a:lnSpc>
-                <a:spcPts val="1800"/>
-              </a:lnSpc>
-              <a:defRPr>
-                <a:solidFill>
-                  <a:srgbClr val="010101"/>
-                </a:solidFill>
-              </a:defRPr>
-            </a:pPr>
-            <a:r>
-              <a:rPr sz="3000" b="0" i="0">
-                <a:latin typeface="Courier"/>
-              </a:rPr>
-              <a:t>MN2 0 5 5 0  NMOS w=1.50u L=0.50u</a:t>
-            </a:r>
-            <a:endParaRPr sz="3000" b="0" i="0">
-              <a:latin typeface="Courier"/>
-            </a:endParaRPr>
-          </a:p>
-          <a:p>
-            <a:pPr>
-              <a:lnSpc>
-                <a:spcPts val="1800"/>
-              </a:lnSpc>
-              <a:defRPr>
-                <a:solidFill>
-                  <a:srgbClr val="010101"/>
-                </a:solidFill>
-              </a:defRPr>
-            </a:pPr>
-            <a:r>
-              <a:rPr sz="3000" b="0" i="0">
-                <a:latin typeface="Courier"/>
-              </a:rPr>
-              <a:t>MN3 8 10 4 0 NMOS w=1.50u L=0.50U</a:t>
-            </a:r>
-            <a:endParaRPr sz="3000" b="0" i="0">
-              <a:latin typeface="Courier"/>
-            </a:endParaRPr>
-          </a:p>
-          <a:p>
-            <a:pPr>
-              <a:lnSpc>
-                <a:spcPts val="1800"/>
-              </a:lnSpc>
-              <a:defRPr>
-                <a:solidFill>
-                  <a:srgbClr val="010101"/>
-                </a:solidFill>
-              </a:defRPr>
-            </a:pPr>
-            <a:r>
-              <a:rPr sz="3000" b="0" i="0">
-                <a:latin typeface="Courier"/>
-              </a:rPr>
-              <a:t>MN4 0 9 8 0  NMOS w=4.50u L=0.50U</a:t>
-            </a:r>
-            <a:endParaRPr sz="3000" b="0" i="0">
-              <a:latin typeface="Courier"/>
-            </a:endParaRPr>
-          </a:p>
-          <a:p>
-            <a:pPr>
-              <a:lnSpc>
-                <a:spcPts val="1800"/>
-              </a:lnSpc>
-              <a:defRPr>
-                <a:solidFill>
-                  <a:srgbClr val="010101"/>
-                </a:solidFill>
-              </a:defRPr>
-            </a:pPr>
-            <a:r>
-              <a:rPr sz="3000" b="0" i="0">
-                <a:latin typeface="Courier"/>
-              </a:rPr>
-              <a:t>MN5 6 11 8 0 NMOS w=1.50u L=0.50U</a:t>
-            </a:r>
-            <a:endParaRPr sz="3000" b="0" i="0">
-              <a:latin typeface="Courier"/>
-            </a:endParaRPr>
-          </a:p>
-          <a:p>
-            <a:pPr>
-              <a:lnSpc>
-                <a:spcPts val="1800"/>
-              </a:lnSpc>
-              <a:defRPr>
-                <a:solidFill>
-                  <a:srgbClr val="010101"/>
-                </a:solidFill>
-              </a:defRPr>
-            </a:pPr>
-            <a:r>
-              <a:rPr sz="3000" b="0" i="0">
-                <a:latin typeface="Courier"/>
-              </a:rPr>
-              <a:t>MP1 1 4 3 1  PMOS w=3.50u L=0.50U</a:t>
-            </a:r>
-            <a:endParaRPr sz="3000" b="0" i="0">
-              <a:latin typeface="Courier"/>
-            </a:endParaRPr>
-          </a:p>
-          <a:p>
-            <a:pPr>
-              <a:lnSpc>
-                <a:spcPts val="1800"/>
-              </a:lnSpc>
-              <a:defRPr>
-                <a:solidFill>
-                  <a:srgbClr val="010101"/>
-                </a:solidFill>
-              </a:defRPr>
-            </a:pPr>
-            <a:r>
-              <a:rPr sz="3000" b="0" i="0">
-                <a:latin typeface="Courier"/>
-              </a:rPr>
-              <a:t>MP2 4 4 1 1  PMOS w=3.50u L=0.50U</a:t>
-            </a:r>
-            <a:endParaRPr sz="3000" b="0" i="0">
-              <a:latin typeface="Courier"/>
-            </a:endParaRPr>
-          </a:p>
-          <a:p>
-            <a:pPr>
-              <a:lnSpc>
-                <a:spcPts val="1800"/>
-              </a:lnSpc>
-              <a:defRPr>
-                <a:solidFill>
-                  <a:srgbClr val="010101"/>
-                </a:solidFill>
-              </a:defRPr>
-            </a:pPr>
-            <a:r>
-              <a:rPr sz="3000" b="0" i="0">
-                <a:latin typeface="Courier"/>
-              </a:rPr>
-              <a:t>MP3 1 6 5 1  PMOS w=3.50u L=0.50U</a:t>
-            </a:r>
-            <a:endParaRPr sz="3000" b="0" i="0">
-              <a:latin typeface="Courier"/>
-            </a:endParaRPr>
-          </a:p>
-          <a:p>
-            <a:pPr>
-              <a:lnSpc>
-                <a:spcPts val="1800"/>
-              </a:lnSpc>
-              <a:defRPr>
-                <a:solidFill>
-                  <a:srgbClr val="010101"/>
-                </a:solidFill>
-              </a:defRPr>
-            </a:pPr>
-            <a:r>
-              <a:rPr sz="3000" b="0" i="0">
-                <a:latin typeface="Courier"/>
-              </a:rPr>
-              <a:t>MP4 6 6 1 1  PMOS w=3.50u L=0.50U</a:t>
-            </a:r>
-            <a:endParaRPr sz="3000" b="0" i="0">
-              <a:latin typeface="Courier"/>
-            </a:endParaRPr>
-          </a:p>
-          <a:p>
-            <a:pPr>
-              <a:lnSpc>
-                <a:spcPts val="1800"/>
-              </a:lnSpc>
-              <a:defRPr>
-                <a:solidFill>
-                  <a:srgbClr val="010101"/>
-                </a:solidFill>
-              </a:defRPr>
-            </a:pPr>
-            <a:r>
-              <a:rPr sz="3000" b="0" i="0">
-                <a:latin typeface="Courier"/>
-              </a:rPr>
-              <a:t>.MODEL NMOS NMOS(LEVEL=1 VTO=0.50 KP=90.000E-6 LAMBDA=0.001)</a:t>
-            </a:r>
-            <a:endParaRPr sz="3000" b="0" i="0">
-              <a:latin typeface="Courier"/>
-            </a:endParaRPr>
-          </a:p>
-          <a:p>
-            <a:pPr>
-              <a:lnSpc>
-                <a:spcPts val="1800"/>
-              </a:lnSpc>
-              <a:defRPr>
-                <a:solidFill>
-                  <a:srgbClr val="010101"/>
-                </a:solidFill>
-              </a:defRPr>
-            </a:pPr>
-            <a:r>
-              <a:rPr sz="3000" b="0" i="0">
-                <a:latin typeface="Courier"/>
-              </a:rPr>
-              <a:t>.MODEL PMOS PMOS(LEVEL=1 VTO=-0.45 KP=55.000E-6 LAMBDA=0.001)</a:t>
-            </a:r>
-            <a:endParaRPr sz="3000" b="0" i="0">
-              <a:latin typeface="Courier"/>
-            </a:endParaRPr>
-          </a:p>
-        </p:txBody>
-      </p:sp>
-      <p:sp>
-        <p:nvSpPr>
-          <p:cNvPr id="3" name="Title 2"/>
-          <p:cNvSpPr>
-            <a:spLocks noGrp="1"/>
-          </p:cNvSpPr>
-          <p:nvPr>
-            <p:ph type="title"/>
-          </p:nvPr>
-        </p:nvSpPr>
-        <p:spPr/>
-        <p:txBody>
-          <a:bodyPr wrap="square">
-            <a:noAutofit/>
-          </a:bodyPr>
-          <a:lstStyle/>
-          <a:p>
-            <a:r>
-              <a:rPr sz="3200" b="1" i="0">
-                <a:latin typeface="Arial"/>
-              </a:rPr>
-              <a:t>Spice beschrijving</a:t>
-            </a:r>
-            <a:endParaRPr sz="3200" b="1" i="0">
-              <a:latin typeface="Arial"/>
-            </a:endParaRPr>
-          </a:p>
-        </p:txBody>
-      </p:sp>
-    </p:spTree>
-  </p:cSld>
-  <p:clrMapOvr>
-    <a:masterClrMapping/>
-  </p:clrMapOvr>
-</p:sld>
-</file>
-
-<file path=ppt/slides/slide6.xml><?xml version="1.0" encoding="utf-8"?>
-<p:sld xmlns:a="http://schemas.openxmlformats.org/drawingml/2006/main" xmlns:p="http://schemas.openxmlformats.org/presentationml/2006/main" xmlns:r="http://schemas.openxmlformats.org/officeDocument/2006/relationships">
-  <p:cSld>
-    <p:spTree>
-      <p:nvGrpSpPr>
-        <p:cNvPr id="1" name=""/>
-        <p:cNvGrpSpPr/>
-        <p:nvPr/>
-      </p:nvGrpSpPr>
-      <p:grpSpPr/>
-      <p:sp>
-        <p:nvSpPr>
-          <p:cNvPr id="2" name="Content Placeholder 1"/>
-          <p:cNvSpPr>
-            <a:spLocks noGrp="1"/>
-          </p:cNvSpPr>
-          <p:nvPr>
-            <p:ph idx="1"/>
-          </p:nvPr>
-        </p:nvSpPr>
-        <p:spPr/>
-        <p:txBody>
-          <a:bodyPr wrap="square">
-            <a:noAutofit/>
-          </a:bodyPr>
-          <a:lstStyle/>
-          <a:p>
-            <a:pPr>
-              <a:lnSpc>
-                <a:spcPts val="1800"/>
-              </a:lnSpc>
-              <a:defRPr>
-                <a:solidFill>
-                  <a:srgbClr val="010101"/>
-                </a:solidFill>
-              </a:defRPr>
-            </a:pPr>
-            <a:r>
-              <a:rPr sz="3000" b="0" i="0">
-                <a:latin typeface="Courier"/>
-              </a:rPr>
-              <a:t>MN1 3 5 0 0  NMOS w=1.50u L=0.50u</a:t>
-            </a:r>
-            <a:endParaRPr sz="3000" b="0" i="0">
-              <a:latin typeface="Courier"/>
-            </a:endParaRPr>
-          </a:p>
-          <a:p>
-            <a:pPr>
-              <a:lnSpc>
-                <a:spcPts val="1800"/>
-              </a:lnSpc>
-              <a:defRPr>
-                <a:solidFill>
-                  <a:srgbClr val="010101"/>
-                </a:solidFill>
-              </a:defRPr>
-            </a:pPr>
-            <a:r>
-              <a:rPr sz="3000" b="0" i="0">
-                <a:latin typeface="Courier"/>
-              </a:rPr>
-              <a:t>MN2 0 5 5 0  NMOS w=1.50u L=0.50u</a:t>
-            </a:r>
-            <a:endParaRPr sz="3000" b="0" i="0">
-              <a:latin typeface="Courier"/>
-            </a:endParaRPr>
-          </a:p>
-          <a:p>
-            <a:pPr>
-              <a:lnSpc>
-                <a:spcPts val="1800"/>
-              </a:lnSpc>
-              <a:defRPr>
-                <a:solidFill>
-                  <a:srgbClr val="010101"/>
-                </a:solidFill>
-              </a:defRPr>
-            </a:pPr>
-            <a:r>
-              <a:rPr sz="3000" b="0" i="0">
-                <a:latin typeface="Courier"/>
-              </a:rPr>
-              <a:t>MN3 8 10 4 0 NMOS w=1.50u L=0.50U</a:t>
-            </a:r>
-            <a:endParaRPr sz="3000" b="0" i="0">
-              <a:latin typeface="Courier"/>
-            </a:endParaRPr>
-          </a:p>
-          <a:p>
-            <a:pPr>
-              <a:lnSpc>
-                <a:spcPts val="1800"/>
-              </a:lnSpc>
-              <a:defRPr>
-                <a:solidFill>
-                  <a:srgbClr val="010101"/>
-                </a:solidFill>
-              </a:defRPr>
-            </a:pPr>
-            <a:r>
-              <a:rPr sz="3000" b="0" i="0">
-                <a:latin typeface="Courier"/>
-              </a:rPr>
-              <a:t>MN4 0 9 8 0  NMOS w=4.50u L=0.50U</a:t>
-            </a:r>
-            <a:endParaRPr sz="3000" b="0" i="0">
-              <a:latin typeface="Courier"/>
-            </a:endParaRPr>
-          </a:p>
-          <a:p>
-            <a:pPr>
-              <a:lnSpc>
-                <a:spcPts val="1800"/>
-              </a:lnSpc>
-              <a:defRPr>
-                <a:solidFill>
-                  <a:srgbClr val="010101"/>
-                </a:solidFill>
-              </a:defRPr>
-            </a:pPr>
-            <a:r>
-              <a:rPr sz="3000" b="0" i="0">
-                <a:latin typeface="Courier"/>
-              </a:rPr>
-              <a:t>MN5 6 11 8 0 NMOS w=1.50u L=0.50U</a:t>
-            </a:r>
-            <a:endParaRPr sz="3000" b="0" i="0">
-              <a:latin typeface="Courier"/>
-            </a:endParaRPr>
-          </a:p>
-        </p:txBody>
-      </p:sp>
-      <p:sp>
-        <p:nvSpPr>
-          <p:cNvPr id="3" name="Title 2"/>
-          <p:cNvSpPr>
-            <a:spLocks noGrp="1"/>
-          </p:cNvSpPr>
-          <p:nvPr>
-            <p:ph type="title"/>
-          </p:nvPr>
-        </p:nvSpPr>
-        <p:spPr/>
-        <p:txBody>
-          <a:bodyPr wrap="square">
-            <a:noAutofit/>
-          </a:bodyPr>
-          <a:lstStyle/>
-          <a:p>
-            <a:r>
-              <a:rPr sz="3200" b="1" i="0">
-                <a:latin typeface="Arial"/>
-              </a:rPr>
-              <a:t>nMOS transistors</a:t>
-            </a:r>
-            <a:endParaRPr sz="3200" b="1" i="0">
-              <a:latin typeface="Arial"/>
-            </a:endParaRPr>
-          </a:p>
-        </p:txBody>
-      </p:sp>
-    </p:spTree>
-  </p:cSld>
-  <p:clrMapOvr>
-    <a:masterClrMapping/>
-  </p:clrMapOvr>
-</p:sld>
-</file>
-
 <file path=ppt/slides/slide7.xml><?xml version="1.0" encoding="utf-8"?>
 <p:sld xmlns:a="http://schemas.openxmlformats.org/drawingml/2006/main" xmlns:p="http://schemas.openxmlformats.org/presentationml/2006/main" xmlns:r="http://schemas.openxmlformats.org/officeDocument/2006/relationships">
   <p:cSld>
@@ -6865,7 +6670,340 @@
       <p:grpSpPr/>
       <p:sp>
         <p:nvSpPr>
-          <p:cNvPr id="2" name="Title 1"/>
+          <p:cNvPr id="2" name="Content Placeholder 1"/>
+          <p:cNvSpPr>
+            <a:spLocks noGrp="1"/>
+          </p:cNvSpPr>
+          <p:nvPr>
+            <p:ph idx="1"/>
+          </p:nvPr>
+        </p:nvSpPr>
+        <p:spPr/>
+        <p:txBody>
+          <a:bodyPr wrap="square">
+            <a:noAutofit/>
+          </a:bodyPr>
+          <a:lstStyle/>
+          <a:p>
+            <a:pPr>
+              <a:lnSpc>
+                <a:spcPts val="1800"/>
+              </a:lnSpc>
+              <a:defRPr>
+                <a:solidFill>
+                  <a:srgbClr val="FFFFFF"/>
+                </a:solidFill>
+              </a:defRPr>
+            </a:pPr>
+            <a:r>
+              <a:rPr sz="3000" b="0" i="0">
+                <a:latin typeface="Courier"/>
+              </a:rPr>
+              <a:t>* CIRCUIT Spice file van een verschilversterker</a:t>
+            </a:r>
+            <a:endParaRPr sz="3000" b="0" i="0">
+              <a:latin typeface="Courier"/>
+            </a:endParaRPr>
+          </a:p>
+          <a:p>
+            <a:pPr>
+              <a:lnSpc>
+                <a:spcPts val="1800"/>
+              </a:lnSpc>
+              <a:defRPr>
+                <a:solidFill>
+                  <a:srgbClr val="FFFFFF"/>
+                </a:solidFill>
+              </a:defRPr>
+            </a:pPr>
+            <a:r>
+              <a:rPr sz="3000" b="0" i="0">
+                <a:latin typeface="Courier"/>
+              </a:rPr>
+              <a:t>VDD    1 0 DC=5.0</a:t>
+            </a:r>
+            <a:endParaRPr sz="3000" b="0" i="0">
+              <a:latin typeface="Courier"/>
+            </a:endParaRPr>
+          </a:p>
+          <a:p>
+            <a:pPr>
+              <a:lnSpc>
+                <a:spcPts val="1800"/>
+              </a:lnSpc>
+              <a:defRPr>
+                <a:solidFill>
+                  <a:srgbClr val="FFFFFF"/>
+                </a:solidFill>
+              </a:defRPr>
+            </a:pPr>
+            <a:r>
+              <a:rPr sz="3000" b="0" i="0">
+                <a:latin typeface="Courier"/>
+              </a:rPr>
+              <a:t>VPLUS 10 0 DC=2.5</a:t>
+            </a:r>
+            <a:endParaRPr sz="3000" b="0" i="0">
+              <a:latin typeface="Courier"/>
+            </a:endParaRPr>
+          </a:p>
+          <a:p>
+            <a:pPr>
+              <a:lnSpc>
+                <a:spcPts val="1800"/>
+              </a:lnSpc>
+              <a:defRPr>
+                <a:solidFill>
+                  <a:srgbClr val="FFFFFF"/>
+                </a:solidFill>
+              </a:defRPr>
+            </a:pPr>
+            <a:r>
+              <a:rPr sz="3000" b="0" i="0">
+                <a:latin typeface="Courier"/>
+              </a:rPr>
+              <a:t>VMIN  11 0 SIN(2.5 50U 1E6) DC=2.5</a:t>
+            </a:r>
+            <a:endParaRPr sz="3000" b="0" i="0">
+              <a:latin typeface="Courier"/>
+            </a:endParaRPr>
+          </a:p>
+          <a:p>
+            <a:pPr>
+              <a:lnSpc>
+                <a:spcPts val="1800"/>
+              </a:lnSpc>
+              <a:defRPr>
+                <a:solidFill>
+                  <a:srgbClr val="FFFFFF"/>
+                </a:solidFill>
+              </a:defRPr>
+            </a:pPr>
+            <a:r>
+              <a:rPr sz="3000" b="0" i="0">
+                <a:latin typeface="Courier"/>
+              </a:rPr>
+              <a:t>VB    9 0 DC=1.5</a:t>
+            </a:r>
+            <a:endParaRPr sz="3000" b="0" i="0">
+              <a:latin typeface="Courier"/>
+            </a:endParaRPr>
+          </a:p>
+          <a:p>
+            <a:pPr>
+              <a:lnSpc>
+                <a:spcPts val="1800"/>
+              </a:lnSpc>
+              <a:defRPr>
+                <a:solidFill>
+                  <a:srgbClr val="FFFFFF"/>
+                </a:solidFill>
+              </a:defRPr>
+            </a:pPr>
+            <a:r>
+              <a:rPr sz="3000" b="0" i="0">
+                <a:latin typeface="Courier"/>
+              </a:rPr>
+              <a:t>C3     3 0   5.914fF</a:t>
+            </a:r>
+            <a:endParaRPr sz="3000" b="0" i="0">
+              <a:latin typeface="Courier"/>
+            </a:endParaRPr>
+          </a:p>
+          <a:p>
+            <a:pPr>
+              <a:lnSpc>
+                <a:spcPts val="1800"/>
+              </a:lnSpc>
+              <a:defRPr>
+                <a:solidFill>
+                  <a:srgbClr val="FFFFFF"/>
+                </a:solidFill>
+              </a:defRPr>
+            </a:pPr>
+            <a:r>
+              <a:rPr sz="3000" b="0" i="0">
+                <a:latin typeface="Courier"/>
+              </a:rPr>
+              <a:t>C4     4 0  14.737fF</a:t>
+            </a:r>
+            <a:endParaRPr sz="3000" b="0" i="0">
+              <a:latin typeface="Courier"/>
+            </a:endParaRPr>
+          </a:p>
+          <a:p>
+            <a:pPr>
+              <a:lnSpc>
+                <a:spcPts val="1800"/>
+              </a:lnSpc>
+              <a:defRPr>
+                <a:solidFill>
+                  <a:srgbClr val="FFFFFF"/>
+                </a:solidFill>
+              </a:defRPr>
+            </a:pPr>
+            <a:r>
+              <a:rPr sz="3000" b="0" i="0">
+                <a:latin typeface="Courier"/>
+              </a:rPr>
+              <a:t>C5     5 0  10.124fF</a:t>
+            </a:r>
+            <a:endParaRPr sz="3000" b="0" i="0">
+              <a:latin typeface="Courier"/>
+            </a:endParaRPr>
+          </a:p>
+          <a:p>
+            <a:pPr>
+              <a:lnSpc>
+                <a:spcPts val="1800"/>
+              </a:lnSpc>
+              <a:defRPr>
+                <a:solidFill>
+                  <a:srgbClr val="FFFFFF"/>
+                </a:solidFill>
+              </a:defRPr>
+            </a:pPr>
+            <a:r>
+              <a:rPr sz="3000" b="0" i="0">
+                <a:latin typeface="Courier"/>
+              </a:rPr>
+              <a:t>C6     6 0  14.434fF</a:t>
+            </a:r>
+            <a:endParaRPr sz="3000" b="0" i="0">
+              <a:latin typeface="Courier"/>
+            </a:endParaRPr>
+          </a:p>
+          <a:p>
+            <a:pPr>
+              <a:lnSpc>
+                <a:spcPts val="1800"/>
+              </a:lnSpc>
+              <a:defRPr>
+                <a:solidFill>
+                  <a:srgbClr val="FFFFFF"/>
+                </a:solidFill>
+              </a:defRPr>
+            </a:pPr>
+            <a:r>
+              <a:rPr sz="3000" b="0" i="0">
+                <a:latin typeface="Courier"/>
+              </a:rPr>
+              <a:t>C8     8 0   7.919fF</a:t>
+            </a:r>
+            <a:endParaRPr sz="3000" b="0" i="0">
+              <a:latin typeface="Courier"/>
+            </a:endParaRPr>
+          </a:p>
+          <a:p>
+            <a:pPr>
+              <a:lnSpc>
+                <a:spcPts val="1800"/>
+              </a:lnSpc>
+              <a:defRPr>
+                <a:solidFill>
+                  <a:srgbClr val="FFFFFF"/>
+                </a:solidFill>
+              </a:defRPr>
+            </a:pPr>
+            <a:r>
+              <a:rPr sz="3000" b="0" i="0">
+                <a:latin typeface="Courier"/>
+              </a:rPr>
+              <a:t>C9     9 0  15.257fF</a:t>
+            </a:r>
+            <a:endParaRPr sz="3000" b="0" i="0">
+              <a:latin typeface="Courier"/>
+            </a:endParaRPr>
+          </a:p>
+          <a:p>
+            <a:pPr>
+              <a:lnSpc>
+                <a:spcPts val="1800"/>
+              </a:lnSpc>
+              <a:defRPr>
+                <a:solidFill>
+                  <a:srgbClr val="FFFFFF"/>
+                </a:solidFill>
+              </a:defRPr>
+            </a:pPr>
+            <a:r>
+              <a:rPr sz="3000" b="0" i="0">
+                <a:latin typeface="Courier"/>
+              </a:rPr>
+              <a:t>C10   10 0 1.872fF</a:t>
+            </a:r>
+            <a:endParaRPr sz="3000" b="0" i="0">
+              <a:latin typeface="Courier"/>
+            </a:endParaRPr>
+          </a:p>
+          <a:p>
+            <a:pPr>
+              <a:lnSpc>
+                <a:spcPts val="1800"/>
+              </a:lnSpc>
+              <a:defRPr>
+                <a:solidFill>
+                  <a:srgbClr val="FFFFFF"/>
+                </a:solidFill>
+              </a:defRPr>
+            </a:pPr>
+            <a:r>
+              <a:rPr sz="3000" b="0" i="0">
+                <a:latin typeface="Courier"/>
+              </a:rPr>
+              <a:t>C11   11 0 1.688fF</a:t>
+            </a:r>
+            <a:endParaRPr sz="3000" b="0" i="0">
+              <a:latin typeface="Courier"/>
+            </a:endParaRPr>
+          </a:p>
+          <a:p>
+            <a:pPr>
+              <a:lnSpc>
+                <a:spcPts val="1800"/>
+              </a:lnSpc>
+              <a:defRPr>
+                <a:solidFill>
+                  <a:srgbClr val="FFFFFF"/>
+                </a:solidFill>
+              </a:defRPr>
+            </a:pPr>
+            <a:r>
+              <a:rPr sz="3000" b="0" i="0">
+                <a:latin typeface="Courier"/>
+              </a:rPr>
+              <a:t>C25    1 5  1fF</a:t>
+            </a:r>
+            <a:endParaRPr sz="3000" b="0" i="0">
+              <a:latin typeface="Courier"/>
+            </a:endParaRPr>
+          </a:p>
+          <a:p>
+            <a:pPr>
+              <a:lnSpc>
+                <a:spcPts val="1800"/>
+              </a:lnSpc>
+              <a:defRPr>
+                <a:solidFill>
+                  <a:srgbClr val="FFFFFF"/>
+                </a:solidFill>
+              </a:defRPr>
+            </a:pPr>
+            <a:r>
+              <a:rPr sz="3000" b="0" i="0">
+                <a:latin typeface="Courier"/>
+              </a:rPr>
+              <a:t>MN1 3 5 0 0  NMOS w=1.50u L=0.50u</a:t>
+            </a:r>
+            <a:endParaRPr sz="3000" b="0" i="0">
+              <a:latin typeface="Courier"/>
+            </a:endParaRPr>
+          </a:p>
+        </p:txBody>
+      </p:sp>
+      <p:sp>
+        <p:nvSpPr>
+          <p:cNvPr id="3" name="Title 2"/>
           <p:cNvSpPr>
             <a:spLocks noGrp="1"/>
           </p:cNvSpPr>
@@ -6884,7 +7022,7 @@
               <a:rPr sz="3200" b="1" i="0">
                 <a:latin typeface="Arial"/>
               </a:rPr>
-              <a:t>nMOS transistors van de verschilversterker</a:t>
+              <a:t>Spice beschrijving</a:t>
             </a:r>
             <a:endParaRPr sz="3200" b="1" i="0">
               <a:latin typeface="Arial"/>
@@ -6892,30 +7030,6 @@
           </a:p>
         </p:txBody>
       </p:sp>
-      <p:pic>
-        <p:nvPicPr>
-          <p:cNvPr id="3" name="Picture 2" descr="image.png"/>
-          <p:cNvPicPr>
-            <a:picLocks noChangeAspect="1"/>
-          </p:cNvPicPr>
-          <p:nvPr/>
-        </p:nvPicPr>
-        <p:blipFill>
-          <a:blip r:embed="rId2"/>
-          <a:stretch>
-            <a:fillRect/>
-          </a:stretch>
-        </p:blipFill>
-        <p:spPr>
-          <a:xfrm>
-            <a:off x="1214717" y="1179576"/>
-            <a:ext cx="9762565" cy="5029200"/>
-          </a:xfrm>
-          <a:prstGeom prst="rect">
-            <a:avLst/>
-          </a:prstGeom>
-        </p:spPr>
-      </p:pic>
     </p:spTree>
   </p:cSld>
   <p:clrMapOvr>
@@ -6957,7 +7071,7 @@
               </a:lnSpc>
               <a:defRPr>
                 <a:solidFill>
-                  <a:srgbClr val="010101"/>
+                  <a:srgbClr val="FFFFFF"/>
                 </a:solidFill>
               </a:defRPr>
             </a:pPr>
@@ -6965,7 +7079,7 @@
               <a:rPr sz="3000" b="0" i="0">
                 <a:latin typeface="Courier"/>
               </a:rPr>
-              <a:t>MP1 1 4 3 1  PMOS w=3.50u L=0.50U</a:t>
+              <a:t>MN2 0 5 5 0  NMOS w=1.50u L=0.50u</a:t>
             </a:r>
             <a:endParaRPr sz="3000" b="0" i="0">
               <a:latin typeface="Courier"/>
@@ -6978,7 +7092,7 @@
               </a:lnSpc>
               <a:defRPr>
                 <a:solidFill>
-                  <a:srgbClr val="010101"/>
+                  <a:srgbClr val="FFFFFF"/>
                 </a:solidFill>
               </a:defRPr>
             </a:pPr>
@@ -6986,7 +7100,7 @@
               <a:rPr sz="3000" b="0" i="0">
                 <a:latin typeface="Courier"/>
               </a:rPr>
-              <a:t>MP2 4 4 1 1  PMOS w=3.50u L=0.50U</a:t>
+              <a:t>MN3 8 10 4 0 NMOS w=1.50u L=0.50U</a:t>
             </a:r>
             <a:endParaRPr sz="3000" b="0" i="0">
               <a:latin typeface="Courier"/>
@@ -6999,7 +7113,7 @@
               </a:lnSpc>
               <a:defRPr>
                 <a:solidFill>
-                  <a:srgbClr val="010101"/>
+                  <a:srgbClr val="FFFFFF"/>
                 </a:solidFill>
               </a:defRPr>
             </a:pPr>
@@ -7007,7 +7121,7 @@
               <a:rPr sz="3000" b="0" i="0">
                 <a:latin typeface="Courier"/>
               </a:rPr>
-              <a:t>MP3 1 6 5 1  PMOS w=3.50u L=0.50U</a:t>
+              <a:t>MN4 0 9 8 0  NMOS w=4.50u L=0.50U</a:t>
             </a:r>
             <a:endParaRPr sz="3000" b="0" i="0">
               <a:latin typeface="Courier"/>
@@ -7020,7 +7134,91 @@
               </a:lnSpc>
               <a:defRPr>
                 <a:solidFill>
-                  <a:srgbClr val="010101"/>
+                  <a:srgbClr val="FFFFFF"/>
+                </a:solidFill>
+              </a:defRPr>
+            </a:pPr>
+            <a:r>
+              <a:rPr sz="3000" b="0" i="0">
+                <a:latin typeface="Courier"/>
+              </a:rPr>
+              <a:t>MN5 6 11 8 0 NMOS w=1.50u L=0.50U</a:t>
+            </a:r>
+            <a:endParaRPr sz="3000" b="0" i="0">
+              <a:latin typeface="Courier"/>
+            </a:endParaRPr>
+          </a:p>
+          <a:p>
+            <a:pPr>
+              <a:lnSpc>
+                <a:spcPts val="1800"/>
+              </a:lnSpc>
+              <a:defRPr>
+                <a:solidFill>
+                  <a:srgbClr val="FFFFFF"/>
+                </a:solidFill>
+              </a:defRPr>
+            </a:pPr>
+            <a:r>
+              <a:rPr sz="3000" b="0" i="0">
+                <a:latin typeface="Courier"/>
+              </a:rPr>
+              <a:t>MP1 1 4 3 1  PMOS w=3.50u L=0.50U</a:t>
+            </a:r>
+            <a:endParaRPr sz="3000" b="0" i="0">
+              <a:latin typeface="Courier"/>
+            </a:endParaRPr>
+          </a:p>
+          <a:p>
+            <a:pPr>
+              <a:lnSpc>
+                <a:spcPts val="1800"/>
+              </a:lnSpc>
+              <a:defRPr>
+                <a:solidFill>
+                  <a:srgbClr val="FFFFFF"/>
+                </a:solidFill>
+              </a:defRPr>
+            </a:pPr>
+            <a:r>
+              <a:rPr sz="3000" b="0" i="0">
+                <a:latin typeface="Courier"/>
+              </a:rPr>
+              <a:t>MP2 4 4 1 1  PMOS w=3.50u L=0.50U</a:t>
+            </a:r>
+            <a:endParaRPr sz="3000" b="0" i="0">
+              <a:latin typeface="Courier"/>
+            </a:endParaRPr>
+          </a:p>
+          <a:p>
+            <a:pPr>
+              <a:lnSpc>
+                <a:spcPts val="1800"/>
+              </a:lnSpc>
+              <a:defRPr>
+                <a:solidFill>
+                  <a:srgbClr val="FFFFFF"/>
+                </a:solidFill>
+              </a:defRPr>
+            </a:pPr>
+            <a:r>
+              <a:rPr sz="3000" b="0" i="0">
+                <a:latin typeface="Courier"/>
+              </a:rPr>
+              <a:t>MP3 1 6 5 1  PMOS w=3.50u L=0.50U</a:t>
+            </a:r>
+            <a:endParaRPr sz="3000" b="0" i="0">
+              <a:latin typeface="Courier"/>
+            </a:endParaRPr>
+          </a:p>
+          <a:p>
+            <a:pPr>
+              <a:lnSpc>
+                <a:spcPts val="1800"/>
+              </a:lnSpc>
+              <a:defRPr>
+                <a:solidFill>
+                  <a:srgbClr val="FFFFFF"/>
                 </a:solidFill>
               </a:defRPr>
             </a:pPr>
@@ -7029,6 +7227,48 @@
                 <a:latin typeface="Courier"/>
               </a:rPr>
               <a:t>MP4 6 6 1 1  PMOS w=3.50u L=0.50U</a:t>
+            </a:r>
+            <a:endParaRPr sz="3000" b="0" i="0">
+              <a:latin typeface="Courier"/>
+            </a:endParaRPr>
+          </a:p>
+          <a:p>
+            <a:pPr>
+              <a:lnSpc>
+                <a:spcPts val="1800"/>
+              </a:lnSpc>
+              <a:defRPr>
+                <a:solidFill>
+                  <a:srgbClr val="FFFFFF"/>
+                </a:solidFill>
+              </a:defRPr>
+            </a:pPr>
+            <a:r>
+              <a:rPr sz="3000" b="0" i="0">
+                <a:latin typeface="Courier"/>
+              </a:rPr>
+              <a:t>.MODEL NMOS NMOS(LEVEL=1 VTO=0.50 KP=90.000E-6 LAMBDA=0.001)</a:t>
+            </a:r>
+            <a:endParaRPr sz="3000" b="0" i="0">
+              <a:latin typeface="Courier"/>
+            </a:endParaRPr>
+          </a:p>
+          <a:p>
+            <a:pPr>
+              <a:lnSpc>
+                <a:spcPts val="1800"/>
+              </a:lnSpc>
+              <a:defRPr>
+                <a:solidFill>
+                  <a:srgbClr val="FFFFFF"/>
+                </a:solidFill>
+              </a:defRPr>
+            </a:pPr>
+            <a:r>
+              <a:rPr sz="3000" b="0" i="0">
+                <a:latin typeface="Courier"/>
+              </a:rPr>
+              <a:t>.MODEL PMOS PMOS(LEVEL=1 VTO=-0.45 KP=55.000E-6 LAMBDA=0.001)</a:t>
             </a:r>
             <a:endParaRPr sz="3000" b="0" i="0">
               <a:latin typeface="Courier"/>
@@ -7057,7 +7297,7 @@
               <a:rPr sz="3200" b="1" i="0">
                 <a:latin typeface="Arial"/>
               </a:rPr>
-              <a:t>pMOS transistors van de verschilversterker</a:t>
+              <a:t>Spice beschrijving</a:t>
             </a:r>
             <a:endParaRPr sz="3200" b="1" i="0">
               <a:latin typeface="Arial"/>
@@ -7085,7 +7325,130 @@
       <p:grpSpPr/>
       <p:sp>
         <p:nvSpPr>
-          <p:cNvPr id="2" name="Title 1"/>
+          <p:cNvPr id="2" name="Content Placeholder 1"/>
+          <p:cNvSpPr>
+            <a:spLocks noGrp="1"/>
+          </p:cNvSpPr>
+          <p:nvPr>
+            <p:ph idx="1"/>
+          </p:nvPr>
+        </p:nvSpPr>
+        <p:spPr/>
+        <p:txBody>
+          <a:bodyPr wrap="square">
+            <a:noAutofit/>
+          </a:bodyPr>
+          <a:lstStyle/>
+          <a:p>
+            <a:pPr>
+              <a:lnSpc>
+                <a:spcPts val="1800"/>
+              </a:lnSpc>
+              <a:defRPr>
+                <a:solidFill>
+                  <a:srgbClr val="FFFFFF"/>
+                </a:solidFill>
+              </a:defRPr>
+            </a:pPr>
+            <a:r>
+              <a:rPr sz="3000" b="0" i="0">
+                <a:latin typeface="Courier"/>
+              </a:rPr>
+              <a:t>MN1 3 5 0 0  NMOS w=1.50u L=0.50u</a:t>
+            </a:r>
+            <a:endParaRPr sz="3000" b="0" i="0">
+              <a:latin typeface="Courier"/>
+            </a:endParaRPr>
+          </a:p>
+          <a:p>
+            <a:pPr>
+              <a:lnSpc>
+                <a:spcPts val="1800"/>
+              </a:lnSpc>
+              <a:defRPr>
+                <a:solidFill>
+                  <a:srgbClr val="FFFFFF"/>
+                </a:solidFill>
+              </a:defRPr>
+            </a:pPr>
+            <a:r>
+              <a:rPr sz="3000" b="0" i="0">
+                <a:latin typeface="Courier"/>
+              </a:rPr>
+              <a:t>MN2 0 5 5 0  NMOS w=1.50u L=0.50u</a:t>
+            </a:r>
+            <a:endParaRPr sz="3000" b="0" i="0">
+              <a:latin typeface="Courier"/>
+            </a:endParaRPr>
+          </a:p>
+          <a:p>
+            <a:pPr>
+              <a:lnSpc>
+                <a:spcPts val="1800"/>
+              </a:lnSpc>
+              <a:defRPr>
+                <a:solidFill>
+                  <a:srgbClr val="FFFFFF"/>
+                </a:solidFill>
+              </a:defRPr>
+            </a:pPr>
+            <a:r>
+              <a:rPr sz="3000" b="0" i="0">
+                <a:latin typeface="Courier"/>
+              </a:rPr>
+              <a:t>MN3 8 10 4 0 NMOS w=1.50u L=0.50U</a:t>
+            </a:r>
+            <a:endParaRPr sz="3000" b="0" i="0">
+              <a:latin typeface="Courier"/>
+            </a:endParaRPr>
+          </a:p>
+          <a:p>
+            <a:pPr>
+              <a:lnSpc>
+                <a:spcPts val="1800"/>
+              </a:lnSpc>
+              <a:defRPr>
+                <a:solidFill>
+                  <a:srgbClr val="FFFFFF"/>
+                </a:solidFill>
+              </a:defRPr>
+            </a:pPr>
+            <a:r>
+              <a:rPr sz="3000" b="0" i="0">
+                <a:latin typeface="Courier"/>
+              </a:rPr>
+              <a:t>MN4 0 9 8 0  NMOS w=4.50u L=0.50U</a:t>
+            </a:r>
+            <a:endParaRPr sz="3000" b="0" i="0">
+              <a:latin typeface="Courier"/>
+            </a:endParaRPr>
+          </a:p>
+          <a:p>
+            <a:pPr>
+              <a:lnSpc>
+                <a:spcPts val="1800"/>
+              </a:lnSpc>
+              <a:defRPr>
+                <a:solidFill>
+                  <a:srgbClr val="FFFFFF"/>
+                </a:solidFill>
+              </a:defRPr>
+            </a:pPr>
+            <a:r>
+              <a:rPr sz="3000" b="0" i="0">
+                <a:latin typeface="Courier"/>
+              </a:rPr>
+              <a:t>MN5 6 11 8 0 NMOS w=1.50u L=0.50U</a:t>
+            </a:r>
+            <a:endParaRPr sz="3000" b="0" i="0">
+              <a:latin typeface="Courier"/>
+            </a:endParaRPr>
+          </a:p>
+        </p:txBody>
+      </p:sp>
+      <p:sp>
+        <p:nvSpPr>
+          <p:cNvPr id="3" name="Title 2"/>
           <p:cNvSpPr>
             <a:spLocks noGrp="1"/>
           </p:cNvSpPr>
@@ -7104,7 +7467,7 @@
               <a:rPr sz="3200" b="1" i="0">
                 <a:latin typeface="Arial"/>
               </a:rPr>
-              <a:t>pMOS transistors van de verschilversterker</a:t>
+              <a:t>nMOS transistors</a:t>
             </a:r>
             <a:endParaRPr sz="3200" b="1" i="0">
               <a:latin typeface="Arial"/>
@@ -7112,30 +7475,6 @@
           </a:p>
         </p:txBody>
       </p:sp>
-      <p:pic>
-        <p:nvPicPr>
-          <p:cNvPr id="3" name="Picture 2" descr="image.png"/>
-          <p:cNvPicPr>
-            <a:picLocks noChangeAspect="1"/>
-          </p:cNvPicPr>
-          <p:nvPr/>
-        </p:nvPicPr>
-        <p:blipFill>
-          <a:blip r:embed="rId2"/>
-          <a:stretch>
-            <a:fillRect/>
-          </a:stretch>
-        </p:blipFill>
-        <p:spPr>
-          <a:xfrm>
-            <a:off x="0" y="1179576"/>
-            <a:ext cx="12192000" cy="5029200"/>
-          </a:xfrm>
-          <a:prstGeom prst="rect">
-            <a:avLst/>
-          </a:prstGeom>
-        </p:spPr>
-      </p:pic>
     </p:spTree>
   </p:cSld>
   <p:clrMapOvr>

--- a/ToegepasteAnalogeElektronica/PowerPoint/Spice-simulatie.pptx
+++ b/ToegepasteAnalogeElektronica/PowerPoint/Spice-simulatie.pptx
@@ -689,7 +689,7 @@
           <a:p>
             <a:fld id="{8F591CCF-F6FD-734B-854A-5BC033593B1E}" type="datetimeFigureOut">
               <a:rPr lang="nl-NL" smtClean="0"/>
-              <a:t>20-9-2025</a:t>
+              <a:t>21-9-2025</a:t>
             </a:fld>
             <a:endParaRPr lang="nl-NL"/>
           </a:p>
@@ -854,7 +854,7 @@
           <a:p>
             <a:fld id="{23C66214-DB21-4647-B5DA-0D17CA592867}" type="datetimeFigureOut">
               <a:rPr lang="nl-NL" smtClean="0"/>
-              <a:t>20-9-2025</a:t>
+              <a:t>21-9-2025</a:t>
             </a:fld>
             <a:endParaRPr lang="nl-NL"/>
           </a:p>
@@ -1465,7 +1465,7 @@
           <a:p>
             <a:fld id="{D15822B7-9EF6-9542-AF10-CD505E021A84}" type="datetime1">
               <a:rPr lang="nl-BE" smtClean="0"/>
-              <a:t>20/09/2025</a:t>
+              <a:t>21/09/2025</a:t>
             </a:fld>
             <a:endParaRPr lang="nl-NL"/>
           </a:p>
@@ -1715,7 +1715,7 @@
           <a:p>
             <a:fld id="{D15822B7-9EF6-9542-AF10-CD505E021A84}" type="datetime1">
               <a:rPr lang="nl-BE" smtClean="0"/>
-              <a:t>20/09/2025</a:t>
+              <a:t>21/09/2025</a:t>
             </a:fld>
             <a:endParaRPr lang="nl-NL"/>
           </a:p>
@@ -1998,7 +1998,7 @@
           <a:p>
             <a:fld id="{F52CA13D-CC20-034F-8D4D-5C3038626ED9}" type="datetime1">
               <a:rPr lang="nl-BE" smtClean="0"/>
-              <a:t>20/09/2025</a:t>
+              <a:t>21/09/2025</a:t>
             </a:fld>
             <a:endParaRPr lang="nl-NL"/>
           </a:p>
@@ -2278,8 +2278,8 @@
         </p:nvSpPr>
         <p:spPr>
           <a:xfrm>
-            <a:off x="576000" y="2232000"/>
-            <a:ext cx="11006400" cy="3820646"/>
+            <a:off x="576000" y="800401"/>
+            <a:ext cx="11006400" cy="5252245"/>
           </a:xfrm>
         </p:spPr>
         <p:txBody>
@@ -2350,7 +2350,7 @@
           <a:p>
             <a:fld id="{F52CA13D-CC20-034F-8D4D-5C3038626ED9}" type="datetime1">
               <a:rPr lang="nl-BE" smtClean="0"/>
-              <a:t>20/09/2025</a:t>
+              <a:t>21/09/2025</a:t>
             </a:fld>
             <a:endParaRPr lang="nl-NL"/>
           </a:p>
@@ -2468,7 +2468,7 @@
         </p:nvSpPr>
         <p:spPr>
           <a:xfrm>
-            <a:off x="576000" y="576001"/>
+            <a:off x="576000" y="4501"/>
             <a:ext cx="11041200" cy="648000"/>
           </a:xfrm>
         </p:spPr>
@@ -2528,8 +2528,8 @@
         </p:nvGrpSpPr>
         <p:grpSpPr>
           <a:xfrm>
-            <a:off x="125506" y="1312858"/>
-            <a:ext cx="11821095" cy="4739788"/>
+            <a:off x="125506" y="731855"/>
+            <a:ext cx="11821095" cy="5320791"/>
             <a:chOff x="0" y="-241102"/>
             <a:chExt cx="23088432" cy="12605757"/>
           </a:xfrm>
@@ -3474,8 +3474,8 @@
         </p:nvSpPr>
         <p:spPr>
           <a:xfrm>
-            <a:off x="245399" y="1810310"/>
-            <a:ext cx="11605942" cy="4175637"/>
+            <a:off x="245399" y="1280788"/>
+            <a:ext cx="11605942" cy="4705159"/>
           </a:xfrm>
           <a:noFill/>
         </p:spPr>
@@ -3583,7 +3583,7 @@
           <a:p>
             <a:fld id="{F52CA13D-CC20-034F-8D4D-5C3038626ED9}" type="datetime1">
               <a:rPr lang="nl-BE" smtClean="0"/>
-              <a:t>20/09/2025</a:t>
+              <a:t>21/09/2025</a:t>
             </a:fld>
             <a:endParaRPr lang="nl-NL"/>
           </a:p>
@@ -3701,7 +3701,7 @@
         </p:nvSpPr>
         <p:spPr>
           <a:xfrm>
-            <a:off x="576000" y="576000"/>
+            <a:off x="576000" y="4500"/>
             <a:ext cx="11041200" cy="579455"/>
           </a:xfrm>
         </p:spPr>
@@ -3804,7 +3804,7 @@
           <a:p>
             <a:fld id="{F52CA13D-CC20-034F-8D4D-5C3038626ED9}" type="datetime1">
               <a:rPr lang="nl-BE" smtClean="0"/>
-              <a:t>20/09/2025</a:t>
+              <a:t>21/09/2025</a:t>
             </a:fld>
             <a:endParaRPr lang="nl-NL"/>
           </a:p>
@@ -3922,7 +3922,7 @@
         </p:nvSpPr>
         <p:spPr>
           <a:xfrm>
-            <a:off x="576000" y="576001"/>
+            <a:off x="576000" y="4501"/>
             <a:ext cx="11041200" cy="648000"/>
           </a:xfrm>
         </p:spPr>
@@ -4015,8 +4015,8 @@
         </p:nvSpPr>
         <p:spPr>
           <a:xfrm>
-            <a:off x="576000" y="1688400"/>
-            <a:ext cx="11006400" cy="4364246"/>
+            <a:off x="576000" y="811831"/>
+            <a:ext cx="11006400" cy="5240815"/>
           </a:xfrm>
         </p:spPr>
         <p:txBody>
@@ -4095,7 +4095,7 @@
           <a:p>
             <a:fld id="{F52CA13D-CC20-034F-8D4D-5C3038626ED9}" type="datetime1">
               <a:rPr lang="nl-BE" smtClean="0"/>
-              <a:t>20/09/2025</a:t>
+              <a:t>21/09/2025</a:t>
             </a:fld>
             <a:endParaRPr lang="nl-NL"/>
           </a:p>
@@ -4213,7 +4213,7 @@
         </p:nvSpPr>
         <p:spPr>
           <a:xfrm>
-            <a:off x="576000" y="576000"/>
+            <a:off x="576000" y="15930"/>
             <a:ext cx="11041200" cy="648001"/>
           </a:xfrm>
         </p:spPr>
@@ -4222,10 +4222,10 @@
           <a:lstStyle/>
           <a:p>
             <a:r>
-              <a:rPr lang="en-US"/>
+              <a:rPr lang="en-US" dirty="0"/>
               <a:t>Click to edit Master title style</a:t>
             </a:r>
-            <a:endParaRPr lang="en-GB"/>
+            <a:endParaRPr lang="en-GB" dirty="0"/>
           </a:p>
         </p:txBody>
       </p:sp>
@@ -4277,8 +4277,8 @@
         </p:nvSpPr>
         <p:spPr>
           <a:xfrm>
-            <a:off x="576000" y="1531620"/>
-            <a:ext cx="11006400" cy="4521026"/>
+            <a:off x="576000" y="868680"/>
+            <a:ext cx="11006400" cy="5183966"/>
           </a:xfrm>
         </p:spPr>
         <p:txBody>
@@ -4349,7 +4349,7 @@
           <a:p>
             <a:fld id="{F52CA13D-CC20-034F-8D4D-5C3038626ED9}" type="datetime1">
               <a:rPr lang="nl-BE" smtClean="0"/>
-              <a:t>20/09/2025</a:t>
+              <a:t>21/09/2025</a:t>
             </a:fld>
             <a:endParaRPr lang="nl-NL"/>
           </a:p>
@@ -4467,7 +4467,7 @@
         </p:nvSpPr>
         <p:spPr>
           <a:xfrm>
-            <a:off x="576000" y="576001"/>
+            <a:off x="576000" y="15931"/>
             <a:ext cx="11041200" cy="650366"/>
           </a:xfrm>
         </p:spPr>
@@ -4562,7 +4562,7 @@
           <a:p>
             <a:fld id="{D15822B7-9EF6-9542-AF10-CD505E021A84}" type="datetime1">
               <a:rPr lang="nl-BE" smtClean="0"/>
-              <a:t>20/09/2025</a:t>
+              <a:t>21/09/2025</a:t>
             </a:fld>
             <a:endParaRPr lang="nl-NL"/>
           </a:p>
@@ -4628,8 +4628,8 @@
         </p:nvSpPr>
         <p:spPr>
           <a:xfrm>
-            <a:off x="576000" y="2232000"/>
-            <a:ext cx="11006402" cy="3820646"/>
+            <a:off x="576000" y="708660"/>
+            <a:ext cx="11006402" cy="5343986"/>
           </a:xfrm>
         </p:spPr>
         <p:txBody>
@@ -4690,7 +4690,7 @@
         </p:nvSpPr>
         <p:spPr>
           <a:xfrm>
-            <a:off x="576000" y="576001"/>
+            <a:off x="576000" y="15931"/>
             <a:ext cx="11041200" cy="578430"/>
           </a:xfrm>
         </p:spPr>
@@ -4699,10 +4699,10 @@
           <a:lstStyle/>
           <a:p>
             <a:r>
-              <a:rPr lang="en-US"/>
+              <a:rPr lang="en-US" dirty="0"/>
               <a:t>Click to edit Master title style</a:t>
             </a:r>
-            <a:endParaRPr lang="en-GB"/>
+            <a:endParaRPr lang="en-GB" dirty="0"/>
           </a:p>
         </p:txBody>
       </p:sp>
@@ -4753,7 +4753,7 @@
           <a:p>
             <a:fld id="{D15822B7-9EF6-9542-AF10-CD505E021A84}" type="datetime1">
               <a:rPr lang="nl-BE" smtClean="0"/>
-              <a:t>20/09/2025</a:t>
+              <a:t>21/09/2025</a:t>
             </a:fld>
             <a:endParaRPr lang="nl-NL"/>
           </a:p>
@@ -4819,8 +4819,8 @@
         </p:nvSpPr>
         <p:spPr>
           <a:xfrm>
-            <a:off x="576000" y="2232000"/>
-            <a:ext cx="11006402" cy="3820646"/>
+            <a:off x="576000" y="765810"/>
+            <a:ext cx="11006402" cy="5286836"/>
           </a:xfrm>
         </p:spPr>
         <p:txBody>
@@ -4881,7 +4881,7 @@
         </p:nvSpPr>
         <p:spPr>
           <a:xfrm>
-            <a:off x="576000" y="576001"/>
+            <a:off x="576000" y="0"/>
             <a:ext cx="11041200" cy="647010"/>
           </a:xfrm>
         </p:spPr>
@@ -5111,7 +5111,7 @@
           <a:p>
             <a:fld id="{0C33DDE8-63FF-C642-9F3A-0B773DD34821}" type="datetime1">
               <a:rPr lang="nl-BE" smtClean="0"/>
-              <a:t>20/09/2025</a:t>
+              <a:t>21/09/2025</a:t>
             </a:fld>
             <a:endParaRPr lang="nl-NL"/>
           </a:p>
@@ -5775,7 +5775,7 @@
           <a:p>
             <a:pPr>
               <a:lnSpc>
-                <a:spcPts val="1800"/>
+                <a:spcPts val="2400"/>
               </a:lnSpc>
               <a:defRPr>
                 <a:solidFill>
@@ -5784,19 +5784,19 @@
               </a:defRPr>
             </a:pPr>
             <a:r>
-              <a:rPr sz="3000" b="0" i="0">
+              <a:rPr sz="2400" b="0" i="0">
                 <a:latin typeface="Courier"/>
               </a:rPr>
               <a:t>MP1 1 4 3 1  PMOS w=3.50u L=0.50U</a:t>
             </a:r>
-            <a:endParaRPr sz="3000" b="0" i="0">
+            <a:endParaRPr sz="2400" b="0" i="0">
               <a:latin typeface="Courier"/>
             </a:endParaRPr>
           </a:p>
           <a:p>
             <a:pPr>
               <a:lnSpc>
-                <a:spcPts val="1800"/>
+                <a:spcPts val="2400"/>
               </a:lnSpc>
               <a:defRPr>
                 <a:solidFill>
@@ -5805,19 +5805,19 @@
               </a:defRPr>
             </a:pPr>
             <a:r>
-              <a:rPr sz="3000" b="0" i="0">
+              <a:rPr sz="2400" b="0" i="0">
                 <a:latin typeface="Courier"/>
               </a:rPr>
               <a:t>MP2 4 4 1 1  PMOS w=3.50u L=0.50U</a:t>
             </a:r>
-            <a:endParaRPr sz="3000" b="0" i="0">
+            <a:endParaRPr sz="2400" b="0" i="0">
               <a:latin typeface="Courier"/>
             </a:endParaRPr>
           </a:p>
           <a:p>
             <a:pPr>
               <a:lnSpc>
-                <a:spcPts val="1800"/>
+                <a:spcPts val="2400"/>
               </a:lnSpc>
               <a:defRPr>
                 <a:solidFill>
@@ -5826,19 +5826,19 @@
               </a:defRPr>
             </a:pPr>
             <a:r>
-              <a:rPr sz="3000" b="0" i="0">
+              <a:rPr sz="2400" b="0" i="0">
                 <a:latin typeface="Courier"/>
               </a:rPr>
               <a:t>MP3 1 6 5 1  PMOS w=3.50u L=0.50U</a:t>
             </a:r>
-            <a:endParaRPr sz="3000" b="0" i="0">
+            <a:endParaRPr sz="2400" b="0" i="0">
               <a:latin typeface="Courier"/>
             </a:endParaRPr>
           </a:p>
           <a:p>
             <a:pPr>
               <a:lnSpc>
-                <a:spcPts val="1800"/>
+                <a:spcPts val="2400"/>
               </a:lnSpc>
               <a:defRPr>
                 <a:solidFill>
@@ -5847,12 +5847,12 @@
               </a:defRPr>
             </a:pPr>
             <a:r>
-              <a:rPr sz="3000" b="0" i="0">
+              <a:rPr sz="2400" b="0" i="0">
                 <a:latin typeface="Courier"/>
               </a:rPr>
               <a:t>MP4 6 6 1 1  PMOS w=3.50u L=0.50U</a:t>
             </a:r>
-            <a:endParaRPr sz="3000" b="0" i="0">
+            <a:endParaRPr sz="2400" b="0" i="0">
               <a:latin typeface="Courier"/>
             </a:endParaRPr>
           </a:p>
@@ -5995,7 +5995,7 @@
           <a:p>
             <a:pPr>
               <a:lnSpc>
-                <a:spcPts val="1800"/>
+                <a:spcPts val="2400"/>
               </a:lnSpc>
               <a:defRPr>
                 <a:solidFill>
@@ -6004,19 +6004,19 @@
               </a:defRPr>
             </a:pPr>
             <a:r>
-              <a:rPr sz="3000" b="0" i="0">
+              <a:rPr sz="2400" b="0" i="0">
                 <a:latin typeface="Courier"/>
               </a:rPr>
               <a:t>.MODEL NMOS NMOS(LEVEL=1 VTO=0.50 KP=90.000E-6 LAMBDA=0.001)</a:t>
             </a:r>
-            <a:endParaRPr sz="3000" b="0" i="0">
+            <a:endParaRPr sz="2400" b="0" i="0">
               <a:latin typeface="Courier"/>
             </a:endParaRPr>
           </a:p>
           <a:p>
             <a:pPr>
               <a:lnSpc>
-                <a:spcPts val="1800"/>
+                <a:spcPts val="2400"/>
               </a:lnSpc>
               <a:defRPr>
                 <a:solidFill>
@@ -6025,12 +6025,12 @@
               </a:defRPr>
             </a:pPr>
             <a:r>
-              <a:rPr sz="3000" b="0" i="0">
+              <a:rPr sz="2400" b="0" i="0">
                 <a:latin typeface="Courier"/>
               </a:rPr>
               <a:t>.MODEL PMOS PMOS(LEVEL=1 VTO=-0.45 KP=55.000E-6 LAMBDA=0.001)</a:t>
             </a:r>
-            <a:endParaRPr sz="3000" b="0" i="0">
+            <a:endParaRPr sz="2400" b="0" i="0">
               <a:latin typeface="Courier"/>
             </a:endParaRPr>
           </a:p>
@@ -6687,7 +6687,7 @@
           <a:p>
             <a:pPr>
               <a:lnSpc>
-                <a:spcPts val="1800"/>
+                <a:spcPts val="2400"/>
               </a:lnSpc>
               <a:defRPr>
                 <a:solidFill>
@@ -6696,19 +6696,19 @@
               </a:defRPr>
             </a:pPr>
             <a:r>
-              <a:rPr sz="3000" b="0" i="0">
+              <a:rPr sz="2400" b="0" i="0">
                 <a:latin typeface="Courier"/>
               </a:rPr>
               <a:t>* CIRCUIT Spice file van een verschilversterker</a:t>
             </a:r>
-            <a:endParaRPr sz="3000" b="0" i="0">
+            <a:endParaRPr sz="2400" b="0" i="0">
               <a:latin typeface="Courier"/>
             </a:endParaRPr>
           </a:p>
           <a:p>
             <a:pPr>
               <a:lnSpc>
-                <a:spcPts val="1800"/>
+                <a:spcPts val="2400"/>
               </a:lnSpc>
               <a:defRPr>
                 <a:solidFill>
@@ -6717,19 +6717,19 @@
               </a:defRPr>
             </a:pPr>
             <a:r>
-              <a:rPr sz="3000" b="0" i="0">
+              <a:rPr sz="2400" b="0" i="0">
                 <a:latin typeface="Courier"/>
               </a:rPr>
               <a:t>VDD    1 0 DC=5.0</a:t>
             </a:r>
-            <a:endParaRPr sz="3000" b="0" i="0">
+            <a:endParaRPr sz="2400" b="0" i="0">
               <a:latin typeface="Courier"/>
             </a:endParaRPr>
           </a:p>
           <a:p>
             <a:pPr>
               <a:lnSpc>
-                <a:spcPts val="1800"/>
+                <a:spcPts val="2400"/>
               </a:lnSpc>
               <a:defRPr>
                 <a:solidFill>
@@ -6738,19 +6738,19 @@
               </a:defRPr>
             </a:pPr>
             <a:r>
-              <a:rPr sz="3000" b="0" i="0">
+              <a:rPr sz="2400" b="0" i="0">
                 <a:latin typeface="Courier"/>
               </a:rPr>
               <a:t>VPLUS 10 0 DC=2.5</a:t>
             </a:r>
-            <a:endParaRPr sz="3000" b="0" i="0">
+            <a:endParaRPr sz="2400" b="0" i="0">
               <a:latin typeface="Courier"/>
             </a:endParaRPr>
           </a:p>
           <a:p>
             <a:pPr>
               <a:lnSpc>
-                <a:spcPts val="1800"/>
+                <a:spcPts val="2400"/>
               </a:lnSpc>
               <a:defRPr>
                 <a:solidFill>
@@ -6759,19 +6759,19 @@
               </a:defRPr>
             </a:pPr>
             <a:r>
-              <a:rPr sz="3000" b="0" i="0">
+              <a:rPr sz="2400" b="0" i="0">
                 <a:latin typeface="Courier"/>
               </a:rPr>
               <a:t>VMIN  11 0 SIN(2.5 50U 1E6) DC=2.5</a:t>
             </a:r>
-            <a:endParaRPr sz="3000" b="0" i="0">
+            <a:endParaRPr sz="2400" b="0" i="0">
               <a:latin typeface="Courier"/>
             </a:endParaRPr>
           </a:p>
           <a:p>
             <a:pPr>
               <a:lnSpc>
-                <a:spcPts val="1800"/>
+                <a:spcPts val="2400"/>
               </a:lnSpc>
               <a:defRPr>
                 <a:solidFill>
@@ -6780,19 +6780,19 @@
               </a:defRPr>
             </a:pPr>
             <a:r>
-              <a:rPr sz="3000" b="0" i="0">
+              <a:rPr sz="2400" b="0" i="0">
                 <a:latin typeface="Courier"/>
               </a:rPr>
               <a:t>VB    9 0 DC=1.5</a:t>
             </a:r>
-            <a:endParaRPr sz="3000" b="0" i="0">
+            <a:endParaRPr sz="2400" b="0" i="0">
               <a:latin typeface="Courier"/>
             </a:endParaRPr>
           </a:p>
           <a:p>
             <a:pPr>
               <a:lnSpc>
-                <a:spcPts val="1800"/>
+                <a:spcPts val="2400"/>
               </a:lnSpc>
               <a:defRPr>
                 <a:solidFill>
@@ -6801,19 +6801,19 @@
               </a:defRPr>
             </a:pPr>
             <a:r>
-              <a:rPr sz="3000" b="0" i="0">
+              <a:rPr sz="2400" b="0" i="0">
                 <a:latin typeface="Courier"/>
               </a:rPr>
               <a:t>C3     3 0   5.914fF</a:t>
             </a:r>
-            <a:endParaRPr sz="3000" b="0" i="0">
+            <a:endParaRPr sz="2400" b="0" i="0">
               <a:latin typeface="Courier"/>
             </a:endParaRPr>
           </a:p>
           <a:p>
             <a:pPr>
               <a:lnSpc>
-                <a:spcPts val="1800"/>
+                <a:spcPts val="2400"/>
               </a:lnSpc>
               <a:defRPr>
                 <a:solidFill>
@@ -6822,19 +6822,19 @@
               </a:defRPr>
             </a:pPr>
             <a:r>
-              <a:rPr sz="3000" b="0" i="0">
+              <a:rPr sz="2400" b="0" i="0">
                 <a:latin typeface="Courier"/>
               </a:rPr>
               <a:t>C4     4 0  14.737fF</a:t>
             </a:r>
-            <a:endParaRPr sz="3000" b="0" i="0">
+            <a:endParaRPr sz="2400" b="0" i="0">
               <a:latin typeface="Courier"/>
             </a:endParaRPr>
           </a:p>
           <a:p>
             <a:pPr>
               <a:lnSpc>
-                <a:spcPts val="1800"/>
+                <a:spcPts val="2400"/>
               </a:lnSpc>
               <a:defRPr>
                 <a:solidFill>
@@ -6843,19 +6843,19 @@
               </a:defRPr>
             </a:pPr>
             <a:r>
-              <a:rPr sz="3000" b="0" i="0">
+              <a:rPr sz="2400" b="0" i="0">
                 <a:latin typeface="Courier"/>
               </a:rPr>
               <a:t>C5     5 0  10.124fF</a:t>
             </a:r>
-            <a:endParaRPr sz="3000" b="0" i="0">
+            <a:endParaRPr sz="2400" b="0" i="0">
               <a:latin typeface="Courier"/>
             </a:endParaRPr>
           </a:p>
           <a:p>
             <a:pPr>
               <a:lnSpc>
-                <a:spcPts val="1800"/>
+                <a:spcPts val="2400"/>
               </a:lnSpc>
               <a:defRPr>
                 <a:solidFill>
@@ -6864,19 +6864,19 @@
               </a:defRPr>
             </a:pPr>
             <a:r>
-              <a:rPr sz="3000" b="0" i="0">
+              <a:rPr sz="2400" b="0" i="0">
                 <a:latin typeface="Courier"/>
               </a:rPr>
               <a:t>C6     6 0  14.434fF</a:t>
             </a:r>
-            <a:endParaRPr sz="3000" b="0" i="0">
+            <a:endParaRPr sz="2400" b="0" i="0">
               <a:latin typeface="Courier"/>
             </a:endParaRPr>
           </a:p>
           <a:p>
             <a:pPr>
               <a:lnSpc>
-                <a:spcPts val="1800"/>
+                <a:spcPts val="2400"/>
               </a:lnSpc>
               <a:defRPr>
                 <a:solidFill>
@@ -6885,19 +6885,19 @@
               </a:defRPr>
             </a:pPr>
             <a:r>
-              <a:rPr sz="3000" b="0" i="0">
+              <a:rPr sz="2400" b="0" i="0">
                 <a:latin typeface="Courier"/>
               </a:rPr>
               <a:t>C8     8 0   7.919fF</a:t>
             </a:r>
-            <a:endParaRPr sz="3000" b="0" i="0">
+            <a:endParaRPr sz="2400" b="0" i="0">
               <a:latin typeface="Courier"/>
             </a:endParaRPr>
           </a:p>
           <a:p>
             <a:pPr>
               <a:lnSpc>
-                <a:spcPts val="1800"/>
+                <a:spcPts val="2400"/>
               </a:lnSpc>
               <a:defRPr>
                 <a:solidFill>
@@ -6906,19 +6906,19 @@
               </a:defRPr>
             </a:pPr>
             <a:r>
-              <a:rPr sz="3000" b="0" i="0">
+              <a:rPr sz="2400" b="0" i="0">
                 <a:latin typeface="Courier"/>
               </a:rPr>
               <a:t>C9     9 0  15.257fF</a:t>
             </a:r>
-            <a:endParaRPr sz="3000" b="0" i="0">
+            <a:endParaRPr sz="2400" b="0" i="0">
               <a:latin typeface="Courier"/>
             </a:endParaRPr>
           </a:p>
           <a:p>
             <a:pPr>
               <a:lnSpc>
-                <a:spcPts val="1800"/>
+                <a:spcPts val="2400"/>
               </a:lnSpc>
               <a:defRPr>
                 <a:solidFill>
@@ -6927,19 +6927,19 @@
               </a:defRPr>
             </a:pPr>
             <a:r>
-              <a:rPr sz="3000" b="0" i="0">
+              <a:rPr sz="2400" b="0" i="0">
                 <a:latin typeface="Courier"/>
               </a:rPr>
               <a:t>C10   10 0 1.872fF</a:t>
             </a:r>
-            <a:endParaRPr sz="3000" b="0" i="0">
+            <a:endParaRPr sz="2400" b="0" i="0">
               <a:latin typeface="Courier"/>
             </a:endParaRPr>
           </a:p>
           <a:p>
             <a:pPr>
               <a:lnSpc>
-                <a:spcPts val="1800"/>
+                <a:spcPts val="2400"/>
               </a:lnSpc>
               <a:defRPr>
                 <a:solidFill>
@@ -6948,19 +6948,19 @@
               </a:defRPr>
             </a:pPr>
             <a:r>
-              <a:rPr sz="3000" b="0" i="0">
+              <a:rPr sz="2400" b="0" i="0">
                 <a:latin typeface="Courier"/>
               </a:rPr>
               <a:t>C11   11 0 1.688fF</a:t>
             </a:r>
-            <a:endParaRPr sz="3000" b="0" i="0">
+            <a:endParaRPr sz="2400" b="0" i="0">
               <a:latin typeface="Courier"/>
             </a:endParaRPr>
           </a:p>
           <a:p>
             <a:pPr>
               <a:lnSpc>
-                <a:spcPts val="1800"/>
+                <a:spcPts val="2400"/>
               </a:lnSpc>
               <a:defRPr>
                 <a:solidFill>
@@ -6969,19 +6969,19 @@
               </a:defRPr>
             </a:pPr>
             <a:r>
-              <a:rPr sz="3000" b="0" i="0">
+              <a:rPr sz="2400" b="0" i="0">
                 <a:latin typeface="Courier"/>
               </a:rPr>
               <a:t>C25    1 5  1fF</a:t>
             </a:r>
-            <a:endParaRPr sz="3000" b="0" i="0">
+            <a:endParaRPr sz="2400" b="0" i="0">
               <a:latin typeface="Courier"/>
             </a:endParaRPr>
           </a:p>
           <a:p>
             <a:pPr>
               <a:lnSpc>
-                <a:spcPts val="1800"/>
+                <a:spcPts val="2400"/>
               </a:lnSpc>
               <a:defRPr>
                 <a:solidFill>
@@ -6990,12 +6990,12 @@
               </a:defRPr>
             </a:pPr>
             <a:r>
-              <a:rPr sz="3000" b="0" i="0">
+              <a:rPr sz="2400" b="0" i="0">
                 <a:latin typeface="Courier"/>
               </a:rPr>
               <a:t>MN1 3 5 0 0  NMOS w=1.50u L=0.50u</a:t>
             </a:r>
-            <a:endParaRPr sz="3000" b="0" i="0">
+            <a:endParaRPr sz="2400" b="0" i="0">
               <a:latin typeface="Courier"/>
             </a:endParaRPr>
           </a:p>
@@ -7067,7 +7067,7 @@
           <a:p>
             <a:pPr>
               <a:lnSpc>
-                <a:spcPts val="1800"/>
+                <a:spcPts val="2400"/>
               </a:lnSpc>
               <a:defRPr>
                 <a:solidFill>
@@ -7076,19 +7076,19 @@
               </a:defRPr>
             </a:pPr>
             <a:r>
-              <a:rPr sz="3000" b="0" i="0">
+              <a:rPr sz="2400" b="0" i="0">
                 <a:latin typeface="Courier"/>
               </a:rPr>
               <a:t>MN2 0 5 5 0  NMOS w=1.50u L=0.50u</a:t>
             </a:r>
-            <a:endParaRPr sz="3000" b="0" i="0">
+            <a:endParaRPr sz="2400" b="0" i="0">
               <a:latin typeface="Courier"/>
             </a:endParaRPr>
           </a:p>
           <a:p>
             <a:pPr>
               <a:lnSpc>
-                <a:spcPts val="1800"/>
+                <a:spcPts val="2400"/>
               </a:lnSpc>
               <a:defRPr>
                 <a:solidFill>
@@ -7097,19 +7097,19 @@
               </a:defRPr>
             </a:pPr>
             <a:r>
-              <a:rPr sz="3000" b="0" i="0">
+              <a:rPr sz="2400" b="0" i="0">
                 <a:latin typeface="Courier"/>
               </a:rPr>
               <a:t>MN3 8 10 4 0 NMOS w=1.50u L=0.50U</a:t>
             </a:r>
-            <a:endParaRPr sz="3000" b="0" i="0">
+            <a:endParaRPr sz="2400" b="0" i="0">
               <a:latin typeface="Courier"/>
             </a:endParaRPr>
           </a:p>
           <a:p>
             <a:pPr>
               <a:lnSpc>
-                <a:spcPts val="1800"/>
+                <a:spcPts val="2400"/>
               </a:lnSpc>
               <a:defRPr>
                 <a:solidFill>
@@ -7118,19 +7118,19 @@
               </a:defRPr>
             </a:pPr>
             <a:r>
-              <a:rPr sz="3000" b="0" i="0">
+              <a:rPr sz="2400" b="0" i="0">
                 <a:latin typeface="Courier"/>
               </a:rPr>
               <a:t>MN4 0 9 8 0  NMOS w=4.50u L=0.50U</a:t>
             </a:r>
-            <a:endParaRPr sz="3000" b="0" i="0">
+            <a:endParaRPr sz="2400" b="0" i="0">
               <a:latin typeface="Courier"/>
             </a:endParaRPr>
           </a:p>
           <a:p>
             <a:pPr>
               <a:lnSpc>
-                <a:spcPts val="1800"/>
+                <a:spcPts val="2400"/>
               </a:lnSpc>
               <a:defRPr>
                 <a:solidFill>
@@ -7139,19 +7139,19 @@
               </a:defRPr>
             </a:pPr>
             <a:r>
-              <a:rPr sz="3000" b="0" i="0">
+              <a:rPr sz="2400" b="0" i="0">
                 <a:latin typeface="Courier"/>
               </a:rPr>
               <a:t>MN5 6 11 8 0 NMOS w=1.50u L=0.50U</a:t>
             </a:r>
-            <a:endParaRPr sz="3000" b="0" i="0">
+            <a:endParaRPr sz="2400" b="0" i="0">
               <a:latin typeface="Courier"/>
             </a:endParaRPr>
           </a:p>
           <a:p>
             <a:pPr>
               <a:lnSpc>
-                <a:spcPts val="1800"/>
+                <a:spcPts val="2400"/>
               </a:lnSpc>
               <a:defRPr>
                 <a:solidFill>
@@ -7160,19 +7160,19 @@
               </a:defRPr>
             </a:pPr>
             <a:r>
-              <a:rPr sz="3000" b="0" i="0">
+              <a:rPr sz="2400" b="0" i="0">
                 <a:latin typeface="Courier"/>
               </a:rPr>
               <a:t>MP1 1 4 3 1  PMOS w=3.50u L=0.50U</a:t>
             </a:r>
-            <a:endParaRPr sz="3000" b="0" i="0">
+            <a:endParaRPr sz="2400" b="0" i="0">
               <a:latin typeface="Courier"/>
             </a:endParaRPr>
           </a:p>
           <a:p>
             <a:pPr>
               <a:lnSpc>
-                <a:spcPts val="1800"/>
+                <a:spcPts val="2400"/>
               </a:lnSpc>
               <a:defRPr>
                 <a:solidFill>
@@ -7181,19 +7181,19 @@
               </a:defRPr>
             </a:pPr>
             <a:r>
-              <a:rPr sz="3000" b="0" i="0">
+              <a:rPr sz="2400" b="0" i="0">
                 <a:latin typeface="Courier"/>
               </a:rPr>
               <a:t>MP2 4 4 1 1  PMOS w=3.50u L=0.50U</a:t>
             </a:r>
-            <a:endParaRPr sz="3000" b="0" i="0">
+            <a:endParaRPr sz="2400" b="0" i="0">
               <a:latin typeface="Courier"/>
             </a:endParaRPr>
           </a:p>
           <a:p>
             <a:pPr>
               <a:lnSpc>
-                <a:spcPts val="1800"/>
+                <a:spcPts val="2400"/>
               </a:lnSpc>
               <a:defRPr>
                 <a:solidFill>
@@ -7202,19 +7202,19 @@
               </a:defRPr>
             </a:pPr>
             <a:r>
-              <a:rPr sz="3000" b="0" i="0">
+              <a:rPr sz="2400" b="0" i="0">
                 <a:latin typeface="Courier"/>
               </a:rPr>
               <a:t>MP3 1 6 5 1  PMOS w=3.50u L=0.50U</a:t>
             </a:r>
-            <a:endParaRPr sz="3000" b="0" i="0">
+            <a:endParaRPr sz="2400" b="0" i="0">
               <a:latin typeface="Courier"/>
             </a:endParaRPr>
           </a:p>
           <a:p>
             <a:pPr>
               <a:lnSpc>
-                <a:spcPts val="1800"/>
+                <a:spcPts val="2400"/>
               </a:lnSpc>
               <a:defRPr>
                 <a:solidFill>
@@ -7223,19 +7223,19 @@
               </a:defRPr>
             </a:pPr>
             <a:r>
-              <a:rPr sz="3000" b="0" i="0">
+              <a:rPr sz="2400" b="0" i="0">
                 <a:latin typeface="Courier"/>
               </a:rPr>
               <a:t>MP4 6 6 1 1  PMOS w=3.50u L=0.50U</a:t>
             </a:r>
-            <a:endParaRPr sz="3000" b="0" i="0">
+            <a:endParaRPr sz="2400" b="0" i="0">
               <a:latin typeface="Courier"/>
             </a:endParaRPr>
           </a:p>
           <a:p>
             <a:pPr>
               <a:lnSpc>
-                <a:spcPts val="1800"/>
+                <a:spcPts val="2400"/>
               </a:lnSpc>
               <a:defRPr>
                 <a:solidFill>
@@ -7244,19 +7244,19 @@
               </a:defRPr>
             </a:pPr>
             <a:r>
-              <a:rPr sz="3000" b="0" i="0">
+              <a:rPr sz="2400" b="0" i="0">
                 <a:latin typeface="Courier"/>
               </a:rPr>
               <a:t>.MODEL NMOS NMOS(LEVEL=1 VTO=0.50 KP=90.000E-6 LAMBDA=0.001)</a:t>
             </a:r>
-            <a:endParaRPr sz="3000" b="0" i="0">
+            <a:endParaRPr sz="2400" b="0" i="0">
               <a:latin typeface="Courier"/>
             </a:endParaRPr>
           </a:p>
           <a:p>
             <a:pPr>
               <a:lnSpc>
-                <a:spcPts val="1800"/>
+                <a:spcPts val="2400"/>
               </a:lnSpc>
               <a:defRPr>
                 <a:solidFill>
@@ -7265,12 +7265,12 @@
               </a:defRPr>
             </a:pPr>
             <a:r>
-              <a:rPr sz="3000" b="0" i="0">
+              <a:rPr sz="2400" b="0" i="0">
                 <a:latin typeface="Courier"/>
               </a:rPr>
               <a:t>.MODEL PMOS PMOS(LEVEL=1 VTO=-0.45 KP=55.000E-6 LAMBDA=0.001)</a:t>
             </a:r>
-            <a:endParaRPr sz="3000" b="0" i="0">
+            <a:endParaRPr sz="2400" b="0" i="0">
               <a:latin typeface="Courier"/>
             </a:endParaRPr>
           </a:p>
@@ -7342,7 +7342,7 @@
           <a:p>
             <a:pPr>
               <a:lnSpc>
-                <a:spcPts val="1800"/>
+                <a:spcPts val="2400"/>
               </a:lnSpc>
               <a:defRPr>
                 <a:solidFill>
@@ -7351,19 +7351,19 @@
               </a:defRPr>
             </a:pPr>
             <a:r>
-              <a:rPr sz="3000" b="0" i="0">
+              <a:rPr sz="2400" b="0" i="0">
                 <a:latin typeface="Courier"/>
               </a:rPr>
               <a:t>MN1 3 5 0 0  NMOS w=1.50u L=0.50u</a:t>
             </a:r>
-            <a:endParaRPr sz="3000" b="0" i="0">
+            <a:endParaRPr sz="2400" b="0" i="0">
               <a:latin typeface="Courier"/>
             </a:endParaRPr>
           </a:p>
           <a:p>
             <a:pPr>
               <a:lnSpc>
-                <a:spcPts val="1800"/>
+                <a:spcPts val="2400"/>
               </a:lnSpc>
               <a:defRPr>
                 <a:solidFill>
@@ -7372,19 +7372,19 @@
               </a:defRPr>
             </a:pPr>
             <a:r>
-              <a:rPr sz="3000" b="0" i="0">
+              <a:rPr sz="2400" b="0" i="0">
                 <a:latin typeface="Courier"/>
               </a:rPr>
               <a:t>MN2 0 5 5 0  NMOS w=1.50u L=0.50u</a:t>
             </a:r>
-            <a:endParaRPr sz="3000" b="0" i="0">
+            <a:endParaRPr sz="2400" b="0" i="0">
               <a:latin typeface="Courier"/>
             </a:endParaRPr>
           </a:p>
           <a:p>
             <a:pPr>
               <a:lnSpc>
-                <a:spcPts val="1800"/>
+                <a:spcPts val="2400"/>
               </a:lnSpc>
               <a:defRPr>
                 <a:solidFill>
@@ -7393,19 +7393,19 @@
               </a:defRPr>
             </a:pPr>
             <a:r>
-              <a:rPr sz="3000" b="0" i="0">
+              <a:rPr sz="2400" b="0" i="0">
                 <a:latin typeface="Courier"/>
               </a:rPr>
               <a:t>MN3 8 10 4 0 NMOS w=1.50u L=0.50U</a:t>
             </a:r>
-            <a:endParaRPr sz="3000" b="0" i="0">
+            <a:endParaRPr sz="2400" b="0" i="0">
               <a:latin typeface="Courier"/>
             </a:endParaRPr>
           </a:p>
           <a:p>
             <a:pPr>
               <a:lnSpc>
-                <a:spcPts val="1800"/>
+                <a:spcPts val="2400"/>
               </a:lnSpc>
               <a:defRPr>
                 <a:solidFill>
@@ -7414,19 +7414,19 @@
               </a:defRPr>
             </a:pPr>
             <a:r>
-              <a:rPr sz="3000" b="0" i="0">
+              <a:rPr sz="2400" b="0" i="0">
                 <a:latin typeface="Courier"/>
               </a:rPr>
               <a:t>MN4 0 9 8 0  NMOS w=4.50u L=0.50U</a:t>
             </a:r>
-            <a:endParaRPr sz="3000" b="0" i="0">
+            <a:endParaRPr sz="2400" b="0" i="0">
               <a:latin typeface="Courier"/>
             </a:endParaRPr>
           </a:p>
           <a:p>
             <a:pPr>
               <a:lnSpc>
-                <a:spcPts val="1800"/>
+                <a:spcPts val="2400"/>
               </a:lnSpc>
               <a:defRPr>
                 <a:solidFill>
@@ -7435,12 +7435,12 @@
               </a:defRPr>
             </a:pPr>
             <a:r>
-              <a:rPr sz="3000" b="0" i="0">
+              <a:rPr sz="2400" b="0" i="0">
                 <a:latin typeface="Courier"/>
               </a:rPr>
               <a:t>MN5 6 11 8 0 NMOS w=1.50u L=0.50U</a:t>
             </a:r>
-            <a:endParaRPr sz="3000" b="0" i="0">
+            <a:endParaRPr sz="2400" b="0" i="0">
               <a:latin typeface="Courier"/>
             </a:endParaRPr>
           </a:p>
@@ -8267,6 +8267,26 @@
 </file>
 
 <file path=customXml/item1.xml><?xml version="1.0" encoding="utf-8"?>
+<p:properties xmlns:p="http://schemas.microsoft.com/office/2006/metadata/properties" xmlns:xsi="http://www.w3.org/2001/XMLSchema-instance" xmlns:pc="http://schemas.microsoft.com/office/infopath/2007/PartnerControls">
+  <documentManagement>
+    <lcf76f155ced4ddcb4097134ff3c332f xmlns="81d41a3b-f33d-4db6-b532-757106a7a2ae">
+      <Terms xmlns="http://schemas.microsoft.com/office/infopath/2007/PartnerControls"/>
+    </lcf76f155ced4ddcb4097134ff3c332f>
+    <TaxCatchAll xmlns="bf25a9bf-a811-4965-9d0a-b88059080fed" xsi:nil="true"/>
+  </documentManagement>
+</p:properties>
+</file>
+
+<file path=customXml/item2.xml><?xml version="1.0" encoding="utf-8"?>
+<?mso-contentType ?>
+<FormTemplates xmlns="http://schemas.microsoft.com/sharepoint/v3/contenttype/forms">
+  <Display>DocumentLibraryForm</Display>
+  <Edit>DocumentLibraryForm</Edit>
+  <New>DocumentLibraryForm</New>
+</FormTemplates>
+</file>
+
+<file path=customXml/item3.xml><?xml version="1.0" encoding="utf-8"?>
 <ct:contentTypeSchema xmlns:ct="http://schemas.microsoft.com/office/2006/metadata/contentType" xmlns:ma="http://schemas.microsoft.com/office/2006/metadata/properties/metaAttributes" ct:_="" ma:_="" ma:contentTypeName="Document" ma:contentTypeID="0x010100B8C495A181F81B4C9DE5AD85CD0F70D4" ma:contentTypeVersion="18" ma:contentTypeDescription="Een nieuw document maken." ma:contentTypeScope="" ma:versionID="6ba28a59cba4a02a693681f32745d77b">
   <xsd:schema xmlns:xsd="http://www.w3.org/2001/XMLSchema" xmlns:xs="http://www.w3.org/2001/XMLSchema" xmlns:p="http://schemas.microsoft.com/office/2006/metadata/properties" xmlns:ns2="81d41a3b-f33d-4db6-b532-757106a7a2ae" xmlns:ns3="bf25a9bf-a811-4965-9d0a-b88059080fed" targetNamespace="http://schemas.microsoft.com/office/2006/metadata/properties" ma:root="true" ma:fieldsID="b996b4a4c0d83f5cfec71b22aba921d2" ns2:_="" ns3:_="">
     <xsd:import namespace="81d41a3b-f33d-4db6-b532-757106a7a2ae"/>
@@ -8521,27 +8541,32 @@
 </ct:contentTypeSchema>
 </file>
 
-<file path=customXml/item2.xml><?xml version="1.0" encoding="utf-8"?>
-<?mso-contentType ?>
-<FormTemplates xmlns="http://schemas.microsoft.com/sharepoint/v3/contenttype/forms">
-  <Display>DocumentLibraryForm</Display>
-  <Edit>DocumentLibraryForm</Edit>
-  <New>DocumentLibraryForm</New>
-</FormTemplates>
+<file path=customXml/itemProps1.xml><?xml version="1.0" encoding="utf-8"?>
+<ds:datastoreItem xmlns:ds="http://schemas.openxmlformats.org/officeDocument/2006/customXml" ds:itemID="{5EE9034D-0B43-4AB0-9535-9A62DB37A999}">
+  <ds:schemaRefs>
+    <ds:schemaRef ds:uri="http://www.w3.org/XML/1998/namespace"/>
+    <ds:schemaRef ds:uri="81d41a3b-f33d-4db6-b532-757106a7a2ae"/>
+    <ds:schemaRef ds:uri="http://purl.org/dc/dcmitype/"/>
+    <ds:schemaRef ds:uri="http://purl.org/dc/elements/1.1/"/>
+    <ds:schemaRef ds:uri="http://schemas.microsoft.com/office/2006/documentManagement/types"/>
+    <ds:schemaRef ds:uri="bf25a9bf-a811-4965-9d0a-b88059080fed"/>
+    <ds:schemaRef ds:uri="http://purl.org/dc/terms/"/>
+    <ds:schemaRef ds:uri="http://schemas.microsoft.com/office/infopath/2007/PartnerControls"/>
+    <ds:schemaRef ds:uri="http://schemas.openxmlformats.org/package/2006/metadata/core-properties"/>
+    <ds:schemaRef ds:uri="http://schemas.microsoft.com/office/2006/metadata/properties"/>
+  </ds:schemaRefs>
+</ds:datastoreItem>
 </file>
 
-<file path=customXml/item3.xml><?xml version="1.0" encoding="utf-8"?>
-<p:properties xmlns:p="http://schemas.microsoft.com/office/2006/metadata/properties" xmlns:xsi="http://www.w3.org/2001/XMLSchema-instance" xmlns:pc="http://schemas.microsoft.com/office/infopath/2007/PartnerControls">
-  <documentManagement>
-    <lcf76f155ced4ddcb4097134ff3c332f xmlns="81d41a3b-f33d-4db6-b532-757106a7a2ae">
-      <Terms xmlns="http://schemas.microsoft.com/office/infopath/2007/PartnerControls"/>
-    </lcf76f155ced4ddcb4097134ff3c332f>
-    <TaxCatchAll xmlns="bf25a9bf-a811-4965-9d0a-b88059080fed" xsi:nil="true"/>
-  </documentManagement>
-</p:properties>
+<file path=customXml/itemProps2.xml><?xml version="1.0" encoding="utf-8"?>
+<ds:datastoreItem xmlns:ds="http://schemas.openxmlformats.org/officeDocument/2006/customXml" ds:itemID="{263A7949-1B93-457F-8888-53CC8A016F77}">
+  <ds:schemaRefs>
+    <ds:schemaRef ds:uri="http://schemas.microsoft.com/sharepoint/v3/contenttype/forms"/>
+  </ds:schemaRefs>
+</ds:datastoreItem>
 </file>
 
-<file path=customXml/itemProps1.xml><?xml version="1.0" encoding="utf-8"?>
+<file path=customXml/itemProps3.xml><?xml version="1.0" encoding="utf-8"?>
 <ds:datastoreItem xmlns:ds="http://schemas.openxmlformats.org/officeDocument/2006/customXml" ds:itemID="{2A270F01-48F1-4A41-8E26-ACAC66896963}">
   <ds:schemaRefs>
     <ds:schemaRef ds:uri="http://schemas.microsoft.com/office/2006/metadata/contentType"/>
@@ -8558,29 +8583,4 @@
     <ds:schemaRef ds:uri="http://schemas.microsoft.com/internal/obd"/>
   </ds:schemaRefs>
 </ds:datastoreItem>
-</file>
-
-<file path=customXml/itemProps2.xml><?xml version="1.0" encoding="utf-8"?>
-<ds:datastoreItem xmlns:ds="http://schemas.openxmlformats.org/officeDocument/2006/customXml" ds:itemID="{263A7949-1B93-457F-8888-53CC8A016F77}">
-  <ds:schemaRefs>
-    <ds:schemaRef ds:uri="http://schemas.microsoft.com/sharepoint/v3/contenttype/forms"/>
-  </ds:schemaRefs>
-</ds:datastoreItem>
-</file>
-
-<file path=customXml/itemProps3.xml><?xml version="1.0" encoding="utf-8"?>
-<ds:datastoreItem xmlns:ds="http://schemas.openxmlformats.org/officeDocument/2006/customXml" ds:itemID="{5EE9034D-0B43-4AB0-9535-9A62DB37A999}">
-  <ds:schemaRefs>
-    <ds:schemaRef ds:uri="http://www.w3.org/XML/1998/namespace"/>
-    <ds:schemaRef ds:uri="81d41a3b-f33d-4db6-b532-757106a7a2ae"/>
-    <ds:schemaRef ds:uri="http://purl.org/dc/dcmitype/"/>
-    <ds:schemaRef ds:uri="http://purl.org/dc/elements/1.1/"/>
-    <ds:schemaRef ds:uri="http://schemas.microsoft.com/office/2006/documentManagement/types"/>
-    <ds:schemaRef ds:uri="bf25a9bf-a811-4965-9d0a-b88059080fed"/>
-    <ds:schemaRef ds:uri="http://purl.org/dc/terms/"/>
-    <ds:schemaRef ds:uri="http://schemas.microsoft.com/office/infopath/2007/PartnerControls"/>
-    <ds:schemaRef ds:uri="http://schemas.openxmlformats.org/package/2006/metadata/core-properties"/>
-    <ds:schemaRef ds:uri="http://schemas.microsoft.com/office/2006/metadata/properties"/>
-  </ds:schemaRefs>
-</ds:datastoreItem>
 </file>
--- a/ToegepasteAnalogeElektronica/PowerPoint/Spice-simulatie.pptx
+++ b/ToegepasteAnalogeElektronica/PowerPoint/Spice-simulatie.pptx
@@ -27,6 +27,8 @@
     <p:sldId id="269" r:id="rId26"/>
     <p:sldId id="270" r:id="rId27"/>
     <p:sldId id="271" r:id="rId28"/>
+    <p:sldId id="272" r:id="rId29"/>
+    <p:sldId id="273" r:id="rId30"/>
   </p:sldIdLst>
   <p:sldSz cx="12192000" cy="6858000"/>
   <p:notesSz cx="6858000" cy="9144000"/>
@@ -5706,7 +5708,7 @@
               <a:rPr sz="3200" b="1" i="0">
                 <a:latin typeface="Arial"/>
               </a:rPr>
-              <a:t>nMOS transistors van de verschilversterker</a:t>
+              <a:t>Basisschema van de verschilversterker</a:t>
             </a:r>
             <a:endParaRPr sz="3200" b="1" i="0">
               <a:latin typeface="Arial"/>
@@ -5730,8 +5732,8 @@
         </p:blipFill>
         <p:spPr>
           <a:xfrm>
-            <a:off x="1214717" y="1179576"/>
-            <a:ext cx="9762565" cy="5029200"/>
+            <a:off x="2688894" y="1179576"/>
+            <a:ext cx="6814212" cy="5029200"/>
           </a:xfrm>
           <a:prstGeom prst="rect">
             <a:avLst/>
@@ -5787,7 +5789,7 @@
               <a:rPr sz="2400" b="0" i="0">
                 <a:latin typeface="Courier"/>
               </a:rPr>
-              <a:t>MP1 1 4 3 1  PMOS w=3.50u L=0.50U</a:t>
+              <a:t>MN1 3 5 0 0  NMOS w=1.50u L=0.50u</a:t>
             </a:r>
             <a:endParaRPr sz="2400" b="0" i="0">
               <a:latin typeface="Courier"/>
@@ -5808,7 +5810,7 @@
               <a:rPr sz="2400" b="0" i="0">
                 <a:latin typeface="Courier"/>
               </a:rPr>
-              <a:t>MP2 4 4 1 1  PMOS w=3.50u L=0.50U</a:t>
+              <a:t>MN2 0 5 5 0  NMOS w=1.50u L=0.50u</a:t>
             </a:r>
             <a:endParaRPr sz="2400" b="0" i="0">
               <a:latin typeface="Courier"/>
@@ -5829,7 +5831,7 @@
               <a:rPr sz="2400" b="0" i="0">
                 <a:latin typeface="Courier"/>
               </a:rPr>
-              <a:t>MP3 1 6 5 1  PMOS w=3.50u L=0.50U</a:t>
+              <a:t>MN3 8 10 4 0 NMOS w=1.50u L=0.50U</a:t>
             </a:r>
             <a:endParaRPr sz="2400" b="0" i="0">
               <a:latin typeface="Courier"/>
@@ -5850,7 +5852,28 @@
               <a:rPr sz="2400" b="0" i="0">
                 <a:latin typeface="Courier"/>
               </a:rPr>
-              <a:t>MP4 6 6 1 1  PMOS w=3.50u L=0.50U</a:t>
+              <a:t>MN4 0 9 8 0  NMOS w=4.50u L=0.50U</a:t>
+            </a:r>
+            <a:endParaRPr sz="2400" b="0" i="0">
+              <a:latin typeface="Courier"/>
+            </a:endParaRPr>
+          </a:p>
+          <a:p>
+            <a:pPr>
+              <a:lnSpc>
+                <a:spcPts val="2400"/>
+              </a:lnSpc>
+              <a:defRPr>
+                <a:solidFill>
+                  <a:srgbClr val="FFFFFF"/>
+                </a:solidFill>
+              </a:defRPr>
+            </a:pPr>
+            <a:r>
+              <a:rPr sz="2400" b="0" i="0">
+                <a:latin typeface="Courier"/>
+              </a:rPr>
+              <a:t>MN5 6 11 8 0 NMOS w=1.50u L=0.50U</a:t>
             </a:r>
             <a:endParaRPr sz="2400" b="0" i="0">
               <a:latin typeface="Courier"/>
@@ -5879,7 +5902,7 @@
               <a:rPr sz="3200" b="1" i="0">
                 <a:latin typeface="Arial"/>
               </a:rPr>
-              <a:t>pMOS transistors van de verschilversterker</a:t>
+              <a:t>nMOS transistors</a:t>
             </a:r>
             <a:endParaRPr sz="3200" b="1" i="0">
               <a:latin typeface="Arial"/>
@@ -5926,7 +5949,7 @@
               <a:rPr sz="3200" b="1" i="0">
                 <a:latin typeface="Arial"/>
               </a:rPr>
-              <a:t>pMOS transistors van de verschilversterker</a:t>
+              <a:t>nMOS transistors van de verschilversterker</a:t>
             </a:r>
             <a:endParaRPr sz="3200" b="1" i="0">
               <a:latin typeface="Arial"/>
@@ -5950,8 +5973,8 @@
         </p:blipFill>
         <p:spPr>
           <a:xfrm>
-            <a:off x="0" y="1179576"/>
-            <a:ext cx="12192000" cy="5029200"/>
+            <a:off x="1214717" y="1179576"/>
+            <a:ext cx="9762565" cy="5029200"/>
           </a:xfrm>
           <a:prstGeom prst="rect">
             <a:avLst/>
@@ -6007,7 +6030,7 @@
               <a:rPr sz="2400" b="0" i="0">
                 <a:latin typeface="Courier"/>
               </a:rPr>
-              <a:t>.MODEL NMOS NMOS(LEVEL=1 VTO=0.50 KP=90.000E-6 LAMBDA=0.001)</a:t>
+              <a:t>MP1 1 4 3 1  PMOS w=3.50u L=0.50U</a:t>
             </a:r>
             <a:endParaRPr sz="2400" b="0" i="0">
               <a:latin typeface="Courier"/>
@@ -6028,7 +6051,49 @@
               <a:rPr sz="2400" b="0" i="0">
                 <a:latin typeface="Courier"/>
               </a:rPr>
-              <a:t>.MODEL PMOS PMOS(LEVEL=1 VTO=-0.45 KP=55.000E-6 LAMBDA=0.001)</a:t>
+              <a:t>MP2 4 4 1 1  PMOS w=3.50u L=0.50U</a:t>
+            </a:r>
+            <a:endParaRPr sz="2400" b="0" i="0">
+              <a:latin typeface="Courier"/>
+            </a:endParaRPr>
+          </a:p>
+          <a:p>
+            <a:pPr>
+              <a:lnSpc>
+                <a:spcPts val="2400"/>
+              </a:lnSpc>
+              <a:defRPr>
+                <a:solidFill>
+                  <a:srgbClr val="FFFFFF"/>
+                </a:solidFill>
+              </a:defRPr>
+            </a:pPr>
+            <a:r>
+              <a:rPr sz="2400" b="0" i="0">
+                <a:latin typeface="Courier"/>
+              </a:rPr>
+              <a:t>MP3 1 6 5 1  PMOS w=3.50u L=0.50U</a:t>
+            </a:r>
+            <a:endParaRPr sz="2400" b="0" i="0">
+              <a:latin typeface="Courier"/>
+            </a:endParaRPr>
+          </a:p>
+          <a:p>
+            <a:pPr>
+              <a:lnSpc>
+                <a:spcPts val="2400"/>
+              </a:lnSpc>
+              <a:defRPr>
+                <a:solidFill>
+                  <a:srgbClr val="FFFFFF"/>
+                </a:solidFill>
+              </a:defRPr>
+            </a:pPr>
+            <a:r>
+              <a:rPr sz="2400" b="0" i="0">
+                <a:latin typeface="Courier"/>
+              </a:rPr>
+              <a:t>MP4 6 6 1 1  PMOS w=3.50u L=0.50U</a:t>
             </a:r>
             <a:endParaRPr sz="2400" b="0" i="0">
               <a:latin typeface="Courier"/>
@@ -6057,7 +6122,7 @@
               <a:rPr sz="3200" b="1" i="0">
                 <a:latin typeface="Arial"/>
               </a:rPr>
-              <a:t>Eenvoudige transistormodellen</a:t>
+              <a:t>pMOS transistors van de verschilversterker</a:t>
             </a:r>
             <a:endParaRPr sz="3200" b="1" i="0">
               <a:latin typeface="Arial"/>
@@ -6104,7 +6169,7 @@
               <a:rPr sz="3200" b="1" i="0">
                 <a:latin typeface="Arial"/>
               </a:rPr>
-              <a:t>Simulatie</a:t>
+              <a:t>pMOS transistors van de verschilversterker</a:t>
             </a:r>
             <a:endParaRPr sz="3200" b="1" i="0">
               <a:latin typeface="Arial"/>
@@ -6128,8 +6193,8 @@
         </p:blipFill>
         <p:spPr>
           <a:xfrm>
-            <a:off x="1036915" y="1179576"/>
-            <a:ext cx="10118170" cy="5029200"/>
+            <a:off x="0" y="1179576"/>
+            <a:ext cx="12192000" cy="5029200"/>
           </a:xfrm>
           <a:prstGeom prst="rect">
             <a:avLst/>
@@ -6154,6 +6219,95 @@
         <p:nvPr/>
       </p:nvGrpSpPr>
       <p:grpSpPr/>
+      <p:sp>
+        <p:nvSpPr>
+          <p:cNvPr id="2" name="Content Placeholder 1"/>
+          <p:cNvSpPr>
+            <a:spLocks noGrp="1"/>
+          </p:cNvSpPr>
+          <p:nvPr>
+            <p:ph idx="1"/>
+          </p:nvPr>
+        </p:nvSpPr>
+        <p:spPr/>
+        <p:txBody>
+          <a:bodyPr wrap="square">
+            <a:noAutofit/>
+          </a:bodyPr>
+          <a:lstStyle/>
+          <a:p>
+            <a:pPr>
+              <a:lnSpc>
+                <a:spcPts val="2400"/>
+              </a:lnSpc>
+              <a:defRPr>
+                <a:solidFill>
+                  <a:srgbClr val="FFFFFF"/>
+                </a:solidFill>
+              </a:defRPr>
+            </a:pPr>
+            <a:r>
+              <a:rPr sz="2400" b="0" i="0">
+                <a:latin typeface="Courier"/>
+              </a:rPr>
+              <a:t>.MODEL NMOS NMOS(LEVEL=1 VTO=0.50 KP=90.000E-6 LAMBDA=0.001)</a:t>
+            </a:r>
+            <a:endParaRPr sz="2400" b="0" i="0">
+              <a:latin typeface="Courier"/>
+            </a:endParaRPr>
+          </a:p>
+          <a:p>
+            <a:pPr>
+              <a:lnSpc>
+                <a:spcPts val="2400"/>
+              </a:lnSpc>
+              <a:defRPr>
+                <a:solidFill>
+                  <a:srgbClr val="FFFFFF"/>
+                </a:solidFill>
+              </a:defRPr>
+            </a:pPr>
+            <a:r>
+              <a:rPr sz="2400" b="0" i="0">
+                <a:latin typeface="Courier"/>
+              </a:rPr>
+              <a:t>.MODEL PMOS PMOS(LEVEL=1 VTO=-0.45 KP=55.000E-6 LAMBDA=0.001)</a:t>
+            </a:r>
+            <a:endParaRPr sz="2400" b="0" i="0">
+              <a:latin typeface="Courier"/>
+            </a:endParaRPr>
+          </a:p>
+        </p:txBody>
+      </p:sp>
+      <p:sp>
+        <p:nvSpPr>
+          <p:cNvPr id="3" name="Title 2"/>
+          <p:cNvSpPr>
+            <a:spLocks noGrp="1"/>
+          </p:cNvSpPr>
+          <p:nvPr>
+            <p:ph type="title"/>
+          </p:nvPr>
+        </p:nvSpPr>
+        <p:spPr/>
+        <p:txBody>
+          <a:bodyPr wrap="square">
+            <a:noAutofit/>
+          </a:bodyPr>
+          <a:lstStyle/>
+          <a:p>
+            <a:r>
+              <a:rPr sz="3200" b="1" i="0">
+                <a:latin typeface="Arial"/>
+              </a:rPr>
+              <a:t>Eenvoudige transistormodellen</a:t>
+            </a:r>
+            <a:endParaRPr sz="3200" b="1" i="0">
+              <a:latin typeface="Arial"/>
+            </a:endParaRPr>
+          </a:p>
+        </p:txBody>
+      </p:sp>
     </p:spTree>
   </p:cSld>
   <p:clrMapOvr>
@@ -6163,6 +6317,95 @@
 </file>
 
 <file path=ppt/slides/slide16.xml><?xml version="1.0" encoding="utf-8"?>
+<p:sld xmlns:a="http://schemas.openxmlformats.org/drawingml/2006/main" xmlns:p="http://schemas.openxmlformats.org/presentationml/2006/main" xmlns:r="http://schemas.openxmlformats.org/officeDocument/2006/relationships">
+  <p:cSld>
+    <p:spTree>
+      <p:nvGrpSpPr>
+        <p:cNvPr id="1" name=""/>
+        <p:cNvGrpSpPr/>
+        <p:nvPr/>
+      </p:nvGrpSpPr>
+      <p:grpSpPr/>
+      <p:sp>
+        <p:nvSpPr>
+          <p:cNvPr id="2" name="Title 1"/>
+          <p:cNvSpPr>
+            <a:spLocks noGrp="1"/>
+          </p:cNvSpPr>
+          <p:nvPr>
+            <p:ph type="title"/>
+          </p:nvPr>
+        </p:nvSpPr>
+        <p:spPr/>
+        <p:txBody>
+          <a:bodyPr wrap="square">
+            <a:noAutofit/>
+          </a:bodyPr>
+          <a:lstStyle/>
+          <a:p>
+            <a:r>
+              <a:rPr sz="3200" b="1" i="0">
+                <a:latin typeface="Arial"/>
+              </a:rPr>
+              <a:t>Simulatie</a:t>
+            </a:r>
+            <a:endParaRPr sz="3200" b="1" i="0">
+              <a:latin typeface="Arial"/>
+            </a:endParaRPr>
+          </a:p>
+        </p:txBody>
+      </p:sp>
+      <p:pic>
+        <p:nvPicPr>
+          <p:cNvPr id="3" name="Picture 2" descr="image.png"/>
+          <p:cNvPicPr>
+            <a:picLocks noChangeAspect="1"/>
+          </p:cNvPicPr>
+          <p:nvPr/>
+        </p:nvPicPr>
+        <p:blipFill>
+          <a:blip r:embed="rId2"/>
+          <a:stretch>
+            <a:fillRect/>
+          </a:stretch>
+        </p:blipFill>
+        <p:spPr>
+          <a:xfrm>
+            <a:off x="1036915" y="1179576"/>
+            <a:ext cx="10118170" cy="5029200"/>
+          </a:xfrm>
+          <a:prstGeom prst="rect">
+            <a:avLst/>
+          </a:prstGeom>
+        </p:spPr>
+      </p:pic>
+    </p:spTree>
+  </p:cSld>
+  <p:clrMapOvr>
+    <a:masterClrMapping/>
+  </p:clrMapOvr>
+</p:sld>
+</file>
+
+<file path=ppt/slides/slide17.xml><?xml version="1.0" encoding="utf-8"?>
+<p:sld xmlns:a="http://schemas.openxmlformats.org/drawingml/2006/main" xmlns:p="http://schemas.openxmlformats.org/presentationml/2006/main" xmlns:r="http://schemas.openxmlformats.org/officeDocument/2006/relationships">
+  <p:cSld>
+    <p:spTree>
+      <p:nvGrpSpPr>
+        <p:cNvPr id="1" name=""/>
+        <p:cNvGrpSpPr/>
+        <p:nvPr/>
+      </p:nvGrpSpPr>
+      <p:grpSpPr/>
+    </p:spTree>
+  </p:cSld>
+  <p:clrMapOvr>
+    <a:masterClrMapping/>
+  </p:clrMapOvr>
+</p:sld>
+</file>
+
+<file path=ppt/slides/slide18.xml><?xml version="1.0" encoding="utf-8"?>
 <p:sld xmlns:a="http://schemas.openxmlformats.org/drawingml/2006/main" xmlns:p="http://schemas.openxmlformats.org/presentationml/2006/main" xmlns:r="http://schemas.openxmlformats.org/officeDocument/2006/relationships">
   <p:cSld>
     <p:spTree>
@@ -6206,15 +6449,21 @@
           <a:lstStyle/>
           <a:p/>
           <a:p>
-            <a:pPr/>
+            <a:pPr lvl="1"/>
             <a:r>
               <a:t>SPICE (Simulation Program for Integrated Circuits Emphasis) is een algemene analoge circuit simulator die kan gebruikt worden voor het voorspellen en controleren van het gedrag van circuits.</a:t>
             </a:r>
           </a:p>
           <a:p>
-            <a:pPr/>
+            <a:pPr lvl="1"/>
             <a:r>
               <a:t>Ontwikkeld in de 1970’s in Berkeley</a:t>
+            </a:r>
+          </a:p>
+          <a:p>
+            <a:pPr lvl="1"/>
+            <a:r>
+              <a:t>Op basis van de MNA analyse</a:t>
             </a:r>
           </a:p>
         </p:txBody>
@@ -6282,51 +6531,69 @@
           <a:lstStyle/>
           <a:p/>
           <a:p>
-            <a:pPr/>
-            <a:r>
-              <a:t>Niet-lineare DC analyse</a:t>
-            </a:r>
-          </a:p>
-          <a:p>
-            <a:pPr/>
-            <a:r>
-              <a:t>Niet-lineare transient analyse</a:t>
-            </a:r>
-          </a:p>
-          <a:p>
-            <a:pPr/>
-            <a:r>
-              <a:t>Lineare AC Analyse</a:t>
-            </a:r>
-          </a:p>
-          <a:p>
-            <a:pPr/>
-            <a:r>
-              <a:t>Noise analyse</a:t>
-            </a:r>
-          </a:p>
-          <a:p>
-            <a:pPr/>
-            <a:r>
-              <a:t>Sensitiviteit analyse</a:t>
-            </a:r>
-          </a:p>
-          <a:p>
-            <a:pPr/>
-            <a:r>
-              <a:t>Distortie analysis</a:t>
-            </a:r>
-          </a:p>
-          <a:p>
-            <a:pPr/>
-            <a:r>
-              <a:t>Fourier analyse</a:t>
-            </a:r>
-          </a:p>
-          <a:p>
-            <a:pPr/>
-            <a:r>
-              <a:t>Monte Carlo analyse</a:t>
+            <a:pPr lvl="1"/>
+            <a:r>
+              <a:t>Weerstand (R)</a:t>
+            </a:r>
+          </a:p>
+          <a:p>
+            <a:pPr lvl="1"/>
+            <a:r>
+              <a:t>Capaciteit (C)</a:t>
+            </a:r>
+          </a:p>
+          <a:p>
+            <a:pPr lvl="1"/>
+            <a:r>
+              <a:t>Spoel (L)</a:t>
+            </a:r>
+          </a:p>
+          <a:p>
+            <a:pPr lvl="1"/>
+            <a:r>
+              <a:t>Gekoppelde spoelen (K)</a:t>
+            </a:r>
+          </a:p>
+          <a:p>
+            <a:pPr lvl="1"/>
+            <a:r>
+              <a:t>Transmissie lijn</a:t>
+            </a:r>
+          </a:p>
+          <a:p>
+            <a:pPr lvl="2"/>
+            <a:r>
+              <a:t>zonder verliezen(T)</a:t>
+            </a:r>
+          </a:p>
+          <a:p>
+            <a:pPr lvl="2"/>
+            <a:r>
+              <a:t>met verliezen (O,Y,P)</a:t>
+            </a:r>
+          </a:p>
+          <a:p>
+            <a:pPr lvl="2"/>
+            <a:r>
+              <a:t>RC lijnen (U)</a:t>
+            </a:r>
+          </a:p>
+          <a:p>
+            <a:pPr lvl="1"/>
+            <a:r>
+              <a:t>Schakelaars</a:t>
+            </a:r>
+          </a:p>
+          <a:p>
+            <a:pPr lvl="2"/>
+            <a:r>
+              <a:t>gecontrolleerd door spanning (S)</a:t>
+            </a:r>
+          </a:p>
+          <a:p>
+            <a:pPr lvl="2"/>
+            <a:r>
+              <a:t>gecontrolleerd door stroom (W)</a:t>
             </a:r>
           </a:p>
         </p:txBody>
@@ -6352,7 +6619,7 @@
               <a:rPr sz="3200" b="1" i="0">
                 <a:latin typeface="Arial"/>
               </a:rPr>
-              <a:t>Types van analyse</a:t>
+              <a:t>Beschikbare passieve componenten</a:t>
             </a:r>
             <a:endParaRPr sz="3200" b="1" i="0">
               <a:latin typeface="Arial"/>
@@ -6394,87 +6661,45 @@
           <a:lstStyle/>
           <a:p/>
           <a:p>
-            <a:pPr/>
-            <a:r>
-              <a:t>Onafhankelijke en afhankelijke spanning en stroombronnen</a:t>
-            </a:r>
-          </a:p>
-          <a:p>
-            <a:pPr/>
-            <a:r>
-              <a:t>Weerstanden</a:t>
-            </a:r>
-          </a:p>
-          <a:p>
-            <a:pPr/>
-            <a:r>
-              <a:t>Capaciteiten</a:t>
-            </a:r>
-          </a:p>
-          <a:p>
-            <a:pPr/>
-            <a:r>
-              <a:t>Spoelen</a:t>
-            </a:r>
-          </a:p>
-          <a:p>
-            <a:pPr/>
-            <a:r>
-              <a:t>Gekoppelde spoelen</a:t>
-            </a:r>
-          </a:p>
-          <a:p>
-            <a:pPr/>
-            <a:r>
-              <a:t>Transmissie lijnen</a:t>
-            </a:r>
-          </a:p>
-          <a:p>
-            <a:pPr/>
-            <a:r>
-              <a:t>Operational amplifiers</a:t>
-            </a:r>
-          </a:p>
-          <a:p>
-            <a:pPr/>
-            <a:r>
-              <a:t>Schakelaars</a:t>
-            </a:r>
-          </a:p>
-          <a:p>
-            <a:pPr/>
-            <a:r>
-              <a:t>Diodes</a:t>
-            </a:r>
-          </a:p>
-          <a:p>
-            <a:pPr/>
-            <a:r>
-              <a:t>Bipolaire transistors</a:t>
-            </a:r>
-          </a:p>
-          <a:p>
-            <a:pPr/>
-            <a:r>
-              <a:t>MOS transistors</a:t>
-            </a:r>
-          </a:p>
-          <a:p>
-            <a:pPr/>
-            <a:r>
-              <a:t>JFET</a:t>
-            </a:r>
-          </a:p>
-          <a:p>
-            <a:pPr/>
-            <a:r>
-              <a:t>MESFET</a:t>
-            </a:r>
-          </a:p>
-          <a:p>
-            <a:pPr/>
-            <a:r>
-              <a:t>Digitale poorten</a:t>
+            <a:pPr lvl="1"/>
+            <a:r>
+              <a:t>Diodes (D)</a:t>
+            </a:r>
+          </a:p>
+          <a:p>
+            <a:pPr lvl="1"/>
+            <a:r>
+              <a:t>Bipolaire transistors (Q)</a:t>
+            </a:r>
+          </a:p>
+          <a:p>
+            <a:pPr lvl="1"/>
+            <a:r>
+              <a:t>MOS transistors (M)</a:t>
+            </a:r>
+          </a:p>
+          <a:p>
+            <a:pPr lvl="1"/>
+            <a:r>
+              <a:t>JFET (J)</a:t>
+            </a:r>
+          </a:p>
+          <a:p>
+            <a:pPr lvl="1"/>
+            <a:r>
+              <a:t>MESFET (Z)</a:t>
+            </a:r>
+          </a:p>
+          <a:p>
+            <a:pPr lvl="1"/>
+            <a:r>
+              <a:t>code models (A)</a:t>
+            </a:r>
+          </a:p>
+          <a:p>
+            <a:pPr lvl="1"/>
+            <a:r>
+              <a:t>subcircuits (X)</a:t>
             </a:r>
           </a:p>
         </p:txBody>
@@ -6500,7 +6725,7 @@
               <a:rPr sz="3200" b="1" i="0">
                 <a:latin typeface="Arial"/>
               </a:rPr>
-              <a:t>Beschikbare componenten</a:t>
+              <a:t>Beschikbare active componenten</a:t>
             </a:r>
             <a:endParaRPr sz="3200" b="1" i="0">
               <a:latin typeface="Arial"/>
@@ -6528,7 +6753,60 @@
       <p:grpSpPr/>
       <p:sp>
         <p:nvSpPr>
-          <p:cNvPr id="2" name="Title 1"/>
+          <p:cNvPr id="2" name="Content Placeholder 1"/>
+          <p:cNvSpPr>
+            <a:spLocks noGrp="1"/>
+          </p:cNvSpPr>
+          <p:nvPr>
+            <p:ph idx="1"/>
+          </p:nvPr>
+        </p:nvSpPr>
+        <p:spPr/>
+        <p:txBody>
+          <a:bodyPr/>
+          <a:lstStyle/>
+          <a:p/>
+          <a:p>
+            <a:pPr lvl="1"/>
+            <a:r>
+              <a:t>Onafhankelijke spanningsbron (V)</a:t>
+            </a:r>
+          </a:p>
+          <a:p>
+            <a:pPr lvl="1"/>
+            <a:r>
+              <a:t>Onafhankelijke stroombron (I)</a:t>
+            </a:r>
+          </a:p>
+          <a:p>
+            <a:pPr lvl="1"/>
+            <a:r>
+              <a:t>Spanningsgecontrolleerde spanningsbron (E)</a:t>
+            </a:r>
+          </a:p>
+          <a:p>
+            <a:pPr lvl="1"/>
+            <a:r>
+              <a:t>Spanningsgecontrolleerde stroombron (G)</a:t>
+            </a:r>
+          </a:p>
+          <a:p>
+            <a:pPr lvl="1"/>
+            <a:r>
+              <a:t>Stroomgecontrolleerde spanningsbron (H)</a:t>
+            </a:r>
+          </a:p>
+          <a:p>
+            <a:pPr lvl="1"/>
+            <a:r>
+              <a:t>Stroomgecontrolleerde stroombron (F)</a:t>
+            </a:r>
+          </a:p>
+        </p:txBody>
+      </p:sp>
+      <p:sp>
+        <p:nvSpPr>
+          <p:cNvPr id="3" name="Title 2"/>
           <p:cNvSpPr>
             <a:spLocks noGrp="1"/>
           </p:cNvSpPr>
@@ -6544,41 +6822,17 @@
           <a:lstStyle/>
           <a:p>
             <a:r>
-              <a:rPr sz="3200" b="1" i="0">
+              <a:rPr sz="2500" b="1" i="0">
                 <a:latin typeface="Arial"/>
               </a:rPr>
-              <a:t>Basisschema van de verschilversterker</a:t>
-            </a:r>
-            <a:endParaRPr sz="3200" b="1" i="0">
+              <a:t>Onafhankelijke en afhankelijke spanningsbronnen en stroombronnen</a:t>
+            </a:r>
+            <a:endParaRPr sz="2500" b="1" i="0">
               <a:latin typeface="Arial"/>
             </a:endParaRPr>
           </a:p>
         </p:txBody>
       </p:sp>
-      <p:pic>
-        <p:nvPicPr>
-          <p:cNvPr id="3" name="Picture 2" descr="image.png"/>
-          <p:cNvPicPr>
-            <a:picLocks noChangeAspect="1"/>
-          </p:cNvPicPr>
-          <p:nvPr/>
-        </p:nvPicPr>
-        <p:blipFill>
-          <a:blip r:embed="rId2"/>
-          <a:stretch>
-            <a:fillRect/>
-          </a:stretch>
-        </p:blipFill>
-        <p:spPr>
-          <a:xfrm>
-            <a:off x="2772103" y="1179576"/>
-            <a:ext cx="6647793" cy="5029200"/>
-          </a:xfrm>
-          <a:prstGeom prst="rect">
-            <a:avLst/>
-          </a:prstGeom>
-        </p:spPr>
-      </p:pic>
     </p:spTree>
   </p:cSld>
   <p:clrMapOvr>
@@ -6599,7 +6853,78 @@
       <p:grpSpPr/>
       <p:sp>
         <p:nvSpPr>
-          <p:cNvPr id="2" name="Title 1"/>
+          <p:cNvPr id="2" name="Content Placeholder 1"/>
+          <p:cNvSpPr>
+            <a:spLocks noGrp="1"/>
+          </p:cNvSpPr>
+          <p:nvPr>
+            <p:ph idx="1"/>
+          </p:nvPr>
+        </p:nvSpPr>
+        <p:spPr/>
+        <p:txBody>
+          <a:bodyPr/>
+          <a:lstStyle/>
+          <a:p/>
+          <a:p>
+            <a:pPr lvl="1"/>
+            <a:r>
+              <a:t>operating point analyse (.op)</a:t>
+            </a:r>
+          </a:p>
+          <a:p>
+            <a:pPr lvl="1"/>
+            <a:r>
+              <a:t>Niet-lineare DC analyse  (.dc)</a:t>
+            </a:r>
+          </a:p>
+          <a:p>
+            <a:pPr lvl="1"/>
+            <a:r>
+              <a:t>Niet-lineare transient analyse (.tran)</a:t>
+            </a:r>
+          </a:p>
+          <a:p>
+            <a:pPr lvl="1"/>
+            <a:r>
+              <a:t>Lineare klein signaal AC Analyse (.ac)</a:t>
+            </a:r>
+          </a:p>
+          <a:p>
+            <a:pPr lvl="1"/>
+            <a:r>
+              <a:t>pool en zero analyse (.pz)</a:t>
+            </a:r>
+          </a:p>
+          <a:p>
+            <a:pPr lvl="1"/>
+            <a:r>
+              <a:t>Noise analyse (.noise)</a:t>
+            </a:r>
+          </a:p>
+          <a:p>
+            <a:pPr lvl="1"/>
+            <a:r>
+              <a:t>Sensitiviteit analyse (.sens)</a:t>
+            </a:r>
+          </a:p>
+          <a:p>
+            <a:pPr lvl="1"/>
+            <a:r>
+              <a:t>Klein signaal distortie analysis (.disto)</a:t>
+            </a:r>
+          </a:p>
+          <a:p>
+            <a:pPr lvl="1"/>
+            <a:r>
+              <a:t>Monte-Carlo analyse</a:t>
+            </a:r>
+          </a:p>
+        </p:txBody>
+      </p:sp>
+      <p:sp>
+        <p:nvSpPr>
+          <p:cNvPr id="3" name="Title 2"/>
           <p:cNvSpPr>
             <a:spLocks noGrp="1"/>
           </p:cNvSpPr>
@@ -6618,7 +6943,7 @@
               <a:rPr sz="3200" b="1" i="0">
                 <a:latin typeface="Arial"/>
               </a:rPr>
-              <a:t>Basisschema van de verschilversterker</a:t>
+              <a:t>Types van analyse</a:t>
             </a:r>
             <a:endParaRPr sz="3200" b="1" i="0">
               <a:latin typeface="Arial"/>
@@ -6626,30 +6951,6 @@
           </a:p>
         </p:txBody>
       </p:sp>
-      <p:pic>
-        <p:nvPicPr>
-          <p:cNvPr id="3" name="Picture 2" descr="image.png"/>
-          <p:cNvPicPr>
-            <a:picLocks noChangeAspect="1"/>
-          </p:cNvPicPr>
-          <p:nvPr/>
-        </p:nvPicPr>
-        <p:blipFill>
-          <a:blip r:embed="rId2"/>
-          <a:stretch>
-            <a:fillRect/>
-          </a:stretch>
-        </p:blipFill>
-        <p:spPr>
-          <a:xfrm>
-            <a:off x="2688894" y="1179576"/>
-            <a:ext cx="6814212" cy="5029200"/>
-          </a:xfrm>
-          <a:prstGeom prst="rect">
-            <a:avLst/>
-          </a:prstGeom>
-        </p:spPr>
-      </p:pic>
     </p:spTree>
   </p:cSld>
   <p:clrMapOvr>
@@ -6680,324 +6981,14 @@
         </p:nvSpPr>
         <p:spPr/>
         <p:txBody>
-          <a:bodyPr wrap="square">
-            <a:noAutofit/>
-          </a:bodyPr>
+          <a:bodyPr/>
           <a:lstStyle/>
-          <a:p>
-            <a:pPr>
-              <a:lnSpc>
-                <a:spcPts val="2400"/>
-              </a:lnSpc>
-              <a:defRPr>
-                <a:solidFill>
-                  <a:srgbClr val="FFFFFF"/>
-                </a:solidFill>
-              </a:defRPr>
-            </a:pPr>
-            <a:r>
-              <a:rPr sz="2400" b="0" i="0">
-                <a:latin typeface="Courier"/>
-              </a:rPr>
-              <a:t>* CIRCUIT Spice file van een verschilversterker</a:t>
-            </a:r>
-            <a:endParaRPr sz="2400" b="0" i="0">
-              <a:latin typeface="Courier"/>
-            </a:endParaRPr>
-          </a:p>
-          <a:p>
-            <a:pPr>
-              <a:lnSpc>
-                <a:spcPts val="2400"/>
-              </a:lnSpc>
-              <a:defRPr>
-                <a:solidFill>
-                  <a:srgbClr val="FFFFFF"/>
-                </a:solidFill>
-              </a:defRPr>
-            </a:pPr>
-            <a:r>
-              <a:rPr sz="2400" b="0" i="0">
-                <a:latin typeface="Courier"/>
-              </a:rPr>
-              <a:t>VDD    1 0 DC=5.0</a:t>
-            </a:r>
-            <a:endParaRPr sz="2400" b="0" i="0">
-              <a:latin typeface="Courier"/>
-            </a:endParaRPr>
-          </a:p>
-          <a:p>
-            <a:pPr>
-              <a:lnSpc>
-                <a:spcPts val="2400"/>
-              </a:lnSpc>
-              <a:defRPr>
-                <a:solidFill>
-                  <a:srgbClr val="FFFFFF"/>
-                </a:solidFill>
-              </a:defRPr>
-            </a:pPr>
-            <a:r>
-              <a:rPr sz="2400" b="0" i="0">
-                <a:latin typeface="Courier"/>
-              </a:rPr>
-              <a:t>VPLUS 10 0 DC=2.5</a:t>
-            </a:r>
-            <a:endParaRPr sz="2400" b="0" i="0">
-              <a:latin typeface="Courier"/>
-            </a:endParaRPr>
-          </a:p>
-          <a:p>
-            <a:pPr>
-              <a:lnSpc>
-                <a:spcPts val="2400"/>
-              </a:lnSpc>
-              <a:defRPr>
-                <a:solidFill>
-                  <a:srgbClr val="FFFFFF"/>
-                </a:solidFill>
-              </a:defRPr>
-            </a:pPr>
-            <a:r>
-              <a:rPr sz="2400" b="0" i="0">
-                <a:latin typeface="Courier"/>
-              </a:rPr>
-              <a:t>VMIN  11 0 SIN(2.5 50U 1E6) DC=2.5</a:t>
-            </a:r>
-            <a:endParaRPr sz="2400" b="0" i="0">
-              <a:latin typeface="Courier"/>
-            </a:endParaRPr>
-          </a:p>
-          <a:p>
-            <a:pPr>
-              <a:lnSpc>
-                <a:spcPts val="2400"/>
-              </a:lnSpc>
-              <a:defRPr>
-                <a:solidFill>
-                  <a:srgbClr val="FFFFFF"/>
-                </a:solidFill>
-              </a:defRPr>
-            </a:pPr>
-            <a:r>
-              <a:rPr sz="2400" b="0" i="0">
-                <a:latin typeface="Courier"/>
-              </a:rPr>
-              <a:t>VB    9 0 DC=1.5</a:t>
-            </a:r>
-            <a:endParaRPr sz="2400" b="0" i="0">
-              <a:latin typeface="Courier"/>
-            </a:endParaRPr>
-          </a:p>
-          <a:p>
-            <a:pPr>
-              <a:lnSpc>
-                <a:spcPts val="2400"/>
-              </a:lnSpc>
-              <a:defRPr>
-                <a:solidFill>
-                  <a:srgbClr val="FFFFFF"/>
-                </a:solidFill>
-              </a:defRPr>
-            </a:pPr>
-            <a:r>
-              <a:rPr sz="2400" b="0" i="0">
-                <a:latin typeface="Courier"/>
-              </a:rPr>
-              <a:t>C3     3 0   5.914fF</a:t>
-            </a:r>
-            <a:endParaRPr sz="2400" b="0" i="0">
-              <a:latin typeface="Courier"/>
-            </a:endParaRPr>
-          </a:p>
-          <a:p>
-            <a:pPr>
-              <a:lnSpc>
-                <a:spcPts val="2400"/>
-              </a:lnSpc>
-              <a:defRPr>
-                <a:solidFill>
-                  <a:srgbClr val="FFFFFF"/>
-                </a:solidFill>
-              </a:defRPr>
-            </a:pPr>
-            <a:r>
-              <a:rPr sz="2400" b="0" i="0">
-                <a:latin typeface="Courier"/>
-              </a:rPr>
-              <a:t>C4     4 0  14.737fF</a:t>
-            </a:r>
-            <a:endParaRPr sz="2400" b="0" i="0">
-              <a:latin typeface="Courier"/>
-            </a:endParaRPr>
-          </a:p>
-          <a:p>
-            <a:pPr>
-              <a:lnSpc>
-                <a:spcPts val="2400"/>
-              </a:lnSpc>
-              <a:defRPr>
-                <a:solidFill>
-                  <a:srgbClr val="FFFFFF"/>
-                </a:solidFill>
-              </a:defRPr>
-            </a:pPr>
-            <a:r>
-              <a:rPr sz="2400" b="0" i="0">
-                <a:latin typeface="Courier"/>
-              </a:rPr>
-              <a:t>C5     5 0  10.124fF</a:t>
-            </a:r>
-            <a:endParaRPr sz="2400" b="0" i="0">
-              <a:latin typeface="Courier"/>
-            </a:endParaRPr>
-          </a:p>
-          <a:p>
-            <a:pPr>
-              <a:lnSpc>
-                <a:spcPts val="2400"/>
-              </a:lnSpc>
-              <a:defRPr>
-                <a:solidFill>
-                  <a:srgbClr val="FFFFFF"/>
-                </a:solidFill>
-              </a:defRPr>
-            </a:pPr>
-            <a:r>
-              <a:rPr sz="2400" b="0" i="0">
-                <a:latin typeface="Courier"/>
-              </a:rPr>
-              <a:t>C6     6 0  14.434fF</a:t>
-            </a:r>
-            <a:endParaRPr sz="2400" b="0" i="0">
-              <a:latin typeface="Courier"/>
-            </a:endParaRPr>
-          </a:p>
-          <a:p>
-            <a:pPr>
-              <a:lnSpc>
-                <a:spcPts val="2400"/>
-              </a:lnSpc>
-              <a:defRPr>
-                <a:solidFill>
-                  <a:srgbClr val="FFFFFF"/>
-                </a:solidFill>
-              </a:defRPr>
-            </a:pPr>
-            <a:r>
-              <a:rPr sz="2400" b="0" i="0">
-                <a:latin typeface="Courier"/>
-              </a:rPr>
-              <a:t>C8     8 0   7.919fF</a:t>
-            </a:r>
-            <a:endParaRPr sz="2400" b="0" i="0">
-              <a:latin typeface="Courier"/>
-            </a:endParaRPr>
-          </a:p>
-          <a:p>
-            <a:pPr>
-              <a:lnSpc>
-                <a:spcPts val="2400"/>
-              </a:lnSpc>
-              <a:defRPr>
-                <a:solidFill>
-                  <a:srgbClr val="FFFFFF"/>
-                </a:solidFill>
-              </a:defRPr>
-            </a:pPr>
-            <a:r>
-              <a:rPr sz="2400" b="0" i="0">
-                <a:latin typeface="Courier"/>
-              </a:rPr>
-              <a:t>C9     9 0  15.257fF</a:t>
-            </a:r>
-            <a:endParaRPr sz="2400" b="0" i="0">
-              <a:latin typeface="Courier"/>
-            </a:endParaRPr>
-          </a:p>
-          <a:p>
-            <a:pPr>
-              <a:lnSpc>
-                <a:spcPts val="2400"/>
-              </a:lnSpc>
-              <a:defRPr>
-                <a:solidFill>
-                  <a:srgbClr val="FFFFFF"/>
-                </a:solidFill>
-              </a:defRPr>
-            </a:pPr>
-            <a:r>
-              <a:rPr sz="2400" b="0" i="0">
-                <a:latin typeface="Courier"/>
-              </a:rPr>
-              <a:t>C10   10 0 1.872fF</a:t>
-            </a:r>
-            <a:endParaRPr sz="2400" b="0" i="0">
-              <a:latin typeface="Courier"/>
-            </a:endParaRPr>
-          </a:p>
-          <a:p>
-            <a:pPr>
-              <a:lnSpc>
-                <a:spcPts val="2400"/>
-              </a:lnSpc>
-              <a:defRPr>
-                <a:solidFill>
-                  <a:srgbClr val="FFFFFF"/>
-                </a:solidFill>
-              </a:defRPr>
-            </a:pPr>
-            <a:r>
-              <a:rPr sz="2400" b="0" i="0">
-                <a:latin typeface="Courier"/>
-              </a:rPr>
-              <a:t>C11   11 0 1.688fF</a:t>
-            </a:r>
-            <a:endParaRPr sz="2400" b="0" i="0">
-              <a:latin typeface="Courier"/>
-            </a:endParaRPr>
-          </a:p>
-          <a:p>
-            <a:pPr>
-              <a:lnSpc>
-                <a:spcPts val="2400"/>
-              </a:lnSpc>
-              <a:defRPr>
-                <a:solidFill>
-                  <a:srgbClr val="FFFFFF"/>
-                </a:solidFill>
-              </a:defRPr>
-            </a:pPr>
-            <a:r>
-              <a:rPr sz="2400" b="0" i="0">
-                <a:latin typeface="Courier"/>
-              </a:rPr>
-              <a:t>C25    1 5  1fF</a:t>
-            </a:r>
-            <a:endParaRPr sz="2400" b="0" i="0">
-              <a:latin typeface="Courier"/>
-            </a:endParaRPr>
-          </a:p>
-          <a:p>
-            <a:pPr>
-              <a:lnSpc>
-                <a:spcPts val="2400"/>
-              </a:lnSpc>
-              <a:defRPr>
-                <a:solidFill>
-                  <a:srgbClr val="FFFFFF"/>
-                </a:solidFill>
-              </a:defRPr>
-            </a:pPr>
-            <a:r>
-              <a:rPr sz="2400" b="0" i="0">
-                <a:latin typeface="Courier"/>
-              </a:rPr>
-              <a:t>MN1 3 5 0 0  NMOS w=1.50u L=0.50u</a:t>
-            </a:r>
-            <a:endParaRPr sz="2400" b="0" i="0">
-              <a:latin typeface="Courier"/>
-            </a:endParaRPr>
+          <a:p/>
+          <a:p>
+            <a:pPr/>
+            <a:r>
+              <a:t>De eenheden die in spice gebruikt worden komen overeen met de standaard eenheden en er worden ook de standard prefactors gebruikt zodat er geen nood is aan de wetenschappelijke notatie. Spice maakt wel geen onderscheid tussen hoofd en kleine letters, wat een probleem kan geven om het verschil aan te geven tussen milli en mega. Daarom is er gekozen voor de `x` of de `meg`.</a:t>
+            </a:r>
           </a:p>
         </p:txBody>
       </p:sp>
@@ -7013,21 +7004,9 @@
         </p:nvSpPr>
         <p:spPr/>
         <p:txBody>
-          <a:bodyPr wrap="square">
-            <a:noAutofit/>
-          </a:bodyPr>
+          <a:bodyPr/>
           <a:lstStyle/>
-          <a:p>
-            <a:r>
-              <a:rPr sz="3200" b="1" i="0">
-                <a:latin typeface="Arial"/>
-              </a:rPr>
-              <a:t>Spice beschrijving</a:t>
-            </a:r>
-            <a:endParaRPr sz="3200" b="1" i="0">
-              <a:latin typeface="Arial"/>
-            </a:endParaRPr>
-          </a:p>
+          <a:p/>
         </p:txBody>
       </p:sp>
     </p:spTree>
@@ -7060,244 +7039,96 @@
         </p:nvSpPr>
         <p:spPr/>
         <p:txBody>
+          <a:bodyPr/>
+          <a:lstStyle/>
+          <a:p/>
+          <a:p>
+            <a:pPr lvl="1"/>
+            <a:r>
+              <a:rPr/>
+              <a:t>-18</a:t>
+            </a:r>
+          </a:p>
+          <a:p>
+            <a:pPr lvl="1"/>
+            <a:r>
+              <a:rPr/>
+              <a:t>-15</a:t>
+            </a:r>
+          </a:p>
+          <a:p>
+            <a:pPr lvl="1"/>
+            <a:r>
+              <a:rPr/>
+              <a:t>-12</a:t>
+            </a:r>
+          </a:p>
+          <a:p>
+            <a:pPr lvl="1"/>
+            <a:r>
+              <a:rPr/>
+              <a:t>-9</a:t>
+            </a:r>
+          </a:p>
+          <a:p>
+            <a:pPr lvl="1"/>
+            <a:r>
+              <a:rPr/>
+              <a:t>-6</a:t>
+            </a:r>
+          </a:p>
+          <a:p>
+            <a:pPr lvl="1"/>
+            <a:r>
+              <a:rPr/>
+              <a:t>-3</a:t>
+            </a:r>
+          </a:p>
+          <a:p>
+            <a:pPr lvl="1"/>
+            <a:r>
+              <a:rPr/>
+              <a:t>3</a:t>
+            </a:r>
+          </a:p>
+          <a:p>
+            <a:pPr lvl="1"/>
+            <a:r>
+              <a:rPr/>
+              <a:t>6</a:t>
+            </a:r>
+          </a:p>
+          <a:p>
+            <a:pPr lvl="1"/>
+            <a:r>
+              <a:rPr/>
+              <a:t>9</a:t>
+            </a:r>
+          </a:p>
+        </p:txBody>
+      </p:sp>
+      <p:sp>
+        <p:nvSpPr>
+          <p:cNvPr id="3" name="Title 2"/>
+          <p:cNvSpPr>
+            <a:spLocks noGrp="1"/>
+          </p:cNvSpPr>
+          <p:nvPr>
+            <p:ph type="title"/>
+          </p:nvPr>
+        </p:nvSpPr>
+        <p:spPr/>
+        <p:txBody>
           <a:bodyPr wrap="square">
             <a:noAutofit/>
           </a:bodyPr>
           <a:lstStyle/>
           <a:p>
-            <a:pPr>
-              <a:lnSpc>
-                <a:spcPts val="2400"/>
-              </a:lnSpc>
-              <a:defRPr>
-                <a:solidFill>
-                  <a:srgbClr val="FFFFFF"/>
-                </a:solidFill>
-              </a:defRPr>
-            </a:pPr>
-            <a:r>
-              <a:rPr sz="2400" b="0" i="0">
-                <a:latin typeface="Courier"/>
-              </a:rPr>
-              <a:t>MN2 0 5 5 0  NMOS w=1.50u L=0.50u</a:t>
-            </a:r>
-            <a:endParaRPr sz="2400" b="0" i="0">
-              <a:latin typeface="Courier"/>
-            </a:endParaRPr>
-          </a:p>
-          <a:p>
-            <a:pPr>
-              <a:lnSpc>
-                <a:spcPts val="2400"/>
-              </a:lnSpc>
-              <a:defRPr>
-                <a:solidFill>
-                  <a:srgbClr val="FFFFFF"/>
-                </a:solidFill>
-              </a:defRPr>
-            </a:pPr>
-            <a:r>
-              <a:rPr sz="2400" b="0" i="0">
-                <a:latin typeface="Courier"/>
-              </a:rPr>
-              <a:t>MN3 8 10 4 0 NMOS w=1.50u L=0.50U</a:t>
-            </a:r>
-            <a:endParaRPr sz="2400" b="0" i="0">
-              <a:latin typeface="Courier"/>
-            </a:endParaRPr>
-          </a:p>
-          <a:p>
-            <a:pPr>
-              <a:lnSpc>
-                <a:spcPts val="2400"/>
-              </a:lnSpc>
-              <a:defRPr>
-                <a:solidFill>
-                  <a:srgbClr val="FFFFFF"/>
-                </a:solidFill>
-              </a:defRPr>
-            </a:pPr>
-            <a:r>
-              <a:rPr sz="2400" b="0" i="0">
-                <a:latin typeface="Courier"/>
-              </a:rPr>
-              <a:t>MN4 0 9 8 0  NMOS w=4.50u L=0.50U</a:t>
-            </a:r>
-            <a:endParaRPr sz="2400" b="0" i="0">
-              <a:latin typeface="Courier"/>
-            </a:endParaRPr>
-          </a:p>
-          <a:p>
-            <a:pPr>
-              <a:lnSpc>
-                <a:spcPts val="2400"/>
-              </a:lnSpc>
-              <a:defRPr>
-                <a:solidFill>
-                  <a:srgbClr val="FFFFFF"/>
-                </a:solidFill>
-              </a:defRPr>
-            </a:pPr>
-            <a:r>
-              <a:rPr sz="2400" b="0" i="0">
-                <a:latin typeface="Courier"/>
-              </a:rPr>
-              <a:t>MN5 6 11 8 0 NMOS w=1.50u L=0.50U</a:t>
-            </a:r>
-            <a:endParaRPr sz="2400" b="0" i="0">
-              <a:latin typeface="Courier"/>
-            </a:endParaRPr>
-          </a:p>
-          <a:p>
-            <a:pPr>
-              <a:lnSpc>
-                <a:spcPts val="2400"/>
-              </a:lnSpc>
-              <a:defRPr>
-                <a:solidFill>
-                  <a:srgbClr val="FFFFFF"/>
-                </a:solidFill>
-              </a:defRPr>
-            </a:pPr>
-            <a:r>
-              <a:rPr sz="2400" b="0" i="0">
-                <a:latin typeface="Courier"/>
-              </a:rPr>
-              <a:t>MP1 1 4 3 1  PMOS w=3.50u L=0.50U</a:t>
-            </a:r>
-            <a:endParaRPr sz="2400" b="0" i="0">
-              <a:latin typeface="Courier"/>
-            </a:endParaRPr>
-          </a:p>
-          <a:p>
-            <a:pPr>
-              <a:lnSpc>
-                <a:spcPts val="2400"/>
-              </a:lnSpc>
-              <a:defRPr>
-                <a:solidFill>
-                  <a:srgbClr val="FFFFFF"/>
-                </a:solidFill>
-              </a:defRPr>
-            </a:pPr>
-            <a:r>
-              <a:rPr sz="2400" b="0" i="0">
-                <a:latin typeface="Courier"/>
-              </a:rPr>
-              <a:t>MP2 4 4 1 1  PMOS w=3.50u L=0.50U</a:t>
-            </a:r>
-            <a:endParaRPr sz="2400" b="0" i="0">
-              <a:latin typeface="Courier"/>
-            </a:endParaRPr>
-          </a:p>
-          <a:p>
-            <a:pPr>
-              <a:lnSpc>
-                <a:spcPts val="2400"/>
-              </a:lnSpc>
-              <a:defRPr>
-                <a:solidFill>
-                  <a:srgbClr val="FFFFFF"/>
-                </a:solidFill>
-              </a:defRPr>
-            </a:pPr>
-            <a:r>
-              <a:rPr sz="2400" b="0" i="0">
-                <a:latin typeface="Courier"/>
-              </a:rPr>
-              <a:t>MP3 1 6 5 1  PMOS w=3.50u L=0.50U</a:t>
-            </a:r>
-            <a:endParaRPr sz="2400" b="0" i="0">
-              <a:latin typeface="Courier"/>
-            </a:endParaRPr>
-          </a:p>
-          <a:p>
-            <a:pPr>
-              <a:lnSpc>
-                <a:spcPts val="2400"/>
-              </a:lnSpc>
-              <a:defRPr>
-                <a:solidFill>
-                  <a:srgbClr val="FFFFFF"/>
-                </a:solidFill>
-              </a:defRPr>
-            </a:pPr>
-            <a:r>
-              <a:rPr sz="2400" b="0" i="0">
-                <a:latin typeface="Courier"/>
-              </a:rPr>
-              <a:t>MP4 6 6 1 1  PMOS w=3.50u L=0.50U</a:t>
-            </a:r>
-            <a:endParaRPr sz="2400" b="0" i="0">
-              <a:latin typeface="Courier"/>
-            </a:endParaRPr>
-          </a:p>
-          <a:p>
-            <a:pPr>
-              <a:lnSpc>
-                <a:spcPts val="2400"/>
-              </a:lnSpc>
-              <a:defRPr>
-                <a:solidFill>
-                  <a:srgbClr val="FFFFFF"/>
-                </a:solidFill>
-              </a:defRPr>
-            </a:pPr>
-            <a:r>
-              <a:rPr sz="2400" b="0" i="0">
-                <a:latin typeface="Courier"/>
-              </a:rPr>
-              <a:t>.MODEL NMOS NMOS(LEVEL=1 VTO=0.50 KP=90.000E-6 LAMBDA=0.001)</a:t>
-            </a:r>
-            <a:endParaRPr sz="2400" b="0" i="0">
-              <a:latin typeface="Courier"/>
-            </a:endParaRPr>
-          </a:p>
-          <a:p>
-            <a:pPr>
-              <a:lnSpc>
-                <a:spcPts val="2400"/>
-              </a:lnSpc>
-              <a:defRPr>
-                <a:solidFill>
-                  <a:srgbClr val="FFFFFF"/>
-                </a:solidFill>
-              </a:defRPr>
-            </a:pPr>
-            <a:r>
-              <a:rPr sz="2400" b="0" i="0">
-                <a:latin typeface="Courier"/>
-              </a:rPr>
-              <a:t>.MODEL PMOS PMOS(LEVEL=1 VTO=-0.45 KP=55.000E-6 LAMBDA=0.001)</a:t>
-            </a:r>
-            <a:endParaRPr sz="2400" b="0" i="0">
-              <a:latin typeface="Courier"/>
-            </a:endParaRPr>
-          </a:p>
-        </p:txBody>
-      </p:sp>
-      <p:sp>
-        <p:nvSpPr>
-          <p:cNvPr id="3" name="Title 2"/>
-          <p:cNvSpPr>
-            <a:spLocks noGrp="1"/>
-          </p:cNvSpPr>
-          <p:nvPr>
-            <p:ph type="title"/>
-          </p:nvPr>
-        </p:nvSpPr>
-        <p:spPr/>
-        <p:txBody>
-          <a:bodyPr wrap="square">
-            <a:noAutofit/>
-          </a:bodyPr>
-          <a:lstStyle/>
-          <a:p>
             <a:r>
               <a:rPr sz="3200" b="1" i="0">
                 <a:latin typeface="Arial"/>
               </a:rPr>
-              <a:t>Spice beschrijving</a:t>
+              <a:t>Eenheden in spice</a:t>
             </a:r>
             <a:endParaRPr sz="3200" b="1" i="0">
               <a:latin typeface="Arial"/>
@@ -7325,12 +7156,12 @@
       <p:grpSpPr/>
       <p:sp>
         <p:nvSpPr>
-          <p:cNvPr id="2" name="Content Placeholder 1"/>
-          <p:cNvSpPr>
-            <a:spLocks noGrp="1"/>
-          </p:cNvSpPr>
-          <p:nvPr>
-            <p:ph idx="1"/>
+          <p:cNvPr id="2" name="Title 1"/>
+          <p:cNvSpPr>
+            <a:spLocks noGrp="1"/>
+          </p:cNvSpPr>
+          <p:nvPr>
+            <p:ph type="title"/>
           </p:nvPr>
         </p:nvSpPr>
         <p:spPr/>
@@ -7340,134 +7171,11 @@
           </a:bodyPr>
           <a:lstStyle/>
           <a:p>
-            <a:pPr>
-              <a:lnSpc>
-                <a:spcPts val="2400"/>
-              </a:lnSpc>
-              <a:defRPr>
-                <a:solidFill>
-                  <a:srgbClr val="FFFFFF"/>
-                </a:solidFill>
-              </a:defRPr>
-            </a:pPr>
-            <a:r>
-              <a:rPr sz="2400" b="0" i="0">
-                <a:latin typeface="Courier"/>
-              </a:rPr>
-              <a:t>MN1 3 5 0 0  NMOS w=1.50u L=0.50u</a:t>
-            </a:r>
-            <a:endParaRPr sz="2400" b="0" i="0">
-              <a:latin typeface="Courier"/>
-            </a:endParaRPr>
-          </a:p>
-          <a:p>
-            <a:pPr>
-              <a:lnSpc>
-                <a:spcPts val="2400"/>
-              </a:lnSpc>
-              <a:defRPr>
-                <a:solidFill>
-                  <a:srgbClr val="FFFFFF"/>
-                </a:solidFill>
-              </a:defRPr>
-            </a:pPr>
-            <a:r>
-              <a:rPr sz="2400" b="0" i="0">
-                <a:latin typeface="Courier"/>
-              </a:rPr>
-              <a:t>MN2 0 5 5 0  NMOS w=1.50u L=0.50u</a:t>
-            </a:r>
-            <a:endParaRPr sz="2400" b="0" i="0">
-              <a:latin typeface="Courier"/>
-            </a:endParaRPr>
-          </a:p>
-          <a:p>
-            <a:pPr>
-              <a:lnSpc>
-                <a:spcPts val="2400"/>
-              </a:lnSpc>
-              <a:defRPr>
-                <a:solidFill>
-                  <a:srgbClr val="FFFFFF"/>
-                </a:solidFill>
-              </a:defRPr>
-            </a:pPr>
-            <a:r>
-              <a:rPr sz="2400" b="0" i="0">
-                <a:latin typeface="Courier"/>
-              </a:rPr>
-              <a:t>MN3 8 10 4 0 NMOS w=1.50u L=0.50U</a:t>
-            </a:r>
-            <a:endParaRPr sz="2400" b="0" i="0">
-              <a:latin typeface="Courier"/>
-            </a:endParaRPr>
-          </a:p>
-          <a:p>
-            <a:pPr>
-              <a:lnSpc>
-                <a:spcPts val="2400"/>
-              </a:lnSpc>
-              <a:defRPr>
-                <a:solidFill>
-                  <a:srgbClr val="FFFFFF"/>
-                </a:solidFill>
-              </a:defRPr>
-            </a:pPr>
-            <a:r>
-              <a:rPr sz="2400" b="0" i="0">
-                <a:latin typeface="Courier"/>
-              </a:rPr>
-              <a:t>MN4 0 9 8 0  NMOS w=4.50u L=0.50U</a:t>
-            </a:r>
-            <a:endParaRPr sz="2400" b="0" i="0">
-              <a:latin typeface="Courier"/>
-            </a:endParaRPr>
-          </a:p>
-          <a:p>
-            <a:pPr>
-              <a:lnSpc>
-                <a:spcPts val="2400"/>
-              </a:lnSpc>
-              <a:defRPr>
-                <a:solidFill>
-                  <a:srgbClr val="FFFFFF"/>
-                </a:solidFill>
-              </a:defRPr>
-            </a:pPr>
-            <a:r>
-              <a:rPr sz="2400" b="0" i="0">
-                <a:latin typeface="Courier"/>
-              </a:rPr>
-              <a:t>MN5 6 11 8 0 NMOS w=1.50u L=0.50U</a:t>
-            </a:r>
-            <a:endParaRPr sz="2400" b="0" i="0">
-              <a:latin typeface="Courier"/>
-            </a:endParaRPr>
-          </a:p>
-        </p:txBody>
-      </p:sp>
-      <p:sp>
-        <p:nvSpPr>
-          <p:cNvPr id="3" name="Title 2"/>
-          <p:cNvSpPr>
-            <a:spLocks noGrp="1"/>
-          </p:cNvSpPr>
-          <p:nvPr>
-            <p:ph type="title"/>
-          </p:nvPr>
-        </p:nvSpPr>
-        <p:spPr/>
-        <p:txBody>
-          <a:bodyPr wrap="square">
-            <a:noAutofit/>
-          </a:bodyPr>
-          <a:lstStyle/>
-          <a:p>
             <a:r>
               <a:rPr sz="3200" b="1" i="0">
                 <a:latin typeface="Arial"/>
               </a:rPr>
-              <a:t>nMOS transistors</a:t>
+              <a:t>Basisschema van de verschilversterker</a:t>
             </a:r>
             <a:endParaRPr sz="3200" b="1" i="0">
               <a:latin typeface="Arial"/>
@@ -7475,6 +7183,30 @@
           </a:p>
         </p:txBody>
       </p:sp>
+      <p:pic>
+        <p:nvPicPr>
+          <p:cNvPr id="3" name="Picture 2" descr="image.png"/>
+          <p:cNvPicPr>
+            <a:picLocks noChangeAspect="1"/>
+          </p:cNvPicPr>
+          <p:nvPr/>
+        </p:nvPicPr>
+        <p:blipFill>
+          <a:blip r:embed="rId2"/>
+          <a:stretch>
+            <a:fillRect/>
+          </a:stretch>
+        </p:blipFill>
+        <p:spPr>
+          <a:xfrm>
+            <a:off x="2772103" y="1179576"/>
+            <a:ext cx="6647793" cy="5029200"/>
+          </a:xfrm>
+          <a:prstGeom prst="rect">
+            <a:avLst/>
+          </a:prstGeom>
+        </p:spPr>
+      </p:pic>
     </p:spTree>
   </p:cSld>
   <p:clrMapOvr>

--- a/ToegepasteAnalogeElektronica/PowerPoint/Spice-simulatie.pptx
+++ b/ToegepasteAnalogeElektronica/PowerPoint/Spice-simulatie.pptx
@@ -29,6 +29,8 @@
     <p:sldId id="271" r:id="rId28"/>
     <p:sldId id="272" r:id="rId29"/>
     <p:sldId id="273" r:id="rId30"/>
+    <p:sldId id="274" r:id="rId31"/>
+    <p:sldId id="275" r:id="rId32"/>
   </p:sldIdLst>
   <p:sldSz cx="12192000" cy="6858000"/>
   <p:notesSz cx="6858000" cy="9144000"/>
@@ -5689,12 +5691,12 @@
       <p:grpSpPr/>
       <p:sp>
         <p:nvSpPr>
-          <p:cNvPr id="2" name="Title 1"/>
+          <p:cNvPr id="2" name="Content Placeholder 1"/>
           <p:cNvSpPr>
             <a:spLocks noGrp="1"/>
           </p:cNvSpPr>
           <p:nvPr>
-            <p:ph type="title"/>
+            <p:ph idx="1"/>
           </p:nvPr>
         </p:nvSpPr>
         <p:spPr/>
@@ -5704,11 +5706,260 @@
           </a:bodyPr>
           <a:lstStyle/>
           <a:p>
+            <a:pPr>
+              <a:lnSpc>
+                <a:spcPts val="2400"/>
+              </a:lnSpc>
+              <a:defRPr>
+                <a:solidFill>
+                  <a:srgbClr val="FFFFFF"/>
+                </a:solidFill>
+              </a:defRPr>
+            </a:pPr>
+            <a:r>
+              <a:rPr sz="2400" b="0" i="0">
+                <a:latin typeface="Courier"/>
+              </a:rPr>
+              <a:t>* CIRCUIT Spice file van een verschilversterker</a:t>
+            </a:r>
+            <a:endParaRPr sz="2400" b="0" i="0">
+              <a:latin typeface="Courier"/>
+            </a:endParaRPr>
+          </a:p>
+          <a:p>
+            <a:pPr>
+              <a:lnSpc>
+                <a:spcPts val="2400"/>
+              </a:lnSpc>
+              <a:defRPr>
+                <a:solidFill>
+                  <a:srgbClr val="FFFFFF"/>
+                </a:solidFill>
+              </a:defRPr>
+            </a:pPr>
+            <a:r>
+              <a:rPr sz="2400" b="0" i="0">
+                <a:latin typeface="Courier"/>
+              </a:rPr>
+              <a:t>VDD    1 0 DC=5.0</a:t>
+            </a:r>
+            <a:endParaRPr sz="2400" b="0" i="0">
+              <a:latin typeface="Courier"/>
+            </a:endParaRPr>
+          </a:p>
+          <a:p>
+            <a:pPr>
+              <a:lnSpc>
+                <a:spcPts val="2400"/>
+              </a:lnSpc>
+              <a:defRPr>
+                <a:solidFill>
+                  <a:srgbClr val="FFFFFF"/>
+                </a:solidFill>
+              </a:defRPr>
+            </a:pPr>
+            <a:r>
+              <a:rPr sz="2400" b="0" i="0">
+                <a:latin typeface="Courier"/>
+              </a:rPr>
+              <a:t>VPLUS 10 0 DC=2.5</a:t>
+            </a:r>
+            <a:endParaRPr sz="2400" b="0" i="0">
+              <a:latin typeface="Courier"/>
+            </a:endParaRPr>
+          </a:p>
+          <a:p>
+            <a:pPr>
+              <a:lnSpc>
+                <a:spcPts val="2400"/>
+              </a:lnSpc>
+              <a:defRPr>
+                <a:solidFill>
+                  <a:srgbClr val="FFFFFF"/>
+                </a:solidFill>
+              </a:defRPr>
+            </a:pPr>
+            <a:r>
+              <a:rPr sz="2400" b="0" i="0">
+                <a:latin typeface="Courier"/>
+              </a:rPr>
+              <a:t>VMIN  11 0 SIN(2.5 50U 1E6) DC=2.5</a:t>
+            </a:r>
+            <a:endParaRPr sz="2400" b="0" i="0">
+              <a:latin typeface="Courier"/>
+            </a:endParaRPr>
+          </a:p>
+          <a:p>
+            <a:pPr>
+              <a:lnSpc>
+                <a:spcPts val="2400"/>
+              </a:lnSpc>
+              <a:defRPr>
+                <a:solidFill>
+                  <a:srgbClr val="FFFFFF"/>
+                </a:solidFill>
+              </a:defRPr>
+            </a:pPr>
+            <a:r>
+              <a:rPr sz="2400" b="0" i="0">
+                <a:latin typeface="Courier"/>
+              </a:rPr>
+              <a:t>VB    9 0 DC=1.5</a:t>
+            </a:r>
+            <a:endParaRPr sz="2400" b="0" i="0">
+              <a:latin typeface="Courier"/>
+            </a:endParaRPr>
+          </a:p>
+          <a:p>
+            <a:pPr>
+              <a:lnSpc>
+                <a:spcPts val="2400"/>
+              </a:lnSpc>
+              <a:defRPr>
+                <a:solidFill>
+                  <a:srgbClr val="FFFFFF"/>
+                </a:solidFill>
+              </a:defRPr>
+            </a:pPr>
+            <a:r>
+              <a:rPr sz="2400" b="0" i="0">
+                <a:latin typeface="Courier"/>
+              </a:rPr>
+              <a:t>C3     3 0   5.914fF</a:t>
+            </a:r>
+            <a:endParaRPr sz="2400" b="0" i="0">
+              <a:latin typeface="Courier"/>
+            </a:endParaRPr>
+          </a:p>
+          <a:p>
+            <a:pPr>
+              <a:lnSpc>
+                <a:spcPts val="2400"/>
+              </a:lnSpc>
+              <a:defRPr>
+                <a:solidFill>
+                  <a:srgbClr val="FFFFFF"/>
+                </a:solidFill>
+              </a:defRPr>
+            </a:pPr>
+            <a:r>
+              <a:rPr sz="2400" b="0" i="0">
+                <a:latin typeface="Courier"/>
+              </a:rPr>
+              <a:t>C4     4 0  14.737fF</a:t>
+            </a:r>
+            <a:endParaRPr sz="2400" b="0" i="0">
+              <a:latin typeface="Courier"/>
+            </a:endParaRPr>
+          </a:p>
+          <a:p>
+            <a:pPr>
+              <a:lnSpc>
+                <a:spcPts val="2400"/>
+              </a:lnSpc>
+              <a:defRPr>
+                <a:solidFill>
+                  <a:srgbClr val="FFFFFF"/>
+                </a:solidFill>
+              </a:defRPr>
+            </a:pPr>
+            <a:r>
+              <a:rPr sz="2400" b="0" i="0">
+                <a:latin typeface="Courier"/>
+              </a:rPr>
+              <a:t>C5     5 0  10.124fF</a:t>
+            </a:r>
+            <a:endParaRPr sz="2400" b="0" i="0">
+              <a:latin typeface="Courier"/>
+            </a:endParaRPr>
+          </a:p>
+          <a:p>
+            <a:pPr>
+              <a:lnSpc>
+                <a:spcPts val="2400"/>
+              </a:lnSpc>
+              <a:defRPr>
+                <a:solidFill>
+                  <a:srgbClr val="FFFFFF"/>
+                </a:solidFill>
+              </a:defRPr>
+            </a:pPr>
+            <a:r>
+              <a:rPr sz="2400" b="0" i="0">
+                <a:latin typeface="Courier"/>
+              </a:rPr>
+              <a:t>C6     6 0  14.434fF</a:t>
+            </a:r>
+            <a:endParaRPr sz="2400" b="0" i="0">
+              <a:latin typeface="Courier"/>
+            </a:endParaRPr>
+          </a:p>
+          <a:p>
+            <a:pPr>
+              <a:lnSpc>
+                <a:spcPts val="2400"/>
+              </a:lnSpc>
+              <a:defRPr>
+                <a:solidFill>
+                  <a:srgbClr val="FFFFFF"/>
+                </a:solidFill>
+              </a:defRPr>
+            </a:pPr>
+            <a:r>
+              <a:rPr sz="2400" b="0" i="0">
+                <a:latin typeface="Courier"/>
+              </a:rPr>
+              <a:t>C8     8 0   7.919fF</a:t>
+            </a:r>
+            <a:endParaRPr sz="2400" b="0" i="0">
+              <a:latin typeface="Courier"/>
+            </a:endParaRPr>
+          </a:p>
+          <a:p>
+            <a:pPr>
+              <a:lnSpc>
+                <a:spcPts val="2400"/>
+              </a:lnSpc>
+              <a:defRPr>
+                <a:solidFill>
+                  <a:srgbClr val="FFFFFF"/>
+                </a:solidFill>
+              </a:defRPr>
+            </a:pPr>
+            <a:r>
+              <a:rPr sz="2400" b="0" i="0">
+                <a:latin typeface="Courier"/>
+              </a:rPr>
+              <a:t>C9     9 0  15.257fF</a:t>
+            </a:r>
+            <a:endParaRPr sz="2400" b="0" i="0">
+              <a:latin typeface="Courier"/>
+            </a:endParaRPr>
+          </a:p>
+        </p:txBody>
+      </p:sp>
+      <p:sp>
+        <p:nvSpPr>
+          <p:cNvPr id="3" name="Title 2"/>
+          <p:cNvSpPr>
+            <a:spLocks noGrp="1"/>
+          </p:cNvSpPr>
+          <p:nvPr>
+            <p:ph type="title"/>
+          </p:nvPr>
+        </p:nvSpPr>
+        <p:spPr/>
+        <p:txBody>
+          <a:bodyPr wrap="square">
+            <a:noAutofit/>
+          </a:bodyPr>
+          <a:lstStyle/>
+          <a:p>
             <a:r>
               <a:rPr sz="3200" b="1" i="0">
                 <a:latin typeface="Arial"/>
               </a:rPr>
-              <a:t>Basisschema van de verschilversterker</a:t>
+              <a:t>Spice beschrijving</a:t>
             </a:r>
             <a:endParaRPr sz="3200" b="1" i="0">
               <a:latin typeface="Arial"/>
@@ -5716,30 +5967,6 @@
           </a:p>
         </p:txBody>
       </p:sp>
-      <p:pic>
-        <p:nvPicPr>
-          <p:cNvPr id="3" name="Picture 2" descr="image.png"/>
-          <p:cNvPicPr>
-            <a:picLocks noChangeAspect="1"/>
-          </p:cNvPicPr>
-          <p:nvPr/>
-        </p:nvPicPr>
-        <p:blipFill>
-          <a:blip r:embed="rId2"/>
-          <a:stretch>
-            <a:fillRect/>
-          </a:stretch>
-        </p:blipFill>
-        <p:spPr>
-          <a:xfrm>
-            <a:off x="2688894" y="1179576"/>
-            <a:ext cx="6814212" cy="5029200"/>
-          </a:xfrm>
-          <a:prstGeom prst="rect">
-            <a:avLst/>
-          </a:prstGeom>
-        </p:spPr>
-      </p:pic>
     </p:spTree>
   </p:cSld>
   <p:clrMapOvr>
@@ -5789,7 +6016,7 @@
               <a:rPr sz="2400" b="0" i="0">
                 <a:latin typeface="Courier"/>
               </a:rPr>
-              <a:t>MN1 3 5 0 0  NMOS w=1.50u L=0.50u</a:t>
+              <a:t>C10   10 0 1.872fF</a:t>
             </a:r>
             <a:endParaRPr sz="2400" b="0" i="0">
               <a:latin typeface="Courier"/>
@@ -5810,7 +6037,7 @@
               <a:rPr sz="2400" b="0" i="0">
                 <a:latin typeface="Courier"/>
               </a:rPr>
-              <a:t>MN2 0 5 5 0  NMOS w=1.50u L=0.50u</a:t>
+              <a:t>C11   11 0 1.688fF</a:t>
             </a:r>
             <a:endParaRPr sz="2400" b="0" i="0">
               <a:latin typeface="Courier"/>
@@ -5831,7 +6058,7 @@
               <a:rPr sz="2400" b="0" i="0">
                 <a:latin typeface="Courier"/>
               </a:rPr>
-              <a:t>MN3 8 10 4 0 NMOS w=1.50u L=0.50U</a:t>
+              <a:t>C25    1 5  1fF</a:t>
             </a:r>
             <a:endParaRPr sz="2400" b="0" i="0">
               <a:latin typeface="Courier"/>
@@ -5852,7 +6079,7 @@
               <a:rPr sz="2400" b="0" i="0">
                 <a:latin typeface="Courier"/>
               </a:rPr>
-              <a:t>MN4 0 9 8 0  NMOS w=4.50u L=0.50U</a:t>
+              <a:t>MN1 3 5 0 0  NMOS w=1.50u L=0.50u</a:t>
             </a:r>
             <a:endParaRPr sz="2400" b="0" i="0">
               <a:latin typeface="Courier"/>
@@ -5873,7 +6100,133 @@
               <a:rPr sz="2400" b="0" i="0">
                 <a:latin typeface="Courier"/>
               </a:rPr>
+              <a:t>MN2 0 5 5 0  NMOS w=1.50u L=0.50u</a:t>
+            </a:r>
+            <a:endParaRPr sz="2400" b="0" i="0">
+              <a:latin typeface="Courier"/>
+            </a:endParaRPr>
+          </a:p>
+          <a:p>
+            <a:pPr>
+              <a:lnSpc>
+                <a:spcPts val="2400"/>
+              </a:lnSpc>
+              <a:defRPr>
+                <a:solidFill>
+                  <a:srgbClr val="FFFFFF"/>
+                </a:solidFill>
+              </a:defRPr>
+            </a:pPr>
+            <a:r>
+              <a:rPr sz="2400" b="0" i="0">
+                <a:latin typeface="Courier"/>
+              </a:rPr>
+              <a:t>MN3 8 10 4 0 NMOS w=1.50u L=0.50U</a:t>
+            </a:r>
+            <a:endParaRPr sz="2400" b="0" i="0">
+              <a:latin typeface="Courier"/>
+            </a:endParaRPr>
+          </a:p>
+          <a:p>
+            <a:pPr>
+              <a:lnSpc>
+                <a:spcPts val="2400"/>
+              </a:lnSpc>
+              <a:defRPr>
+                <a:solidFill>
+                  <a:srgbClr val="FFFFFF"/>
+                </a:solidFill>
+              </a:defRPr>
+            </a:pPr>
+            <a:r>
+              <a:rPr sz="2400" b="0" i="0">
+                <a:latin typeface="Courier"/>
+              </a:rPr>
+              <a:t>MN4 0 9 8 0  NMOS w=4.50u L=0.50U</a:t>
+            </a:r>
+            <a:endParaRPr sz="2400" b="0" i="0">
+              <a:latin typeface="Courier"/>
+            </a:endParaRPr>
+          </a:p>
+          <a:p>
+            <a:pPr>
+              <a:lnSpc>
+                <a:spcPts val="2400"/>
+              </a:lnSpc>
+              <a:defRPr>
+                <a:solidFill>
+                  <a:srgbClr val="FFFFFF"/>
+                </a:solidFill>
+              </a:defRPr>
+            </a:pPr>
+            <a:r>
+              <a:rPr sz="2400" b="0" i="0">
+                <a:latin typeface="Courier"/>
+              </a:rPr>
               <a:t>MN5 6 11 8 0 NMOS w=1.50u L=0.50U</a:t>
+            </a:r>
+            <a:endParaRPr sz="2400" b="0" i="0">
+              <a:latin typeface="Courier"/>
+            </a:endParaRPr>
+          </a:p>
+          <a:p>
+            <a:pPr>
+              <a:lnSpc>
+                <a:spcPts val="2400"/>
+              </a:lnSpc>
+              <a:defRPr>
+                <a:solidFill>
+                  <a:srgbClr val="FFFFFF"/>
+                </a:solidFill>
+              </a:defRPr>
+            </a:pPr>
+            <a:r>
+              <a:rPr sz="2400" b="0" i="0">
+                <a:latin typeface="Courier"/>
+              </a:rPr>
+              <a:t>MP1 1 4 3 1  PMOS w=3.50u L=0.50U</a:t>
+            </a:r>
+            <a:endParaRPr sz="2400" b="0" i="0">
+              <a:latin typeface="Courier"/>
+            </a:endParaRPr>
+          </a:p>
+          <a:p>
+            <a:pPr>
+              <a:lnSpc>
+                <a:spcPts val="2400"/>
+              </a:lnSpc>
+              <a:defRPr>
+                <a:solidFill>
+                  <a:srgbClr val="FFFFFF"/>
+                </a:solidFill>
+              </a:defRPr>
+            </a:pPr>
+            <a:r>
+              <a:rPr sz="2400" b="0" i="0">
+                <a:latin typeface="Courier"/>
+              </a:rPr>
+              <a:t>MP2 4 4 1 1  PMOS w=3.50u L=0.50U</a:t>
+            </a:r>
+            <a:endParaRPr sz="2400" b="0" i="0">
+              <a:latin typeface="Courier"/>
+            </a:endParaRPr>
+          </a:p>
+          <a:p>
+            <a:pPr>
+              <a:lnSpc>
+                <a:spcPts val="2400"/>
+              </a:lnSpc>
+              <a:defRPr>
+                <a:solidFill>
+                  <a:srgbClr val="FFFFFF"/>
+                </a:solidFill>
+              </a:defRPr>
+            </a:pPr>
+            <a:r>
+              <a:rPr sz="2400" b="0" i="0">
+                <a:latin typeface="Courier"/>
+              </a:rPr>
+              <a:t>MP3 1 6 5 1  PMOS w=3.50u L=0.50U</a:t>
             </a:r>
             <a:endParaRPr sz="2400" b="0" i="0">
               <a:latin typeface="Courier"/>
@@ -5902,7 +6255,7 @@
               <a:rPr sz="3200" b="1" i="0">
                 <a:latin typeface="Arial"/>
               </a:rPr>
-              <a:t>nMOS transistors</a:t>
+              <a:t>Spice beschrijving</a:t>
             </a:r>
             <a:endParaRPr sz="3200" b="1" i="0">
               <a:latin typeface="Arial"/>
@@ -5930,12 +6283,12 @@
       <p:grpSpPr/>
       <p:sp>
         <p:nvSpPr>
-          <p:cNvPr id="2" name="Title 1"/>
+          <p:cNvPr id="2" name="Content Placeholder 1"/>
           <p:cNvSpPr>
             <a:spLocks noGrp="1"/>
           </p:cNvSpPr>
           <p:nvPr>
-            <p:ph type="title"/>
+            <p:ph idx="1"/>
           </p:nvPr>
         </p:nvSpPr>
         <p:spPr/>
@@ -5945,11 +6298,92 @@
           </a:bodyPr>
           <a:lstStyle/>
           <a:p>
+            <a:pPr>
+              <a:lnSpc>
+                <a:spcPts val="2400"/>
+              </a:lnSpc>
+              <a:defRPr>
+                <a:solidFill>
+                  <a:srgbClr val="FFFFFF"/>
+                </a:solidFill>
+              </a:defRPr>
+            </a:pPr>
+            <a:r>
+              <a:rPr sz="2400" b="0" i="0">
+                <a:latin typeface="Courier"/>
+              </a:rPr>
+              <a:t>MP4 6 6 1 1  PMOS w=3.50u L=0.50U</a:t>
+            </a:r>
+            <a:endParaRPr sz="2400" b="0" i="0">
+              <a:latin typeface="Courier"/>
+            </a:endParaRPr>
+          </a:p>
+          <a:p>
+            <a:pPr>
+              <a:lnSpc>
+                <a:spcPts val="2400"/>
+              </a:lnSpc>
+              <a:defRPr>
+                <a:solidFill>
+                  <a:srgbClr val="FFFFFF"/>
+                </a:solidFill>
+              </a:defRPr>
+            </a:pPr>
+            <a:r>
+              <a:rPr sz="2400" b="0" i="0">
+                <a:latin typeface="Courier"/>
+              </a:rPr>
+              <a:t>.MODEL NMOS NMOS(LEVEL=1 VTO=0.50 KP=90.000E-6 LAMBDA=0.001)</a:t>
+            </a:r>
+            <a:endParaRPr sz="2400" b="0" i="0">
+              <a:latin typeface="Courier"/>
+            </a:endParaRPr>
+          </a:p>
+          <a:p>
+            <a:pPr>
+              <a:lnSpc>
+                <a:spcPts val="2400"/>
+              </a:lnSpc>
+              <a:defRPr>
+                <a:solidFill>
+                  <a:srgbClr val="FFFFFF"/>
+                </a:solidFill>
+              </a:defRPr>
+            </a:pPr>
+            <a:r>
+              <a:rPr sz="2400" b="0" i="0">
+                <a:latin typeface="Courier"/>
+              </a:rPr>
+              <a:t>.MODEL PMOS PMOS(LEVEL=1 VTO=-0.45 KP=55.000E-6 LAMBDA=0.001)</a:t>
+            </a:r>
+            <a:endParaRPr sz="2400" b="0" i="0">
+              <a:latin typeface="Courier"/>
+            </a:endParaRPr>
+          </a:p>
+        </p:txBody>
+      </p:sp>
+      <p:sp>
+        <p:nvSpPr>
+          <p:cNvPr id="3" name="Title 2"/>
+          <p:cNvSpPr>
+            <a:spLocks noGrp="1"/>
+          </p:cNvSpPr>
+          <p:nvPr>
+            <p:ph type="title"/>
+          </p:nvPr>
+        </p:nvSpPr>
+        <p:spPr/>
+        <p:txBody>
+          <a:bodyPr wrap="square">
+            <a:noAutofit/>
+          </a:bodyPr>
+          <a:lstStyle/>
+          <a:p>
             <a:r>
               <a:rPr sz="3200" b="1" i="0">
                 <a:latin typeface="Arial"/>
               </a:rPr>
-              <a:t>nMOS transistors van de verschilversterker</a:t>
+              <a:t>Spice beschrijving</a:t>
             </a:r>
             <a:endParaRPr sz="3200" b="1" i="0">
               <a:latin typeface="Arial"/>
@@ -5957,30 +6391,6 @@
           </a:p>
         </p:txBody>
       </p:sp>
-      <p:pic>
-        <p:nvPicPr>
-          <p:cNvPr id="3" name="Picture 2" descr="image.png"/>
-          <p:cNvPicPr>
-            <a:picLocks noChangeAspect="1"/>
-          </p:cNvPicPr>
-          <p:nvPr/>
-        </p:nvPicPr>
-        <p:blipFill>
-          <a:blip r:embed="rId2"/>
-          <a:stretch>
-            <a:fillRect/>
-          </a:stretch>
-        </p:blipFill>
-        <p:spPr>
-          <a:xfrm>
-            <a:off x="1214717" y="1179576"/>
-            <a:ext cx="9762565" cy="5029200"/>
-          </a:xfrm>
-          <a:prstGeom prst="rect">
-            <a:avLst/>
-          </a:prstGeom>
-        </p:spPr>
-      </p:pic>
     </p:spTree>
   </p:cSld>
   <p:clrMapOvr>
@@ -6030,7 +6440,7 @@
               <a:rPr sz="2400" b="0" i="0">
                 <a:latin typeface="Courier"/>
               </a:rPr>
-              <a:t>MP1 1 4 3 1  PMOS w=3.50u L=0.50U</a:t>
+              <a:t>MN1 3 5 0 0  NMOS w=1.50u L=0.50u</a:t>
             </a:r>
             <a:endParaRPr sz="2400" b="0" i="0">
               <a:latin typeface="Courier"/>
@@ -6051,7 +6461,7 @@
               <a:rPr sz="2400" b="0" i="0">
                 <a:latin typeface="Courier"/>
               </a:rPr>
-              <a:t>MP2 4 4 1 1  PMOS w=3.50u L=0.50U</a:t>
+              <a:t>MN2 0 5 5 0  NMOS w=1.50u L=0.50u</a:t>
             </a:r>
             <a:endParaRPr sz="2400" b="0" i="0">
               <a:latin typeface="Courier"/>
@@ -6072,7 +6482,7 @@
               <a:rPr sz="2400" b="0" i="0">
                 <a:latin typeface="Courier"/>
               </a:rPr>
-              <a:t>MP3 1 6 5 1  PMOS w=3.50u L=0.50U</a:t>
+              <a:t>MN3 8 10 4 0 NMOS w=1.50u L=0.50U</a:t>
             </a:r>
             <a:endParaRPr sz="2400" b="0" i="0">
               <a:latin typeface="Courier"/>
@@ -6093,7 +6503,28 @@
               <a:rPr sz="2400" b="0" i="0">
                 <a:latin typeface="Courier"/>
               </a:rPr>
-              <a:t>MP4 6 6 1 1  PMOS w=3.50u L=0.50U</a:t>
+              <a:t>MN4 0 9 8 0  NMOS w=4.50u L=0.50U</a:t>
+            </a:r>
+            <a:endParaRPr sz="2400" b="0" i="0">
+              <a:latin typeface="Courier"/>
+            </a:endParaRPr>
+          </a:p>
+          <a:p>
+            <a:pPr>
+              <a:lnSpc>
+                <a:spcPts val="2400"/>
+              </a:lnSpc>
+              <a:defRPr>
+                <a:solidFill>
+                  <a:srgbClr val="FFFFFF"/>
+                </a:solidFill>
+              </a:defRPr>
+            </a:pPr>
+            <a:r>
+              <a:rPr sz="2400" b="0" i="0">
+                <a:latin typeface="Courier"/>
+              </a:rPr>
+              <a:t>MN5 6 11 8 0 NMOS w=1.50u L=0.50U</a:t>
             </a:r>
             <a:endParaRPr sz="2400" b="0" i="0">
               <a:latin typeface="Courier"/>
@@ -6122,7 +6553,7 @@
               <a:rPr sz="3200" b="1" i="0">
                 <a:latin typeface="Arial"/>
               </a:rPr>
-              <a:t>pMOS transistors van de verschilversterker</a:t>
+              <a:t>nMOS transistors</a:t>
             </a:r>
             <a:endParaRPr sz="3200" b="1" i="0">
               <a:latin typeface="Arial"/>
@@ -6169,7 +6600,7 @@
               <a:rPr sz="3200" b="1" i="0">
                 <a:latin typeface="Arial"/>
               </a:rPr>
-              <a:t>pMOS transistors van de verschilversterker</a:t>
+              <a:t>nMOS transistors van de verschilversterker</a:t>
             </a:r>
             <a:endParaRPr sz="3200" b="1" i="0">
               <a:latin typeface="Arial"/>
@@ -6193,8 +6624,8 @@
         </p:blipFill>
         <p:spPr>
           <a:xfrm>
-            <a:off x="0" y="1179576"/>
-            <a:ext cx="12192000" cy="5029200"/>
+            <a:off x="682214" y="566928"/>
+            <a:ext cx="10827572" cy="5577840"/>
           </a:xfrm>
           <a:prstGeom prst="rect">
             <a:avLst/>
@@ -6250,7 +6681,7 @@
               <a:rPr sz="2400" b="0" i="0">
                 <a:latin typeface="Courier"/>
               </a:rPr>
-              <a:t>.MODEL NMOS NMOS(LEVEL=1 VTO=0.50 KP=90.000E-6 LAMBDA=0.001)</a:t>
+              <a:t>MP1 1 4 3 1  PMOS w=3.50u L=0.50U</a:t>
             </a:r>
             <a:endParaRPr sz="2400" b="0" i="0">
               <a:latin typeface="Courier"/>
@@ -6271,7 +6702,49 @@
               <a:rPr sz="2400" b="0" i="0">
                 <a:latin typeface="Courier"/>
               </a:rPr>
-              <a:t>.MODEL PMOS PMOS(LEVEL=1 VTO=-0.45 KP=55.000E-6 LAMBDA=0.001)</a:t>
+              <a:t>MP2 4 4 1 1  PMOS w=3.50u L=0.50U</a:t>
+            </a:r>
+            <a:endParaRPr sz="2400" b="0" i="0">
+              <a:latin typeface="Courier"/>
+            </a:endParaRPr>
+          </a:p>
+          <a:p>
+            <a:pPr>
+              <a:lnSpc>
+                <a:spcPts val="2400"/>
+              </a:lnSpc>
+              <a:defRPr>
+                <a:solidFill>
+                  <a:srgbClr val="FFFFFF"/>
+                </a:solidFill>
+              </a:defRPr>
+            </a:pPr>
+            <a:r>
+              <a:rPr sz="2400" b="0" i="0">
+                <a:latin typeface="Courier"/>
+              </a:rPr>
+              <a:t>MP3 1 6 5 1  PMOS w=3.50u L=0.50U</a:t>
+            </a:r>
+            <a:endParaRPr sz="2400" b="0" i="0">
+              <a:latin typeface="Courier"/>
+            </a:endParaRPr>
+          </a:p>
+          <a:p>
+            <a:pPr>
+              <a:lnSpc>
+                <a:spcPts val="2400"/>
+              </a:lnSpc>
+              <a:defRPr>
+                <a:solidFill>
+                  <a:srgbClr val="FFFFFF"/>
+                </a:solidFill>
+              </a:defRPr>
+            </a:pPr>
+            <a:r>
+              <a:rPr sz="2400" b="0" i="0">
+                <a:latin typeface="Courier"/>
+              </a:rPr>
+              <a:t>MP4 6 6 1 1  PMOS w=3.50u L=0.50U</a:t>
             </a:r>
             <a:endParaRPr sz="2400" b="0" i="0">
               <a:latin typeface="Courier"/>
@@ -6300,7 +6773,7 @@
               <a:rPr sz="3200" b="1" i="0">
                 <a:latin typeface="Arial"/>
               </a:rPr>
-              <a:t>Eenvoudige transistormodellen</a:t>
+              <a:t>pMOS transistors van de verschilversterker</a:t>
             </a:r>
             <a:endParaRPr sz="3200" b="1" i="0">
               <a:latin typeface="Arial"/>
@@ -6347,7 +6820,7 @@
               <a:rPr sz="3200" b="1" i="0">
                 <a:latin typeface="Arial"/>
               </a:rPr>
-              <a:t>Simulatie</a:t>
+              <a:t>pMOS transistors van de verschilversterker</a:t>
             </a:r>
             <a:endParaRPr sz="3200" b="1" i="0">
               <a:latin typeface="Arial"/>
@@ -6371,8 +6844,8 @@
         </p:blipFill>
         <p:spPr>
           <a:xfrm>
-            <a:off x="1036915" y="1179576"/>
-            <a:ext cx="10118170" cy="5029200"/>
+            <a:off x="0" y="566928"/>
+            <a:ext cx="12192000" cy="5577840"/>
           </a:xfrm>
           <a:prstGeom prst="rect">
             <a:avLst/>
@@ -6397,6 +6870,95 @@
         <p:nvPr/>
       </p:nvGrpSpPr>
       <p:grpSpPr/>
+      <p:sp>
+        <p:nvSpPr>
+          <p:cNvPr id="2" name="Content Placeholder 1"/>
+          <p:cNvSpPr>
+            <a:spLocks noGrp="1"/>
+          </p:cNvSpPr>
+          <p:nvPr>
+            <p:ph idx="1"/>
+          </p:nvPr>
+        </p:nvSpPr>
+        <p:spPr/>
+        <p:txBody>
+          <a:bodyPr wrap="square">
+            <a:noAutofit/>
+          </a:bodyPr>
+          <a:lstStyle/>
+          <a:p>
+            <a:pPr>
+              <a:lnSpc>
+                <a:spcPts val="2400"/>
+              </a:lnSpc>
+              <a:defRPr>
+                <a:solidFill>
+                  <a:srgbClr val="FFFFFF"/>
+                </a:solidFill>
+              </a:defRPr>
+            </a:pPr>
+            <a:r>
+              <a:rPr sz="2400" b="0" i="0">
+                <a:latin typeface="Courier"/>
+              </a:rPr>
+              <a:t>.MODEL NMOS NMOS(LEVEL=1 VTO=0.50 KP=90.000E-6 LAMBDA=0.001)</a:t>
+            </a:r>
+            <a:endParaRPr sz="2400" b="0" i="0">
+              <a:latin typeface="Courier"/>
+            </a:endParaRPr>
+          </a:p>
+          <a:p>
+            <a:pPr>
+              <a:lnSpc>
+                <a:spcPts val="2400"/>
+              </a:lnSpc>
+              <a:defRPr>
+                <a:solidFill>
+                  <a:srgbClr val="FFFFFF"/>
+                </a:solidFill>
+              </a:defRPr>
+            </a:pPr>
+            <a:r>
+              <a:rPr sz="2400" b="0" i="0">
+                <a:latin typeface="Courier"/>
+              </a:rPr>
+              <a:t>.MODEL PMOS PMOS(LEVEL=1 VTO=-0.45 KP=55.000E-6 LAMBDA=0.001)</a:t>
+            </a:r>
+            <a:endParaRPr sz="2400" b="0" i="0">
+              <a:latin typeface="Courier"/>
+            </a:endParaRPr>
+          </a:p>
+        </p:txBody>
+      </p:sp>
+      <p:sp>
+        <p:nvSpPr>
+          <p:cNvPr id="3" name="Title 2"/>
+          <p:cNvSpPr>
+            <a:spLocks noGrp="1"/>
+          </p:cNvSpPr>
+          <p:nvPr>
+            <p:ph type="title"/>
+          </p:nvPr>
+        </p:nvSpPr>
+        <p:spPr/>
+        <p:txBody>
+          <a:bodyPr wrap="square">
+            <a:noAutofit/>
+          </a:bodyPr>
+          <a:lstStyle/>
+          <a:p>
+            <a:r>
+              <a:rPr sz="3200" b="1" i="0">
+                <a:latin typeface="Arial"/>
+              </a:rPr>
+              <a:t>Eenvoudige transistormodellen</a:t>
+            </a:r>
+            <a:endParaRPr sz="3200" b="1" i="0">
+              <a:latin typeface="Arial"/>
+            </a:endParaRPr>
+          </a:p>
+        </p:txBody>
+      </p:sp>
     </p:spTree>
   </p:cSld>
   <p:clrMapOvr>
@@ -6406,6 +6968,77 @@
 </file>
 
 <file path=ppt/slides/slide18.xml><?xml version="1.0" encoding="utf-8"?>
+<p:sld xmlns:a="http://schemas.openxmlformats.org/drawingml/2006/main" xmlns:p="http://schemas.openxmlformats.org/presentationml/2006/main" xmlns:r="http://schemas.openxmlformats.org/officeDocument/2006/relationships">
+  <p:cSld>
+    <p:spTree>
+      <p:nvGrpSpPr>
+        <p:cNvPr id="1" name=""/>
+        <p:cNvGrpSpPr/>
+        <p:nvPr/>
+      </p:nvGrpSpPr>
+      <p:grpSpPr/>
+      <p:sp>
+        <p:nvSpPr>
+          <p:cNvPr id="2" name="Title 1"/>
+          <p:cNvSpPr>
+            <a:spLocks noGrp="1"/>
+          </p:cNvSpPr>
+          <p:nvPr>
+            <p:ph type="title"/>
+          </p:nvPr>
+        </p:nvSpPr>
+        <p:spPr/>
+        <p:txBody>
+          <a:bodyPr wrap="square">
+            <a:noAutofit/>
+          </a:bodyPr>
+          <a:lstStyle/>
+          <a:p>
+            <a:r>
+              <a:rPr sz="3200" b="1" i="0">
+                <a:latin typeface="Arial"/>
+              </a:rPr>
+              <a:t>Simulatie</a:t>
+            </a:r>
+            <a:endParaRPr sz="3200" b="1" i="0">
+              <a:latin typeface="Arial"/>
+            </a:endParaRPr>
+          </a:p>
+        </p:txBody>
+      </p:sp>
+      <p:pic>
+        <p:nvPicPr>
+          <p:cNvPr id="3" name="Picture 2" descr="image.png"/>
+          <p:cNvPicPr>
+            <a:picLocks noChangeAspect="1"/>
+          </p:cNvPicPr>
+          <p:nvPr/>
+        </p:nvPicPr>
+        <p:blipFill>
+          <a:blip r:embed="rId2"/>
+          <a:stretch>
+            <a:fillRect/>
+          </a:stretch>
+        </p:blipFill>
+        <p:spPr>
+          <a:xfrm>
+            <a:off x="485015" y="566928"/>
+            <a:ext cx="11221970" cy="5577840"/>
+          </a:xfrm>
+          <a:prstGeom prst="rect">
+            <a:avLst/>
+          </a:prstGeom>
+        </p:spPr>
+      </p:pic>
+    </p:spTree>
+  </p:cSld>
+  <p:clrMapOvr>
+    <a:masterClrMapping/>
+  </p:clrMapOvr>
+</p:sld>
+</file>
+
+<file path=ppt/slides/slide19.xml><?xml version="1.0" encoding="utf-8"?>
 <p:sld xmlns:a="http://schemas.openxmlformats.org/drawingml/2006/main" xmlns:p="http://schemas.openxmlformats.org/presentationml/2006/main" xmlns:r="http://schemas.openxmlformats.org/officeDocument/2006/relationships">
   <p:cSld>
     <p:spTree>
@@ -6505,6 +7138,24 @@
 </p:sld>
 </file>
 
+<file path=ppt/slides/slide20.xml><?xml version="1.0" encoding="utf-8"?>
+<p:sld xmlns:a="http://schemas.openxmlformats.org/drawingml/2006/main" xmlns:p="http://schemas.openxmlformats.org/presentationml/2006/main" xmlns:r="http://schemas.openxmlformats.org/officeDocument/2006/relationships">
+  <p:cSld>
+    <p:spTree>
+      <p:nvGrpSpPr>
+        <p:cNvPr id="1" name=""/>
+        <p:cNvGrpSpPr/>
+        <p:nvPr/>
+      </p:nvGrpSpPr>
+      <p:grpSpPr/>
+    </p:spTree>
+  </p:cSld>
+  <p:clrMapOvr>
+    <a:masterClrMapping/>
+  </p:clrMapOvr>
+</p:sld>
+</file>
+
 <file path=ppt/slides/slide3.xml><?xml version="1.0" encoding="utf-8"?>
 <p:sld xmlns:a="http://schemas.openxmlformats.org/drawingml/2006/main" xmlns:p="http://schemas.openxmlformats.org/presentationml/2006/main" xmlns:r="http://schemas.openxmlformats.org/officeDocument/2006/relationships">
   <p:cSld>
@@ -6985,9 +7636,93 @@
           <a:lstStyle/>
           <a:p/>
           <a:p>
-            <a:pPr/>
-            <a:r>
-              <a:t>De eenheden die in spice gebruikt worden komen overeen met de standaard eenheden en er worden ook de standard prefactors gebruikt zodat er geen nood is aan de wetenschappelijke notatie. Spice maakt wel geen onderscheid tussen hoofd en kleine letters, wat een probleem kan geven om het verschil aan te geven tussen milli en mega. Daarom is er gekozen voor de `x` of de `meg`.</a:t>
+            <a:pPr lvl="1"/>
+            <a:r>
+              <a:t>atto (a)  10</a:t>
+            </a:r>
+            <a:r>
+              <a:rPr sz="1800" baseline="35000"/>
+              <a:t>-18</a:t>
+            </a:r>
+          </a:p>
+          <a:p>
+            <a:pPr lvl="1"/>
+            <a:r>
+              <a:t>femto (f)  10</a:t>
+            </a:r>
+            <a:r>
+              <a:rPr sz="1800" baseline="35000"/>
+              <a:t>-15</a:t>
+            </a:r>
+          </a:p>
+          <a:p>
+            <a:pPr lvl="1"/>
+            <a:r>
+              <a:t>pico (p)  10</a:t>
+            </a:r>
+            <a:r>
+              <a:rPr sz="1800" baseline="35000"/>
+              <a:t>-12</a:t>
+            </a:r>
+          </a:p>
+          <a:p>
+            <a:pPr lvl="1"/>
+            <a:r>
+              <a:t>nano (n)  10</a:t>
+            </a:r>
+            <a:r>
+              <a:rPr sz="1800" baseline="35000"/>
+              <a:t>-9</a:t>
+            </a:r>
+          </a:p>
+          <a:p>
+            <a:pPr lvl="1"/>
+            <a:r>
+              <a:t>micro (u)  10</a:t>
+            </a:r>
+            <a:r>
+              <a:rPr sz="1800" baseline="35000"/>
+              <a:t>-6</a:t>
+            </a:r>
+          </a:p>
+          <a:p>
+            <a:pPr lvl="1"/>
+            <a:r>
+              <a:t>milli (m)  10</a:t>
+            </a:r>
+            <a:r>
+              <a:rPr sz="1800" baseline="35000"/>
+              <a:t>-3</a:t>
+            </a:r>
+          </a:p>
+          <a:p>
+            <a:pPr lvl="1"/>
+            <a:r>
+              <a:t>kilo (k)  10</a:t>
+            </a:r>
+            <a:r>
+              <a:rPr sz="1800" baseline="35000"/>
+              <a:t>3</a:t>
+            </a:r>
+          </a:p>
+          <a:p>
+            <a:pPr lvl="1"/>
+            <a:r>
+              <a:t>mega (x) of (meg)  10</a:t>
+            </a:r>
+            <a:r>
+              <a:rPr sz="1800" baseline="35000"/>
+              <a:t>6</a:t>
+            </a:r>
+          </a:p>
+          <a:p>
+            <a:pPr lvl="1"/>
+            <a:r>
+              <a:t>giga (g)  10</a:t>
+            </a:r>
+            <a:r>
+              <a:rPr sz="1800" baseline="35000"/>
+              <a:t>9</a:t>
             </a:r>
           </a:p>
         </p:txBody>
@@ -7004,9 +7739,21 @@
         </p:nvSpPr>
         <p:spPr/>
         <p:txBody>
-          <a:bodyPr/>
+          <a:bodyPr wrap="square">
+            <a:noAutofit/>
+          </a:bodyPr>
           <a:lstStyle/>
-          <a:p/>
+          <a:p>
+            <a:r>
+              <a:rPr sz="3200" b="1" i="0">
+                <a:latin typeface="Arial"/>
+              </a:rPr>
+              <a:t>Eenheden in spice</a:t>
+            </a:r>
+            <a:endParaRPr sz="3200" b="1" i="0">
+              <a:latin typeface="Arial"/>
+            </a:endParaRPr>
+          </a:p>
         </p:txBody>
       </p:sp>
     </p:spTree>
@@ -7029,87 +7776,7 @@
       <p:grpSpPr/>
       <p:sp>
         <p:nvSpPr>
-          <p:cNvPr id="2" name="Content Placeholder 1"/>
-          <p:cNvSpPr>
-            <a:spLocks noGrp="1"/>
-          </p:cNvSpPr>
-          <p:nvPr>
-            <p:ph idx="1"/>
-          </p:nvPr>
-        </p:nvSpPr>
-        <p:spPr/>
-        <p:txBody>
-          <a:bodyPr/>
-          <a:lstStyle/>
-          <a:p/>
-          <a:p>
-            <a:pPr lvl="1"/>
-            <a:r>
-              <a:rPr/>
-              <a:t>-18</a:t>
-            </a:r>
-          </a:p>
-          <a:p>
-            <a:pPr lvl="1"/>
-            <a:r>
-              <a:rPr/>
-              <a:t>-15</a:t>
-            </a:r>
-          </a:p>
-          <a:p>
-            <a:pPr lvl="1"/>
-            <a:r>
-              <a:rPr/>
-              <a:t>-12</a:t>
-            </a:r>
-          </a:p>
-          <a:p>
-            <a:pPr lvl="1"/>
-            <a:r>
-              <a:rPr/>
-              <a:t>-9</a:t>
-            </a:r>
-          </a:p>
-          <a:p>
-            <a:pPr lvl="1"/>
-            <a:r>
-              <a:rPr/>
-              <a:t>-6</a:t>
-            </a:r>
-          </a:p>
-          <a:p>
-            <a:pPr lvl="1"/>
-            <a:r>
-              <a:rPr/>
-              <a:t>-3</a:t>
-            </a:r>
-          </a:p>
-          <a:p>
-            <a:pPr lvl="1"/>
-            <a:r>
-              <a:rPr/>
-              <a:t>3</a:t>
-            </a:r>
-          </a:p>
-          <a:p>
-            <a:pPr lvl="1"/>
-            <a:r>
-              <a:rPr/>
-              <a:t>6</a:t>
-            </a:r>
-          </a:p>
-          <a:p>
-            <a:pPr lvl="1"/>
-            <a:r>
-              <a:rPr/>
-              <a:t>9</a:t>
-            </a:r>
-          </a:p>
-        </p:txBody>
-      </p:sp>
-      <p:sp>
-        <p:nvSpPr>
-          <p:cNvPr id="3" name="Title 2"/>
+          <p:cNvPr id="2" name="Title 1"/>
           <p:cNvSpPr>
             <a:spLocks noGrp="1"/>
           </p:cNvSpPr>
@@ -7128,7 +7795,7 @@
               <a:rPr sz="3200" b="1" i="0">
                 <a:latin typeface="Arial"/>
               </a:rPr>
-              <a:t>Eenheden in spice</a:t>
+              <a:t>Basisschema van de verschilversterker</a:t>
             </a:r>
             <a:endParaRPr sz="3200" b="1" i="0">
               <a:latin typeface="Arial"/>
@@ -7136,6 +7803,30 @@
           </a:p>
         </p:txBody>
       </p:sp>
+      <p:pic>
+        <p:nvPicPr>
+          <p:cNvPr id="3" name="Picture 2" descr="image.png"/>
+          <p:cNvPicPr>
+            <a:picLocks noChangeAspect="1"/>
+          </p:cNvPicPr>
+          <p:nvPr/>
+        </p:nvPicPr>
+        <p:blipFill>
+          <a:blip r:embed="rId2"/>
+          <a:stretch>
+            <a:fillRect/>
+          </a:stretch>
+        </p:blipFill>
+        <p:spPr>
+          <a:xfrm>
+            <a:off x="2409496" y="566928"/>
+            <a:ext cx="7373007" cy="5577840"/>
+          </a:xfrm>
+          <a:prstGeom prst="rect">
+            <a:avLst/>
+          </a:prstGeom>
+        </p:spPr>
+      </p:pic>
     </p:spTree>
   </p:cSld>
   <p:clrMapOvr>
@@ -7199,8 +7890,8 @@
         </p:blipFill>
         <p:spPr>
           <a:xfrm>
-            <a:off x="2772103" y="1179576"/>
-            <a:ext cx="6647793" cy="5029200"/>
+            <a:off x="2317210" y="566928"/>
+            <a:ext cx="7557580" cy="5577840"/>
           </a:xfrm>
           <a:prstGeom prst="rect">
             <a:avLst/>

--- a/ToegepasteAnalogeElektronica/PowerPoint/Spice-simulatie.pptx
+++ b/ToegepasteAnalogeElektronica/PowerPoint/Spice-simulatie.pptx
@@ -7641,7 +7641,7 @@
               <a:t>atto (a)  10</a:t>
             </a:r>
             <a:r>
-              <a:rPr sz="1800" baseline="35000"/>
+              <a:rPr sz="1800" baseline="45000"/>
               <a:t>-18</a:t>
             </a:r>
           </a:p>
@@ -7651,7 +7651,7 @@
               <a:t>femto (f)  10</a:t>
             </a:r>
             <a:r>
-              <a:rPr sz="1800" baseline="35000"/>
+              <a:rPr sz="1800" baseline="45000"/>
               <a:t>-15</a:t>
             </a:r>
           </a:p>
@@ -7661,7 +7661,7 @@
               <a:t>pico (p)  10</a:t>
             </a:r>
             <a:r>
-              <a:rPr sz="1800" baseline="35000"/>
+              <a:rPr sz="1800" baseline="45000"/>
               <a:t>-12</a:t>
             </a:r>
           </a:p>
@@ -7671,7 +7671,7 @@
               <a:t>nano (n)  10</a:t>
             </a:r>
             <a:r>
-              <a:rPr sz="1800" baseline="35000"/>
+              <a:rPr sz="1800" baseline="45000"/>
               <a:t>-9</a:t>
             </a:r>
           </a:p>
@@ -7681,7 +7681,7 @@
               <a:t>micro (u)  10</a:t>
             </a:r>
             <a:r>
-              <a:rPr sz="1800" baseline="35000"/>
+              <a:rPr sz="1800" baseline="45000"/>
               <a:t>-6</a:t>
             </a:r>
           </a:p>
@@ -7691,7 +7691,7 @@
               <a:t>milli (m)  10</a:t>
             </a:r>
             <a:r>
-              <a:rPr sz="1800" baseline="35000"/>
+              <a:rPr sz="1800" baseline="45000"/>
               <a:t>-3</a:t>
             </a:r>
           </a:p>
@@ -7701,7 +7701,7 @@
               <a:t>kilo (k)  10</a:t>
             </a:r>
             <a:r>
-              <a:rPr sz="1800" baseline="35000"/>
+              <a:rPr sz="1800" baseline="45000"/>
               <a:t>3</a:t>
             </a:r>
           </a:p>
@@ -7711,7 +7711,7 @@
               <a:t>mega (x) of (meg)  10</a:t>
             </a:r>
             <a:r>
-              <a:rPr sz="1800" baseline="35000"/>
+              <a:rPr sz="1800" baseline="45000"/>
               <a:t>6</a:t>
             </a:r>
           </a:p>
@@ -7721,7 +7721,7 @@
               <a:t>giga (g)  10</a:t>
             </a:r>
             <a:r>
-              <a:rPr sz="1800" baseline="35000"/>
+              <a:rPr sz="1800" baseline="45000"/>
               <a:t>9</a:t>
             </a:r>
           </a:p>

--- a/ToegepasteAnalogeElektronica/PowerPoint/Spice-simulatie.pptx
+++ b/ToegepasteAnalogeElektronica/PowerPoint/Spice-simulatie.pptx
@@ -31,6 +31,33 @@
     <p:sldId id="273" r:id="rId30"/>
     <p:sldId id="274" r:id="rId31"/>
     <p:sldId id="275" r:id="rId32"/>
+    <p:sldId id="276" r:id="rId33"/>
+    <p:sldId id="277" r:id="rId34"/>
+    <p:sldId id="278" r:id="rId35"/>
+    <p:sldId id="279" r:id="rId36"/>
+    <p:sldId id="280" r:id="rId37"/>
+    <p:sldId id="281" r:id="rId38"/>
+    <p:sldId id="282" r:id="rId39"/>
+    <p:sldId id="283" r:id="rId40"/>
+    <p:sldId id="284" r:id="rId41"/>
+    <p:sldId id="285" r:id="rId42"/>
+    <p:sldId id="286" r:id="rId43"/>
+    <p:sldId id="287" r:id="rId44"/>
+    <p:sldId id="288" r:id="rId45"/>
+    <p:sldId id="289" r:id="rId46"/>
+    <p:sldId id="290" r:id="rId47"/>
+    <p:sldId id="291" r:id="rId48"/>
+    <p:sldId id="292" r:id="rId49"/>
+    <p:sldId id="293" r:id="rId50"/>
+    <p:sldId id="294" r:id="rId51"/>
+    <p:sldId id="295" r:id="rId52"/>
+    <p:sldId id="296" r:id="rId53"/>
+    <p:sldId id="297" r:id="rId54"/>
+    <p:sldId id="298" r:id="rId55"/>
+    <p:sldId id="299" r:id="rId56"/>
+    <p:sldId id="300" r:id="rId57"/>
+    <p:sldId id="301" r:id="rId58"/>
+    <p:sldId id="302" r:id="rId59"/>
   </p:sldIdLst>
   <p:sldSz cx="12192000" cy="6858000"/>
   <p:notesSz cx="6858000" cy="9144000"/>
@@ -5701,241 +5728,9 @@
         </p:nvSpPr>
         <p:spPr/>
         <p:txBody>
-          <a:bodyPr wrap="square">
-            <a:noAutofit/>
-          </a:bodyPr>
+          <a:bodyPr/>
           <a:lstStyle/>
-          <a:p>
-            <a:pPr>
-              <a:lnSpc>
-                <a:spcPts val="2400"/>
-              </a:lnSpc>
-              <a:defRPr>
-                <a:solidFill>
-                  <a:srgbClr val="FFFFFF"/>
-                </a:solidFill>
-              </a:defRPr>
-            </a:pPr>
-            <a:r>
-              <a:rPr sz="2400" b="0" i="0">
-                <a:latin typeface="Courier"/>
-              </a:rPr>
-              <a:t>* CIRCUIT Spice file van een verschilversterker</a:t>
-            </a:r>
-            <a:endParaRPr sz="2400" b="0" i="0">
-              <a:latin typeface="Courier"/>
-            </a:endParaRPr>
-          </a:p>
-          <a:p>
-            <a:pPr>
-              <a:lnSpc>
-                <a:spcPts val="2400"/>
-              </a:lnSpc>
-              <a:defRPr>
-                <a:solidFill>
-                  <a:srgbClr val="FFFFFF"/>
-                </a:solidFill>
-              </a:defRPr>
-            </a:pPr>
-            <a:r>
-              <a:rPr sz="2400" b="0" i="0">
-                <a:latin typeface="Courier"/>
-              </a:rPr>
-              <a:t>VDD    1 0 DC=5.0</a:t>
-            </a:r>
-            <a:endParaRPr sz="2400" b="0" i="0">
-              <a:latin typeface="Courier"/>
-            </a:endParaRPr>
-          </a:p>
-          <a:p>
-            <a:pPr>
-              <a:lnSpc>
-                <a:spcPts val="2400"/>
-              </a:lnSpc>
-              <a:defRPr>
-                <a:solidFill>
-                  <a:srgbClr val="FFFFFF"/>
-                </a:solidFill>
-              </a:defRPr>
-            </a:pPr>
-            <a:r>
-              <a:rPr sz="2400" b="0" i="0">
-                <a:latin typeface="Courier"/>
-              </a:rPr>
-              <a:t>VPLUS 10 0 DC=2.5</a:t>
-            </a:r>
-            <a:endParaRPr sz="2400" b="0" i="0">
-              <a:latin typeface="Courier"/>
-            </a:endParaRPr>
-          </a:p>
-          <a:p>
-            <a:pPr>
-              <a:lnSpc>
-                <a:spcPts val="2400"/>
-              </a:lnSpc>
-              <a:defRPr>
-                <a:solidFill>
-                  <a:srgbClr val="FFFFFF"/>
-                </a:solidFill>
-              </a:defRPr>
-            </a:pPr>
-            <a:r>
-              <a:rPr sz="2400" b="0" i="0">
-                <a:latin typeface="Courier"/>
-              </a:rPr>
-              <a:t>VMIN  11 0 SIN(2.5 50U 1E6) DC=2.5</a:t>
-            </a:r>
-            <a:endParaRPr sz="2400" b="0" i="0">
-              <a:latin typeface="Courier"/>
-            </a:endParaRPr>
-          </a:p>
-          <a:p>
-            <a:pPr>
-              <a:lnSpc>
-                <a:spcPts val="2400"/>
-              </a:lnSpc>
-              <a:defRPr>
-                <a:solidFill>
-                  <a:srgbClr val="FFFFFF"/>
-                </a:solidFill>
-              </a:defRPr>
-            </a:pPr>
-            <a:r>
-              <a:rPr sz="2400" b="0" i="0">
-                <a:latin typeface="Courier"/>
-              </a:rPr>
-              <a:t>VB    9 0 DC=1.5</a:t>
-            </a:r>
-            <a:endParaRPr sz="2400" b="0" i="0">
-              <a:latin typeface="Courier"/>
-            </a:endParaRPr>
-          </a:p>
-          <a:p>
-            <a:pPr>
-              <a:lnSpc>
-                <a:spcPts val="2400"/>
-              </a:lnSpc>
-              <a:defRPr>
-                <a:solidFill>
-                  <a:srgbClr val="FFFFFF"/>
-                </a:solidFill>
-              </a:defRPr>
-            </a:pPr>
-            <a:r>
-              <a:rPr sz="2400" b="0" i="0">
-                <a:latin typeface="Courier"/>
-              </a:rPr>
-              <a:t>C3     3 0   5.914fF</a:t>
-            </a:r>
-            <a:endParaRPr sz="2400" b="0" i="0">
-              <a:latin typeface="Courier"/>
-            </a:endParaRPr>
-          </a:p>
-          <a:p>
-            <a:pPr>
-              <a:lnSpc>
-                <a:spcPts val="2400"/>
-              </a:lnSpc>
-              <a:defRPr>
-                <a:solidFill>
-                  <a:srgbClr val="FFFFFF"/>
-                </a:solidFill>
-              </a:defRPr>
-            </a:pPr>
-            <a:r>
-              <a:rPr sz="2400" b="0" i="0">
-                <a:latin typeface="Courier"/>
-              </a:rPr>
-              <a:t>C4     4 0  14.737fF</a:t>
-            </a:r>
-            <a:endParaRPr sz="2400" b="0" i="0">
-              <a:latin typeface="Courier"/>
-            </a:endParaRPr>
-          </a:p>
-          <a:p>
-            <a:pPr>
-              <a:lnSpc>
-                <a:spcPts val="2400"/>
-              </a:lnSpc>
-              <a:defRPr>
-                <a:solidFill>
-                  <a:srgbClr val="FFFFFF"/>
-                </a:solidFill>
-              </a:defRPr>
-            </a:pPr>
-            <a:r>
-              <a:rPr sz="2400" b="0" i="0">
-                <a:latin typeface="Courier"/>
-              </a:rPr>
-              <a:t>C5     5 0  10.124fF</a:t>
-            </a:r>
-            <a:endParaRPr sz="2400" b="0" i="0">
-              <a:latin typeface="Courier"/>
-            </a:endParaRPr>
-          </a:p>
-          <a:p>
-            <a:pPr>
-              <a:lnSpc>
-                <a:spcPts val="2400"/>
-              </a:lnSpc>
-              <a:defRPr>
-                <a:solidFill>
-                  <a:srgbClr val="FFFFFF"/>
-                </a:solidFill>
-              </a:defRPr>
-            </a:pPr>
-            <a:r>
-              <a:rPr sz="2400" b="0" i="0">
-                <a:latin typeface="Courier"/>
-              </a:rPr>
-              <a:t>C6     6 0  14.434fF</a:t>
-            </a:r>
-            <a:endParaRPr sz="2400" b="0" i="0">
-              <a:latin typeface="Courier"/>
-            </a:endParaRPr>
-          </a:p>
-          <a:p>
-            <a:pPr>
-              <a:lnSpc>
-                <a:spcPts val="2400"/>
-              </a:lnSpc>
-              <a:defRPr>
-                <a:solidFill>
-                  <a:srgbClr val="FFFFFF"/>
-                </a:solidFill>
-              </a:defRPr>
-            </a:pPr>
-            <a:r>
-              <a:rPr sz="2400" b="0" i="0">
-                <a:latin typeface="Courier"/>
-              </a:rPr>
-              <a:t>C8     8 0   7.919fF</a:t>
-            </a:r>
-            <a:endParaRPr sz="2400" b="0" i="0">
-              <a:latin typeface="Courier"/>
-            </a:endParaRPr>
-          </a:p>
-          <a:p>
-            <a:pPr>
-              <a:lnSpc>
-                <a:spcPts val="2400"/>
-              </a:lnSpc>
-              <a:defRPr>
-                <a:solidFill>
-                  <a:srgbClr val="FFFFFF"/>
-                </a:solidFill>
-              </a:defRPr>
-            </a:pPr>
-            <a:r>
-              <a:rPr sz="2400" b="0" i="0">
-                <a:latin typeface="Courier"/>
-              </a:rPr>
-              <a:t>C9     9 0  15.257fF</a:t>
-            </a:r>
-            <a:endParaRPr sz="2400" b="0" i="0">
-              <a:latin typeface="Courier"/>
-            </a:endParaRPr>
-          </a:p>
+          <a:p/>
         </p:txBody>
       </p:sp>
       <p:sp>
@@ -5997,241 +5792,9 @@
         </p:nvSpPr>
         <p:spPr/>
         <p:txBody>
-          <a:bodyPr wrap="square">
-            <a:noAutofit/>
-          </a:bodyPr>
+          <a:bodyPr/>
           <a:lstStyle/>
-          <a:p>
-            <a:pPr>
-              <a:lnSpc>
-                <a:spcPts val="2400"/>
-              </a:lnSpc>
-              <a:defRPr>
-                <a:solidFill>
-                  <a:srgbClr val="FFFFFF"/>
-                </a:solidFill>
-              </a:defRPr>
-            </a:pPr>
-            <a:r>
-              <a:rPr sz="2400" b="0" i="0">
-                <a:latin typeface="Courier"/>
-              </a:rPr>
-              <a:t>C10   10 0 1.872fF</a:t>
-            </a:r>
-            <a:endParaRPr sz="2400" b="0" i="0">
-              <a:latin typeface="Courier"/>
-            </a:endParaRPr>
-          </a:p>
-          <a:p>
-            <a:pPr>
-              <a:lnSpc>
-                <a:spcPts val="2400"/>
-              </a:lnSpc>
-              <a:defRPr>
-                <a:solidFill>
-                  <a:srgbClr val="FFFFFF"/>
-                </a:solidFill>
-              </a:defRPr>
-            </a:pPr>
-            <a:r>
-              <a:rPr sz="2400" b="0" i="0">
-                <a:latin typeface="Courier"/>
-              </a:rPr>
-              <a:t>C11   11 0 1.688fF</a:t>
-            </a:r>
-            <a:endParaRPr sz="2400" b="0" i="0">
-              <a:latin typeface="Courier"/>
-            </a:endParaRPr>
-          </a:p>
-          <a:p>
-            <a:pPr>
-              <a:lnSpc>
-                <a:spcPts val="2400"/>
-              </a:lnSpc>
-              <a:defRPr>
-                <a:solidFill>
-                  <a:srgbClr val="FFFFFF"/>
-                </a:solidFill>
-              </a:defRPr>
-            </a:pPr>
-            <a:r>
-              <a:rPr sz="2400" b="0" i="0">
-                <a:latin typeface="Courier"/>
-              </a:rPr>
-              <a:t>C25    1 5  1fF</a:t>
-            </a:r>
-            <a:endParaRPr sz="2400" b="0" i="0">
-              <a:latin typeface="Courier"/>
-            </a:endParaRPr>
-          </a:p>
-          <a:p>
-            <a:pPr>
-              <a:lnSpc>
-                <a:spcPts val="2400"/>
-              </a:lnSpc>
-              <a:defRPr>
-                <a:solidFill>
-                  <a:srgbClr val="FFFFFF"/>
-                </a:solidFill>
-              </a:defRPr>
-            </a:pPr>
-            <a:r>
-              <a:rPr sz="2400" b="0" i="0">
-                <a:latin typeface="Courier"/>
-              </a:rPr>
-              <a:t>MN1 3 5 0 0  NMOS w=1.50u L=0.50u</a:t>
-            </a:r>
-            <a:endParaRPr sz="2400" b="0" i="0">
-              <a:latin typeface="Courier"/>
-            </a:endParaRPr>
-          </a:p>
-          <a:p>
-            <a:pPr>
-              <a:lnSpc>
-                <a:spcPts val="2400"/>
-              </a:lnSpc>
-              <a:defRPr>
-                <a:solidFill>
-                  <a:srgbClr val="FFFFFF"/>
-                </a:solidFill>
-              </a:defRPr>
-            </a:pPr>
-            <a:r>
-              <a:rPr sz="2400" b="0" i="0">
-                <a:latin typeface="Courier"/>
-              </a:rPr>
-              <a:t>MN2 0 5 5 0  NMOS w=1.50u L=0.50u</a:t>
-            </a:r>
-            <a:endParaRPr sz="2400" b="0" i="0">
-              <a:latin typeface="Courier"/>
-            </a:endParaRPr>
-          </a:p>
-          <a:p>
-            <a:pPr>
-              <a:lnSpc>
-                <a:spcPts val="2400"/>
-              </a:lnSpc>
-              <a:defRPr>
-                <a:solidFill>
-                  <a:srgbClr val="FFFFFF"/>
-                </a:solidFill>
-              </a:defRPr>
-            </a:pPr>
-            <a:r>
-              <a:rPr sz="2400" b="0" i="0">
-                <a:latin typeface="Courier"/>
-              </a:rPr>
-              <a:t>MN3 8 10 4 0 NMOS w=1.50u L=0.50U</a:t>
-            </a:r>
-            <a:endParaRPr sz="2400" b="0" i="0">
-              <a:latin typeface="Courier"/>
-            </a:endParaRPr>
-          </a:p>
-          <a:p>
-            <a:pPr>
-              <a:lnSpc>
-                <a:spcPts val="2400"/>
-              </a:lnSpc>
-              <a:defRPr>
-                <a:solidFill>
-                  <a:srgbClr val="FFFFFF"/>
-                </a:solidFill>
-              </a:defRPr>
-            </a:pPr>
-            <a:r>
-              <a:rPr sz="2400" b="0" i="0">
-                <a:latin typeface="Courier"/>
-              </a:rPr>
-              <a:t>MN4 0 9 8 0  NMOS w=4.50u L=0.50U</a:t>
-            </a:r>
-            <a:endParaRPr sz="2400" b="0" i="0">
-              <a:latin typeface="Courier"/>
-            </a:endParaRPr>
-          </a:p>
-          <a:p>
-            <a:pPr>
-              <a:lnSpc>
-                <a:spcPts val="2400"/>
-              </a:lnSpc>
-              <a:defRPr>
-                <a:solidFill>
-                  <a:srgbClr val="FFFFFF"/>
-                </a:solidFill>
-              </a:defRPr>
-            </a:pPr>
-            <a:r>
-              <a:rPr sz="2400" b="0" i="0">
-                <a:latin typeface="Courier"/>
-              </a:rPr>
-              <a:t>MN5 6 11 8 0 NMOS w=1.50u L=0.50U</a:t>
-            </a:r>
-            <a:endParaRPr sz="2400" b="0" i="0">
-              <a:latin typeface="Courier"/>
-            </a:endParaRPr>
-          </a:p>
-          <a:p>
-            <a:pPr>
-              <a:lnSpc>
-                <a:spcPts val="2400"/>
-              </a:lnSpc>
-              <a:defRPr>
-                <a:solidFill>
-                  <a:srgbClr val="FFFFFF"/>
-                </a:solidFill>
-              </a:defRPr>
-            </a:pPr>
-            <a:r>
-              <a:rPr sz="2400" b="0" i="0">
-                <a:latin typeface="Courier"/>
-              </a:rPr>
-              <a:t>MP1 1 4 3 1  PMOS w=3.50u L=0.50U</a:t>
-            </a:r>
-            <a:endParaRPr sz="2400" b="0" i="0">
-              <a:latin typeface="Courier"/>
-            </a:endParaRPr>
-          </a:p>
-          <a:p>
-            <a:pPr>
-              <a:lnSpc>
-                <a:spcPts val="2400"/>
-              </a:lnSpc>
-              <a:defRPr>
-                <a:solidFill>
-                  <a:srgbClr val="FFFFFF"/>
-                </a:solidFill>
-              </a:defRPr>
-            </a:pPr>
-            <a:r>
-              <a:rPr sz="2400" b="0" i="0">
-                <a:latin typeface="Courier"/>
-              </a:rPr>
-              <a:t>MP2 4 4 1 1  PMOS w=3.50u L=0.50U</a:t>
-            </a:r>
-            <a:endParaRPr sz="2400" b="0" i="0">
-              <a:latin typeface="Courier"/>
-            </a:endParaRPr>
-          </a:p>
-          <a:p>
-            <a:pPr>
-              <a:lnSpc>
-                <a:spcPts val="2400"/>
-              </a:lnSpc>
-              <a:defRPr>
-                <a:solidFill>
-                  <a:srgbClr val="FFFFFF"/>
-                </a:solidFill>
-              </a:defRPr>
-            </a:pPr>
-            <a:r>
-              <a:rPr sz="2400" b="0" i="0">
-                <a:latin typeface="Courier"/>
-              </a:rPr>
-              <a:t>MP3 1 6 5 1  PMOS w=3.50u L=0.50U</a:t>
-            </a:r>
-            <a:endParaRPr sz="2400" b="0" i="0">
-              <a:latin typeface="Courier"/>
-            </a:endParaRPr>
-          </a:p>
+          <a:p/>
         </p:txBody>
       </p:sp>
       <p:sp>
@@ -6293,73 +5856,9 @@
         </p:nvSpPr>
         <p:spPr/>
         <p:txBody>
-          <a:bodyPr wrap="square">
-            <a:noAutofit/>
-          </a:bodyPr>
+          <a:bodyPr/>
           <a:lstStyle/>
-          <a:p>
-            <a:pPr>
-              <a:lnSpc>
-                <a:spcPts val="2400"/>
-              </a:lnSpc>
-              <a:defRPr>
-                <a:solidFill>
-                  <a:srgbClr val="FFFFFF"/>
-                </a:solidFill>
-              </a:defRPr>
-            </a:pPr>
-            <a:r>
-              <a:rPr sz="2400" b="0" i="0">
-                <a:latin typeface="Courier"/>
-              </a:rPr>
-              <a:t>MP4 6 6 1 1  PMOS w=3.50u L=0.50U</a:t>
-            </a:r>
-            <a:endParaRPr sz="2400" b="0" i="0">
-              <a:latin typeface="Courier"/>
-            </a:endParaRPr>
-          </a:p>
-          <a:p>
-            <a:pPr>
-              <a:lnSpc>
-                <a:spcPts val="2400"/>
-              </a:lnSpc>
-              <a:defRPr>
-                <a:solidFill>
-                  <a:srgbClr val="FFFFFF"/>
-                </a:solidFill>
-              </a:defRPr>
-            </a:pPr>
-            <a:r>
-              <a:rPr sz="2400" b="0" i="0">
-                <a:latin typeface="Courier"/>
-              </a:rPr>
-              <a:t>.MODEL NMOS NMOS(LEVEL=1 VTO=0.50 KP=90.000E-6 LAMBDA=0.001)</a:t>
-            </a:r>
-            <a:endParaRPr sz="2400" b="0" i="0">
-              <a:latin typeface="Courier"/>
-            </a:endParaRPr>
-          </a:p>
-          <a:p>
-            <a:pPr>
-              <a:lnSpc>
-                <a:spcPts val="2400"/>
-              </a:lnSpc>
-              <a:defRPr>
-                <a:solidFill>
-                  <a:srgbClr val="FFFFFF"/>
-                </a:solidFill>
-              </a:defRPr>
-            </a:pPr>
-            <a:r>
-              <a:rPr sz="2400" b="0" i="0">
-                <a:latin typeface="Courier"/>
-              </a:rPr>
-              <a:t>.MODEL PMOS PMOS(LEVEL=1 VTO=-0.45 KP=55.000E-6 LAMBDA=0.001)</a:t>
-            </a:r>
-            <a:endParaRPr sz="2400" b="0" i="0">
-              <a:latin typeface="Courier"/>
-            </a:endParaRPr>
-          </a:p>
+          <a:p/>
         </p:txBody>
       </p:sp>
       <p:sp>
@@ -6421,115 +5920,9 @@
         </p:nvSpPr>
         <p:spPr/>
         <p:txBody>
-          <a:bodyPr wrap="square">
-            <a:noAutofit/>
-          </a:bodyPr>
+          <a:bodyPr/>
           <a:lstStyle/>
-          <a:p>
-            <a:pPr>
-              <a:lnSpc>
-                <a:spcPts val="2400"/>
-              </a:lnSpc>
-              <a:defRPr>
-                <a:solidFill>
-                  <a:srgbClr val="FFFFFF"/>
-                </a:solidFill>
-              </a:defRPr>
-            </a:pPr>
-            <a:r>
-              <a:rPr sz="2400" b="0" i="0">
-                <a:latin typeface="Courier"/>
-              </a:rPr>
-              <a:t>MN1 3 5 0 0  NMOS w=1.50u L=0.50u</a:t>
-            </a:r>
-            <a:endParaRPr sz="2400" b="0" i="0">
-              <a:latin typeface="Courier"/>
-            </a:endParaRPr>
-          </a:p>
-          <a:p>
-            <a:pPr>
-              <a:lnSpc>
-                <a:spcPts val="2400"/>
-              </a:lnSpc>
-              <a:defRPr>
-                <a:solidFill>
-                  <a:srgbClr val="FFFFFF"/>
-                </a:solidFill>
-              </a:defRPr>
-            </a:pPr>
-            <a:r>
-              <a:rPr sz="2400" b="0" i="0">
-                <a:latin typeface="Courier"/>
-              </a:rPr>
-              <a:t>MN2 0 5 5 0  NMOS w=1.50u L=0.50u</a:t>
-            </a:r>
-            <a:endParaRPr sz="2400" b="0" i="0">
-              <a:latin typeface="Courier"/>
-            </a:endParaRPr>
-          </a:p>
-          <a:p>
-            <a:pPr>
-              <a:lnSpc>
-                <a:spcPts val="2400"/>
-              </a:lnSpc>
-              <a:defRPr>
-                <a:solidFill>
-                  <a:srgbClr val="FFFFFF"/>
-                </a:solidFill>
-              </a:defRPr>
-            </a:pPr>
-            <a:r>
-              <a:rPr sz="2400" b="0" i="0">
-                <a:latin typeface="Courier"/>
-              </a:rPr>
-              <a:t>MN3 8 10 4 0 NMOS w=1.50u L=0.50U</a:t>
-            </a:r>
-            <a:endParaRPr sz="2400" b="0" i="0">
-              <a:latin typeface="Courier"/>
-            </a:endParaRPr>
-          </a:p>
-          <a:p>
-            <a:pPr>
-              <a:lnSpc>
-                <a:spcPts val="2400"/>
-              </a:lnSpc>
-              <a:defRPr>
-                <a:solidFill>
-                  <a:srgbClr val="FFFFFF"/>
-                </a:solidFill>
-              </a:defRPr>
-            </a:pPr>
-            <a:r>
-              <a:rPr sz="2400" b="0" i="0">
-                <a:latin typeface="Courier"/>
-              </a:rPr>
-              <a:t>MN4 0 9 8 0  NMOS w=4.50u L=0.50U</a:t>
-            </a:r>
-            <a:endParaRPr sz="2400" b="0" i="0">
-              <a:latin typeface="Courier"/>
-            </a:endParaRPr>
-          </a:p>
-          <a:p>
-            <a:pPr>
-              <a:lnSpc>
-                <a:spcPts val="2400"/>
-              </a:lnSpc>
-              <a:defRPr>
-                <a:solidFill>
-                  <a:srgbClr val="FFFFFF"/>
-                </a:solidFill>
-              </a:defRPr>
-            </a:pPr>
-            <a:r>
-              <a:rPr sz="2400" b="0" i="0">
-                <a:latin typeface="Courier"/>
-              </a:rPr>
-              <a:t>MN5 6 11 8 0 NMOS w=1.50u L=0.50U</a:t>
-            </a:r>
-            <a:endParaRPr sz="2400" b="0" i="0">
-              <a:latin typeface="Courier"/>
-            </a:endParaRPr>
-          </a:p>
+          <a:p/>
         </p:txBody>
       </p:sp>
       <p:sp>
@@ -6553,7 +5946,7 @@
               <a:rPr sz="3200" b="1" i="0">
                 <a:latin typeface="Arial"/>
               </a:rPr>
-              <a:t>nMOS transistors</a:t>
+              <a:t>Spice beschrijving</a:t>
             </a:r>
             <a:endParaRPr sz="3200" b="1" i="0">
               <a:latin typeface="Arial"/>
@@ -6570,6 +5963,5525 @@
 </file>
 
 <file path=ppt/slides/slide14.xml><?xml version="1.0" encoding="utf-8"?>
+<p:sld xmlns:a="http://schemas.openxmlformats.org/drawingml/2006/main" xmlns:p="http://schemas.openxmlformats.org/presentationml/2006/main" xmlns:r="http://schemas.openxmlformats.org/officeDocument/2006/relationships">
+  <p:cSld>
+    <p:spTree>
+      <p:nvGrpSpPr>
+        <p:cNvPr id="1" name=""/>
+        <p:cNvGrpSpPr/>
+        <p:nvPr/>
+      </p:nvGrpSpPr>
+      <p:grpSpPr/>
+      <p:sp>
+        <p:nvSpPr>
+          <p:cNvPr id="2" name="Content Placeholder 1"/>
+          <p:cNvSpPr>
+            <a:spLocks noGrp="1"/>
+          </p:cNvSpPr>
+          <p:nvPr>
+            <p:ph idx="1"/>
+          </p:nvPr>
+        </p:nvSpPr>
+        <p:spPr/>
+        <p:txBody>
+          <a:bodyPr/>
+          <a:lstStyle/>
+          <a:p/>
+        </p:txBody>
+      </p:sp>
+      <p:sp>
+        <p:nvSpPr>
+          <p:cNvPr id="3" name="Title 2"/>
+          <p:cNvSpPr>
+            <a:spLocks noGrp="1"/>
+          </p:cNvSpPr>
+          <p:nvPr>
+            <p:ph type="title"/>
+          </p:nvPr>
+        </p:nvSpPr>
+        <p:spPr/>
+        <p:txBody>
+          <a:bodyPr wrap="square">
+            <a:noAutofit/>
+          </a:bodyPr>
+          <a:lstStyle/>
+          <a:p>
+            <a:r>
+              <a:rPr sz="3200" b="1" i="0">
+                <a:latin typeface="Arial"/>
+              </a:rPr>
+              <a:t>Spice beschrijving</a:t>
+            </a:r>
+            <a:endParaRPr sz="3200" b="1" i="0">
+              <a:latin typeface="Arial"/>
+            </a:endParaRPr>
+          </a:p>
+        </p:txBody>
+      </p:sp>
+    </p:spTree>
+  </p:cSld>
+  <p:clrMapOvr>
+    <a:masterClrMapping/>
+  </p:clrMapOvr>
+</p:sld>
+</file>
+
+<file path=ppt/slides/slide15.xml><?xml version="1.0" encoding="utf-8"?>
+<p:sld xmlns:a="http://schemas.openxmlformats.org/drawingml/2006/main" xmlns:p="http://schemas.openxmlformats.org/presentationml/2006/main" xmlns:r="http://schemas.openxmlformats.org/officeDocument/2006/relationships">
+  <p:cSld>
+    <p:spTree>
+      <p:nvGrpSpPr>
+        <p:cNvPr id="1" name=""/>
+        <p:cNvGrpSpPr/>
+        <p:nvPr/>
+      </p:nvGrpSpPr>
+      <p:grpSpPr/>
+      <p:sp>
+        <p:nvSpPr>
+          <p:cNvPr id="2" name="Content Placeholder 1"/>
+          <p:cNvSpPr>
+            <a:spLocks noGrp="1"/>
+          </p:cNvSpPr>
+          <p:nvPr>
+            <p:ph idx="1"/>
+          </p:nvPr>
+        </p:nvSpPr>
+        <p:spPr/>
+        <p:txBody>
+          <a:bodyPr/>
+          <a:lstStyle/>
+          <a:p/>
+        </p:txBody>
+      </p:sp>
+      <p:sp>
+        <p:nvSpPr>
+          <p:cNvPr id="3" name="Title 2"/>
+          <p:cNvSpPr>
+            <a:spLocks noGrp="1"/>
+          </p:cNvSpPr>
+          <p:nvPr>
+            <p:ph type="title"/>
+          </p:nvPr>
+        </p:nvSpPr>
+        <p:spPr/>
+        <p:txBody>
+          <a:bodyPr wrap="square">
+            <a:noAutofit/>
+          </a:bodyPr>
+          <a:lstStyle/>
+          <a:p>
+            <a:r>
+              <a:rPr sz="3200" b="1" i="0">
+                <a:latin typeface="Arial"/>
+              </a:rPr>
+              <a:t>Spice beschrijving</a:t>
+            </a:r>
+            <a:endParaRPr sz="3200" b="1" i="0">
+              <a:latin typeface="Arial"/>
+            </a:endParaRPr>
+          </a:p>
+        </p:txBody>
+      </p:sp>
+    </p:spTree>
+  </p:cSld>
+  <p:clrMapOvr>
+    <a:masterClrMapping/>
+  </p:clrMapOvr>
+</p:sld>
+</file>
+
+<file path=ppt/slides/slide16.xml><?xml version="1.0" encoding="utf-8"?>
+<p:sld xmlns:a="http://schemas.openxmlformats.org/drawingml/2006/main" xmlns:p="http://schemas.openxmlformats.org/presentationml/2006/main" xmlns:r="http://schemas.openxmlformats.org/officeDocument/2006/relationships">
+  <p:cSld>
+    <p:spTree>
+      <p:nvGrpSpPr>
+        <p:cNvPr id="1" name=""/>
+        <p:cNvGrpSpPr/>
+        <p:nvPr/>
+      </p:nvGrpSpPr>
+      <p:grpSpPr/>
+      <p:sp>
+        <p:nvSpPr>
+          <p:cNvPr id="2" name="Content Placeholder 1"/>
+          <p:cNvSpPr>
+            <a:spLocks noGrp="1"/>
+          </p:cNvSpPr>
+          <p:nvPr>
+            <p:ph idx="1"/>
+          </p:nvPr>
+        </p:nvSpPr>
+        <p:spPr/>
+        <p:txBody>
+          <a:bodyPr/>
+          <a:lstStyle/>
+          <a:p>
+            <a:r>
+              <a:rPr sz="1400">
+                <a:solidFill>
+                  <a:srgbClr val="000000"/>
+                </a:solidFill>
+                <a:latin typeface="Courier New"/>
+              </a:rPr>
+              <a:t/>
+            </a:r>
+            <a:r>
+              <a:rPr sz="1400">
+                <a:solidFill>
+                  <a:srgbClr val="000000"/>
+                </a:solidFill>
+                <a:latin typeface="Courier New"/>
+              </a:rPr>
+              <a:t>*</a:t>
+            </a:r>
+            <a:r>
+              <a:rPr sz="1400">
+                <a:solidFill>
+                  <a:srgbClr val="000000"/>
+                </a:solidFill>
+                <a:latin typeface="Courier New"/>
+              </a:rPr>
+              <a:t> </a:t>
+            </a:r>
+            <a:r>
+              <a:rPr sz="1400">
+                <a:solidFill>
+                  <a:srgbClr val="000000"/>
+                </a:solidFill>
+                <a:latin typeface="Courier New"/>
+              </a:rPr>
+              <a:t>CIRCUIT</a:t>
+            </a:r>
+            <a:r>
+              <a:rPr sz="1400">
+                <a:solidFill>
+                  <a:srgbClr val="000000"/>
+                </a:solidFill>
+                <a:latin typeface="Courier New"/>
+              </a:rPr>
+              <a:t> </a:t>
+            </a:r>
+            <a:r>
+              <a:rPr sz="1400">
+                <a:solidFill>
+                  <a:srgbClr val="000000"/>
+                </a:solidFill>
+                <a:latin typeface="Courier New"/>
+              </a:rPr>
+              <a:t>Spice</a:t>
+            </a:r>
+            <a:r>
+              <a:rPr sz="1400">
+                <a:solidFill>
+                  <a:srgbClr val="000000"/>
+                </a:solidFill>
+                <a:latin typeface="Courier New"/>
+              </a:rPr>
+              <a:t> </a:t>
+            </a:r>
+            <a:r>
+              <a:rPr sz="1400">
+                <a:solidFill>
+                  <a:srgbClr val="000000"/>
+                </a:solidFill>
+                <a:latin typeface="Courier New"/>
+              </a:rPr>
+              <a:t>file</a:t>
+            </a:r>
+            <a:r>
+              <a:rPr sz="1400">
+                <a:solidFill>
+                  <a:srgbClr val="000000"/>
+                </a:solidFill>
+                <a:latin typeface="Courier New"/>
+              </a:rPr>
+              <a:t> </a:t>
+            </a:r>
+            <a:r>
+              <a:rPr sz="1400">
+                <a:solidFill>
+                  <a:srgbClr val="000000"/>
+                </a:solidFill>
+                <a:latin typeface="Courier New"/>
+              </a:rPr>
+              <a:t>van</a:t>
+            </a:r>
+            <a:r>
+              <a:rPr sz="1400">
+                <a:solidFill>
+                  <a:srgbClr val="000000"/>
+                </a:solidFill>
+                <a:latin typeface="Courier New"/>
+              </a:rPr>
+              <a:t> </a:t>
+            </a:r>
+            <a:r>
+              <a:rPr sz="1400">
+                <a:solidFill>
+                  <a:srgbClr val="000000"/>
+                </a:solidFill>
+                <a:latin typeface="Courier New"/>
+              </a:rPr>
+              <a:t>een</a:t>
+            </a:r>
+            <a:r>
+              <a:rPr sz="1400">
+                <a:solidFill>
+                  <a:srgbClr val="000000"/>
+                </a:solidFill>
+                <a:latin typeface="Courier New"/>
+              </a:rPr>
+              <a:t> </a:t>
+            </a:r>
+            <a:r>
+              <a:rPr sz="1400">
+                <a:solidFill>
+                  <a:srgbClr val="000000"/>
+                </a:solidFill>
+                <a:latin typeface="Courier New"/>
+              </a:rPr>
+              <a:t>verschilversterker</a:t>
+            </a:r>
+            <a:r>
+              <a:rPr sz="1400">
+                <a:solidFill>
+                  <a:srgbClr val="000000"/>
+                </a:solidFill>
+                <a:latin typeface="Courier New"/>
+              </a:rPr>
+              <a:t/>
+            </a:r>
+            <a:r>
+              <a:rPr sz="1400">
+                <a:solidFill>
+                  <a:srgbClr val="000000"/>
+                </a:solidFill>
+                <a:latin typeface="Courier New"/>
+              </a:rPr>
+              <a:t>VDD</a:t>
+            </a:r>
+            <a:r>
+              <a:rPr sz="1400">
+                <a:solidFill>
+                  <a:srgbClr val="000000"/>
+                </a:solidFill>
+                <a:latin typeface="Courier New"/>
+              </a:rPr>
+              <a:t>    </a:t>
+            </a:r>
+            <a:r>
+              <a:rPr sz="1400">
+                <a:solidFill>
+                  <a:srgbClr val="000000"/>
+                </a:solidFill>
+                <a:latin typeface="Courier New"/>
+              </a:rPr>
+              <a:t>1</a:t>
+            </a:r>
+            <a:r>
+              <a:rPr sz="1400">
+                <a:solidFill>
+                  <a:srgbClr val="000000"/>
+                </a:solidFill>
+                <a:latin typeface="Courier New"/>
+              </a:rPr>
+              <a:t> </a:t>
+            </a:r>
+            <a:r>
+              <a:rPr sz="1400">
+                <a:solidFill>
+                  <a:srgbClr val="000000"/>
+                </a:solidFill>
+                <a:latin typeface="Courier New"/>
+              </a:rPr>
+              <a:t>0</a:t>
+            </a:r>
+            <a:r>
+              <a:rPr sz="1400">
+                <a:solidFill>
+                  <a:srgbClr val="000000"/>
+                </a:solidFill>
+                <a:latin typeface="Courier New"/>
+              </a:rPr>
+              <a:t> </a:t>
+            </a:r>
+            <a:r>
+              <a:rPr sz="1400">
+                <a:solidFill>
+                  <a:srgbClr val="000000"/>
+                </a:solidFill>
+                <a:latin typeface="Courier New"/>
+              </a:rPr>
+              <a:t>DC</a:t>
+            </a:r>
+            <a:r>
+              <a:rPr sz="1400">
+                <a:solidFill>
+                  <a:srgbClr val="000000"/>
+                </a:solidFill>
+                <a:latin typeface="Courier New"/>
+              </a:rPr>
+              <a:t>=</a:t>
+            </a:r>
+            <a:r>
+              <a:rPr sz="1400">
+                <a:solidFill>
+                  <a:srgbClr val="000000"/>
+                </a:solidFill>
+                <a:latin typeface="Courier New"/>
+              </a:rPr>
+              <a:t>5.0</a:t>
+            </a:r>
+            <a:r>
+              <a:rPr sz="1400">
+                <a:solidFill>
+                  <a:srgbClr val="000000"/>
+                </a:solidFill>
+                <a:latin typeface="Courier New"/>
+              </a:rPr>
+              <a:t/>
+            </a:r>
+            <a:r>
+              <a:rPr sz="1400">
+                <a:solidFill>
+                  <a:srgbClr val="000000"/>
+                </a:solidFill>
+                <a:latin typeface="Courier New"/>
+              </a:rPr>
+              <a:t>VPLUS</a:t>
+            </a:r>
+            <a:r>
+              <a:rPr sz="1400">
+                <a:solidFill>
+                  <a:srgbClr val="000000"/>
+                </a:solidFill>
+                <a:latin typeface="Courier New"/>
+              </a:rPr>
+              <a:t> </a:t>
+            </a:r>
+            <a:r>
+              <a:rPr sz="1400">
+                <a:solidFill>
+                  <a:srgbClr val="000000"/>
+                </a:solidFill>
+                <a:latin typeface="Courier New"/>
+              </a:rPr>
+              <a:t>10</a:t>
+            </a:r>
+            <a:r>
+              <a:rPr sz="1400">
+                <a:solidFill>
+                  <a:srgbClr val="000000"/>
+                </a:solidFill>
+                <a:latin typeface="Courier New"/>
+              </a:rPr>
+              <a:t> </a:t>
+            </a:r>
+            <a:r>
+              <a:rPr sz="1400">
+                <a:solidFill>
+                  <a:srgbClr val="000000"/>
+                </a:solidFill>
+                <a:latin typeface="Courier New"/>
+              </a:rPr>
+              <a:t>0</a:t>
+            </a:r>
+            <a:r>
+              <a:rPr sz="1400">
+                <a:solidFill>
+                  <a:srgbClr val="000000"/>
+                </a:solidFill>
+                <a:latin typeface="Courier New"/>
+              </a:rPr>
+              <a:t> </a:t>
+            </a:r>
+            <a:r>
+              <a:rPr sz="1400">
+                <a:solidFill>
+                  <a:srgbClr val="000000"/>
+                </a:solidFill>
+                <a:latin typeface="Courier New"/>
+              </a:rPr>
+              <a:t>DC</a:t>
+            </a:r>
+            <a:r>
+              <a:rPr sz="1400">
+                <a:solidFill>
+                  <a:srgbClr val="000000"/>
+                </a:solidFill>
+                <a:latin typeface="Courier New"/>
+              </a:rPr>
+              <a:t>=</a:t>
+            </a:r>
+            <a:r>
+              <a:rPr sz="1400">
+                <a:solidFill>
+                  <a:srgbClr val="000000"/>
+                </a:solidFill>
+                <a:latin typeface="Courier New"/>
+              </a:rPr>
+              <a:t>2.5</a:t>
+            </a:r>
+            <a:r>
+              <a:rPr sz="1400">
+                <a:solidFill>
+                  <a:srgbClr val="000000"/>
+                </a:solidFill>
+                <a:latin typeface="Courier New"/>
+              </a:rPr>
+              <a:t/>
+            </a:r>
+            <a:r>
+              <a:rPr sz="1400">
+                <a:solidFill>
+                  <a:srgbClr val="000000"/>
+                </a:solidFill>
+                <a:latin typeface="Courier New"/>
+              </a:rPr>
+              <a:t>VMIN</a:t>
+            </a:r>
+            <a:r>
+              <a:rPr sz="1400">
+                <a:solidFill>
+                  <a:srgbClr val="000000"/>
+                </a:solidFill>
+                <a:latin typeface="Courier New"/>
+              </a:rPr>
+              <a:t>  </a:t>
+            </a:r>
+            <a:r>
+              <a:rPr sz="1400">
+                <a:solidFill>
+                  <a:srgbClr val="000000"/>
+                </a:solidFill>
+                <a:latin typeface="Courier New"/>
+              </a:rPr>
+              <a:t>11</a:t>
+            </a:r>
+            <a:r>
+              <a:rPr sz="1400">
+                <a:solidFill>
+                  <a:srgbClr val="000000"/>
+                </a:solidFill>
+                <a:latin typeface="Courier New"/>
+              </a:rPr>
+              <a:t> </a:t>
+            </a:r>
+            <a:r>
+              <a:rPr sz="1400">
+                <a:solidFill>
+                  <a:srgbClr val="000000"/>
+                </a:solidFill>
+                <a:latin typeface="Courier New"/>
+              </a:rPr>
+              <a:t>0</a:t>
+            </a:r>
+            <a:r>
+              <a:rPr sz="1400">
+                <a:solidFill>
+                  <a:srgbClr val="000000"/>
+                </a:solidFill>
+                <a:latin typeface="Courier New"/>
+              </a:rPr>
+              <a:t> </a:t>
+            </a:r>
+            <a:r>
+              <a:rPr sz="1400">
+                <a:solidFill>
+                  <a:srgbClr val="000000"/>
+                </a:solidFill>
+                <a:latin typeface="Courier New"/>
+              </a:rPr>
+              <a:t>SIN</a:t>
+            </a:r>
+            <a:r>
+              <a:rPr sz="1400">
+                <a:solidFill>
+                  <a:srgbClr val="000000"/>
+                </a:solidFill>
+                <a:latin typeface="Courier New"/>
+              </a:rPr>
+              <a:t>(</a:t>
+            </a:r>
+            <a:r>
+              <a:rPr sz="1400">
+                <a:solidFill>
+                  <a:srgbClr val="000000"/>
+                </a:solidFill>
+                <a:latin typeface="Courier New"/>
+              </a:rPr>
+              <a:t>2.5</a:t>
+            </a:r>
+            <a:r>
+              <a:rPr sz="1400">
+                <a:solidFill>
+                  <a:srgbClr val="000000"/>
+                </a:solidFill>
+                <a:latin typeface="Courier New"/>
+              </a:rPr>
+              <a:t> </a:t>
+            </a:r>
+            <a:r>
+              <a:rPr sz="1400">
+                <a:solidFill>
+                  <a:srgbClr val="000000"/>
+                </a:solidFill>
+                <a:latin typeface="Courier New"/>
+              </a:rPr>
+              <a:t>50</a:t>
+            </a:r>
+            <a:r>
+              <a:rPr sz="1400">
+                <a:solidFill>
+                  <a:srgbClr val="000000"/>
+                </a:solidFill>
+                <a:latin typeface="Courier New"/>
+              </a:rPr>
+              <a:t>U</a:t>
+            </a:r>
+            <a:r>
+              <a:rPr sz="1400">
+                <a:solidFill>
+                  <a:srgbClr val="000000"/>
+                </a:solidFill>
+                <a:latin typeface="Courier New"/>
+              </a:rPr>
+              <a:t> </a:t>
+            </a:r>
+            <a:r>
+              <a:rPr sz="1400">
+                <a:solidFill>
+                  <a:srgbClr val="000000"/>
+                </a:solidFill>
+                <a:latin typeface="Courier New"/>
+              </a:rPr>
+              <a:t>1E6</a:t>
+            </a:r>
+            <a:r>
+              <a:rPr sz="1400">
+                <a:solidFill>
+                  <a:srgbClr val="000000"/>
+                </a:solidFill>
+                <a:latin typeface="Courier New"/>
+              </a:rPr>
+              <a:t>)</a:t>
+            </a:r>
+            <a:r>
+              <a:rPr sz="1400">
+                <a:solidFill>
+                  <a:srgbClr val="000000"/>
+                </a:solidFill>
+                <a:latin typeface="Courier New"/>
+              </a:rPr>
+              <a:t> </a:t>
+            </a:r>
+            <a:r>
+              <a:rPr sz="1400">
+                <a:solidFill>
+                  <a:srgbClr val="000000"/>
+                </a:solidFill>
+                <a:latin typeface="Courier New"/>
+              </a:rPr>
+              <a:t>DC</a:t>
+            </a:r>
+            <a:r>
+              <a:rPr sz="1400">
+                <a:solidFill>
+                  <a:srgbClr val="000000"/>
+                </a:solidFill>
+                <a:latin typeface="Courier New"/>
+              </a:rPr>
+              <a:t>=</a:t>
+            </a:r>
+            <a:r>
+              <a:rPr sz="1400">
+                <a:solidFill>
+                  <a:srgbClr val="000000"/>
+                </a:solidFill>
+                <a:latin typeface="Courier New"/>
+              </a:rPr>
+              <a:t>2.5</a:t>
+            </a:r>
+            <a:r>
+              <a:rPr sz="1400">
+                <a:solidFill>
+                  <a:srgbClr val="000000"/>
+                </a:solidFill>
+                <a:latin typeface="Courier New"/>
+              </a:rPr>
+              <a:t/>
+            </a:r>
+          </a:p>
+        </p:txBody>
+      </p:sp>
+      <p:sp>
+        <p:nvSpPr>
+          <p:cNvPr id="3" name="Title 2"/>
+          <p:cNvSpPr>
+            <a:spLocks noGrp="1"/>
+          </p:cNvSpPr>
+          <p:nvPr>
+            <p:ph type="title"/>
+          </p:nvPr>
+        </p:nvSpPr>
+        <p:spPr/>
+        <p:txBody>
+          <a:bodyPr wrap="square">
+            <a:noAutofit/>
+          </a:bodyPr>
+          <a:lstStyle/>
+          <a:p>
+            <a:r>
+              <a:rPr sz="3200" b="1" i="0">
+                <a:latin typeface="Arial"/>
+              </a:rPr>
+              <a:t>Spice beschrijving</a:t>
+            </a:r>
+            <a:endParaRPr sz="3200" b="1" i="0">
+              <a:latin typeface="Arial"/>
+            </a:endParaRPr>
+          </a:p>
+        </p:txBody>
+      </p:sp>
+    </p:spTree>
+  </p:cSld>
+  <p:clrMapOvr>
+    <a:masterClrMapping/>
+  </p:clrMapOvr>
+</p:sld>
+</file>
+
+<file path=ppt/slides/slide17.xml><?xml version="1.0" encoding="utf-8"?>
+<p:sld xmlns:a="http://schemas.openxmlformats.org/drawingml/2006/main" xmlns:p="http://schemas.openxmlformats.org/presentationml/2006/main" xmlns:r="http://schemas.openxmlformats.org/officeDocument/2006/relationships">
+  <p:cSld>
+    <p:spTree>
+      <p:nvGrpSpPr>
+        <p:cNvPr id="1" name=""/>
+        <p:cNvGrpSpPr/>
+        <p:nvPr/>
+      </p:nvGrpSpPr>
+      <p:grpSpPr/>
+      <p:sp>
+        <p:nvSpPr>
+          <p:cNvPr id="2" name="Content Placeholder 1"/>
+          <p:cNvSpPr>
+            <a:spLocks noGrp="1"/>
+          </p:cNvSpPr>
+          <p:nvPr>
+            <p:ph idx="1"/>
+          </p:nvPr>
+        </p:nvSpPr>
+        <p:spPr/>
+        <p:txBody>
+          <a:bodyPr/>
+          <a:lstStyle/>
+          <a:p>
+            <a:r>
+              <a:rPr sz="1400">
+                <a:solidFill>
+                  <a:srgbClr val="000000"/>
+                </a:solidFill>
+                <a:latin typeface="Courier New"/>
+              </a:rPr>
+              <a:t>VB</a:t>
+            </a:r>
+            <a:r>
+              <a:rPr sz="1400">
+                <a:solidFill>
+                  <a:srgbClr val="000000"/>
+                </a:solidFill>
+                <a:latin typeface="Courier New"/>
+              </a:rPr>
+              <a:t> </a:t>
+            </a:r>
+            <a:r>
+              <a:rPr sz="1400">
+                <a:solidFill>
+                  <a:srgbClr val="000000"/>
+                </a:solidFill>
+                <a:latin typeface="Courier New"/>
+              </a:rPr>
+              <a:t>9</a:t>
+            </a:r>
+            <a:r>
+              <a:rPr sz="1400">
+                <a:solidFill>
+                  <a:srgbClr val="000000"/>
+                </a:solidFill>
+                <a:latin typeface="Courier New"/>
+              </a:rPr>
+              <a:t> </a:t>
+            </a:r>
+            <a:r>
+              <a:rPr sz="1400">
+                <a:solidFill>
+                  <a:srgbClr val="000000"/>
+                </a:solidFill>
+                <a:latin typeface="Courier New"/>
+              </a:rPr>
+              <a:t>0</a:t>
+            </a:r>
+            <a:r>
+              <a:rPr sz="1400">
+                <a:solidFill>
+                  <a:srgbClr val="000000"/>
+                </a:solidFill>
+                <a:latin typeface="Courier New"/>
+              </a:rPr>
+              <a:t> </a:t>
+            </a:r>
+            <a:r>
+              <a:rPr sz="1400">
+                <a:solidFill>
+                  <a:srgbClr val="000000"/>
+                </a:solidFill>
+                <a:latin typeface="Courier New"/>
+              </a:rPr>
+              <a:t>DC</a:t>
+            </a:r>
+            <a:r>
+              <a:rPr sz="1400">
+                <a:solidFill>
+                  <a:srgbClr val="000000"/>
+                </a:solidFill>
+                <a:latin typeface="Courier New"/>
+              </a:rPr>
+              <a:t>=</a:t>
+            </a:r>
+            <a:r>
+              <a:rPr sz="1400">
+                <a:solidFill>
+                  <a:srgbClr val="000000"/>
+                </a:solidFill>
+                <a:latin typeface="Courier New"/>
+              </a:rPr>
+              <a:t>1.5</a:t>
+            </a:r>
+            <a:r>
+              <a:rPr sz="1400">
+                <a:solidFill>
+                  <a:srgbClr val="000000"/>
+                </a:solidFill>
+                <a:latin typeface="Courier New"/>
+              </a:rPr>
+              <a:t/>
+            </a:r>
+            <a:r>
+              <a:rPr sz="1400">
+                <a:solidFill>
+                  <a:srgbClr val="000000"/>
+                </a:solidFill>
+                <a:latin typeface="Courier New"/>
+              </a:rPr>
+              <a:t>C3</a:t>
+            </a:r>
+            <a:r>
+              <a:rPr sz="1400">
+                <a:solidFill>
+                  <a:srgbClr val="000000"/>
+                </a:solidFill>
+                <a:latin typeface="Courier New"/>
+              </a:rPr>
+              <a:t> </a:t>
+            </a:r>
+            <a:r>
+              <a:rPr sz="1400">
+                <a:solidFill>
+                  <a:srgbClr val="000000"/>
+                </a:solidFill>
+                <a:latin typeface="Courier New"/>
+              </a:rPr>
+              <a:t>3</a:t>
+            </a:r>
+            <a:r>
+              <a:rPr sz="1400">
+                <a:solidFill>
+                  <a:srgbClr val="000000"/>
+                </a:solidFill>
+                <a:latin typeface="Courier New"/>
+              </a:rPr>
+              <a:t> </a:t>
+            </a:r>
+            <a:r>
+              <a:rPr sz="1400">
+                <a:solidFill>
+                  <a:srgbClr val="000000"/>
+                </a:solidFill>
+                <a:latin typeface="Courier New"/>
+              </a:rPr>
+              <a:t>0</a:t>
+            </a:r>
+            <a:r>
+              <a:rPr sz="1400">
+                <a:solidFill>
+                  <a:srgbClr val="000000"/>
+                </a:solidFill>
+                <a:latin typeface="Courier New"/>
+              </a:rPr>
+              <a:t> </a:t>
+            </a:r>
+            <a:r>
+              <a:rPr sz="1400">
+                <a:solidFill>
+                  <a:srgbClr val="000000"/>
+                </a:solidFill>
+                <a:latin typeface="Courier New"/>
+              </a:rPr>
+              <a:t>5.914</a:t>
+            </a:r>
+            <a:r>
+              <a:rPr sz="1400">
+                <a:solidFill>
+                  <a:srgbClr val="000000"/>
+                </a:solidFill>
+                <a:latin typeface="Courier New"/>
+              </a:rPr>
+              <a:t>fF</a:t>
+            </a:r>
+            <a:r>
+              <a:rPr sz="1400">
+                <a:solidFill>
+                  <a:srgbClr val="000000"/>
+                </a:solidFill>
+                <a:latin typeface="Courier New"/>
+              </a:rPr>
+              <a:t/>
+            </a:r>
+            <a:r>
+              <a:rPr sz="1400">
+                <a:solidFill>
+                  <a:srgbClr val="000000"/>
+                </a:solidFill>
+                <a:latin typeface="Courier New"/>
+              </a:rPr>
+              <a:t>C4</a:t>
+            </a:r>
+            <a:r>
+              <a:rPr sz="1400">
+                <a:solidFill>
+                  <a:srgbClr val="000000"/>
+                </a:solidFill>
+                <a:latin typeface="Courier New"/>
+              </a:rPr>
+              <a:t> </a:t>
+            </a:r>
+            <a:r>
+              <a:rPr sz="1400">
+                <a:solidFill>
+                  <a:srgbClr val="000000"/>
+                </a:solidFill>
+                <a:latin typeface="Courier New"/>
+              </a:rPr>
+              <a:t>4</a:t>
+            </a:r>
+            <a:r>
+              <a:rPr sz="1400">
+                <a:solidFill>
+                  <a:srgbClr val="000000"/>
+                </a:solidFill>
+                <a:latin typeface="Courier New"/>
+              </a:rPr>
+              <a:t> </a:t>
+            </a:r>
+            <a:r>
+              <a:rPr sz="1400">
+                <a:solidFill>
+                  <a:srgbClr val="000000"/>
+                </a:solidFill>
+                <a:latin typeface="Courier New"/>
+              </a:rPr>
+              <a:t>0</a:t>
+            </a:r>
+            <a:r>
+              <a:rPr sz="1400">
+                <a:solidFill>
+                  <a:srgbClr val="000000"/>
+                </a:solidFill>
+                <a:latin typeface="Courier New"/>
+              </a:rPr>
+              <a:t> </a:t>
+            </a:r>
+            <a:r>
+              <a:rPr sz="1400">
+                <a:solidFill>
+                  <a:srgbClr val="000000"/>
+                </a:solidFill>
+                <a:latin typeface="Courier New"/>
+              </a:rPr>
+              <a:t>14.737</a:t>
+            </a:r>
+            <a:r>
+              <a:rPr sz="1400">
+                <a:solidFill>
+                  <a:srgbClr val="000000"/>
+                </a:solidFill>
+                <a:latin typeface="Courier New"/>
+              </a:rPr>
+              <a:t>fF</a:t>
+            </a:r>
+            <a:r>
+              <a:rPr sz="1400">
+                <a:solidFill>
+                  <a:srgbClr val="000000"/>
+                </a:solidFill>
+                <a:latin typeface="Courier New"/>
+              </a:rPr>
+              <a:t/>
+            </a:r>
+            <a:r>
+              <a:rPr sz="1400">
+                <a:solidFill>
+                  <a:srgbClr val="000000"/>
+                </a:solidFill>
+                <a:latin typeface="Courier New"/>
+              </a:rPr>
+              <a:t>C5</a:t>
+            </a:r>
+            <a:r>
+              <a:rPr sz="1400">
+                <a:solidFill>
+                  <a:srgbClr val="000000"/>
+                </a:solidFill>
+                <a:latin typeface="Courier New"/>
+              </a:rPr>
+              <a:t> </a:t>
+            </a:r>
+            <a:r>
+              <a:rPr sz="1400">
+                <a:solidFill>
+                  <a:srgbClr val="000000"/>
+                </a:solidFill>
+                <a:latin typeface="Courier New"/>
+              </a:rPr>
+              <a:t>5</a:t>
+            </a:r>
+            <a:r>
+              <a:rPr sz="1400">
+                <a:solidFill>
+                  <a:srgbClr val="000000"/>
+                </a:solidFill>
+                <a:latin typeface="Courier New"/>
+              </a:rPr>
+              <a:t> </a:t>
+            </a:r>
+            <a:r>
+              <a:rPr sz="1400">
+                <a:solidFill>
+                  <a:srgbClr val="000000"/>
+                </a:solidFill>
+                <a:latin typeface="Courier New"/>
+              </a:rPr>
+              <a:t>0</a:t>
+            </a:r>
+            <a:r>
+              <a:rPr sz="1400">
+                <a:solidFill>
+                  <a:srgbClr val="000000"/>
+                </a:solidFill>
+                <a:latin typeface="Courier New"/>
+              </a:rPr>
+              <a:t> </a:t>
+            </a:r>
+            <a:r>
+              <a:rPr sz="1400">
+                <a:solidFill>
+                  <a:srgbClr val="000000"/>
+                </a:solidFill>
+                <a:latin typeface="Courier New"/>
+              </a:rPr>
+              <a:t>10.124</a:t>
+            </a:r>
+            <a:r>
+              <a:rPr sz="1400">
+                <a:solidFill>
+                  <a:srgbClr val="000000"/>
+                </a:solidFill>
+                <a:latin typeface="Courier New"/>
+              </a:rPr>
+              <a:t>fF</a:t>
+            </a:r>
+            <a:r>
+              <a:rPr sz="1400">
+                <a:solidFill>
+                  <a:srgbClr val="000000"/>
+                </a:solidFill>
+                <a:latin typeface="Courier New"/>
+              </a:rPr>
+              <a:t/>
+            </a:r>
+            <a:r>
+              <a:rPr sz="1400">
+                <a:solidFill>
+                  <a:srgbClr val="000000"/>
+                </a:solidFill>
+                <a:latin typeface="Courier New"/>
+              </a:rPr>
+              <a:t>C6</a:t>
+            </a:r>
+            <a:r>
+              <a:rPr sz="1400">
+                <a:solidFill>
+                  <a:srgbClr val="000000"/>
+                </a:solidFill>
+                <a:latin typeface="Courier New"/>
+              </a:rPr>
+              <a:t> </a:t>
+            </a:r>
+            <a:r>
+              <a:rPr sz="1400">
+                <a:solidFill>
+                  <a:srgbClr val="000000"/>
+                </a:solidFill>
+                <a:latin typeface="Courier New"/>
+              </a:rPr>
+              <a:t>6</a:t>
+            </a:r>
+            <a:r>
+              <a:rPr sz="1400">
+                <a:solidFill>
+                  <a:srgbClr val="000000"/>
+                </a:solidFill>
+                <a:latin typeface="Courier New"/>
+              </a:rPr>
+              <a:t> </a:t>
+            </a:r>
+            <a:r>
+              <a:rPr sz="1400">
+                <a:solidFill>
+                  <a:srgbClr val="000000"/>
+                </a:solidFill>
+                <a:latin typeface="Courier New"/>
+              </a:rPr>
+              <a:t>0</a:t>
+            </a:r>
+            <a:r>
+              <a:rPr sz="1400">
+                <a:solidFill>
+                  <a:srgbClr val="000000"/>
+                </a:solidFill>
+                <a:latin typeface="Courier New"/>
+              </a:rPr>
+              <a:t> </a:t>
+            </a:r>
+            <a:r>
+              <a:rPr sz="1400">
+                <a:solidFill>
+                  <a:srgbClr val="000000"/>
+                </a:solidFill>
+                <a:latin typeface="Courier New"/>
+              </a:rPr>
+              <a:t>14.434</a:t>
+            </a:r>
+            <a:r>
+              <a:rPr sz="1400">
+                <a:solidFill>
+                  <a:srgbClr val="000000"/>
+                </a:solidFill>
+                <a:latin typeface="Courier New"/>
+              </a:rPr>
+              <a:t>fF</a:t>
+            </a:r>
+            <a:r>
+              <a:rPr sz="1400">
+                <a:solidFill>
+                  <a:srgbClr val="000000"/>
+                </a:solidFill>
+                <a:latin typeface="Courier New"/>
+              </a:rPr>
+              <a:t/>
+            </a:r>
+            <a:r>
+              <a:rPr sz="1400">
+                <a:solidFill>
+                  <a:srgbClr val="000000"/>
+                </a:solidFill>
+                <a:latin typeface="Courier New"/>
+              </a:rPr>
+              <a:t>C8</a:t>
+            </a:r>
+            <a:r>
+              <a:rPr sz="1400">
+                <a:solidFill>
+                  <a:srgbClr val="000000"/>
+                </a:solidFill>
+                <a:latin typeface="Courier New"/>
+              </a:rPr>
+              <a:t> </a:t>
+            </a:r>
+            <a:r>
+              <a:rPr sz="1400">
+                <a:solidFill>
+                  <a:srgbClr val="000000"/>
+                </a:solidFill>
+                <a:latin typeface="Courier New"/>
+              </a:rPr>
+              <a:t>8</a:t>
+            </a:r>
+            <a:r>
+              <a:rPr sz="1400">
+                <a:solidFill>
+                  <a:srgbClr val="000000"/>
+                </a:solidFill>
+                <a:latin typeface="Courier New"/>
+              </a:rPr>
+              <a:t> </a:t>
+            </a:r>
+            <a:r>
+              <a:rPr sz="1400">
+                <a:solidFill>
+                  <a:srgbClr val="000000"/>
+                </a:solidFill>
+                <a:latin typeface="Courier New"/>
+              </a:rPr>
+              <a:t>0</a:t>
+            </a:r>
+            <a:r>
+              <a:rPr sz="1400">
+                <a:solidFill>
+                  <a:srgbClr val="000000"/>
+                </a:solidFill>
+                <a:latin typeface="Courier New"/>
+              </a:rPr>
+              <a:t> </a:t>
+            </a:r>
+            <a:r>
+              <a:rPr sz="1400">
+                <a:solidFill>
+                  <a:srgbClr val="000000"/>
+                </a:solidFill>
+                <a:latin typeface="Courier New"/>
+              </a:rPr>
+              <a:t>7.919</a:t>
+            </a:r>
+            <a:r>
+              <a:rPr sz="1400">
+                <a:solidFill>
+                  <a:srgbClr val="000000"/>
+                </a:solidFill>
+                <a:latin typeface="Courier New"/>
+              </a:rPr>
+              <a:t>fF</a:t>
+            </a:r>
+            <a:r>
+              <a:rPr sz="1400">
+                <a:solidFill>
+                  <a:srgbClr val="000000"/>
+                </a:solidFill>
+                <a:latin typeface="Courier New"/>
+              </a:rPr>
+              <a:t/>
+            </a:r>
+            <a:r>
+              <a:rPr sz="1400">
+                <a:solidFill>
+                  <a:srgbClr val="000000"/>
+                </a:solidFill>
+                <a:latin typeface="Courier New"/>
+              </a:rPr>
+              <a:t>C9</a:t>
+            </a:r>
+            <a:r>
+              <a:rPr sz="1400">
+                <a:solidFill>
+                  <a:srgbClr val="000000"/>
+                </a:solidFill>
+                <a:latin typeface="Courier New"/>
+              </a:rPr>
+              <a:t> </a:t>
+            </a:r>
+            <a:r>
+              <a:rPr sz="1400">
+                <a:solidFill>
+                  <a:srgbClr val="000000"/>
+                </a:solidFill>
+                <a:latin typeface="Courier New"/>
+              </a:rPr>
+              <a:t>9</a:t>
+            </a:r>
+            <a:r>
+              <a:rPr sz="1400">
+                <a:solidFill>
+                  <a:srgbClr val="000000"/>
+                </a:solidFill>
+                <a:latin typeface="Courier New"/>
+              </a:rPr>
+              <a:t> </a:t>
+            </a:r>
+            <a:r>
+              <a:rPr sz="1400">
+                <a:solidFill>
+                  <a:srgbClr val="000000"/>
+                </a:solidFill>
+                <a:latin typeface="Courier New"/>
+              </a:rPr>
+              <a:t>0</a:t>
+            </a:r>
+            <a:r>
+              <a:rPr sz="1400">
+                <a:solidFill>
+                  <a:srgbClr val="000000"/>
+                </a:solidFill>
+                <a:latin typeface="Courier New"/>
+              </a:rPr>
+              <a:t> </a:t>
+            </a:r>
+            <a:r>
+              <a:rPr sz="1400">
+                <a:solidFill>
+                  <a:srgbClr val="000000"/>
+                </a:solidFill>
+                <a:latin typeface="Courier New"/>
+              </a:rPr>
+              <a:t>15.257</a:t>
+            </a:r>
+            <a:r>
+              <a:rPr sz="1400">
+                <a:solidFill>
+                  <a:srgbClr val="000000"/>
+                </a:solidFill>
+                <a:latin typeface="Courier New"/>
+              </a:rPr>
+              <a:t>fF</a:t>
+            </a:r>
+            <a:r>
+              <a:rPr sz="1400">
+                <a:solidFill>
+                  <a:srgbClr val="000000"/>
+                </a:solidFill>
+                <a:latin typeface="Courier New"/>
+              </a:rPr>
+              <a:t/>
+            </a:r>
+            <a:r>
+              <a:rPr sz="1400">
+                <a:solidFill>
+                  <a:srgbClr val="000000"/>
+                </a:solidFill>
+                <a:latin typeface="Courier New"/>
+              </a:rPr>
+              <a:t>C10</a:t>
+            </a:r>
+            <a:r>
+              <a:rPr sz="1400">
+                <a:solidFill>
+                  <a:srgbClr val="000000"/>
+                </a:solidFill>
+                <a:latin typeface="Courier New"/>
+              </a:rPr>
+              <a:t> </a:t>
+            </a:r>
+            <a:r>
+              <a:rPr sz="1400">
+                <a:solidFill>
+                  <a:srgbClr val="000000"/>
+                </a:solidFill>
+                <a:latin typeface="Courier New"/>
+              </a:rPr>
+              <a:t>10</a:t>
+            </a:r>
+            <a:r>
+              <a:rPr sz="1400">
+                <a:solidFill>
+                  <a:srgbClr val="000000"/>
+                </a:solidFill>
+                <a:latin typeface="Courier New"/>
+              </a:rPr>
+              <a:t> </a:t>
+            </a:r>
+            <a:r>
+              <a:rPr sz="1400">
+                <a:solidFill>
+                  <a:srgbClr val="000000"/>
+                </a:solidFill>
+                <a:latin typeface="Courier New"/>
+              </a:rPr>
+              <a:t>0</a:t>
+            </a:r>
+            <a:r>
+              <a:rPr sz="1400">
+                <a:solidFill>
+                  <a:srgbClr val="000000"/>
+                </a:solidFill>
+                <a:latin typeface="Courier New"/>
+              </a:rPr>
+              <a:t> </a:t>
+            </a:r>
+            <a:r>
+              <a:rPr sz="1400">
+                <a:solidFill>
+                  <a:srgbClr val="000000"/>
+                </a:solidFill>
+                <a:latin typeface="Courier New"/>
+              </a:rPr>
+              <a:t>1.872</a:t>
+            </a:r>
+            <a:r>
+              <a:rPr sz="1400">
+                <a:solidFill>
+                  <a:srgbClr val="000000"/>
+                </a:solidFill>
+                <a:latin typeface="Courier New"/>
+              </a:rPr>
+              <a:t>fF</a:t>
+            </a:r>
+            <a:r>
+              <a:rPr sz="1400">
+                <a:solidFill>
+                  <a:srgbClr val="000000"/>
+                </a:solidFill>
+                <a:latin typeface="Courier New"/>
+              </a:rPr>
+              <a:t/>
+            </a:r>
+            <a:r>
+              <a:rPr sz="1400">
+                <a:solidFill>
+                  <a:srgbClr val="000000"/>
+                </a:solidFill>
+                <a:latin typeface="Courier New"/>
+              </a:rPr>
+              <a:t>C11</a:t>
+            </a:r>
+            <a:r>
+              <a:rPr sz="1400">
+                <a:solidFill>
+                  <a:srgbClr val="000000"/>
+                </a:solidFill>
+                <a:latin typeface="Courier New"/>
+              </a:rPr>
+              <a:t> </a:t>
+            </a:r>
+            <a:r>
+              <a:rPr sz="1400">
+                <a:solidFill>
+                  <a:srgbClr val="000000"/>
+                </a:solidFill>
+                <a:latin typeface="Courier New"/>
+              </a:rPr>
+              <a:t>11</a:t>
+            </a:r>
+            <a:r>
+              <a:rPr sz="1400">
+                <a:solidFill>
+                  <a:srgbClr val="000000"/>
+                </a:solidFill>
+                <a:latin typeface="Courier New"/>
+              </a:rPr>
+              <a:t> </a:t>
+            </a:r>
+            <a:r>
+              <a:rPr sz="1400">
+                <a:solidFill>
+                  <a:srgbClr val="000000"/>
+                </a:solidFill>
+                <a:latin typeface="Courier New"/>
+              </a:rPr>
+              <a:t>0</a:t>
+            </a:r>
+            <a:r>
+              <a:rPr sz="1400">
+                <a:solidFill>
+                  <a:srgbClr val="000000"/>
+                </a:solidFill>
+                <a:latin typeface="Courier New"/>
+              </a:rPr>
+              <a:t> </a:t>
+            </a:r>
+            <a:r>
+              <a:rPr sz="1400">
+                <a:solidFill>
+                  <a:srgbClr val="000000"/>
+                </a:solidFill>
+                <a:latin typeface="Courier New"/>
+              </a:rPr>
+              <a:t>1.688</a:t>
+            </a:r>
+            <a:r>
+              <a:rPr sz="1400">
+                <a:solidFill>
+                  <a:srgbClr val="000000"/>
+                </a:solidFill>
+                <a:latin typeface="Courier New"/>
+              </a:rPr>
+              <a:t>fF</a:t>
+            </a:r>
+            <a:r>
+              <a:rPr sz="1400">
+                <a:solidFill>
+                  <a:srgbClr val="000000"/>
+                </a:solidFill>
+                <a:latin typeface="Courier New"/>
+              </a:rPr>
+              <a:t/>
+            </a:r>
+            <a:r>
+              <a:rPr sz="1400">
+                <a:solidFill>
+                  <a:srgbClr val="000000"/>
+                </a:solidFill>
+                <a:latin typeface="Courier New"/>
+              </a:rPr>
+              <a:t>C25</a:t>
+            </a:r>
+            <a:r>
+              <a:rPr sz="1400">
+                <a:solidFill>
+                  <a:srgbClr val="000000"/>
+                </a:solidFill>
+                <a:latin typeface="Courier New"/>
+              </a:rPr>
+              <a:t> </a:t>
+            </a:r>
+            <a:r>
+              <a:rPr sz="1400">
+                <a:solidFill>
+                  <a:srgbClr val="000000"/>
+                </a:solidFill>
+                <a:latin typeface="Courier New"/>
+              </a:rPr>
+              <a:t>1</a:t>
+            </a:r>
+            <a:r>
+              <a:rPr sz="1400">
+                <a:solidFill>
+                  <a:srgbClr val="000000"/>
+                </a:solidFill>
+                <a:latin typeface="Courier New"/>
+              </a:rPr>
+              <a:t> </a:t>
+            </a:r>
+            <a:r>
+              <a:rPr sz="1400">
+                <a:solidFill>
+                  <a:srgbClr val="000000"/>
+                </a:solidFill>
+                <a:latin typeface="Courier New"/>
+              </a:rPr>
+              <a:t>5</a:t>
+            </a:r>
+            <a:r>
+              <a:rPr sz="1400">
+                <a:solidFill>
+                  <a:srgbClr val="000000"/>
+                </a:solidFill>
+                <a:latin typeface="Courier New"/>
+              </a:rPr>
+              <a:t> </a:t>
+            </a:r>
+            <a:r>
+              <a:rPr sz="1400">
+                <a:solidFill>
+                  <a:srgbClr val="000000"/>
+                </a:solidFill>
+                <a:latin typeface="Courier New"/>
+              </a:rPr>
+              <a:t>1</a:t>
+            </a:r>
+            <a:r>
+              <a:rPr sz="1400">
+                <a:solidFill>
+                  <a:srgbClr val="000000"/>
+                </a:solidFill>
+                <a:latin typeface="Courier New"/>
+              </a:rPr>
+              <a:t>fF</a:t>
+            </a:r>
+            <a:r>
+              <a:rPr sz="1400">
+                <a:solidFill>
+                  <a:srgbClr val="000000"/>
+                </a:solidFill>
+                <a:latin typeface="Courier New"/>
+              </a:rPr>
+              <a:t/>
+            </a:r>
+            <a:r>
+              <a:rPr sz="1400">
+                <a:solidFill>
+                  <a:srgbClr val="000000"/>
+                </a:solidFill>
+                <a:latin typeface="Courier New"/>
+              </a:rPr>
+              <a:t>MN1</a:t>
+            </a:r>
+            <a:r>
+              <a:rPr sz="1400">
+                <a:solidFill>
+                  <a:srgbClr val="000000"/>
+                </a:solidFill>
+                <a:latin typeface="Courier New"/>
+              </a:rPr>
+              <a:t> </a:t>
+            </a:r>
+            <a:r>
+              <a:rPr sz="1400">
+                <a:solidFill>
+                  <a:srgbClr val="000000"/>
+                </a:solidFill>
+                <a:latin typeface="Courier New"/>
+              </a:rPr>
+              <a:t>3</a:t>
+            </a:r>
+            <a:r>
+              <a:rPr sz="1400">
+                <a:solidFill>
+                  <a:srgbClr val="000000"/>
+                </a:solidFill>
+                <a:latin typeface="Courier New"/>
+              </a:rPr>
+              <a:t> </a:t>
+            </a:r>
+            <a:r>
+              <a:rPr sz="1400">
+                <a:solidFill>
+                  <a:srgbClr val="000000"/>
+                </a:solidFill>
+                <a:latin typeface="Courier New"/>
+              </a:rPr>
+              <a:t>5</a:t>
+            </a:r>
+            <a:r>
+              <a:rPr sz="1400">
+                <a:solidFill>
+                  <a:srgbClr val="000000"/>
+                </a:solidFill>
+                <a:latin typeface="Courier New"/>
+              </a:rPr>
+              <a:t> </a:t>
+            </a:r>
+            <a:r>
+              <a:rPr sz="1400">
+                <a:solidFill>
+                  <a:srgbClr val="000000"/>
+                </a:solidFill>
+                <a:latin typeface="Courier New"/>
+              </a:rPr>
+              <a:t>0</a:t>
+            </a:r>
+            <a:r>
+              <a:rPr sz="1400">
+                <a:solidFill>
+                  <a:srgbClr val="000000"/>
+                </a:solidFill>
+                <a:latin typeface="Courier New"/>
+              </a:rPr>
+              <a:t> </a:t>
+            </a:r>
+            <a:r>
+              <a:rPr sz="1400">
+                <a:solidFill>
+                  <a:srgbClr val="000000"/>
+                </a:solidFill>
+                <a:latin typeface="Courier New"/>
+              </a:rPr>
+              <a:t>0</a:t>
+            </a:r>
+            <a:r>
+              <a:rPr sz="1400">
+                <a:solidFill>
+                  <a:srgbClr val="000000"/>
+                </a:solidFill>
+                <a:latin typeface="Courier New"/>
+              </a:rPr>
+              <a:t> </a:t>
+            </a:r>
+            <a:r>
+              <a:rPr sz="1400">
+                <a:solidFill>
+                  <a:srgbClr val="000000"/>
+                </a:solidFill>
+                <a:latin typeface="Courier New"/>
+              </a:rPr>
+              <a:t>NMOS</a:t>
+            </a:r>
+            <a:r>
+              <a:rPr sz="1400">
+                <a:solidFill>
+                  <a:srgbClr val="000000"/>
+                </a:solidFill>
+                <a:latin typeface="Courier New"/>
+              </a:rPr>
+              <a:t> </a:t>
+            </a:r>
+            <a:r>
+              <a:rPr sz="1400">
+                <a:solidFill>
+                  <a:srgbClr val="000000"/>
+                </a:solidFill>
+                <a:latin typeface="Courier New"/>
+              </a:rPr>
+              <a:t>w</a:t>
+            </a:r>
+            <a:r>
+              <a:rPr sz="1400">
+                <a:solidFill>
+                  <a:srgbClr val="000000"/>
+                </a:solidFill>
+                <a:latin typeface="Courier New"/>
+              </a:rPr>
+              <a:t>=</a:t>
+            </a:r>
+            <a:r>
+              <a:rPr sz="1400">
+                <a:solidFill>
+                  <a:srgbClr val="000000"/>
+                </a:solidFill>
+                <a:latin typeface="Courier New"/>
+              </a:rPr>
+              <a:t>1.50</a:t>
+            </a:r>
+            <a:r>
+              <a:rPr sz="1400">
+                <a:solidFill>
+                  <a:srgbClr val="000000"/>
+                </a:solidFill>
+                <a:latin typeface="Courier New"/>
+              </a:rPr>
+              <a:t>u</a:t>
+            </a:r>
+            <a:r>
+              <a:rPr sz="1400">
+                <a:solidFill>
+                  <a:srgbClr val="000000"/>
+                </a:solidFill>
+                <a:latin typeface="Courier New"/>
+              </a:rPr>
+              <a:t> </a:t>
+            </a:r>
+            <a:r>
+              <a:rPr sz="1400">
+                <a:solidFill>
+                  <a:srgbClr val="000000"/>
+                </a:solidFill>
+                <a:latin typeface="Courier New"/>
+              </a:rPr>
+              <a:t>L</a:t>
+            </a:r>
+            <a:r>
+              <a:rPr sz="1400">
+                <a:solidFill>
+                  <a:srgbClr val="000000"/>
+                </a:solidFill>
+                <a:latin typeface="Courier New"/>
+              </a:rPr>
+              <a:t>=</a:t>
+            </a:r>
+            <a:r>
+              <a:rPr sz="1400">
+                <a:solidFill>
+                  <a:srgbClr val="000000"/>
+                </a:solidFill>
+                <a:latin typeface="Courier New"/>
+              </a:rPr>
+              <a:t>0.50</a:t>
+            </a:r>
+            <a:r>
+              <a:rPr sz="1400">
+                <a:solidFill>
+                  <a:srgbClr val="000000"/>
+                </a:solidFill>
+                <a:latin typeface="Courier New"/>
+              </a:rPr>
+              <a:t>u</a:t>
+            </a:r>
+            <a:r>
+              <a:rPr sz="1400">
+                <a:solidFill>
+                  <a:srgbClr val="000000"/>
+                </a:solidFill>
+                <a:latin typeface="Courier New"/>
+              </a:rPr>
+              <a:t/>
+            </a:r>
+          </a:p>
+        </p:txBody>
+      </p:sp>
+      <p:sp>
+        <p:nvSpPr>
+          <p:cNvPr id="3" name="Title 2"/>
+          <p:cNvSpPr>
+            <a:spLocks noGrp="1"/>
+          </p:cNvSpPr>
+          <p:nvPr>
+            <p:ph type="title"/>
+          </p:nvPr>
+        </p:nvSpPr>
+        <p:spPr/>
+        <p:txBody>
+          <a:bodyPr wrap="square">
+            <a:noAutofit/>
+          </a:bodyPr>
+          <a:lstStyle/>
+          <a:p>
+            <a:r>
+              <a:rPr sz="3200" b="1" i="0">
+                <a:latin typeface="Arial"/>
+              </a:rPr>
+              <a:t>Spice beschrijving</a:t>
+            </a:r>
+            <a:endParaRPr sz="3200" b="1" i="0">
+              <a:latin typeface="Arial"/>
+            </a:endParaRPr>
+          </a:p>
+        </p:txBody>
+      </p:sp>
+    </p:spTree>
+  </p:cSld>
+  <p:clrMapOvr>
+    <a:masterClrMapping/>
+  </p:clrMapOvr>
+</p:sld>
+</file>
+
+<file path=ppt/slides/slide18.xml><?xml version="1.0" encoding="utf-8"?>
+<p:sld xmlns:a="http://schemas.openxmlformats.org/drawingml/2006/main" xmlns:p="http://schemas.openxmlformats.org/presentationml/2006/main" xmlns:r="http://schemas.openxmlformats.org/officeDocument/2006/relationships">
+  <p:cSld>
+    <p:spTree>
+      <p:nvGrpSpPr>
+        <p:cNvPr id="1" name=""/>
+        <p:cNvGrpSpPr/>
+        <p:nvPr/>
+      </p:nvGrpSpPr>
+      <p:grpSpPr/>
+      <p:sp>
+        <p:nvSpPr>
+          <p:cNvPr id="2" name="Content Placeholder 1"/>
+          <p:cNvSpPr>
+            <a:spLocks noGrp="1"/>
+          </p:cNvSpPr>
+          <p:nvPr>
+            <p:ph idx="1"/>
+          </p:nvPr>
+        </p:nvSpPr>
+        <p:spPr/>
+        <p:txBody>
+          <a:bodyPr/>
+          <a:lstStyle/>
+          <a:p>
+            <a:r>
+              <a:rPr sz="1400">
+                <a:solidFill>
+                  <a:srgbClr val="000000"/>
+                </a:solidFill>
+                <a:latin typeface="Courier New"/>
+              </a:rPr>
+              <a:t>MN2</a:t>
+            </a:r>
+            <a:r>
+              <a:rPr sz="1400">
+                <a:solidFill>
+                  <a:srgbClr val="000000"/>
+                </a:solidFill>
+                <a:latin typeface="Courier New"/>
+              </a:rPr>
+              <a:t> </a:t>
+            </a:r>
+            <a:r>
+              <a:rPr sz="1400">
+                <a:solidFill>
+                  <a:srgbClr val="000000"/>
+                </a:solidFill>
+                <a:latin typeface="Courier New"/>
+              </a:rPr>
+              <a:t>0</a:t>
+            </a:r>
+            <a:r>
+              <a:rPr sz="1400">
+                <a:solidFill>
+                  <a:srgbClr val="000000"/>
+                </a:solidFill>
+                <a:latin typeface="Courier New"/>
+              </a:rPr>
+              <a:t> </a:t>
+            </a:r>
+            <a:r>
+              <a:rPr sz="1400">
+                <a:solidFill>
+                  <a:srgbClr val="000000"/>
+                </a:solidFill>
+                <a:latin typeface="Courier New"/>
+              </a:rPr>
+              <a:t>5</a:t>
+            </a:r>
+            <a:r>
+              <a:rPr sz="1400">
+                <a:solidFill>
+                  <a:srgbClr val="000000"/>
+                </a:solidFill>
+                <a:latin typeface="Courier New"/>
+              </a:rPr>
+              <a:t> </a:t>
+            </a:r>
+            <a:r>
+              <a:rPr sz="1400">
+                <a:solidFill>
+                  <a:srgbClr val="000000"/>
+                </a:solidFill>
+                <a:latin typeface="Courier New"/>
+              </a:rPr>
+              <a:t>5</a:t>
+            </a:r>
+            <a:r>
+              <a:rPr sz="1400">
+                <a:solidFill>
+                  <a:srgbClr val="000000"/>
+                </a:solidFill>
+                <a:latin typeface="Courier New"/>
+              </a:rPr>
+              <a:t> </a:t>
+            </a:r>
+            <a:r>
+              <a:rPr sz="1400">
+                <a:solidFill>
+                  <a:srgbClr val="000000"/>
+                </a:solidFill>
+                <a:latin typeface="Courier New"/>
+              </a:rPr>
+              <a:t>0</a:t>
+            </a:r>
+            <a:r>
+              <a:rPr sz="1400">
+                <a:solidFill>
+                  <a:srgbClr val="000000"/>
+                </a:solidFill>
+                <a:latin typeface="Courier New"/>
+              </a:rPr>
+              <a:t> </a:t>
+            </a:r>
+            <a:r>
+              <a:rPr sz="1400">
+                <a:solidFill>
+                  <a:srgbClr val="000000"/>
+                </a:solidFill>
+                <a:latin typeface="Courier New"/>
+              </a:rPr>
+              <a:t>NMOS</a:t>
+            </a:r>
+            <a:r>
+              <a:rPr sz="1400">
+                <a:solidFill>
+                  <a:srgbClr val="000000"/>
+                </a:solidFill>
+                <a:latin typeface="Courier New"/>
+              </a:rPr>
+              <a:t> </a:t>
+            </a:r>
+            <a:r>
+              <a:rPr sz="1400">
+                <a:solidFill>
+                  <a:srgbClr val="000000"/>
+                </a:solidFill>
+                <a:latin typeface="Courier New"/>
+              </a:rPr>
+              <a:t>w</a:t>
+            </a:r>
+            <a:r>
+              <a:rPr sz="1400">
+                <a:solidFill>
+                  <a:srgbClr val="000000"/>
+                </a:solidFill>
+                <a:latin typeface="Courier New"/>
+              </a:rPr>
+              <a:t>=</a:t>
+            </a:r>
+            <a:r>
+              <a:rPr sz="1400">
+                <a:solidFill>
+                  <a:srgbClr val="000000"/>
+                </a:solidFill>
+                <a:latin typeface="Courier New"/>
+              </a:rPr>
+              <a:t>1.50</a:t>
+            </a:r>
+            <a:r>
+              <a:rPr sz="1400">
+                <a:solidFill>
+                  <a:srgbClr val="000000"/>
+                </a:solidFill>
+                <a:latin typeface="Courier New"/>
+              </a:rPr>
+              <a:t>u</a:t>
+            </a:r>
+            <a:r>
+              <a:rPr sz="1400">
+                <a:solidFill>
+                  <a:srgbClr val="000000"/>
+                </a:solidFill>
+                <a:latin typeface="Courier New"/>
+              </a:rPr>
+              <a:t> </a:t>
+            </a:r>
+            <a:r>
+              <a:rPr sz="1400">
+                <a:solidFill>
+                  <a:srgbClr val="000000"/>
+                </a:solidFill>
+                <a:latin typeface="Courier New"/>
+              </a:rPr>
+              <a:t>L</a:t>
+            </a:r>
+            <a:r>
+              <a:rPr sz="1400">
+                <a:solidFill>
+                  <a:srgbClr val="000000"/>
+                </a:solidFill>
+                <a:latin typeface="Courier New"/>
+              </a:rPr>
+              <a:t>=</a:t>
+            </a:r>
+            <a:r>
+              <a:rPr sz="1400">
+                <a:solidFill>
+                  <a:srgbClr val="000000"/>
+                </a:solidFill>
+                <a:latin typeface="Courier New"/>
+              </a:rPr>
+              <a:t>0.50</a:t>
+            </a:r>
+            <a:r>
+              <a:rPr sz="1400">
+                <a:solidFill>
+                  <a:srgbClr val="000000"/>
+                </a:solidFill>
+                <a:latin typeface="Courier New"/>
+              </a:rPr>
+              <a:t>u</a:t>
+            </a:r>
+            <a:r>
+              <a:rPr sz="1400">
+                <a:solidFill>
+                  <a:srgbClr val="000000"/>
+                </a:solidFill>
+                <a:latin typeface="Courier New"/>
+              </a:rPr>
+              <a:t/>
+            </a:r>
+            <a:r>
+              <a:rPr sz="1400">
+                <a:solidFill>
+                  <a:srgbClr val="000000"/>
+                </a:solidFill>
+                <a:latin typeface="Courier New"/>
+              </a:rPr>
+              <a:t>MN3</a:t>
+            </a:r>
+            <a:r>
+              <a:rPr sz="1400">
+                <a:solidFill>
+                  <a:srgbClr val="000000"/>
+                </a:solidFill>
+                <a:latin typeface="Courier New"/>
+              </a:rPr>
+              <a:t> </a:t>
+            </a:r>
+            <a:r>
+              <a:rPr sz="1400">
+                <a:solidFill>
+                  <a:srgbClr val="000000"/>
+                </a:solidFill>
+                <a:latin typeface="Courier New"/>
+              </a:rPr>
+              <a:t>8</a:t>
+            </a:r>
+            <a:r>
+              <a:rPr sz="1400">
+                <a:solidFill>
+                  <a:srgbClr val="000000"/>
+                </a:solidFill>
+                <a:latin typeface="Courier New"/>
+              </a:rPr>
+              <a:t> </a:t>
+            </a:r>
+            <a:r>
+              <a:rPr sz="1400">
+                <a:solidFill>
+                  <a:srgbClr val="000000"/>
+                </a:solidFill>
+                <a:latin typeface="Courier New"/>
+              </a:rPr>
+              <a:t>10</a:t>
+            </a:r>
+            <a:r>
+              <a:rPr sz="1400">
+                <a:solidFill>
+                  <a:srgbClr val="000000"/>
+                </a:solidFill>
+                <a:latin typeface="Courier New"/>
+              </a:rPr>
+              <a:t> </a:t>
+            </a:r>
+            <a:r>
+              <a:rPr sz="1400">
+                <a:solidFill>
+                  <a:srgbClr val="000000"/>
+                </a:solidFill>
+                <a:latin typeface="Courier New"/>
+              </a:rPr>
+              <a:t>4</a:t>
+            </a:r>
+            <a:r>
+              <a:rPr sz="1400">
+                <a:solidFill>
+                  <a:srgbClr val="000000"/>
+                </a:solidFill>
+                <a:latin typeface="Courier New"/>
+              </a:rPr>
+              <a:t> </a:t>
+            </a:r>
+            <a:r>
+              <a:rPr sz="1400">
+                <a:solidFill>
+                  <a:srgbClr val="000000"/>
+                </a:solidFill>
+                <a:latin typeface="Courier New"/>
+              </a:rPr>
+              <a:t>0</a:t>
+            </a:r>
+            <a:r>
+              <a:rPr sz="1400">
+                <a:solidFill>
+                  <a:srgbClr val="000000"/>
+                </a:solidFill>
+                <a:latin typeface="Courier New"/>
+              </a:rPr>
+              <a:t> </a:t>
+            </a:r>
+            <a:r>
+              <a:rPr sz="1400">
+                <a:solidFill>
+                  <a:srgbClr val="000000"/>
+                </a:solidFill>
+                <a:latin typeface="Courier New"/>
+              </a:rPr>
+              <a:t>NMOS</a:t>
+            </a:r>
+            <a:r>
+              <a:rPr sz="1400">
+                <a:solidFill>
+                  <a:srgbClr val="000000"/>
+                </a:solidFill>
+                <a:latin typeface="Courier New"/>
+              </a:rPr>
+              <a:t> </a:t>
+            </a:r>
+            <a:r>
+              <a:rPr sz="1400">
+                <a:solidFill>
+                  <a:srgbClr val="000000"/>
+                </a:solidFill>
+                <a:latin typeface="Courier New"/>
+              </a:rPr>
+              <a:t>w</a:t>
+            </a:r>
+            <a:r>
+              <a:rPr sz="1400">
+                <a:solidFill>
+                  <a:srgbClr val="000000"/>
+                </a:solidFill>
+                <a:latin typeface="Courier New"/>
+              </a:rPr>
+              <a:t>=</a:t>
+            </a:r>
+            <a:r>
+              <a:rPr sz="1400">
+                <a:solidFill>
+                  <a:srgbClr val="000000"/>
+                </a:solidFill>
+                <a:latin typeface="Courier New"/>
+              </a:rPr>
+              <a:t>1.50</a:t>
+            </a:r>
+            <a:r>
+              <a:rPr sz="1400">
+                <a:solidFill>
+                  <a:srgbClr val="000000"/>
+                </a:solidFill>
+                <a:latin typeface="Courier New"/>
+              </a:rPr>
+              <a:t>u</a:t>
+            </a:r>
+            <a:r>
+              <a:rPr sz="1400">
+                <a:solidFill>
+                  <a:srgbClr val="000000"/>
+                </a:solidFill>
+                <a:latin typeface="Courier New"/>
+              </a:rPr>
+              <a:t> </a:t>
+            </a:r>
+            <a:r>
+              <a:rPr sz="1400">
+                <a:solidFill>
+                  <a:srgbClr val="000000"/>
+                </a:solidFill>
+                <a:latin typeface="Courier New"/>
+              </a:rPr>
+              <a:t>L</a:t>
+            </a:r>
+            <a:r>
+              <a:rPr sz="1400">
+                <a:solidFill>
+                  <a:srgbClr val="000000"/>
+                </a:solidFill>
+                <a:latin typeface="Courier New"/>
+              </a:rPr>
+              <a:t>=</a:t>
+            </a:r>
+            <a:r>
+              <a:rPr sz="1400">
+                <a:solidFill>
+                  <a:srgbClr val="000000"/>
+                </a:solidFill>
+                <a:latin typeface="Courier New"/>
+              </a:rPr>
+              <a:t>0.50</a:t>
+            </a:r>
+            <a:r>
+              <a:rPr sz="1400">
+                <a:solidFill>
+                  <a:srgbClr val="000000"/>
+                </a:solidFill>
+                <a:latin typeface="Courier New"/>
+              </a:rPr>
+              <a:t>U</a:t>
+            </a:r>
+            <a:r>
+              <a:rPr sz="1400">
+                <a:solidFill>
+                  <a:srgbClr val="000000"/>
+                </a:solidFill>
+                <a:latin typeface="Courier New"/>
+              </a:rPr>
+              <a:t/>
+            </a:r>
+            <a:r>
+              <a:rPr sz="1400">
+                <a:solidFill>
+                  <a:srgbClr val="000000"/>
+                </a:solidFill>
+                <a:latin typeface="Courier New"/>
+              </a:rPr>
+              <a:t>MN4</a:t>
+            </a:r>
+            <a:r>
+              <a:rPr sz="1400">
+                <a:solidFill>
+                  <a:srgbClr val="000000"/>
+                </a:solidFill>
+                <a:latin typeface="Courier New"/>
+              </a:rPr>
+              <a:t> </a:t>
+            </a:r>
+            <a:r>
+              <a:rPr sz="1400">
+                <a:solidFill>
+                  <a:srgbClr val="000000"/>
+                </a:solidFill>
+                <a:latin typeface="Courier New"/>
+              </a:rPr>
+              <a:t>0</a:t>
+            </a:r>
+            <a:r>
+              <a:rPr sz="1400">
+                <a:solidFill>
+                  <a:srgbClr val="000000"/>
+                </a:solidFill>
+                <a:latin typeface="Courier New"/>
+              </a:rPr>
+              <a:t> </a:t>
+            </a:r>
+            <a:r>
+              <a:rPr sz="1400">
+                <a:solidFill>
+                  <a:srgbClr val="000000"/>
+                </a:solidFill>
+                <a:latin typeface="Courier New"/>
+              </a:rPr>
+              <a:t>9</a:t>
+            </a:r>
+            <a:r>
+              <a:rPr sz="1400">
+                <a:solidFill>
+                  <a:srgbClr val="000000"/>
+                </a:solidFill>
+                <a:latin typeface="Courier New"/>
+              </a:rPr>
+              <a:t> </a:t>
+            </a:r>
+            <a:r>
+              <a:rPr sz="1400">
+                <a:solidFill>
+                  <a:srgbClr val="000000"/>
+                </a:solidFill>
+                <a:latin typeface="Courier New"/>
+              </a:rPr>
+              <a:t>8</a:t>
+            </a:r>
+            <a:r>
+              <a:rPr sz="1400">
+                <a:solidFill>
+                  <a:srgbClr val="000000"/>
+                </a:solidFill>
+                <a:latin typeface="Courier New"/>
+              </a:rPr>
+              <a:t> </a:t>
+            </a:r>
+            <a:r>
+              <a:rPr sz="1400">
+                <a:solidFill>
+                  <a:srgbClr val="000000"/>
+                </a:solidFill>
+                <a:latin typeface="Courier New"/>
+              </a:rPr>
+              <a:t>0</a:t>
+            </a:r>
+            <a:r>
+              <a:rPr sz="1400">
+                <a:solidFill>
+                  <a:srgbClr val="000000"/>
+                </a:solidFill>
+                <a:latin typeface="Courier New"/>
+              </a:rPr>
+              <a:t> </a:t>
+            </a:r>
+            <a:r>
+              <a:rPr sz="1400">
+                <a:solidFill>
+                  <a:srgbClr val="000000"/>
+                </a:solidFill>
+                <a:latin typeface="Courier New"/>
+              </a:rPr>
+              <a:t>NMOS</a:t>
+            </a:r>
+            <a:r>
+              <a:rPr sz="1400">
+                <a:solidFill>
+                  <a:srgbClr val="000000"/>
+                </a:solidFill>
+                <a:latin typeface="Courier New"/>
+              </a:rPr>
+              <a:t> </a:t>
+            </a:r>
+            <a:r>
+              <a:rPr sz="1400">
+                <a:solidFill>
+                  <a:srgbClr val="000000"/>
+                </a:solidFill>
+                <a:latin typeface="Courier New"/>
+              </a:rPr>
+              <a:t>w</a:t>
+            </a:r>
+            <a:r>
+              <a:rPr sz="1400">
+                <a:solidFill>
+                  <a:srgbClr val="000000"/>
+                </a:solidFill>
+                <a:latin typeface="Courier New"/>
+              </a:rPr>
+              <a:t>=</a:t>
+            </a:r>
+            <a:r>
+              <a:rPr sz="1400">
+                <a:solidFill>
+                  <a:srgbClr val="000000"/>
+                </a:solidFill>
+                <a:latin typeface="Courier New"/>
+              </a:rPr>
+              <a:t>4.50</a:t>
+            </a:r>
+            <a:r>
+              <a:rPr sz="1400">
+                <a:solidFill>
+                  <a:srgbClr val="000000"/>
+                </a:solidFill>
+                <a:latin typeface="Courier New"/>
+              </a:rPr>
+              <a:t>u</a:t>
+            </a:r>
+            <a:r>
+              <a:rPr sz="1400">
+                <a:solidFill>
+                  <a:srgbClr val="000000"/>
+                </a:solidFill>
+                <a:latin typeface="Courier New"/>
+              </a:rPr>
+              <a:t> </a:t>
+            </a:r>
+            <a:r>
+              <a:rPr sz="1400">
+                <a:solidFill>
+                  <a:srgbClr val="000000"/>
+                </a:solidFill>
+                <a:latin typeface="Courier New"/>
+              </a:rPr>
+              <a:t>L</a:t>
+            </a:r>
+            <a:r>
+              <a:rPr sz="1400">
+                <a:solidFill>
+                  <a:srgbClr val="000000"/>
+                </a:solidFill>
+                <a:latin typeface="Courier New"/>
+              </a:rPr>
+              <a:t>=</a:t>
+            </a:r>
+            <a:r>
+              <a:rPr sz="1400">
+                <a:solidFill>
+                  <a:srgbClr val="000000"/>
+                </a:solidFill>
+                <a:latin typeface="Courier New"/>
+              </a:rPr>
+              <a:t>0.50</a:t>
+            </a:r>
+            <a:r>
+              <a:rPr sz="1400">
+                <a:solidFill>
+                  <a:srgbClr val="000000"/>
+                </a:solidFill>
+                <a:latin typeface="Courier New"/>
+              </a:rPr>
+              <a:t>U</a:t>
+            </a:r>
+            <a:r>
+              <a:rPr sz="1400">
+                <a:solidFill>
+                  <a:srgbClr val="000000"/>
+                </a:solidFill>
+                <a:latin typeface="Courier New"/>
+              </a:rPr>
+              <a:t/>
+            </a:r>
+            <a:r>
+              <a:rPr sz="1400">
+                <a:solidFill>
+                  <a:srgbClr val="000000"/>
+                </a:solidFill>
+                <a:latin typeface="Courier New"/>
+              </a:rPr>
+              <a:t>MN5</a:t>
+            </a:r>
+            <a:r>
+              <a:rPr sz="1400">
+                <a:solidFill>
+                  <a:srgbClr val="000000"/>
+                </a:solidFill>
+                <a:latin typeface="Courier New"/>
+              </a:rPr>
+              <a:t> </a:t>
+            </a:r>
+            <a:r>
+              <a:rPr sz="1400">
+                <a:solidFill>
+                  <a:srgbClr val="000000"/>
+                </a:solidFill>
+                <a:latin typeface="Courier New"/>
+              </a:rPr>
+              <a:t>6</a:t>
+            </a:r>
+            <a:r>
+              <a:rPr sz="1400">
+                <a:solidFill>
+                  <a:srgbClr val="000000"/>
+                </a:solidFill>
+                <a:latin typeface="Courier New"/>
+              </a:rPr>
+              <a:t> </a:t>
+            </a:r>
+            <a:r>
+              <a:rPr sz="1400">
+                <a:solidFill>
+                  <a:srgbClr val="000000"/>
+                </a:solidFill>
+                <a:latin typeface="Courier New"/>
+              </a:rPr>
+              <a:t>11</a:t>
+            </a:r>
+            <a:r>
+              <a:rPr sz="1400">
+                <a:solidFill>
+                  <a:srgbClr val="000000"/>
+                </a:solidFill>
+                <a:latin typeface="Courier New"/>
+              </a:rPr>
+              <a:t> </a:t>
+            </a:r>
+            <a:r>
+              <a:rPr sz="1400">
+                <a:solidFill>
+                  <a:srgbClr val="000000"/>
+                </a:solidFill>
+                <a:latin typeface="Courier New"/>
+              </a:rPr>
+              <a:t>8</a:t>
+            </a:r>
+            <a:r>
+              <a:rPr sz="1400">
+                <a:solidFill>
+                  <a:srgbClr val="000000"/>
+                </a:solidFill>
+                <a:latin typeface="Courier New"/>
+              </a:rPr>
+              <a:t> </a:t>
+            </a:r>
+            <a:r>
+              <a:rPr sz="1400">
+                <a:solidFill>
+                  <a:srgbClr val="000000"/>
+                </a:solidFill>
+                <a:latin typeface="Courier New"/>
+              </a:rPr>
+              <a:t>0</a:t>
+            </a:r>
+            <a:r>
+              <a:rPr sz="1400">
+                <a:solidFill>
+                  <a:srgbClr val="000000"/>
+                </a:solidFill>
+                <a:latin typeface="Courier New"/>
+              </a:rPr>
+              <a:t> </a:t>
+            </a:r>
+            <a:r>
+              <a:rPr sz="1400">
+                <a:solidFill>
+                  <a:srgbClr val="000000"/>
+                </a:solidFill>
+                <a:latin typeface="Courier New"/>
+              </a:rPr>
+              <a:t>NMOS</a:t>
+            </a:r>
+            <a:r>
+              <a:rPr sz="1400">
+                <a:solidFill>
+                  <a:srgbClr val="000000"/>
+                </a:solidFill>
+                <a:latin typeface="Courier New"/>
+              </a:rPr>
+              <a:t> </a:t>
+            </a:r>
+            <a:r>
+              <a:rPr sz="1400">
+                <a:solidFill>
+                  <a:srgbClr val="000000"/>
+                </a:solidFill>
+                <a:latin typeface="Courier New"/>
+              </a:rPr>
+              <a:t>w</a:t>
+            </a:r>
+            <a:r>
+              <a:rPr sz="1400">
+                <a:solidFill>
+                  <a:srgbClr val="000000"/>
+                </a:solidFill>
+                <a:latin typeface="Courier New"/>
+              </a:rPr>
+              <a:t>=</a:t>
+            </a:r>
+            <a:r>
+              <a:rPr sz="1400">
+                <a:solidFill>
+                  <a:srgbClr val="000000"/>
+                </a:solidFill>
+                <a:latin typeface="Courier New"/>
+              </a:rPr>
+              <a:t>1.50</a:t>
+            </a:r>
+            <a:r>
+              <a:rPr sz="1400">
+                <a:solidFill>
+                  <a:srgbClr val="000000"/>
+                </a:solidFill>
+                <a:latin typeface="Courier New"/>
+              </a:rPr>
+              <a:t>u</a:t>
+            </a:r>
+            <a:r>
+              <a:rPr sz="1400">
+                <a:solidFill>
+                  <a:srgbClr val="000000"/>
+                </a:solidFill>
+                <a:latin typeface="Courier New"/>
+              </a:rPr>
+              <a:t> </a:t>
+            </a:r>
+            <a:r>
+              <a:rPr sz="1400">
+                <a:solidFill>
+                  <a:srgbClr val="000000"/>
+                </a:solidFill>
+                <a:latin typeface="Courier New"/>
+              </a:rPr>
+              <a:t>L</a:t>
+            </a:r>
+            <a:r>
+              <a:rPr sz="1400">
+                <a:solidFill>
+                  <a:srgbClr val="000000"/>
+                </a:solidFill>
+                <a:latin typeface="Courier New"/>
+              </a:rPr>
+              <a:t>=</a:t>
+            </a:r>
+            <a:r>
+              <a:rPr sz="1400">
+                <a:solidFill>
+                  <a:srgbClr val="000000"/>
+                </a:solidFill>
+                <a:latin typeface="Courier New"/>
+              </a:rPr>
+              <a:t>0.50</a:t>
+            </a:r>
+            <a:r>
+              <a:rPr sz="1400">
+                <a:solidFill>
+                  <a:srgbClr val="000000"/>
+                </a:solidFill>
+                <a:latin typeface="Courier New"/>
+              </a:rPr>
+              <a:t>U</a:t>
+            </a:r>
+            <a:r>
+              <a:rPr sz="1400">
+                <a:solidFill>
+                  <a:srgbClr val="000000"/>
+                </a:solidFill>
+                <a:latin typeface="Courier New"/>
+              </a:rPr>
+              <a:t/>
+            </a:r>
+            <a:r>
+              <a:rPr sz="1400">
+                <a:solidFill>
+                  <a:srgbClr val="000000"/>
+                </a:solidFill>
+                <a:latin typeface="Courier New"/>
+              </a:rPr>
+              <a:t>MP1</a:t>
+            </a:r>
+            <a:r>
+              <a:rPr sz="1400">
+                <a:solidFill>
+                  <a:srgbClr val="000000"/>
+                </a:solidFill>
+                <a:latin typeface="Courier New"/>
+              </a:rPr>
+              <a:t> </a:t>
+            </a:r>
+            <a:r>
+              <a:rPr sz="1400">
+                <a:solidFill>
+                  <a:srgbClr val="000000"/>
+                </a:solidFill>
+                <a:latin typeface="Courier New"/>
+              </a:rPr>
+              <a:t>1</a:t>
+            </a:r>
+            <a:r>
+              <a:rPr sz="1400">
+                <a:solidFill>
+                  <a:srgbClr val="000000"/>
+                </a:solidFill>
+                <a:latin typeface="Courier New"/>
+              </a:rPr>
+              <a:t> </a:t>
+            </a:r>
+            <a:r>
+              <a:rPr sz="1400">
+                <a:solidFill>
+                  <a:srgbClr val="000000"/>
+                </a:solidFill>
+                <a:latin typeface="Courier New"/>
+              </a:rPr>
+              <a:t>4</a:t>
+            </a:r>
+            <a:r>
+              <a:rPr sz="1400">
+                <a:solidFill>
+                  <a:srgbClr val="000000"/>
+                </a:solidFill>
+                <a:latin typeface="Courier New"/>
+              </a:rPr>
+              <a:t> </a:t>
+            </a:r>
+            <a:r>
+              <a:rPr sz="1400">
+                <a:solidFill>
+                  <a:srgbClr val="000000"/>
+                </a:solidFill>
+                <a:latin typeface="Courier New"/>
+              </a:rPr>
+              <a:t>3</a:t>
+            </a:r>
+            <a:r>
+              <a:rPr sz="1400">
+                <a:solidFill>
+                  <a:srgbClr val="000000"/>
+                </a:solidFill>
+                <a:latin typeface="Courier New"/>
+              </a:rPr>
+              <a:t> </a:t>
+            </a:r>
+            <a:r>
+              <a:rPr sz="1400">
+                <a:solidFill>
+                  <a:srgbClr val="000000"/>
+                </a:solidFill>
+                <a:latin typeface="Courier New"/>
+              </a:rPr>
+              <a:t>1</a:t>
+            </a:r>
+            <a:r>
+              <a:rPr sz="1400">
+                <a:solidFill>
+                  <a:srgbClr val="000000"/>
+                </a:solidFill>
+                <a:latin typeface="Courier New"/>
+              </a:rPr>
+              <a:t> </a:t>
+            </a:r>
+            <a:r>
+              <a:rPr sz="1400">
+                <a:solidFill>
+                  <a:srgbClr val="000000"/>
+                </a:solidFill>
+                <a:latin typeface="Courier New"/>
+              </a:rPr>
+              <a:t>PMOS</a:t>
+            </a:r>
+            <a:r>
+              <a:rPr sz="1400">
+                <a:solidFill>
+                  <a:srgbClr val="000000"/>
+                </a:solidFill>
+                <a:latin typeface="Courier New"/>
+              </a:rPr>
+              <a:t> </a:t>
+            </a:r>
+            <a:r>
+              <a:rPr sz="1400">
+                <a:solidFill>
+                  <a:srgbClr val="000000"/>
+                </a:solidFill>
+                <a:latin typeface="Courier New"/>
+              </a:rPr>
+              <a:t>w</a:t>
+            </a:r>
+            <a:r>
+              <a:rPr sz="1400">
+                <a:solidFill>
+                  <a:srgbClr val="000000"/>
+                </a:solidFill>
+                <a:latin typeface="Courier New"/>
+              </a:rPr>
+              <a:t>=</a:t>
+            </a:r>
+            <a:r>
+              <a:rPr sz="1400">
+                <a:solidFill>
+                  <a:srgbClr val="000000"/>
+                </a:solidFill>
+                <a:latin typeface="Courier New"/>
+              </a:rPr>
+              <a:t>3.50</a:t>
+            </a:r>
+            <a:r>
+              <a:rPr sz="1400">
+                <a:solidFill>
+                  <a:srgbClr val="000000"/>
+                </a:solidFill>
+                <a:latin typeface="Courier New"/>
+              </a:rPr>
+              <a:t>u</a:t>
+            </a:r>
+            <a:r>
+              <a:rPr sz="1400">
+                <a:solidFill>
+                  <a:srgbClr val="000000"/>
+                </a:solidFill>
+                <a:latin typeface="Courier New"/>
+              </a:rPr>
+              <a:t> </a:t>
+            </a:r>
+            <a:r>
+              <a:rPr sz="1400">
+                <a:solidFill>
+                  <a:srgbClr val="000000"/>
+                </a:solidFill>
+                <a:latin typeface="Courier New"/>
+              </a:rPr>
+              <a:t>L</a:t>
+            </a:r>
+            <a:r>
+              <a:rPr sz="1400">
+                <a:solidFill>
+                  <a:srgbClr val="000000"/>
+                </a:solidFill>
+                <a:latin typeface="Courier New"/>
+              </a:rPr>
+              <a:t>=</a:t>
+            </a:r>
+            <a:r>
+              <a:rPr sz="1400">
+                <a:solidFill>
+                  <a:srgbClr val="000000"/>
+                </a:solidFill>
+                <a:latin typeface="Courier New"/>
+              </a:rPr>
+              <a:t>0.50</a:t>
+            </a:r>
+            <a:r>
+              <a:rPr sz="1400">
+                <a:solidFill>
+                  <a:srgbClr val="000000"/>
+                </a:solidFill>
+                <a:latin typeface="Courier New"/>
+              </a:rPr>
+              <a:t>U</a:t>
+            </a:r>
+            <a:r>
+              <a:rPr sz="1400">
+                <a:solidFill>
+                  <a:srgbClr val="000000"/>
+                </a:solidFill>
+                <a:latin typeface="Courier New"/>
+              </a:rPr>
+              <a:t/>
+            </a:r>
+            <a:r>
+              <a:rPr sz="1400">
+                <a:solidFill>
+                  <a:srgbClr val="000000"/>
+                </a:solidFill>
+                <a:latin typeface="Courier New"/>
+              </a:rPr>
+              <a:t>MP2</a:t>
+            </a:r>
+            <a:r>
+              <a:rPr sz="1400">
+                <a:solidFill>
+                  <a:srgbClr val="000000"/>
+                </a:solidFill>
+                <a:latin typeface="Courier New"/>
+              </a:rPr>
+              <a:t> </a:t>
+            </a:r>
+            <a:r>
+              <a:rPr sz="1400">
+                <a:solidFill>
+                  <a:srgbClr val="000000"/>
+                </a:solidFill>
+                <a:latin typeface="Courier New"/>
+              </a:rPr>
+              <a:t>4</a:t>
+            </a:r>
+            <a:r>
+              <a:rPr sz="1400">
+                <a:solidFill>
+                  <a:srgbClr val="000000"/>
+                </a:solidFill>
+                <a:latin typeface="Courier New"/>
+              </a:rPr>
+              <a:t> </a:t>
+            </a:r>
+            <a:r>
+              <a:rPr sz="1400">
+                <a:solidFill>
+                  <a:srgbClr val="000000"/>
+                </a:solidFill>
+                <a:latin typeface="Courier New"/>
+              </a:rPr>
+              <a:t>4</a:t>
+            </a:r>
+            <a:r>
+              <a:rPr sz="1400">
+                <a:solidFill>
+                  <a:srgbClr val="000000"/>
+                </a:solidFill>
+                <a:latin typeface="Courier New"/>
+              </a:rPr>
+              <a:t> </a:t>
+            </a:r>
+            <a:r>
+              <a:rPr sz="1400">
+                <a:solidFill>
+                  <a:srgbClr val="000000"/>
+                </a:solidFill>
+                <a:latin typeface="Courier New"/>
+              </a:rPr>
+              <a:t>1</a:t>
+            </a:r>
+            <a:r>
+              <a:rPr sz="1400">
+                <a:solidFill>
+                  <a:srgbClr val="000000"/>
+                </a:solidFill>
+                <a:latin typeface="Courier New"/>
+              </a:rPr>
+              <a:t> </a:t>
+            </a:r>
+            <a:r>
+              <a:rPr sz="1400">
+                <a:solidFill>
+                  <a:srgbClr val="000000"/>
+                </a:solidFill>
+                <a:latin typeface="Courier New"/>
+              </a:rPr>
+              <a:t>1</a:t>
+            </a:r>
+            <a:r>
+              <a:rPr sz="1400">
+                <a:solidFill>
+                  <a:srgbClr val="000000"/>
+                </a:solidFill>
+                <a:latin typeface="Courier New"/>
+              </a:rPr>
+              <a:t> </a:t>
+            </a:r>
+            <a:r>
+              <a:rPr sz="1400">
+                <a:solidFill>
+                  <a:srgbClr val="000000"/>
+                </a:solidFill>
+                <a:latin typeface="Courier New"/>
+              </a:rPr>
+              <a:t>PMOS</a:t>
+            </a:r>
+            <a:r>
+              <a:rPr sz="1400">
+                <a:solidFill>
+                  <a:srgbClr val="000000"/>
+                </a:solidFill>
+                <a:latin typeface="Courier New"/>
+              </a:rPr>
+              <a:t> </a:t>
+            </a:r>
+            <a:r>
+              <a:rPr sz="1400">
+                <a:solidFill>
+                  <a:srgbClr val="000000"/>
+                </a:solidFill>
+                <a:latin typeface="Courier New"/>
+              </a:rPr>
+              <a:t>w</a:t>
+            </a:r>
+            <a:r>
+              <a:rPr sz="1400">
+                <a:solidFill>
+                  <a:srgbClr val="000000"/>
+                </a:solidFill>
+                <a:latin typeface="Courier New"/>
+              </a:rPr>
+              <a:t>=</a:t>
+            </a:r>
+            <a:r>
+              <a:rPr sz="1400">
+                <a:solidFill>
+                  <a:srgbClr val="000000"/>
+                </a:solidFill>
+                <a:latin typeface="Courier New"/>
+              </a:rPr>
+              <a:t>3.50</a:t>
+            </a:r>
+            <a:r>
+              <a:rPr sz="1400">
+                <a:solidFill>
+                  <a:srgbClr val="000000"/>
+                </a:solidFill>
+                <a:latin typeface="Courier New"/>
+              </a:rPr>
+              <a:t>u</a:t>
+            </a:r>
+            <a:r>
+              <a:rPr sz="1400">
+                <a:solidFill>
+                  <a:srgbClr val="000000"/>
+                </a:solidFill>
+                <a:latin typeface="Courier New"/>
+              </a:rPr>
+              <a:t> </a:t>
+            </a:r>
+            <a:r>
+              <a:rPr sz="1400">
+                <a:solidFill>
+                  <a:srgbClr val="000000"/>
+                </a:solidFill>
+                <a:latin typeface="Courier New"/>
+              </a:rPr>
+              <a:t>L</a:t>
+            </a:r>
+            <a:r>
+              <a:rPr sz="1400">
+                <a:solidFill>
+                  <a:srgbClr val="000000"/>
+                </a:solidFill>
+                <a:latin typeface="Courier New"/>
+              </a:rPr>
+              <a:t>=</a:t>
+            </a:r>
+            <a:r>
+              <a:rPr sz="1400">
+                <a:solidFill>
+                  <a:srgbClr val="000000"/>
+                </a:solidFill>
+                <a:latin typeface="Courier New"/>
+              </a:rPr>
+              <a:t>0.50</a:t>
+            </a:r>
+            <a:r>
+              <a:rPr sz="1400">
+                <a:solidFill>
+                  <a:srgbClr val="000000"/>
+                </a:solidFill>
+                <a:latin typeface="Courier New"/>
+              </a:rPr>
+              <a:t>U</a:t>
+            </a:r>
+            <a:r>
+              <a:rPr sz="1400">
+                <a:solidFill>
+                  <a:srgbClr val="000000"/>
+                </a:solidFill>
+                <a:latin typeface="Courier New"/>
+              </a:rPr>
+              <a:t/>
+            </a:r>
+            <a:r>
+              <a:rPr sz="1400">
+                <a:solidFill>
+                  <a:srgbClr val="000000"/>
+                </a:solidFill>
+                <a:latin typeface="Courier New"/>
+              </a:rPr>
+              <a:t>MP3</a:t>
+            </a:r>
+            <a:r>
+              <a:rPr sz="1400">
+                <a:solidFill>
+                  <a:srgbClr val="000000"/>
+                </a:solidFill>
+                <a:latin typeface="Courier New"/>
+              </a:rPr>
+              <a:t> </a:t>
+            </a:r>
+            <a:r>
+              <a:rPr sz="1400">
+                <a:solidFill>
+                  <a:srgbClr val="000000"/>
+                </a:solidFill>
+                <a:latin typeface="Courier New"/>
+              </a:rPr>
+              <a:t>1</a:t>
+            </a:r>
+            <a:r>
+              <a:rPr sz="1400">
+                <a:solidFill>
+                  <a:srgbClr val="000000"/>
+                </a:solidFill>
+                <a:latin typeface="Courier New"/>
+              </a:rPr>
+              <a:t> </a:t>
+            </a:r>
+            <a:r>
+              <a:rPr sz="1400">
+                <a:solidFill>
+                  <a:srgbClr val="000000"/>
+                </a:solidFill>
+                <a:latin typeface="Courier New"/>
+              </a:rPr>
+              <a:t>6</a:t>
+            </a:r>
+            <a:r>
+              <a:rPr sz="1400">
+                <a:solidFill>
+                  <a:srgbClr val="000000"/>
+                </a:solidFill>
+                <a:latin typeface="Courier New"/>
+              </a:rPr>
+              <a:t> </a:t>
+            </a:r>
+            <a:r>
+              <a:rPr sz="1400">
+                <a:solidFill>
+                  <a:srgbClr val="000000"/>
+                </a:solidFill>
+                <a:latin typeface="Courier New"/>
+              </a:rPr>
+              <a:t>5</a:t>
+            </a:r>
+            <a:r>
+              <a:rPr sz="1400">
+                <a:solidFill>
+                  <a:srgbClr val="000000"/>
+                </a:solidFill>
+                <a:latin typeface="Courier New"/>
+              </a:rPr>
+              <a:t> </a:t>
+            </a:r>
+            <a:r>
+              <a:rPr sz="1400">
+                <a:solidFill>
+                  <a:srgbClr val="000000"/>
+                </a:solidFill>
+                <a:latin typeface="Courier New"/>
+              </a:rPr>
+              <a:t>1</a:t>
+            </a:r>
+            <a:r>
+              <a:rPr sz="1400">
+                <a:solidFill>
+                  <a:srgbClr val="000000"/>
+                </a:solidFill>
+                <a:latin typeface="Courier New"/>
+              </a:rPr>
+              <a:t> </a:t>
+            </a:r>
+            <a:r>
+              <a:rPr sz="1400">
+                <a:solidFill>
+                  <a:srgbClr val="000000"/>
+                </a:solidFill>
+                <a:latin typeface="Courier New"/>
+              </a:rPr>
+              <a:t>PMOS</a:t>
+            </a:r>
+            <a:r>
+              <a:rPr sz="1400">
+                <a:solidFill>
+                  <a:srgbClr val="000000"/>
+                </a:solidFill>
+                <a:latin typeface="Courier New"/>
+              </a:rPr>
+              <a:t> </a:t>
+            </a:r>
+            <a:r>
+              <a:rPr sz="1400">
+                <a:solidFill>
+                  <a:srgbClr val="000000"/>
+                </a:solidFill>
+                <a:latin typeface="Courier New"/>
+              </a:rPr>
+              <a:t>w</a:t>
+            </a:r>
+            <a:r>
+              <a:rPr sz="1400">
+                <a:solidFill>
+                  <a:srgbClr val="000000"/>
+                </a:solidFill>
+                <a:latin typeface="Courier New"/>
+              </a:rPr>
+              <a:t>=</a:t>
+            </a:r>
+            <a:r>
+              <a:rPr sz="1400">
+                <a:solidFill>
+                  <a:srgbClr val="000000"/>
+                </a:solidFill>
+                <a:latin typeface="Courier New"/>
+              </a:rPr>
+              <a:t>3.50</a:t>
+            </a:r>
+            <a:r>
+              <a:rPr sz="1400">
+                <a:solidFill>
+                  <a:srgbClr val="000000"/>
+                </a:solidFill>
+                <a:latin typeface="Courier New"/>
+              </a:rPr>
+              <a:t>u</a:t>
+            </a:r>
+            <a:r>
+              <a:rPr sz="1400">
+                <a:solidFill>
+                  <a:srgbClr val="000000"/>
+                </a:solidFill>
+                <a:latin typeface="Courier New"/>
+              </a:rPr>
+              <a:t> </a:t>
+            </a:r>
+            <a:r>
+              <a:rPr sz="1400">
+                <a:solidFill>
+                  <a:srgbClr val="000000"/>
+                </a:solidFill>
+                <a:latin typeface="Courier New"/>
+              </a:rPr>
+              <a:t>L</a:t>
+            </a:r>
+            <a:r>
+              <a:rPr sz="1400">
+                <a:solidFill>
+                  <a:srgbClr val="000000"/>
+                </a:solidFill>
+                <a:latin typeface="Courier New"/>
+              </a:rPr>
+              <a:t>=</a:t>
+            </a:r>
+            <a:r>
+              <a:rPr sz="1400">
+                <a:solidFill>
+                  <a:srgbClr val="000000"/>
+                </a:solidFill>
+                <a:latin typeface="Courier New"/>
+              </a:rPr>
+              <a:t>0.50</a:t>
+            </a:r>
+            <a:r>
+              <a:rPr sz="1400">
+                <a:solidFill>
+                  <a:srgbClr val="000000"/>
+                </a:solidFill>
+                <a:latin typeface="Courier New"/>
+              </a:rPr>
+              <a:t>U</a:t>
+            </a:r>
+            <a:r>
+              <a:rPr sz="1400">
+                <a:solidFill>
+                  <a:srgbClr val="000000"/>
+                </a:solidFill>
+                <a:latin typeface="Courier New"/>
+              </a:rPr>
+              <a:t/>
+            </a:r>
+            <a:r>
+              <a:rPr sz="1400">
+                <a:solidFill>
+                  <a:srgbClr val="000000"/>
+                </a:solidFill>
+                <a:latin typeface="Courier New"/>
+              </a:rPr>
+              <a:t>MP4</a:t>
+            </a:r>
+            <a:r>
+              <a:rPr sz="1400">
+                <a:solidFill>
+                  <a:srgbClr val="000000"/>
+                </a:solidFill>
+                <a:latin typeface="Courier New"/>
+              </a:rPr>
+              <a:t> </a:t>
+            </a:r>
+            <a:r>
+              <a:rPr sz="1400">
+                <a:solidFill>
+                  <a:srgbClr val="000000"/>
+                </a:solidFill>
+                <a:latin typeface="Courier New"/>
+              </a:rPr>
+              <a:t>6</a:t>
+            </a:r>
+            <a:r>
+              <a:rPr sz="1400">
+                <a:solidFill>
+                  <a:srgbClr val="000000"/>
+                </a:solidFill>
+                <a:latin typeface="Courier New"/>
+              </a:rPr>
+              <a:t> </a:t>
+            </a:r>
+            <a:r>
+              <a:rPr sz="1400">
+                <a:solidFill>
+                  <a:srgbClr val="000000"/>
+                </a:solidFill>
+                <a:latin typeface="Courier New"/>
+              </a:rPr>
+              <a:t>6</a:t>
+            </a:r>
+            <a:r>
+              <a:rPr sz="1400">
+                <a:solidFill>
+                  <a:srgbClr val="000000"/>
+                </a:solidFill>
+                <a:latin typeface="Courier New"/>
+              </a:rPr>
+              <a:t> </a:t>
+            </a:r>
+            <a:r>
+              <a:rPr sz="1400">
+                <a:solidFill>
+                  <a:srgbClr val="000000"/>
+                </a:solidFill>
+                <a:latin typeface="Courier New"/>
+              </a:rPr>
+              <a:t>1</a:t>
+            </a:r>
+            <a:r>
+              <a:rPr sz="1400">
+                <a:solidFill>
+                  <a:srgbClr val="000000"/>
+                </a:solidFill>
+                <a:latin typeface="Courier New"/>
+              </a:rPr>
+              <a:t> </a:t>
+            </a:r>
+            <a:r>
+              <a:rPr sz="1400">
+                <a:solidFill>
+                  <a:srgbClr val="000000"/>
+                </a:solidFill>
+                <a:latin typeface="Courier New"/>
+              </a:rPr>
+              <a:t>1</a:t>
+            </a:r>
+            <a:r>
+              <a:rPr sz="1400">
+                <a:solidFill>
+                  <a:srgbClr val="000000"/>
+                </a:solidFill>
+                <a:latin typeface="Courier New"/>
+              </a:rPr>
+              <a:t> </a:t>
+            </a:r>
+            <a:r>
+              <a:rPr sz="1400">
+                <a:solidFill>
+                  <a:srgbClr val="000000"/>
+                </a:solidFill>
+                <a:latin typeface="Courier New"/>
+              </a:rPr>
+              <a:t>PMOS</a:t>
+            </a:r>
+            <a:r>
+              <a:rPr sz="1400">
+                <a:solidFill>
+                  <a:srgbClr val="000000"/>
+                </a:solidFill>
+                <a:latin typeface="Courier New"/>
+              </a:rPr>
+              <a:t> </a:t>
+            </a:r>
+            <a:r>
+              <a:rPr sz="1400">
+                <a:solidFill>
+                  <a:srgbClr val="000000"/>
+                </a:solidFill>
+                <a:latin typeface="Courier New"/>
+              </a:rPr>
+              <a:t>w</a:t>
+            </a:r>
+            <a:r>
+              <a:rPr sz="1400">
+                <a:solidFill>
+                  <a:srgbClr val="000000"/>
+                </a:solidFill>
+                <a:latin typeface="Courier New"/>
+              </a:rPr>
+              <a:t>=</a:t>
+            </a:r>
+            <a:r>
+              <a:rPr sz="1400">
+                <a:solidFill>
+                  <a:srgbClr val="000000"/>
+                </a:solidFill>
+                <a:latin typeface="Courier New"/>
+              </a:rPr>
+              <a:t>3.50</a:t>
+            </a:r>
+            <a:r>
+              <a:rPr sz="1400">
+                <a:solidFill>
+                  <a:srgbClr val="000000"/>
+                </a:solidFill>
+                <a:latin typeface="Courier New"/>
+              </a:rPr>
+              <a:t>u</a:t>
+            </a:r>
+            <a:r>
+              <a:rPr sz="1400">
+                <a:solidFill>
+                  <a:srgbClr val="000000"/>
+                </a:solidFill>
+                <a:latin typeface="Courier New"/>
+              </a:rPr>
+              <a:t> </a:t>
+            </a:r>
+            <a:r>
+              <a:rPr sz="1400">
+                <a:solidFill>
+                  <a:srgbClr val="000000"/>
+                </a:solidFill>
+                <a:latin typeface="Courier New"/>
+              </a:rPr>
+              <a:t>L</a:t>
+            </a:r>
+            <a:r>
+              <a:rPr sz="1400">
+                <a:solidFill>
+                  <a:srgbClr val="000000"/>
+                </a:solidFill>
+                <a:latin typeface="Courier New"/>
+              </a:rPr>
+              <a:t>=</a:t>
+            </a:r>
+            <a:r>
+              <a:rPr sz="1400">
+                <a:solidFill>
+                  <a:srgbClr val="000000"/>
+                </a:solidFill>
+                <a:latin typeface="Courier New"/>
+              </a:rPr>
+              <a:t>0.50</a:t>
+            </a:r>
+            <a:r>
+              <a:rPr sz="1400">
+                <a:solidFill>
+                  <a:srgbClr val="000000"/>
+                </a:solidFill>
+                <a:latin typeface="Courier New"/>
+              </a:rPr>
+              <a:t>U</a:t>
+            </a:r>
+            <a:r>
+              <a:rPr sz="1400">
+                <a:solidFill>
+                  <a:srgbClr val="000000"/>
+                </a:solidFill>
+                <a:latin typeface="Courier New"/>
+              </a:rPr>
+              <a:t/>
+            </a:r>
+            <a:r>
+              <a:rPr sz="1400">
+                <a:solidFill>
+                  <a:srgbClr val="000000"/>
+                </a:solidFill>
+                <a:latin typeface="Courier New"/>
+              </a:rPr>
+              <a:t>.</a:t>
+            </a:r>
+            <a:r>
+              <a:rPr sz="1400">
+                <a:solidFill>
+                  <a:srgbClr val="000000"/>
+                </a:solidFill>
+                <a:latin typeface="Courier New"/>
+              </a:rPr>
+              <a:t>MODEL</a:t>
+            </a:r>
+            <a:r>
+              <a:rPr sz="1400">
+                <a:solidFill>
+                  <a:srgbClr val="000000"/>
+                </a:solidFill>
+                <a:latin typeface="Courier New"/>
+              </a:rPr>
+              <a:t> </a:t>
+            </a:r>
+            <a:r>
+              <a:rPr sz="1400">
+                <a:solidFill>
+                  <a:srgbClr val="000000"/>
+                </a:solidFill>
+                <a:latin typeface="Courier New"/>
+              </a:rPr>
+              <a:t>NMOS</a:t>
+            </a:r>
+            <a:r>
+              <a:rPr sz="1400">
+                <a:solidFill>
+                  <a:srgbClr val="000000"/>
+                </a:solidFill>
+                <a:latin typeface="Courier New"/>
+              </a:rPr>
+              <a:t> </a:t>
+            </a:r>
+            <a:r>
+              <a:rPr sz="1400">
+                <a:solidFill>
+                  <a:srgbClr val="000000"/>
+                </a:solidFill>
+                <a:latin typeface="Courier New"/>
+              </a:rPr>
+              <a:t>NMOS</a:t>
+            </a:r>
+            <a:r>
+              <a:rPr sz="1400">
+                <a:solidFill>
+                  <a:srgbClr val="000000"/>
+                </a:solidFill>
+                <a:latin typeface="Courier New"/>
+              </a:rPr>
+              <a:t>(</a:t>
+            </a:r>
+            <a:r>
+              <a:rPr sz="1400">
+                <a:solidFill>
+                  <a:srgbClr val="000000"/>
+                </a:solidFill>
+                <a:latin typeface="Courier New"/>
+              </a:rPr>
+              <a:t>LEVEL</a:t>
+            </a:r>
+            <a:r>
+              <a:rPr sz="1400">
+                <a:solidFill>
+                  <a:srgbClr val="000000"/>
+                </a:solidFill>
+                <a:latin typeface="Courier New"/>
+              </a:rPr>
+              <a:t>=</a:t>
+            </a:r>
+            <a:r>
+              <a:rPr sz="1400">
+                <a:solidFill>
+                  <a:srgbClr val="000000"/>
+                </a:solidFill>
+                <a:latin typeface="Courier New"/>
+              </a:rPr>
+              <a:t>1</a:t>
+            </a:r>
+            <a:r>
+              <a:rPr sz="1400">
+                <a:solidFill>
+                  <a:srgbClr val="000000"/>
+                </a:solidFill>
+                <a:latin typeface="Courier New"/>
+              </a:rPr>
+              <a:t> </a:t>
+            </a:r>
+            <a:r>
+              <a:rPr sz="1400">
+                <a:solidFill>
+                  <a:srgbClr val="000000"/>
+                </a:solidFill>
+                <a:latin typeface="Courier New"/>
+              </a:rPr>
+              <a:t>VTO</a:t>
+            </a:r>
+            <a:r>
+              <a:rPr sz="1400">
+                <a:solidFill>
+                  <a:srgbClr val="000000"/>
+                </a:solidFill>
+                <a:latin typeface="Courier New"/>
+              </a:rPr>
+              <a:t>=</a:t>
+            </a:r>
+            <a:r>
+              <a:rPr sz="1400">
+                <a:solidFill>
+                  <a:srgbClr val="000000"/>
+                </a:solidFill>
+                <a:latin typeface="Courier New"/>
+              </a:rPr>
+              <a:t>0.50</a:t>
+            </a:r>
+            <a:r>
+              <a:rPr sz="1400">
+                <a:solidFill>
+                  <a:srgbClr val="000000"/>
+                </a:solidFill>
+                <a:latin typeface="Courier New"/>
+              </a:rPr>
+              <a:t> </a:t>
+            </a:r>
+            <a:r>
+              <a:rPr sz="1400">
+                <a:solidFill>
+                  <a:srgbClr val="000000"/>
+                </a:solidFill>
+                <a:latin typeface="Courier New"/>
+              </a:rPr>
+              <a:t>KP</a:t>
+            </a:r>
+            <a:r>
+              <a:rPr sz="1400">
+                <a:solidFill>
+                  <a:srgbClr val="000000"/>
+                </a:solidFill>
+                <a:latin typeface="Courier New"/>
+              </a:rPr>
+              <a:t>=</a:t>
+            </a:r>
+            <a:r>
+              <a:rPr sz="1400">
+                <a:solidFill>
+                  <a:srgbClr val="000000"/>
+                </a:solidFill>
+                <a:latin typeface="Courier New"/>
+              </a:rPr>
+              <a:t>90.000E-6</a:t>
+            </a:r>
+            <a:r>
+              <a:rPr sz="1400">
+                <a:solidFill>
+                  <a:srgbClr val="000000"/>
+                </a:solidFill>
+                <a:latin typeface="Courier New"/>
+              </a:rPr>
+              <a:t> </a:t>
+            </a:r>
+            <a:r>
+              <a:rPr sz="1400">
+                <a:solidFill>
+                  <a:srgbClr val="000000"/>
+                </a:solidFill>
+                <a:latin typeface="Courier New"/>
+              </a:rPr>
+              <a:t>LAMBDA</a:t>
+            </a:r>
+            <a:r>
+              <a:rPr sz="1400">
+                <a:solidFill>
+                  <a:srgbClr val="000000"/>
+                </a:solidFill>
+                <a:latin typeface="Courier New"/>
+              </a:rPr>
+              <a:t>=</a:t>
+            </a:r>
+            <a:r>
+              <a:rPr sz="1400">
+                <a:solidFill>
+                  <a:srgbClr val="000000"/>
+                </a:solidFill>
+                <a:latin typeface="Courier New"/>
+              </a:rPr>
+              <a:t>0.001</a:t>
+            </a:r>
+            <a:r>
+              <a:rPr sz="1400">
+                <a:solidFill>
+                  <a:srgbClr val="000000"/>
+                </a:solidFill>
+                <a:latin typeface="Courier New"/>
+              </a:rPr>
+              <a:t>)</a:t>
+            </a:r>
+            <a:r>
+              <a:rPr sz="1400">
+                <a:solidFill>
+                  <a:srgbClr val="000000"/>
+                </a:solidFill>
+                <a:latin typeface="Courier New"/>
+              </a:rPr>
+              <a:t/>
+            </a:r>
+            <a:r>
+              <a:rPr sz="1400">
+                <a:solidFill>
+                  <a:srgbClr val="000000"/>
+                </a:solidFill>
+                <a:latin typeface="Courier New"/>
+              </a:rPr>
+              <a:t>.</a:t>
+            </a:r>
+            <a:r>
+              <a:rPr sz="1400">
+                <a:solidFill>
+                  <a:srgbClr val="000000"/>
+                </a:solidFill>
+                <a:latin typeface="Courier New"/>
+              </a:rPr>
+              <a:t>MODEL</a:t>
+            </a:r>
+            <a:r>
+              <a:rPr sz="1400">
+                <a:solidFill>
+                  <a:srgbClr val="000000"/>
+                </a:solidFill>
+                <a:latin typeface="Courier New"/>
+              </a:rPr>
+              <a:t> </a:t>
+            </a:r>
+            <a:r>
+              <a:rPr sz="1400">
+                <a:solidFill>
+                  <a:srgbClr val="000000"/>
+                </a:solidFill>
+                <a:latin typeface="Courier New"/>
+              </a:rPr>
+              <a:t>PMOS</a:t>
+            </a:r>
+            <a:r>
+              <a:rPr sz="1400">
+                <a:solidFill>
+                  <a:srgbClr val="000000"/>
+                </a:solidFill>
+                <a:latin typeface="Courier New"/>
+              </a:rPr>
+              <a:t> </a:t>
+            </a:r>
+            <a:r>
+              <a:rPr sz="1400">
+                <a:solidFill>
+                  <a:srgbClr val="000000"/>
+                </a:solidFill>
+                <a:latin typeface="Courier New"/>
+              </a:rPr>
+              <a:t>PMOS</a:t>
+            </a:r>
+            <a:r>
+              <a:rPr sz="1400">
+                <a:solidFill>
+                  <a:srgbClr val="000000"/>
+                </a:solidFill>
+                <a:latin typeface="Courier New"/>
+              </a:rPr>
+              <a:t>(</a:t>
+            </a:r>
+            <a:r>
+              <a:rPr sz="1400">
+                <a:solidFill>
+                  <a:srgbClr val="000000"/>
+                </a:solidFill>
+                <a:latin typeface="Courier New"/>
+              </a:rPr>
+              <a:t>LEVEL</a:t>
+            </a:r>
+            <a:r>
+              <a:rPr sz="1400">
+                <a:solidFill>
+                  <a:srgbClr val="000000"/>
+                </a:solidFill>
+                <a:latin typeface="Courier New"/>
+              </a:rPr>
+              <a:t>=</a:t>
+            </a:r>
+            <a:r>
+              <a:rPr sz="1400">
+                <a:solidFill>
+                  <a:srgbClr val="000000"/>
+                </a:solidFill>
+                <a:latin typeface="Courier New"/>
+              </a:rPr>
+              <a:t>1</a:t>
+            </a:r>
+            <a:r>
+              <a:rPr sz="1400">
+                <a:solidFill>
+                  <a:srgbClr val="000000"/>
+                </a:solidFill>
+                <a:latin typeface="Courier New"/>
+              </a:rPr>
+              <a:t> </a:t>
+            </a:r>
+            <a:r>
+              <a:rPr sz="1400">
+                <a:solidFill>
+                  <a:srgbClr val="000000"/>
+                </a:solidFill>
+                <a:latin typeface="Courier New"/>
+              </a:rPr>
+              <a:t>VTO</a:t>
+            </a:r>
+            <a:r>
+              <a:rPr sz="1400">
+                <a:solidFill>
+                  <a:srgbClr val="000000"/>
+                </a:solidFill>
+                <a:latin typeface="Courier New"/>
+              </a:rPr>
+              <a:t>=</a:t>
+            </a:r>
+            <a:r>
+              <a:rPr sz="1400">
+                <a:solidFill>
+                  <a:srgbClr val="000000"/>
+                </a:solidFill>
+                <a:latin typeface="Courier New"/>
+              </a:rPr>
+              <a:t>-</a:t>
+            </a:r>
+            <a:r>
+              <a:rPr sz="1400">
+                <a:solidFill>
+                  <a:srgbClr val="000000"/>
+                </a:solidFill>
+                <a:latin typeface="Courier New"/>
+              </a:rPr>
+              <a:t>0.45</a:t>
+            </a:r>
+            <a:r>
+              <a:rPr sz="1400">
+                <a:solidFill>
+                  <a:srgbClr val="000000"/>
+                </a:solidFill>
+                <a:latin typeface="Courier New"/>
+              </a:rPr>
+              <a:t> </a:t>
+            </a:r>
+            <a:r>
+              <a:rPr sz="1400">
+                <a:solidFill>
+                  <a:srgbClr val="000000"/>
+                </a:solidFill>
+                <a:latin typeface="Courier New"/>
+              </a:rPr>
+              <a:t>KP</a:t>
+            </a:r>
+            <a:r>
+              <a:rPr sz="1400">
+                <a:solidFill>
+                  <a:srgbClr val="000000"/>
+                </a:solidFill>
+                <a:latin typeface="Courier New"/>
+              </a:rPr>
+              <a:t>=</a:t>
+            </a:r>
+            <a:r>
+              <a:rPr sz="1400">
+                <a:solidFill>
+                  <a:srgbClr val="000000"/>
+                </a:solidFill>
+                <a:latin typeface="Courier New"/>
+              </a:rPr>
+              <a:t>55.000E-6</a:t>
+            </a:r>
+            <a:r>
+              <a:rPr sz="1400">
+                <a:solidFill>
+                  <a:srgbClr val="000000"/>
+                </a:solidFill>
+                <a:latin typeface="Courier New"/>
+              </a:rPr>
+              <a:t> </a:t>
+            </a:r>
+            <a:r>
+              <a:rPr sz="1400">
+                <a:solidFill>
+                  <a:srgbClr val="000000"/>
+                </a:solidFill>
+                <a:latin typeface="Courier New"/>
+              </a:rPr>
+              <a:t>LAMBDA</a:t>
+            </a:r>
+            <a:r>
+              <a:rPr sz="1400">
+                <a:solidFill>
+                  <a:srgbClr val="000000"/>
+                </a:solidFill>
+                <a:latin typeface="Courier New"/>
+              </a:rPr>
+              <a:t>=</a:t>
+            </a:r>
+            <a:r>
+              <a:rPr sz="1400">
+                <a:solidFill>
+                  <a:srgbClr val="000000"/>
+                </a:solidFill>
+                <a:latin typeface="Courier New"/>
+              </a:rPr>
+              <a:t>0.001</a:t>
+            </a:r>
+            <a:r>
+              <a:rPr sz="1400">
+                <a:solidFill>
+                  <a:srgbClr val="000000"/>
+                </a:solidFill>
+                <a:latin typeface="Courier New"/>
+              </a:rPr>
+              <a:t>)</a:t>
+            </a:r>
+            <a:r>
+              <a:rPr sz="1400">
+                <a:solidFill>
+                  <a:srgbClr val="000000"/>
+                </a:solidFill>
+                <a:latin typeface="Courier New"/>
+              </a:rPr>
+              <a:t/>
+            </a:r>
+          </a:p>
+        </p:txBody>
+      </p:sp>
+      <p:sp>
+        <p:nvSpPr>
+          <p:cNvPr id="3" name="Title 2"/>
+          <p:cNvSpPr>
+            <a:spLocks noGrp="1"/>
+          </p:cNvSpPr>
+          <p:nvPr>
+            <p:ph type="title"/>
+          </p:nvPr>
+        </p:nvSpPr>
+        <p:spPr/>
+        <p:txBody>
+          <a:bodyPr wrap="square">
+            <a:noAutofit/>
+          </a:bodyPr>
+          <a:lstStyle/>
+          <a:p>
+            <a:r>
+              <a:rPr sz="3200" b="1" i="0">
+                <a:latin typeface="Arial"/>
+              </a:rPr>
+              <a:t>Spice beschrijving</a:t>
+            </a:r>
+            <a:endParaRPr sz="3200" b="1" i="0">
+              <a:latin typeface="Arial"/>
+            </a:endParaRPr>
+          </a:p>
+        </p:txBody>
+      </p:sp>
+    </p:spTree>
+  </p:cSld>
+  <p:clrMapOvr>
+    <a:masterClrMapping/>
+  </p:clrMapOvr>
+</p:sld>
+</file>
+
+<file path=ppt/slides/slide19.xml><?xml version="1.0" encoding="utf-8"?>
+<p:sld xmlns:a="http://schemas.openxmlformats.org/drawingml/2006/main" xmlns:p="http://schemas.openxmlformats.org/presentationml/2006/main" xmlns:r="http://schemas.openxmlformats.org/officeDocument/2006/relationships">
+  <p:cSld>
+    <p:spTree>
+      <p:nvGrpSpPr>
+        <p:cNvPr id="1" name=""/>
+        <p:cNvGrpSpPr/>
+        <p:nvPr/>
+      </p:nvGrpSpPr>
+      <p:grpSpPr/>
+      <p:sp>
+        <p:nvSpPr>
+          <p:cNvPr id="2" name="Content Placeholder 1"/>
+          <p:cNvSpPr>
+            <a:spLocks noGrp="1"/>
+          </p:cNvSpPr>
+          <p:nvPr>
+            <p:ph idx="1"/>
+          </p:nvPr>
+        </p:nvSpPr>
+        <p:spPr/>
+        <p:txBody>
+          <a:bodyPr/>
+          <a:lstStyle/>
+          <a:p/>
+        </p:txBody>
+      </p:sp>
+      <p:sp>
+        <p:nvSpPr>
+          <p:cNvPr id="3" name="Title 2"/>
+          <p:cNvSpPr>
+            <a:spLocks noGrp="1"/>
+          </p:cNvSpPr>
+          <p:nvPr>
+            <p:ph type="title"/>
+          </p:nvPr>
+        </p:nvSpPr>
+        <p:spPr/>
+        <p:txBody>
+          <a:bodyPr wrap="square">
+            <a:noAutofit/>
+          </a:bodyPr>
+          <a:lstStyle/>
+          <a:p>
+            <a:r>
+              <a:rPr sz="3200" b="1" i="0">
+                <a:latin typeface="Arial"/>
+              </a:rPr>
+              <a:t>Spice beschrijving</a:t>
+            </a:r>
+            <a:endParaRPr sz="3200" b="1" i="0">
+              <a:latin typeface="Arial"/>
+            </a:endParaRPr>
+          </a:p>
+        </p:txBody>
+      </p:sp>
+    </p:spTree>
+  </p:cSld>
+  <p:clrMapOvr>
+    <a:masterClrMapping/>
+  </p:clrMapOvr>
+</p:sld>
+</file>
+
+<file path=ppt/slides/slide2.xml><?xml version="1.0" encoding="utf-8"?>
+<p:sld xmlns:a="http://schemas.openxmlformats.org/drawingml/2006/main" xmlns:p="http://schemas.openxmlformats.org/presentationml/2006/main" xmlns:r="http://schemas.openxmlformats.org/officeDocument/2006/relationships">
+  <p:cSld>
+    <p:spTree>
+      <p:nvGrpSpPr>
+        <p:cNvPr id="1" name=""/>
+        <p:cNvGrpSpPr/>
+        <p:nvPr/>
+      </p:nvGrpSpPr>
+      <p:grpSpPr/>
+      <p:sp>
+        <p:nvSpPr>
+          <p:cNvPr id="2" name="Content Placeholder 1"/>
+          <p:cNvSpPr>
+            <a:spLocks noGrp="1"/>
+          </p:cNvSpPr>
+          <p:nvPr>
+            <p:ph idx="1"/>
+          </p:nvPr>
+        </p:nvSpPr>
+        <p:spPr/>
+        <p:txBody>
+          <a:bodyPr/>
+          <a:lstStyle/>
+          <a:p/>
+          <a:p>
+            <a:pPr lvl="1"/>
+            <a:r>
+              <a:t>SPICE (Simulation Program for Integrated Circuits Emphasis) is een algemene analoge circuit simulator die kan gebruikt worden voor het voorspellen en controleren van het gedrag van circuits.</a:t>
+            </a:r>
+          </a:p>
+          <a:p>
+            <a:pPr lvl="1"/>
+            <a:r>
+              <a:t>Ontwikkeld in de 1970’s in Berkeley</a:t>
+            </a:r>
+          </a:p>
+          <a:p>
+            <a:pPr lvl="1"/>
+            <a:r>
+              <a:t>Op basis van de MNA analyse</a:t>
+            </a:r>
+          </a:p>
+        </p:txBody>
+      </p:sp>
+      <p:sp>
+        <p:nvSpPr>
+          <p:cNvPr id="3" name="Title 2"/>
+          <p:cNvSpPr>
+            <a:spLocks noGrp="1"/>
+          </p:cNvSpPr>
+          <p:nvPr>
+            <p:ph type="title"/>
+          </p:nvPr>
+        </p:nvSpPr>
+        <p:spPr/>
+        <p:txBody>
+          <a:bodyPr wrap="square">
+            <a:noAutofit/>
+          </a:bodyPr>
+          <a:lstStyle/>
+          <a:p>
+            <a:r>
+              <a:rPr sz="3200" b="1" i="0">
+                <a:latin typeface="Arial"/>
+              </a:rPr>
+              <a:t>Inleiding SPICE</a:t>
+            </a:r>
+            <a:endParaRPr sz="3200" b="1" i="0">
+              <a:latin typeface="Arial"/>
+            </a:endParaRPr>
+          </a:p>
+        </p:txBody>
+      </p:sp>
+    </p:spTree>
+  </p:cSld>
+  <p:clrMapOvr>
+    <a:masterClrMapping/>
+  </p:clrMapOvr>
+</p:sld>
+</file>
+
+<file path=ppt/slides/slide20.xml><?xml version="1.0" encoding="utf-8"?>
+<p:sld xmlns:a="http://schemas.openxmlformats.org/drawingml/2006/main" xmlns:p="http://schemas.openxmlformats.org/presentationml/2006/main" xmlns:r="http://schemas.openxmlformats.org/officeDocument/2006/relationships">
+  <p:cSld>
+    <p:spTree>
+      <p:nvGrpSpPr>
+        <p:cNvPr id="1" name=""/>
+        <p:cNvGrpSpPr/>
+        <p:nvPr/>
+      </p:nvGrpSpPr>
+      <p:grpSpPr/>
+      <p:sp>
+        <p:nvSpPr>
+          <p:cNvPr id="2" name="Content Placeholder 1"/>
+          <p:cNvSpPr>
+            <a:spLocks noGrp="1"/>
+          </p:cNvSpPr>
+          <p:nvPr>
+            <p:ph idx="1"/>
+          </p:nvPr>
+        </p:nvSpPr>
+        <p:spPr/>
+        <p:txBody>
+          <a:bodyPr/>
+          <a:lstStyle/>
+          <a:p/>
+        </p:txBody>
+      </p:sp>
+      <p:sp>
+        <p:nvSpPr>
+          <p:cNvPr id="3" name="Title 2"/>
+          <p:cNvSpPr>
+            <a:spLocks noGrp="1"/>
+          </p:cNvSpPr>
+          <p:nvPr>
+            <p:ph type="title"/>
+          </p:nvPr>
+        </p:nvSpPr>
+        <p:spPr/>
+        <p:txBody>
+          <a:bodyPr wrap="square">
+            <a:noAutofit/>
+          </a:bodyPr>
+          <a:lstStyle/>
+          <a:p>
+            <a:r>
+              <a:rPr sz="3200" b="1" i="0">
+                <a:latin typeface="Arial"/>
+              </a:rPr>
+              <a:t>nMOS transistors</a:t>
+            </a:r>
+            <a:endParaRPr sz="3200" b="1" i="0">
+              <a:latin typeface="Arial"/>
+            </a:endParaRPr>
+          </a:p>
+        </p:txBody>
+      </p:sp>
+    </p:spTree>
+  </p:cSld>
+  <p:clrMapOvr>
+    <a:masterClrMapping/>
+  </p:clrMapOvr>
+</p:sld>
+</file>
+
+<file path=ppt/slides/slide21.xml><?xml version="1.0" encoding="utf-8"?>
+<p:sld xmlns:a="http://schemas.openxmlformats.org/drawingml/2006/main" xmlns:p="http://schemas.openxmlformats.org/presentationml/2006/main" xmlns:r="http://schemas.openxmlformats.org/officeDocument/2006/relationships">
+  <p:cSld>
+    <p:spTree>
+      <p:nvGrpSpPr>
+        <p:cNvPr id="1" name=""/>
+        <p:cNvGrpSpPr/>
+        <p:nvPr/>
+      </p:nvGrpSpPr>
+      <p:grpSpPr/>
+      <p:sp>
+        <p:nvSpPr>
+          <p:cNvPr id="2" name="Content Placeholder 1"/>
+          <p:cNvSpPr>
+            <a:spLocks noGrp="1"/>
+          </p:cNvSpPr>
+          <p:nvPr>
+            <p:ph idx="1"/>
+          </p:nvPr>
+        </p:nvSpPr>
+        <p:spPr/>
+        <p:txBody>
+          <a:bodyPr/>
+          <a:lstStyle/>
+          <a:p/>
+        </p:txBody>
+      </p:sp>
+      <p:sp>
+        <p:nvSpPr>
+          <p:cNvPr id="3" name="Title 2"/>
+          <p:cNvSpPr>
+            <a:spLocks noGrp="1"/>
+          </p:cNvSpPr>
+          <p:nvPr>
+            <p:ph type="title"/>
+          </p:nvPr>
+        </p:nvSpPr>
+        <p:spPr/>
+        <p:txBody>
+          <a:bodyPr wrap="square">
+            <a:noAutofit/>
+          </a:bodyPr>
+          <a:lstStyle/>
+          <a:p>
+            <a:r>
+              <a:rPr sz="3200" b="1" i="0">
+                <a:latin typeface="Arial"/>
+              </a:rPr>
+              <a:t>nMOS transistors</a:t>
+            </a:r>
+            <a:endParaRPr sz="3200" b="1" i="0">
+              <a:latin typeface="Arial"/>
+            </a:endParaRPr>
+          </a:p>
+        </p:txBody>
+      </p:sp>
+    </p:spTree>
+  </p:cSld>
+  <p:clrMapOvr>
+    <a:masterClrMapping/>
+  </p:clrMapOvr>
+</p:sld>
+</file>
+
+<file path=ppt/slides/slide22.xml><?xml version="1.0" encoding="utf-8"?>
+<p:sld xmlns:a="http://schemas.openxmlformats.org/drawingml/2006/main" xmlns:p="http://schemas.openxmlformats.org/presentationml/2006/main" xmlns:r="http://schemas.openxmlformats.org/officeDocument/2006/relationships">
+  <p:cSld>
+    <p:spTree>
+      <p:nvGrpSpPr>
+        <p:cNvPr id="1" name=""/>
+        <p:cNvGrpSpPr/>
+        <p:nvPr/>
+      </p:nvGrpSpPr>
+      <p:grpSpPr/>
+      <p:sp>
+        <p:nvSpPr>
+          <p:cNvPr id="2" name="Content Placeholder 1"/>
+          <p:cNvSpPr>
+            <a:spLocks noGrp="1"/>
+          </p:cNvSpPr>
+          <p:nvPr>
+            <p:ph idx="1"/>
+          </p:nvPr>
+        </p:nvSpPr>
+        <p:spPr/>
+        <p:txBody>
+          <a:bodyPr/>
+          <a:lstStyle/>
+          <a:p/>
+        </p:txBody>
+      </p:sp>
+      <p:sp>
+        <p:nvSpPr>
+          <p:cNvPr id="3" name="Title 2"/>
+          <p:cNvSpPr>
+            <a:spLocks noGrp="1"/>
+          </p:cNvSpPr>
+          <p:nvPr>
+            <p:ph type="title"/>
+          </p:nvPr>
+        </p:nvSpPr>
+        <p:spPr/>
+        <p:txBody>
+          <a:bodyPr wrap="square">
+            <a:noAutofit/>
+          </a:bodyPr>
+          <a:lstStyle/>
+          <a:p>
+            <a:r>
+              <a:rPr sz="3200" b="1" i="0">
+                <a:latin typeface="Arial"/>
+              </a:rPr>
+              <a:t>nMOS transistors</a:t>
+            </a:r>
+            <a:endParaRPr sz="3200" b="1" i="0">
+              <a:latin typeface="Arial"/>
+            </a:endParaRPr>
+          </a:p>
+        </p:txBody>
+      </p:sp>
+    </p:spTree>
+  </p:cSld>
+  <p:clrMapOvr>
+    <a:masterClrMapping/>
+  </p:clrMapOvr>
+</p:sld>
+</file>
+
+<file path=ppt/slides/slide23.xml><?xml version="1.0" encoding="utf-8"?>
+<p:sld xmlns:a="http://schemas.openxmlformats.org/drawingml/2006/main" xmlns:p="http://schemas.openxmlformats.org/presentationml/2006/main" xmlns:r="http://schemas.openxmlformats.org/officeDocument/2006/relationships">
+  <p:cSld>
+    <p:spTree>
+      <p:nvGrpSpPr>
+        <p:cNvPr id="1" name=""/>
+        <p:cNvGrpSpPr/>
+        <p:nvPr/>
+      </p:nvGrpSpPr>
+      <p:grpSpPr/>
+      <p:sp>
+        <p:nvSpPr>
+          <p:cNvPr id="2" name="Content Placeholder 1"/>
+          <p:cNvSpPr>
+            <a:spLocks noGrp="1"/>
+          </p:cNvSpPr>
+          <p:nvPr>
+            <p:ph idx="1"/>
+          </p:nvPr>
+        </p:nvSpPr>
+        <p:spPr/>
+        <p:txBody>
+          <a:bodyPr/>
+          <a:lstStyle/>
+          <a:p/>
+        </p:txBody>
+      </p:sp>
+      <p:sp>
+        <p:nvSpPr>
+          <p:cNvPr id="3" name="Title 2"/>
+          <p:cNvSpPr>
+            <a:spLocks noGrp="1"/>
+          </p:cNvSpPr>
+          <p:nvPr>
+            <p:ph type="title"/>
+          </p:nvPr>
+        </p:nvSpPr>
+        <p:spPr/>
+        <p:txBody>
+          <a:bodyPr wrap="square">
+            <a:noAutofit/>
+          </a:bodyPr>
+          <a:lstStyle/>
+          <a:p>
+            <a:r>
+              <a:rPr sz="3200" b="1" i="0">
+                <a:latin typeface="Arial"/>
+              </a:rPr>
+              <a:t>nMOS transistors</a:t>
+            </a:r>
+            <a:endParaRPr sz="3200" b="1" i="0">
+              <a:latin typeface="Arial"/>
+            </a:endParaRPr>
+          </a:p>
+        </p:txBody>
+      </p:sp>
+    </p:spTree>
+  </p:cSld>
+  <p:clrMapOvr>
+    <a:masterClrMapping/>
+  </p:clrMapOvr>
+</p:sld>
+</file>
+
+<file path=ppt/slides/slide24.xml><?xml version="1.0" encoding="utf-8"?>
+<p:sld xmlns:a="http://schemas.openxmlformats.org/drawingml/2006/main" xmlns:p="http://schemas.openxmlformats.org/presentationml/2006/main" xmlns:r="http://schemas.openxmlformats.org/officeDocument/2006/relationships">
+  <p:cSld>
+    <p:spTree>
+      <p:nvGrpSpPr>
+        <p:cNvPr id="1" name=""/>
+        <p:cNvGrpSpPr/>
+        <p:nvPr/>
+      </p:nvGrpSpPr>
+      <p:grpSpPr/>
+      <p:sp>
+        <p:nvSpPr>
+          <p:cNvPr id="2" name="Content Placeholder 1"/>
+          <p:cNvSpPr>
+            <a:spLocks noGrp="1"/>
+          </p:cNvSpPr>
+          <p:nvPr>
+            <p:ph idx="1"/>
+          </p:nvPr>
+        </p:nvSpPr>
+        <p:spPr/>
+        <p:txBody>
+          <a:bodyPr/>
+          <a:lstStyle/>
+          <a:p/>
+        </p:txBody>
+      </p:sp>
+      <p:sp>
+        <p:nvSpPr>
+          <p:cNvPr id="3" name="Title 2"/>
+          <p:cNvSpPr>
+            <a:spLocks noGrp="1"/>
+          </p:cNvSpPr>
+          <p:nvPr>
+            <p:ph type="title"/>
+          </p:nvPr>
+        </p:nvSpPr>
+        <p:spPr/>
+        <p:txBody>
+          <a:bodyPr wrap="square">
+            <a:noAutofit/>
+          </a:bodyPr>
+          <a:lstStyle/>
+          <a:p>
+            <a:r>
+              <a:rPr sz="3200" b="1" i="0">
+                <a:latin typeface="Arial"/>
+              </a:rPr>
+              <a:t>nMOS transistors</a:t>
+            </a:r>
+            <a:endParaRPr sz="3200" b="1" i="0">
+              <a:latin typeface="Arial"/>
+            </a:endParaRPr>
+          </a:p>
+        </p:txBody>
+      </p:sp>
+    </p:spTree>
+  </p:cSld>
+  <p:clrMapOvr>
+    <a:masterClrMapping/>
+  </p:clrMapOvr>
+</p:sld>
+</file>
+
+<file path=ppt/slides/slide25.xml><?xml version="1.0" encoding="utf-8"?>
+<p:sld xmlns:a="http://schemas.openxmlformats.org/drawingml/2006/main" xmlns:p="http://schemas.openxmlformats.org/presentationml/2006/main" xmlns:r="http://schemas.openxmlformats.org/officeDocument/2006/relationships">
+  <p:cSld>
+    <p:spTree>
+      <p:nvGrpSpPr>
+        <p:cNvPr id="1" name=""/>
+        <p:cNvGrpSpPr/>
+        <p:nvPr/>
+      </p:nvGrpSpPr>
+      <p:grpSpPr/>
+      <p:sp>
+        <p:nvSpPr>
+          <p:cNvPr id="2" name="Content Placeholder 1"/>
+          <p:cNvSpPr>
+            <a:spLocks noGrp="1"/>
+          </p:cNvSpPr>
+          <p:nvPr>
+            <p:ph idx="1"/>
+          </p:nvPr>
+        </p:nvSpPr>
+        <p:spPr/>
+        <p:txBody>
+          <a:bodyPr/>
+          <a:lstStyle/>
+          <a:p/>
+        </p:txBody>
+      </p:sp>
+      <p:sp>
+        <p:nvSpPr>
+          <p:cNvPr id="3" name="Title 2"/>
+          <p:cNvSpPr>
+            <a:spLocks noGrp="1"/>
+          </p:cNvSpPr>
+          <p:nvPr>
+            <p:ph type="title"/>
+          </p:nvPr>
+        </p:nvSpPr>
+        <p:spPr/>
+        <p:txBody>
+          <a:bodyPr wrap="square">
+            <a:noAutofit/>
+          </a:bodyPr>
+          <a:lstStyle/>
+          <a:p>
+            <a:r>
+              <a:rPr sz="3200" b="1" i="0">
+                <a:latin typeface="Arial"/>
+              </a:rPr>
+              <a:t>nMOS transistors</a:t>
+            </a:r>
+            <a:endParaRPr sz="3200" b="1" i="0">
+              <a:latin typeface="Arial"/>
+            </a:endParaRPr>
+          </a:p>
+        </p:txBody>
+      </p:sp>
+    </p:spTree>
+  </p:cSld>
+  <p:clrMapOvr>
+    <a:masterClrMapping/>
+  </p:clrMapOvr>
+</p:sld>
+</file>
+
+<file path=ppt/slides/slide26.xml><?xml version="1.0" encoding="utf-8"?>
+<p:sld xmlns:a="http://schemas.openxmlformats.org/drawingml/2006/main" xmlns:p="http://schemas.openxmlformats.org/presentationml/2006/main" xmlns:r="http://schemas.openxmlformats.org/officeDocument/2006/relationships">
+  <p:cSld>
+    <p:spTree>
+      <p:nvGrpSpPr>
+        <p:cNvPr id="1" name=""/>
+        <p:cNvGrpSpPr/>
+        <p:nvPr/>
+      </p:nvGrpSpPr>
+      <p:grpSpPr/>
+      <p:sp>
+        <p:nvSpPr>
+          <p:cNvPr id="2" name="Content Placeholder 1"/>
+          <p:cNvSpPr>
+            <a:spLocks noGrp="1"/>
+          </p:cNvSpPr>
+          <p:nvPr>
+            <p:ph idx="1"/>
+          </p:nvPr>
+        </p:nvSpPr>
+        <p:spPr/>
+        <p:txBody>
+          <a:bodyPr/>
+          <a:lstStyle/>
+          <a:p>
+            <a:r>
+              <a:rPr sz="1400">
+                <a:solidFill>
+                  <a:srgbClr val="000000"/>
+                </a:solidFill>
+                <a:latin typeface="Courier New"/>
+              </a:rPr>
+              <a:t/>
+            </a:r>
+            <a:r>
+              <a:rPr sz="1400">
+                <a:solidFill>
+                  <a:srgbClr val="000000"/>
+                </a:solidFill>
+                <a:latin typeface="Courier New"/>
+              </a:rPr>
+              <a:t>MN1</a:t>
+            </a:r>
+            <a:r>
+              <a:rPr sz="1400">
+                <a:solidFill>
+                  <a:srgbClr val="000000"/>
+                </a:solidFill>
+                <a:latin typeface="Courier New"/>
+              </a:rPr>
+              <a:t> </a:t>
+            </a:r>
+            <a:r>
+              <a:rPr sz="1400">
+                <a:solidFill>
+                  <a:srgbClr val="000000"/>
+                </a:solidFill>
+                <a:latin typeface="Courier New"/>
+              </a:rPr>
+              <a:t>3</a:t>
+            </a:r>
+            <a:r>
+              <a:rPr sz="1400">
+                <a:solidFill>
+                  <a:srgbClr val="000000"/>
+                </a:solidFill>
+                <a:latin typeface="Courier New"/>
+              </a:rPr>
+              <a:t> </a:t>
+            </a:r>
+            <a:r>
+              <a:rPr sz="1400">
+                <a:solidFill>
+                  <a:srgbClr val="000000"/>
+                </a:solidFill>
+                <a:latin typeface="Courier New"/>
+              </a:rPr>
+              <a:t>5</a:t>
+            </a:r>
+            <a:r>
+              <a:rPr sz="1400">
+                <a:solidFill>
+                  <a:srgbClr val="000000"/>
+                </a:solidFill>
+                <a:latin typeface="Courier New"/>
+              </a:rPr>
+              <a:t> </a:t>
+            </a:r>
+            <a:r>
+              <a:rPr sz="1400">
+                <a:solidFill>
+                  <a:srgbClr val="000000"/>
+                </a:solidFill>
+                <a:latin typeface="Courier New"/>
+              </a:rPr>
+              <a:t>0</a:t>
+            </a:r>
+            <a:r>
+              <a:rPr sz="1400">
+                <a:solidFill>
+                  <a:srgbClr val="000000"/>
+                </a:solidFill>
+                <a:latin typeface="Courier New"/>
+              </a:rPr>
+              <a:t> </a:t>
+            </a:r>
+            <a:r>
+              <a:rPr sz="1400">
+                <a:solidFill>
+                  <a:srgbClr val="000000"/>
+                </a:solidFill>
+                <a:latin typeface="Courier New"/>
+              </a:rPr>
+              <a:t>0</a:t>
+            </a:r>
+            <a:r>
+              <a:rPr sz="1400">
+                <a:solidFill>
+                  <a:srgbClr val="000000"/>
+                </a:solidFill>
+                <a:latin typeface="Courier New"/>
+              </a:rPr>
+              <a:t>  </a:t>
+            </a:r>
+            <a:r>
+              <a:rPr sz="1400">
+                <a:solidFill>
+                  <a:srgbClr val="000000"/>
+                </a:solidFill>
+                <a:latin typeface="Courier New"/>
+              </a:rPr>
+              <a:t>NMOS</a:t>
+            </a:r>
+            <a:r>
+              <a:rPr sz="1400">
+                <a:solidFill>
+                  <a:srgbClr val="000000"/>
+                </a:solidFill>
+                <a:latin typeface="Courier New"/>
+              </a:rPr>
+              <a:t> </a:t>
+            </a:r>
+            <a:r>
+              <a:rPr sz="1400">
+                <a:solidFill>
+                  <a:srgbClr val="000000"/>
+                </a:solidFill>
+                <a:latin typeface="Courier New"/>
+              </a:rPr>
+              <a:t>w</a:t>
+            </a:r>
+            <a:r>
+              <a:rPr sz="1400">
+                <a:solidFill>
+                  <a:srgbClr val="000000"/>
+                </a:solidFill>
+                <a:latin typeface="Courier New"/>
+              </a:rPr>
+              <a:t>=</a:t>
+            </a:r>
+            <a:r>
+              <a:rPr sz="1400">
+                <a:solidFill>
+                  <a:srgbClr val="000000"/>
+                </a:solidFill>
+                <a:latin typeface="Courier New"/>
+              </a:rPr>
+              <a:t>1.50</a:t>
+            </a:r>
+            <a:r>
+              <a:rPr sz="1400">
+                <a:solidFill>
+                  <a:srgbClr val="000000"/>
+                </a:solidFill>
+                <a:latin typeface="Courier New"/>
+              </a:rPr>
+              <a:t>u</a:t>
+            </a:r>
+            <a:r>
+              <a:rPr sz="1400">
+                <a:solidFill>
+                  <a:srgbClr val="000000"/>
+                </a:solidFill>
+                <a:latin typeface="Courier New"/>
+              </a:rPr>
+              <a:t> </a:t>
+            </a:r>
+            <a:r>
+              <a:rPr sz="1400">
+                <a:solidFill>
+                  <a:srgbClr val="000000"/>
+                </a:solidFill>
+                <a:latin typeface="Courier New"/>
+              </a:rPr>
+              <a:t>L</a:t>
+            </a:r>
+            <a:r>
+              <a:rPr sz="1400">
+                <a:solidFill>
+                  <a:srgbClr val="000000"/>
+                </a:solidFill>
+                <a:latin typeface="Courier New"/>
+              </a:rPr>
+              <a:t>=</a:t>
+            </a:r>
+            <a:r>
+              <a:rPr sz="1400">
+                <a:solidFill>
+                  <a:srgbClr val="000000"/>
+                </a:solidFill>
+                <a:latin typeface="Courier New"/>
+              </a:rPr>
+              <a:t>0.50</a:t>
+            </a:r>
+            <a:r>
+              <a:rPr sz="1400">
+                <a:solidFill>
+                  <a:srgbClr val="000000"/>
+                </a:solidFill>
+                <a:latin typeface="Courier New"/>
+              </a:rPr>
+              <a:t>u</a:t>
+            </a:r>
+            <a:r>
+              <a:rPr sz="1400">
+                <a:solidFill>
+                  <a:srgbClr val="000000"/>
+                </a:solidFill>
+                <a:latin typeface="Courier New"/>
+              </a:rPr>
+              <a:t/>
+            </a:r>
+            <a:r>
+              <a:rPr sz="1400">
+                <a:solidFill>
+                  <a:srgbClr val="000000"/>
+                </a:solidFill>
+                <a:latin typeface="Courier New"/>
+              </a:rPr>
+              <a:t>MN2</a:t>
+            </a:r>
+            <a:r>
+              <a:rPr sz="1400">
+                <a:solidFill>
+                  <a:srgbClr val="000000"/>
+                </a:solidFill>
+                <a:latin typeface="Courier New"/>
+              </a:rPr>
+              <a:t> </a:t>
+            </a:r>
+            <a:r>
+              <a:rPr sz="1400">
+                <a:solidFill>
+                  <a:srgbClr val="000000"/>
+                </a:solidFill>
+                <a:latin typeface="Courier New"/>
+              </a:rPr>
+              <a:t>0</a:t>
+            </a:r>
+            <a:r>
+              <a:rPr sz="1400">
+                <a:solidFill>
+                  <a:srgbClr val="000000"/>
+                </a:solidFill>
+                <a:latin typeface="Courier New"/>
+              </a:rPr>
+              <a:t> </a:t>
+            </a:r>
+            <a:r>
+              <a:rPr sz="1400">
+                <a:solidFill>
+                  <a:srgbClr val="000000"/>
+                </a:solidFill>
+                <a:latin typeface="Courier New"/>
+              </a:rPr>
+              <a:t>5</a:t>
+            </a:r>
+            <a:r>
+              <a:rPr sz="1400">
+                <a:solidFill>
+                  <a:srgbClr val="000000"/>
+                </a:solidFill>
+                <a:latin typeface="Courier New"/>
+              </a:rPr>
+              <a:t> </a:t>
+            </a:r>
+            <a:r>
+              <a:rPr sz="1400">
+                <a:solidFill>
+                  <a:srgbClr val="000000"/>
+                </a:solidFill>
+                <a:latin typeface="Courier New"/>
+              </a:rPr>
+              <a:t>5</a:t>
+            </a:r>
+            <a:r>
+              <a:rPr sz="1400">
+                <a:solidFill>
+                  <a:srgbClr val="000000"/>
+                </a:solidFill>
+                <a:latin typeface="Courier New"/>
+              </a:rPr>
+              <a:t> </a:t>
+            </a:r>
+            <a:r>
+              <a:rPr sz="1400">
+                <a:solidFill>
+                  <a:srgbClr val="000000"/>
+                </a:solidFill>
+                <a:latin typeface="Courier New"/>
+              </a:rPr>
+              <a:t>0</a:t>
+            </a:r>
+            <a:r>
+              <a:rPr sz="1400">
+                <a:solidFill>
+                  <a:srgbClr val="000000"/>
+                </a:solidFill>
+                <a:latin typeface="Courier New"/>
+              </a:rPr>
+              <a:t>  </a:t>
+            </a:r>
+            <a:r>
+              <a:rPr sz="1400">
+                <a:solidFill>
+                  <a:srgbClr val="000000"/>
+                </a:solidFill>
+                <a:latin typeface="Courier New"/>
+              </a:rPr>
+              <a:t>NMOS</a:t>
+            </a:r>
+            <a:r>
+              <a:rPr sz="1400">
+                <a:solidFill>
+                  <a:srgbClr val="000000"/>
+                </a:solidFill>
+                <a:latin typeface="Courier New"/>
+              </a:rPr>
+              <a:t> </a:t>
+            </a:r>
+            <a:r>
+              <a:rPr sz="1400">
+                <a:solidFill>
+                  <a:srgbClr val="000000"/>
+                </a:solidFill>
+                <a:latin typeface="Courier New"/>
+              </a:rPr>
+              <a:t>w</a:t>
+            </a:r>
+            <a:r>
+              <a:rPr sz="1400">
+                <a:solidFill>
+                  <a:srgbClr val="000000"/>
+                </a:solidFill>
+                <a:latin typeface="Courier New"/>
+              </a:rPr>
+              <a:t>=</a:t>
+            </a:r>
+            <a:r>
+              <a:rPr sz="1400">
+                <a:solidFill>
+                  <a:srgbClr val="000000"/>
+                </a:solidFill>
+                <a:latin typeface="Courier New"/>
+              </a:rPr>
+              <a:t>1.50</a:t>
+            </a:r>
+            <a:r>
+              <a:rPr sz="1400">
+                <a:solidFill>
+                  <a:srgbClr val="000000"/>
+                </a:solidFill>
+                <a:latin typeface="Courier New"/>
+              </a:rPr>
+              <a:t>u</a:t>
+            </a:r>
+            <a:r>
+              <a:rPr sz="1400">
+                <a:solidFill>
+                  <a:srgbClr val="000000"/>
+                </a:solidFill>
+                <a:latin typeface="Courier New"/>
+              </a:rPr>
+              <a:t> </a:t>
+            </a:r>
+            <a:r>
+              <a:rPr sz="1400">
+                <a:solidFill>
+                  <a:srgbClr val="000000"/>
+                </a:solidFill>
+                <a:latin typeface="Courier New"/>
+              </a:rPr>
+              <a:t>L</a:t>
+            </a:r>
+            <a:r>
+              <a:rPr sz="1400">
+                <a:solidFill>
+                  <a:srgbClr val="000000"/>
+                </a:solidFill>
+                <a:latin typeface="Courier New"/>
+              </a:rPr>
+              <a:t>=</a:t>
+            </a:r>
+            <a:r>
+              <a:rPr sz="1400">
+                <a:solidFill>
+                  <a:srgbClr val="000000"/>
+                </a:solidFill>
+                <a:latin typeface="Courier New"/>
+              </a:rPr>
+              <a:t>0.50</a:t>
+            </a:r>
+            <a:r>
+              <a:rPr sz="1400">
+                <a:solidFill>
+                  <a:srgbClr val="000000"/>
+                </a:solidFill>
+                <a:latin typeface="Courier New"/>
+              </a:rPr>
+              <a:t>u</a:t>
+            </a:r>
+            <a:r>
+              <a:rPr sz="1400">
+                <a:solidFill>
+                  <a:srgbClr val="000000"/>
+                </a:solidFill>
+                <a:latin typeface="Courier New"/>
+              </a:rPr>
+              <a:t/>
+            </a:r>
+            <a:r>
+              <a:rPr sz="1400">
+                <a:solidFill>
+                  <a:srgbClr val="000000"/>
+                </a:solidFill>
+                <a:latin typeface="Courier New"/>
+              </a:rPr>
+              <a:t>MN3</a:t>
+            </a:r>
+            <a:r>
+              <a:rPr sz="1400">
+                <a:solidFill>
+                  <a:srgbClr val="000000"/>
+                </a:solidFill>
+                <a:latin typeface="Courier New"/>
+              </a:rPr>
+              <a:t> </a:t>
+            </a:r>
+            <a:r>
+              <a:rPr sz="1400">
+                <a:solidFill>
+                  <a:srgbClr val="000000"/>
+                </a:solidFill>
+                <a:latin typeface="Courier New"/>
+              </a:rPr>
+              <a:t>8</a:t>
+            </a:r>
+            <a:r>
+              <a:rPr sz="1400">
+                <a:solidFill>
+                  <a:srgbClr val="000000"/>
+                </a:solidFill>
+                <a:latin typeface="Courier New"/>
+              </a:rPr>
+              <a:t> </a:t>
+            </a:r>
+            <a:r>
+              <a:rPr sz="1400">
+                <a:solidFill>
+                  <a:srgbClr val="000000"/>
+                </a:solidFill>
+                <a:latin typeface="Courier New"/>
+              </a:rPr>
+              <a:t>10</a:t>
+            </a:r>
+            <a:r>
+              <a:rPr sz="1400">
+                <a:solidFill>
+                  <a:srgbClr val="000000"/>
+                </a:solidFill>
+                <a:latin typeface="Courier New"/>
+              </a:rPr>
+              <a:t> </a:t>
+            </a:r>
+            <a:r>
+              <a:rPr sz="1400">
+                <a:solidFill>
+                  <a:srgbClr val="000000"/>
+                </a:solidFill>
+                <a:latin typeface="Courier New"/>
+              </a:rPr>
+              <a:t>4</a:t>
+            </a:r>
+            <a:r>
+              <a:rPr sz="1400">
+                <a:solidFill>
+                  <a:srgbClr val="000000"/>
+                </a:solidFill>
+                <a:latin typeface="Courier New"/>
+              </a:rPr>
+              <a:t> </a:t>
+            </a:r>
+            <a:r>
+              <a:rPr sz="1400">
+                <a:solidFill>
+                  <a:srgbClr val="000000"/>
+                </a:solidFill>
+                <a:latin typeface="Courier New"/>
+              </a:rPr>
+              <a:t>0</a:t>
+            </a:r>
+            <a:r>
+              <a:rPr sz="1400">
+                <a:solidFill>
+                  <a:srgbClr val="000000"/>
+                </a:solidFill>
+                <a:latin typeface="Courier New"/>
+              </a:rPr>
+              <a:t> </a:t>
+            </a:r>
+            <a:r>
+              <a:rPr sz="1400">
+                <a:solidFill>
+                  <a:srgbClr val="000000"/>
+                </a:solidFill>
+                <a:latin typeface="Courier New"/>
+              </a:rPr>
+              <a:t>NMOS</a:t>
+            </a:r>
+            <a:r>
+              <a:rPr sz="1400">
+                <a:solidFill>
+                  <a:srgbClr val="000000"/>
+                </a:solidFill>
+                <a:latin typeface="Courier New"/>
+              </a:rPr>
+              <a:t> </a:t>
+            </a:r>
+            <a:r>
+              <a:rPr sz="1400">
+                <a:solidFill>
+                  <a:srgbClr val="000000"/>
+                </a:solidFill>
+                <a:latin typeface="Courier New"/>
+              </a:rPr>
+              <a:t>w</a:t>
+            </a:r>
+            <a:r>
+              <a:rPr sz="1400">
+                <a:solidFill>
+                  <a:srgbClr val="000000"/>
+                </a:solidFill>
+                <a:latin typeface="Courier New"/>
+              </a:rPr>
+              <a:t>=</a:t>
+            </a:r>
+            <a:r>
+              <a:rPr sz="1400">
+                <a:solidFill>
+                  <a:srgbClr val="000000"/>
+                </a:solidFill>
+                <a:latin typeface="Courier New"/>
+              </a:rPr>
+              <a:t>1.50</a:t>
+            </a:r>
+            <a:r>
+              <a:rPr sz="1400">
+                <a:solidFill>
+                  <a:srgbClr val="000000"/>
+                </a:solidFill>
+                <a:latin typeface="Courier New"/>
+              </a:rPr>
+              <a:t>u</a:t>
+            </a:r>
+            <a:r>
+              <a:rPr sz="1400">
+                <a:solidFill>
+                  <a:srgbClr val="000000"/>
+                </a:solidFill>
+                <a:latin typeface="Courier New"/>
+              </a:rPr>
+              <a:t> </a:t>
+            </a:r>
+            <a:r>
+              <a:rPr sz="1400">
+                <a:solidFill>
+                  <a:srgbClr val="000000"/>
+                </a:solidFill>
+                <a:latin typeface="Courier New"/>
+              </a:rPr>
+              <a:t>L</a:t>
+            </a:r>
+            <a:r>
+              <a:rPr sz="1400">
+                <a:solidFill>
+                  <a:srgbClr val="000000"/>
+                </a:solidFill>
+                <a:latin typeface="Courier New"/>
+              </a:rPr>
+              <a:t>=</a:t>
+            </a:r>
+            <a:r>
+              <a:rPr sz="1400">
+                <a:solidFill>
+                  <a:srgbClr val="000000"/>
+                </a:solidFill>
+                <a:latin typeface="Courier New"/>
+              </a:rPr>
+              <a:t>0.50</a:t>
+            </a:r>
+            <a:r>
+              <a:rPr sz="1400">
+                <a:solidFill>
+                  <a:srgbClr val="000000"/>
+                </a:solidFill>
+                <a:latin typeface="Courier New"/>
+              </a:rPr>
+              <a:t>U</a:t>
+            </a:r>
+            <a:r>
+              <a:rPr sz="1400">
+                <a:solidFill>
+                  <a:srgbClr val="000000"/>
+                </a:solidFill>
+                <a:latin typeface="Courier New"/>
+              </a:rPr>
+              <a:t/>
+            </a:r>
+            <a:r>
+              <a:rPr sz="1400">
+                <a:solidFill>
+                  <a:srgbClr val="000000"/>
+                </a:solidFill>
+                <a:latin typeface="Courier New"/>
+              </a:rPr>
+              <a:t>MN4</a:t>
+            </a:r>
+            <a:r>
+              <a:rPr sz="1400">
+                <a:solidFill>
+                  <a:srgbClr val="000000"/>
+                </a:solidFill>
+                <a:latin typeface="Courier New"/>
+              </a:rPr>
+              <a:t> </a:t>
+            </a:r>
+            <a:r>
+              <a:rPr sz="1400">
+                <a:solidFill>
+                  <a:srgbClr val="000000"/>
+                </a:solidFill>
+                <a:latin typeface="Courier New"/>
+              </a:rPr>
+              <a:t>0</a:t>
+            </a:r>
+            <a:r>
+              <a:rPr sz="1400">
+                <a:solidFill>
+                  <a:srgbClr val="000000"/>
+                </a:solidFill>
+                <a:latin typeface="Courier New"/>
+              </a:rPr>
+              <a:t> </a:t>
+            </a:r>
+            <a:r>
+              <a:rPr sz="1400">
+                <a:solidFill>
+                  <a:srgbClr val="000000"/>
+                </a:solidFill>
+                <a:latin typeface="Courier New"/>
+              </a:rPr>
+              <a:t>9</a:t>
+            </a:r>
+            <a:r>
+              <a:rPr sz="1400">
+                <a:solidFill>
+                  <a:srgbClr val="000000"/>
+                </a:solidFill>
+                <a:latin typeface="Courier New"/>
+              </a:rPr>
+              <a:t> </a:t>
+            </a:r>
+            <a:r>
+              <a:rPr sz="1400">
+                <a:solidFill>
+                  <a:srgbClr val="000000"/>
+                </a:solidFill>
+                <a:latin typeface="Courier New"/>
+              </a:rPr>
+              <a:t>8</a:t>
+            </a:r>
+            <a:r>
+              <a:rPr sz="1400">
+                <a:solidFill>
+                  <a:srgbClr val="000000"/>
+                </a:solidFill>
+                <a:latin typeface="Courier New"/>
+              </a:rPr>
+              <a:t> </a:t>
+            </a:r>
+            <a:r>
+              <a:rPr sz="1400">
+                <a:solidFill>
+                  <a:srgbClr val="000000"/>
+                </a:solidFill>
+                <a:latin typeface="Courier New"/>
+              </a:rPr>
+              <a:t>0</a:t>
+            </a:r>
+            <a:r>
+              <a:rPr sz="1400">
+                <a:solidFill>
+                  <a:srgbClr val="000000"/>
+                </a:solidFill>
+                <a:latin typeface="Courier New"/>
+              </a:rPr>
+              <a:t>  </a:t>
+            </a:r>
+            <a:r>
+              <a:rPr sz="1400">
+                <a:solidFill>
+                  <a:srgbClr val="000000"/>
+                </a:solidFill>
+                <a:latin typeface="Courier New"/>
+              </a:rPr>
+              <a:t>NMOS</a:t>
+            </a:r>
+            <a:r>
+              <a:rPr sz="1400">
+                <a:solidFill>
+                  <a:srgbClr val="000000"/>
+                </a:solidFill>
+                <a:latin typeface="Courier New"/>
+              </a:rPr>
+              <a:t> </a:t>
+            </a:r>
+            <a:r>
+              <a:rPr sz="1400">
+                <a:solidFill>
+                  <a:srgbClr val="000000"/>
+                </a:solidFill>
+                <a:latin typeface="Courier New"/>
+              </a:rPr>
+              <a:t>w</a:t>
+            </a:r>
+            <a:r>
+              <a:rPr sz="1400">
+                <a:solidFill>
+                  <a:srgbClr val="000000"/>
+                </a:solidFill>
+                <a:latin typeface="Courier New"/>
+              </a:rPr>
+              <a:t>=</a:t>
+            </a:r>
+            <a:r>
+              <a:rPr sz="1400">
+                <a:solidFill>
+                  <a:srgbClr val="000000"/>
+                </a:solidFill>
+                <a:latin typeface="Courier New"/>
+              </a:rPr>
+              <a:t>4.50</a:t>
+            </a:r>
+            <a:r>
+              <a:rPr sz="1400">
+                <a:solidFill>
+                  <a:srgbClr val="000000"/>
+                </a:solidFill>
+                <a:latin typeface="Courier New"/>
+              </a:rPr>
+              <a:t>u</a:t>
+            </a:r>
+            <a:r>
+              <a:rPr sz="1400">
+                <a:solidFill>
+                  <a:srgbClr val="000000"/>
+                </a:solidFill>
+                <a:latin typeface="Courier New"/>
+              </a:rPr>
+              <a:t> </a:t>
+            </a:r>
+            <a:r>
+              <a:rPr sz="1400">
+                <a:solidFill>
+                  <a:srgbClr val="000000"/>
+                </a:solidFill>
+                <a:latin typeface="Courier New"/>
+              </a:rPr>
+              <a:t>L</a:t>
+            </a:r>
+            <a:r>
+              <a:rPr sz="1400">
+                <a:solidFill>
+                  <a:srgbClr val="000000"/>
+                </a:solidFill>
+                <a:latin typeface="Courier New"/>
+              </a:rPr>
+              <a:t>=</a:t>
+            </a:r>
+            <a:r>
+              <a:rPr sz="1400">
+                <a:solidFill>
+                  <a:srgbClr val="000000"/>
+                </a:solidFill>
+                <a:latin typeface="Courier New"/>
+              </a:rPr>
+              <a:t>0.50</a:t>
+            </a:r>
+            <a:r>
+              <a:rPr sz="1400">
+                <a:solidFill>
+                  <a:srgbClr val="000000"/>
+                </a:solidFill>
+                <a:latin typeface="Courier New"/>
+              </a:rPr>
+              <a:t>U</a:t>
+            </a:r>
+            <a:r>
+              <a:rPr sz="1400">
+                <a:solidFill>
+                  <a:srgbClr val="000000"/>
+                </a:solidFill>
+                <a:latin typeface="Courier New"/>
+              </a:rPr>
+              <a:t/>
+            </a:r>
+          </a:p>
+        </p:txBody>
+      </p:sp>
+      <p:sp>
+        <p:nvSpPr>
+          <p:cNvPr id="3" name="Title 2"/>
+          <p:cNvSpPr>
+            <a:spLocks noGrp="1"/>
+          </p:cNvSpPr>
+          <p:nvPr>
+            <p:ph type="title"/>
+          </p:nvPr>
+        </p:nvSpPr>
+        <p:spPr/>
+        <p:txBody>
+          <a:bodyPr wrap="square">
+            <a:noAutofit/>
+          </a:bodyPr>
+          <a:lstStyle/>
+          <a:p>
+            <a:r>
+              <a:rPr sz="3200" b="1" i="0">
+                <a:latin typeface="Arial"/>
+              </a:rPr>
+              <a:t>nMOS transistors</a:t>
+            </a:r>
+            <a:endParaRPr sz="3200" b="1" i="0">
+              <a:latin typeface="Arial"/>
+            </a:endParaRPr>
+          </a:p>
+        </p:txBody>
+      </p:sp>
+    </p:spTree>
+  </p:cSld>
+  <p:clrMapOvr>
+    <a:masterClrMapping/>
+  </p:clrMapOvr>
+</p:sld>
+</file>
+
+<file path=ppt/slides/slide27.xml><?xml version="1.0" encoding="utf-8"?>
+<p:sld xmlns:a="http://schemas.openxmlformats.org/drawingml/2006/main" xmlns:p="http://schemas.openxmlformats.org/presentationml/2006/main" xmlns:r="http://schemas.openxmlformats.org/officeDocument/2006/relationships">
+  <p:cSld>
+    <p:spTree>
+      <p:nvGrpSpPr>
+        <p:cNvPr id="1" name=""/>
+        <p:cNvGrpSpPr/>
+        <p:nvPr/>
+      </p:nvGrpSpPr>
+      <p:grpSpPr/>
+      <p:sp>
+        <p:nvSpPr>
+          <p:cNvPr id="2" name="Content Placeholder 1"/>
+          <p:cNvSpPr>
+            <a:spLocks noGrp="1"/>
+          </p:cNvSpPr>
+          <p:nvPr>
+            <p:ph idx="1"/>
+          </p:nvPr>
+        </p:nvSpPr>
+        <p:spPr/>
+        <p:txBody>
+          <a:bodyPr/>
+          <a:lstStyle/>
+          <a:p>
+            <a:r>
+              <a:rPr sz="1400">
+                <a:solidFill>
+                  <a:srgbClr val="000000"/>
+                </a:solidFill>
+                <a:latin typeface="Courier New"/>
+              </a:rPr>
+              <a:t>MN5</a:t>
+            </a:r>
+            <a:r>
+              <a:rPr sz="1400">
+                <a:solidFill>
+                  <a:srgbClr val="000000"/>
+                </a:solidFill>
+                <a:latin typeface="Courier New"/>
+              </a:rPr>
+              <a:t> </a:t>
+            </a:r>
+            <a:r>
+              <a:rPr sz="1400">
+                <a:solidFill>
+                  <a:srgbClr val="000000"/>
+                </a:solidFill>
+                <a:latin typeface="Courier New"/>
+              </a:rPr>
+              <a:t>6</a:t>
+            </a:r>
+            <a:r>
+              <a:rPr sz="1400">
+                <a:solidFill>
+                  <a:srgbClr val="000000"/>
+                </a:solidFill>
+                <a:latin typeface="Courier New"/>
+              </a:rPr>
+              <a:t> </a:t>
+            </a:r>
+            <a:r>
+              <a:rPr sz="1400">
+                <a:solidFill>
+                  <a:srgbClr val="000000"/>
+                </a:solidFill>
+                <a:latin typeface="Courier New"/>
+              </a:rPr>
+              <a:t>11</a:t>
+            </a:r>
+            <a:r>
+              <a:rPr sz="1400">
+                <a:solidFill>
+                  <a:srgbClr val="000000"/>
+                </a:solidFill>
+                <a:latin typeface="Courier New"/>
+              </a:rPr>
+              <a:t> </a:t>
+            </a:r>
+            <a:r>
+              <a:rPr sz="1400">
+                <a:solidFill>
+                  <a:srgbClr val="000000"/>
+                </a:solidFill>
+                <a:latin typeface="Courier New"/>
+              </a:rPr>
+              <a:t>8</a:t>
+            </a:r>
+            <a:r>
+              <a:rPr sz="1400">
+                <a:solidFill>
+                  <a:srgbClr val="000000"/>
+                </a:solidFill>
+                <a:latin typeface="Courier New"/>
+              </a:rPr>
+              <a:t> </a:t>
+            </a:r>
+            <a:r>
+              <a:rPr sz="1400">
+                <a:solidFill>
+                  <a:srgbClr val="000000"/>
+                </a:solidFill>
+                <a:latin typeface="Courier New"/>
+              </a:rPr>
+              <a:t>0</a:t>
+            </a:r>
+            <a:r>
+              <a:rPr sz="1400">
+                <a:solidFill>
+                  <a:srgbClr val="000000"/>
+                </a:solidFill>
+                <a:latin typeface="Courier New"/>
+              </a:rPr>
+              <a:t> </a:t>
+            </a:r>
+            <a:r>
+              <a:rPr sz="1400">
+                <a:solidFill>
+                  <a:srgbClr val="000000"/>
+                </a:solidFill>
+                <a:latin typeface="Courier New"/>
+              </a:rPr>
+              <a:t>NMOS</a:t>
+            </a:r>
+            <a:r>
+              <a:rPr sz="1400">
+                <a:solidFill>
+                  <a:srgbClr val="000000"/>
+                </a:solidFill>
+                <a:latin typeface="Courier New"/>
+              </a:rPr>
+              <a:t> </a:t>
+            </a:r>
+            <a:r>
+              <a:rPr sz="1400">
+                <a:solidFill>
+                  <a:srgbClr val="000000"/>
+                </a:solidFill>
+                <a:latin typeface="Courier New"/>
+              </a:rPr>
+              <a:t>w</a:t>
+            </a:r>
+            <a:r>
+              <a:rPr sz="1400">
+                <a:solidFill>
+                  <a:srgbClr val="000000"/>
+                </a:solidFill>
+                <a:latin typeface="Courier New"/>
+              </a:rPr>
+              <a:t>=</a:t>
+            </a:r>
+            <a:r>
+              <a:rPr sz="1400">
+                <a:solidFill>
+                  <a:srgbClr val="000000"/>
+                </a:solidFill>
+                <a:latin typeface="Courier New"/>
+              </a:rPr>
+              <a:t>1.50</a:t>
+            </a:r>
+            <a:r>
+              <a:rPr sz="1400">
+                <a:solidFill>
+                  <a:srgbClr val="000000"/>
+                </a:solidFill>
+                <a:latin typeface="Courier New"/>
+              </a:rPr>
+              <a:t>u</a:t>
+            </a:r>
+            <a:r>
+              <a:rPr sz="1400">
+                <a:solidFill>
+                  <a:srgbClr val="000000"/>
+                </a:solidFill>
+                <a:latin typeface="Courier New"/>
+              </a:rPr>
+              <a:t> </a:t>
+            </a:r>
+            <a:r>
+              <a:rPr sz="1400">
+                <a:solidFill>
+                  <a:srgbClr val="000000"/>
+                </a:solidFill>
+                <a:latin typeface="Courier New"/>
+              </a:rPr>
+              <a:t>L</a:t>
+            </a:r>
+            <a:r>
+              <a:rPr sz="1400">
+                <a:solidFill>
+                  <a:srgbClr val="000000"/>
+                </a:solidFill>
+                <a:latin typeface="Courier New"/>
+              </a:rPr>
+              <a:t>=</a:t>
+            </a:r>
+            <a:r>
+              <a:rPr sz="1400">
+                <a:solidFill>
+                  <a:srgbClr val="000000"/>
+                </a:solidFill>
+                <a:latin typeface="Courier New"/>
+              </a:rPr>
+              <a:t>0.50</a:t>
+            </a:r>
+            <a:r>
+              <a:rPr sz="1400">
+                <a:solidFill>
+                  <a:srgbClr val="000000"/>
+                </a:solidFill>
+                <a:latin typeface="Courier New"/>
+              </a:rPr>
+              <a:t>U</a:t>
+            </a:r>
+            <a:r>
+              <a:rPr sz="1400">
+                <a:solidFill>
+                  <a:srgbClr val="000000"/>
+                </a:solidFill>
+                <a:latin typeface="Courier New"/>
+              </a:rPr>
+              <a:t/>
+            </a:r>
+          </a:p>
+        </p:txBody>
+      </p:sp>
+      <p:sp>
+        <p:nvSpPr>
+          <p:cNvPr id="3" name="Title 2"/>
+          <p:cNvSpPr>
+            <a:spLocks noGrp="1"/>
+          </p:cNvSpPr>
+          <p:nvPr>
+            <p:ph type="title"/>
+          </p:nvPr>
+        </p:nvSpPr>
+        <p:spPr/>
+        <p:txBody>
+          <a:bodyPr wrap="square">
+            <a:noAutofit/>
+          </a:bodyPr>
+          <a:lstStyle/>
+          <a:p>
+            <a:r>
+              <a:rPr sz="3200" b="1" i="0">
+                <a:latin typeface="Arial"/>
+              </a:rPr>
+              <a:t>nMOS transistors</a:t>
+            </a:r>
+            <a:endParaRPr sz="3200" b="1" i="0">
+              <a:latin typeface="Arial"/>
+            </a:endParaRPr>
+          </a:p>
+        </p:txBody>
+      </p:sp>
+    </p:spTree>
+  </p:cSld>
+  <p:clrMapOvr>
+    <a:masterClrMapping/>
+  </p:clrMapOvr>
+</p:sld>
+</file>
+
+<file path=ppt/slides/slide28.xml><?xml version="1.0" encoding="utf-8"?>
 <p:sld xmlns:a="http://schemas.openxmlformats.org/drawingml/2006/main" xmlns:p="http://schemas.openxmlformats.org/presentationml/2006/main" xmlns:r="http://schemas.openxmlformats.org/officeDocument/2006/relationships">
   <p:cSld>
     <p:spTree>
@@ -6640,7 +11552,7 @@
 </p:sld>
 </file>
 
-<file path=ppt/slides/slide15.xml><?xml version="1.0" encoding="utf-8"?>
+<file path=ppt/slides/slide29.xml><?xml version="1.0" encoding="utf-8"?>
 <p:sld xmlns:a="http://schemas.openxmlformats.org/drawingml/2006/main" xmlns:p="http://schemas.openxmlformats.org/presentationml/2006/main" xmlns:r="http://schemas.openxmlformats.org/officeDocument/2006/relationships">
   <p:cSld>
     <p:spTree>
@@ -6662,94 +11574,9 @@
         </p:nvSpPr>
         <p:spPr/>
         <p:txBody>
-          <a:bodyPr wrap="square">
-            <a:noAutofit/>
-          </a:bodyPr>
+          <a:bodyPr/>
           <a:lstStyle/>
-          <a:p>
-            <a:pPr>
-              <a:lnSpc>
-                <a:spcPts val="2400"/>
-              </a:lnSpc>
-              <a:defRPr>
-                <a:solidFill>
-                  <a:srgbClr val="FFFFFF"/>
-                </a:solidFill>
-              </a:defRPr>
-            </a:pPr>
-            <a:r>
-              <a:rPr sz="2400" b="0" i="0">
-                <a:latin typeface="Courier"/>
-              </a:rPr>
-              <a:t>MP1 1 4 3 1  PMOS w=3.50u L=0.50U</a:t>
-            </a:r>
-            <a:endParaRPr sz="2400" b="0" i="0">
-              <a:latin typeface="Courier"/>
-            </a:endParaRPr>
-          </a:p>
-          <a:p>
-            <a:pPr>
-              <a:lnSpc>
-                <a:spcPts val="2400"/>
-              </a:lnSpc>
-              <a:defRPr>
-                <a:solidFill>
-                  <a:srgbClr val="FFFFFF"/>
-                </a:solidFill>
-              </a:defRPr>
-            </a:pPr>
-            <a:r>
-              <a:rPr sz="2400" b="0" i="0">
-                <a:latin typeface="Courier"/>
-              </a:rPr>
-              <a:t>MP2 4 4 1 1  PMOS w=3.50u L=0.50U</a:t>
-            </a:r>
-            <a:endParaRPr sz="2400" b="0" i="0">
-              <a:latin typeface="Courier"/>
-            </a:endParaRPr>
-          </a:p>
-          <a:p>
-            <a:pPr>
-              <a:lnSpc>
-                <a:spcPts val="2400"/>
-              </a:lnSpc>
-              <a:defRPr>
-                <a:solidFill>
-                  <a:srgbClr val="FFFFFF"/>
-                </a:solidFill>
-              </a:defRPr>
-            </a:pPr>
-            <a:r>
-              <a:rPr sz="2400" b="0" i="0">
-                <a:latin typeface="Courier"/>
-              </a:rPr>
-              <a:t>MP3 1 6 5 1  PMOS w=3.50u L=0.50U</a:t>
-            </a:r>
-            <a:endParaRPr sz="2400" b="0" i="0">
-              <a:latin typeface="Courier"/>
-            </a:endParaRPr>
-          </a:p>
-          <a:p>
-            <a:pPr>
-              <a:lnSpc>
-                <a:spcPts val="2400"/>
-              </a:lnSpc>
-              <a:defRPr>
-                <a:solidFill>
-                  <a:srgbClr val="FFFFFF"/>
-                </a:solidFill>
-              </a:defRPr>
-            </a:pPr>
-            <a:r>
-              <a:rPr sz="2400" b="0" i="0">
-                <a:latin typeface="Courier"/>
-              </a:rPr>
-              <a:t>MP4 6 6 1 1  PMOS w=3.50u L=0.50U</a:t>
-            </a:r>
-            <a:endParaRPr sz="2400" b="0" i="0">
-              <a:latin typeface="Courier"/>
-            </a:endParaRPr>
-          </a:p>
+          <a:p/>
         </p:txBody>
       </p:sp>
       <p:sp>
@@ -6789,7 +11616,1352 @@
 </p:sld>
 </file>
 
-<file path=ppt/slides/slide16.xml><?xml version="1.0" encoding="utf-8"?>
+<file path=ppt/slides/slide3.xml><?xml version="1.0" encoding="utf-8"?>
+<p:sld xmlns:a="http://schemas.openxmlformats.org/drawingml/2006/main" xmlns:p="http://schemas.openxmlformats.org/presentationml/2006/main" xmlns:r="http://schemas.openxmlformats.org/officeDocument/2006/relationships">
+  <p:cSld>
+    <p:spTree>
+      <p:nvGrpSpPr>
+        <p:cNvPr id="1" name=""/>
+        <p:cNvGrpSpPr/>
+        <p:nvPr/>
+      </p:nvGrpSpPr>
+      <p:grpSpPr/>
+      <p:sp>
+        <p:nvSpPr>
+          <p:cNvPr id="2" name="Content Placeholder 1"/>
+          <p:cNvSpPr>
+            <a:spLocks noGrp="1"/>
+          </p:cNvSpPr>
+          <p:nvPr>
+            <p:ph idx="1"/>
+          </p:nvPr>
+        </p:nvSpPr>
+        <p:spPr/>
+        <p:txBody>
+          <a:bodyPr/>
+          <a:lstStyle/>
+          <a:p/>
+          <a:p>
+            <a:pPr lvl="1"/>
+            <a:r>
+              <a:t>Weerstand (R)</a:t>
+            </a:r>
+          </a:p>
+          <a:p>
+            <a:pPr lvl="1"/>
+            <a:r>
+              <a:t>Capaciteit (C)</a:t>
+            </a:r>
+          </a:p>
+          <a:p>
+            <a:pPr lvl="1"/>
+            <a:r>
+              <a:t>Spoel (L)</a:t>
+            </a:r>
+          </a:p>
+          <a:p>
+            <a:pPr lvl="1"/>
+            <a:r>
+              <a:t>Gekoppelde spoelen (K)</a:t>
+            </a:r>
+          </a:p>
+          <a:p>
+            <a:pPr lvl="1"/>
+            <a:r>
+              <a:t>Transmissie lijn</a:t>
+            </a:r>
+          </a:p>
+          <a:p>
+            <a:pPr lvl="2"/>
+            <a:r>
+              <a:t>zonder verliezen(T)</a:t>
+            </a:r>
+          </a:p>
+          <a:p>
+            <a:pPr lvl="2"/>
+            <a:r>
+              <a:t>met verliezen (O,Y,P)</a:t>
+            </a:r>
+          </a:p>
+          <a:p>
+            <a:pPr lvl="2"/>
+            <a:r>
+              <a:t>RC lijnen (U)</a:t>
+            </a:r>
+          </a:p>
+          <a:p>
+            <a:pPr lvl="1"/>
+            <a:r>
+              <a:t>Schakelaars</a:t>
+            </a:r>
+          </a:p>
+          <a:p>
+            <a:pPr lvl="2"/>
+            <a:r>
+              <a:t>gecontrolleerd door spanning (S)</a:t>
+            </a:r>
+          </a:p>
+          <a:p>
+            <a:pPr lvl="2"/>
+            <a:r>
+              <a:t>gecontrolleerd door stroom (W)</a:t>
+            </a:r>
+          </a:p>
+        </p:txBody>
+      </p:sp>
+      <p:sp>
+        <p:nvSpPr>
+          <p:cNvPr id="3" name="Title 2"/>
+          <p:cNvSpPr>
+            <a:spLocks noGrp="1"/>
+          </p:cNvSpPr>
+          <p:nvPr>
+            <p:ph type="title"/>
+          </p:nvPr>
+        </p:nvSpPr>
+        <p:spPr/>
+        <p:txBody>
+          <a:bodyPr wrap="square">
+            <a:noAutofit/>
+          </a:bodyPr>
+          <a:lstStyle/>
+          <a:p>
+            <a:r>
+              <a:rPr sz="3200" b="1" i="0">
+                <a:latin typeface="Arial"/>
+              </a:rPr>
+              <a:t>Beschikbare passieve componenten</a:t>
+            </a:r>
+            <a:endParaRPr sz="3200" b="1" i="0">
+              <a:latin typeface="Arial"/>
+            </a:endParaRPr>
+          </a:p>
+        </p:txBody>
+      </p:sp>
+    </p:spTree>
+  </p:cSld>
+  <p:clrMapOvr>
+    <a:masterClrMapping/>
+  </p:clrMapOvr>
+</p:sld>
+</file>
+
+<file path=ppt/slides/slide30.xml><?xml version="1.0" encoding="utf-8"?>
+<p:sld xmlns:a="http://schemas.openxmlformats.org/drawingml/2006/main" xmlns:p="http://schemas.openxmlformats.org/presentationml/2006/main" xmlns:r="http://schemas.openxmlformats.org/officeDocument/2006/relationships">
+  <p:cSld>
+    <p:spTree>
+      <p:nvGrpSpPr>
+        <p:cNvPr id="1" name=""/>
+        <p:cNvGrpSpPr/>
+        <p:nvPr/>
+      </p:nvGrpSpPr>
+      <p:grpSpPr/>
+      <p:sp>
+        <p:nvSpPr>
+          <p:cNvPr id="2" name="Content Placeholder 1"/>
+          <p:cNvSpPr>
+            <a:spLocks noGrp="1"/>
+          </p:cNvSpPr>
+          <p:nvPr>
+            <p:ph idx="1"/>
+          </p:nvPr>
+        </p:nvSpPr>
+        <p:spPr/>
+        <p:txBody>
+          <a:bodyPr/>
+          <a:lstStyle/>
+          <a:p/>
+        </p:txBody>
+      </p:sp>
+      <p:sp>
+        <p:nvSpPr>
+          <p:cNvPr id="3" name="Title 2"/>
+          <p:cNvSpPr>
+            <a:spLocks noGrp="1"/>
+          </p:cNvSpPr>
+          <p:nvPr>
+            <p:ph type="title"/>
+          </p:nvPr>
+        </p:nvSpPr>
+        <p:spPr/>
+        <p:txBody>
+          <a:bodyPr wrap="square">
+            <a:noAutofit/>
+          </a:bodyPr>
+          <a:lstStyle/>
+          <a:p>
+            <a:r>
+              <a:rPr sz="3200" b="1" i="0">
+                <a:latin typeface="Arial"/>
+              </a:rPr>
+              <a:t>pMOS transistors van de verschilversterker</a:t>
+            </a:r>
+            <a:endParaRPr sz="3200" b="1" i="0">
+              <a:latin typeface="Arial"/>
+            </a:endParaRPr>
+          </a:p>
+        </p:txBody>
+      </p:sp>
+    </p:spTree>
+  </p:cSld>
+  <p:clrMapOvr>
+    <a:masterClrMapping/>
+  </p:clrMapOvr>
+</p:sld>
+</file>
+
+<file path=ppt/slides/slide31.xml><?xml version="1.0" encoding="utf-8"?>
+<p:sld xmlns:a="http://schemas.openxmlformats.org/drawingml/2006/main" xmlns:p="http://schemas.openxmlformats.org/presentationml/2006/main" xmlns:r="http://schemas.openxmlformats.org/officeDocument/2006/relationships">
+  <p:cSld>
+    <p:spTree>
+      <p:nvGrpSpPr>
+        <p:cNvPr id="1" name=""/>
+        <p:cNvGrpSpPr/>
+        <p:nvPr/>
+      </p:nvGrpSpPr>
+      <p:grpSpPr/>
+      <p:sp>
+        <p:nvSpPr>
+          <p:cNvPr id="2" name="Content Placeholder 1"/>
+          <p:cNvSpPr>
+            <a:spLocks noGrp="1"/>
+          </p:cNvSpPr>
+          <p:nvPr>
+            <p:ph idx="1"/>
+          </p:nvPr>
+        </p:nvSpPr>
+        <p:spPr/>
+        <p:txBody>
+          <a:bodyPr/>
+          <a:lstStyle/>
+          <a:p/>
+        </p:txBody>
+      </p:sp>
+      <p:sp>
+        <p:nvSpPr>
+          <p:cNvPr id="3" name="Title 2"/>
+          <p:cNvSpPr>
+            <a:spLocks noGrp="1"/>
+          </p:cNvSpPr>
+          <p:nvPr>
+            <p:ph type="title"/>
+          </p:nvPr>
+        </p:nvSpPr>
+        <p:spPr/>
+        <p:txBody>
+          <a:bodyPr wrap="square">
+            <a:noAutofit/>
+          </a:bodyPr>
+          <a:lstStyle/>
+          <a:p>
+            <a:r>
+              <a:rPr sz="3200" b="1" i="0">
+                <a:latin typeface="Arial"/>
+              </a:rPr>
+              <a:t>pMOS transistors van de verschilversterker</a:t>
+            </a:r>
+            <a:endParaRPr sz="3200" b="1" i="0">
+              <a:latin typeface="Arial"/>
+            </a:endParaRPr>
+          </a:p>
+        </p:txBody>
+      </p:sp>
+    </p:spTree>
+  </p:cSld>
+  <p:clrMapOvr>
+    <a:masterClrMapping/>
+  </p:clrMapOvr>
+</p:sld>
+</file>
+
+<file path=ppt/slides/slide32.xml><?xml version="1.0" encoding="utf-8"?>
+<p:sld xmlns:a="http://schemas.openxmlformats.org/drawingml/2006/main" xmlns:p="http://schemas.openxmlformats.org/presentationml/2006/main" xmlns:r="http://schemas.openxmlformats.org/officeDocument/2006/relationships">
+  <p:cSld>
+    <p:spTree>
+      <p:nvGrpSpPr>
+        <p:cNvPr id="1" name=""/>
+        <p:cNvGrpSpPr/>
+        <p:nvPr/>
+      </p:nvGrpSpPr>
+      <p:grpSpPr/>
+      <p:sp>
+        <p:nvSpPr>
+          <p:cNvPr id="2" name="Content Placeholder 1"/>
+          <p:cNvSpPr>
+            <a:spLocks noGrp="1"/>
+          </p:cNvSpPr>
+          <p:nvPr>
+            <p:ph idx="1"/>
+          </p:nvPr>
+        </p:nvSpPr>
+        <p:spPr/>
+        <p:txBody>
+          <a:bodyPr/>
+          <a:lstStyle/>
+          <a:p/>
+        </p:txBody>
+      </p:sp>
+      <p:sp>
+        <p:nvSpPr>
+          <p:cNvPr id="3" name="Title 2"/>
+          <p:cNvSpPr>
+            <a:spLocks noGrp="1"/>
+          </p:cNvSpPr>
+          <p:nvPr>
+            <p:ph type="title"/>
+          </p:nvPr>
+        </p:nvSpPr>
+        <p:spPr/>
+        <p:txBody>
+          <a:bodyPr wrap="square">
+            <a:noAutofit/>
+          </a:bodyPr>
+          <a:lstStyle/>
+          <a:p>
+            <a:r>
+              <a:rPr sz="3200" b="1" i="0">
+                <a:latin typeface="Arial"/>
+              </a:rPr>
+              <a:t>pMOS transistors van de verschilversterker</a:t>
+            </a:r>
+            <a:endParaRPr sz="3200" b="1" i="0">
+              <a:latin typeface="Arial"/>
+            </a:endParaRPr>
+          </a:p>
+        </p:txBody>
+      </p:sp>
+    </p:spTree>
+  </p:cSld>
+  <p:clrMapOvr>
+    <a:masterClrMapping/>
+  </p:clrMapOvr>
+</p:sld>
+</file>
+
+<file path=ppt/slides/slide33.xml><?xml version="1.0" encoding="utf-8"?>
+<p:sld xmlns:a="http://schemas.openxmlformats.org/drawingml/2006/main" xmlns:p="http://schemas.openxmlformats.org/presentationml/2006/main" xmlns:r="http://schemas.openxmlformats.org/officeDocument/2006/relationships">
+  <p:cSld>
+    <p:spTree>
+      <p:nvGrpSpPr>
+        <p:cNvPr id="1" name=""/>
+        <p:cNvGrpSpPr/>
+        <p:nvPr/>
+      </p:nvGrpSpPr>
+      <p:grpSpPr/>
+      <p:sp>
+        <p:nvSpPr>
+          <p:cNvPr id="2" name="Content Placeholder 1"/>
+          <p:cNvSpPr>
+            <a:spLocks noGrp="1"/>
+          </p:cNvSpPr>
+          <p:nvPr>
+            <p:ph idx="1"/>
+          </p:nvPr>
+        </p:nvSpPr>
+        <p:spPr/>
+        <p:txBody>
+          <a:bodyPr/>
+          <a:lstStyle/>
+          <a:p/>
+        </p:txBody>
+      </p:sp>
+      <p:sp>
+        <p:nvSpPr>
+          <p:cNvPr id="3" name="Title 2"/>
+          <p:cNvSpPr>
+            <a:spLocks noGrp="1"/>
+          </p:cNvSpPr>
+          <p:nvPr>
+            <p:ph type="title"/>
+          </p:nvPr>
+        </p:nvSpPr>
+        <p:spPr/>
+        <p:txBody>
+          <a:bodyPr wrap="square">
+            <a:noAutofit/>
+          </a:bodyPr>
+          <a:lstStyle/>
+          <a:p>
+            <a:r>
+              <a:rPr sz="3200" b="1" i="0">
+                <a:latin typeface="Arial"/>
+              </a:rPr>
+              <a:t>pMOS transistors van de verschilversterker</a:t>
+            </a:r>
+            <a:endParaRPr sz="3200" b="1" i="0">
+              <a:latin typeface="Arial"/>
+            </a:endParaRPr>
+          </a:p>
+        </p:txBody>
+      </p:sp>
+    </p:spTree>
+  </p:cSld>
+  <p:clrMapOvr>
+    <a:masterClrMapping/>
+  </p:clrMapOvr>
+</p:sld>
+</file>
+
+<file path=ppt/slides/slide34.xml><?xml version="1.0" encoding="utf-8"?>
+<p:sld xmlns:a="http://schemas.openxmlformats.org/drawingml/2006/main" xmlns:p="http://schemas.openxmlformats.org/presentationml/2006/main" xmlns:r="http://schemas.openxmlformats.org/officeDocument/2006/relationships">
+  <p:cSld>
+    <p:spTree>
+      <p:nvGrpSpPr>
+        <p:cNvPr id="1" name=""/>
+        <p:cNvGrpSpPr/>
+        <p:nvPr/>
+      </p:nvGrpSpPr>
+      <p:grpSpPr/>
+      <p:sp>
+        <p:nvSpPr>
+          <p:cNvPr id="2" name="Content Placeholder 1"/>
+          <p:cNvSpPr>
+            <a:spLocks noGrp="1"/>
+          </p:cNvSpPr>
+          <p:nvPr>
+            <p:ph idx="1"/>
+          </p:nvPr>
+        </p:nvSpPr>
+        <p:spPr/>
+        <p:txBody>
+          <a:bodyPr/>
+          <a:lstStyle/>
+          <a:p/>
+        </p:txBody>
+      </p:sp>
+      <p:sp>
+        <p:nvSpPr>
+          <p:cNvPr id="3" name="Title 2"/>
+          <p:cNvSpPr>
+            <a:spLocks noGrp="1"/>
+          </p:cNvSpPr>
+          <p:nvPr>
+            <p:ph type="title"/>
+          </p:nvPr>
+        </p:nvSpPr>
+        <p:spPr/>
+        <p:txBody>
+          <a:bodyPr wrap="square">
+            <a:noAutofit/>
+          </a:bodyPr>
+          <a:lstStyle/>
+          <a:p>
+            <a:r>
+              <a:rPr sz="3200" b="1" i="0">
+                <a:latin typeface="Arial"/>
+              </a:rPr>
+              <a:t>pMOS transistors van de verschilversterker</a:t>
+            </a:r>
+            <a:endParaRPr sz="3200" b="1" i="0">
+              <a:latin typeface="Arial"/>
+            </a:endParaRPr>
+          </a:p>
+        </p:txBody>
+      </p:sp>
+    </p:spTree>
+  </p:cSld>
+  <p:clrMapOvr>
+    <a:masterClrMapping/>
+  </p:clrMapOvr>
+</p:sld>
+</file>
+
+<file path=ppt/slides/slide35.xml><?xml version="1.0" encoding="utf-8"?>
+<p:sld xmlns:a="http://schemas.openxmlformats.org/drawingml/2006/main" xmlns:p="http://schemas.openxmlformats.org/presentationml/2006/main" xmlns:r="http://schemas.openxmlformats.org/officeDocument/2006/relationships">
+  <p:cSld>
+    <p:spTree>
+      <p:nvGrpSpPr>
+        <p:cNvPr id="1" name=""/>
+        <p:cNvGrpSpPr/>
+        <p:nvPr/>
+      </p:nvGrpSpPr>
+      <p:grpSpPr/>
+      <p:sp>
+        <p:nvSpPr>
+          <p:cNvPr id="2" name="Content Placeholder 1"/>
+          <p:cNvSpPr>
+            <a:spLocks noGrp="1"/>
+          </p:cNvSpPr>
+          <p:nvPr>
+            <p:ph idx="1"/>
+          </p:nvPr>
+        </p:nvSpPr>
+        <p:spPr/>
+        <p:txBody>
+          <a:bodyPr/>
+          <a:lstStyle/>
+          <a:p>
+            <a:r>
+              <a:rPr sz="1400">
+                <a:solidFill>
+                  <a:srgbClr val="000000"/>
+                </a:solidFill>
+                <a:latin typeface="Courier New"/>
+              </a:rPr>
+              <a:t/>
+            </a:r>
+            <a:r>
+              <a:rPr sz="1400">
+                <a:solidFill>
+                  <a:srgbClr val="000000"/>
+                </a:solidFill>
+                <a:latin typeface="Courier New"/>
+              </a:rPr>
+              <a:t>MP1</a:t>
+            </a:r>
+            <a:r>
+              <a:rPr sz="1400">
+                <a:solidFill>
+                  <a:srgbClr val="000000"/>
+                </a:solidFill>
+                <a:latin typeface="Courier New"/>
+              </a:rPr>
+              <a:t> </a:t>
+            </a:r>
+            <a:r>
+              <a:rPr sz="1400">
+                <a:solidFill>
+                  <a:srgbClr val="000000"/>
+                </a:solidFill>
+                <a:latin typeface="Courier New"/>
+              </a:rPr>
+              <a:t>1</a:t>
+            </a:r>
+            <a:r>
+              <a:rPr sz="1400">
+                <a:solidFill>
+                  <a:srgbClr val="000000"/>
+                </a:solidFill>
+                <a:latin typeface="Courier New"/>
+              </a:rPr>
+              <a:t> </a:t>
+            </a:r>
+            <a:r>
+              <a:rPr sz="1400">
+                <a:solidFill>
+                  <a:srgbClr val="000000"/>
+                </a:solidFill>
+                <a:latin typeface="Courier New"/>
+              </a:rPr>
+              <a:t>4</a:t>
+            </a:r>
+            <a:r>
+              <a:rPr sz="1400">
+                <a:solidFill>
+                  <a:srgbClr val="000000"/>
+                </a:solidFill>
+                <a:latin typeface="Courier New"/>
+              </a:rPr>
+              <a:t> </a:t>
+            </a:r>
+            <a:r>
+              <a:rPr sz="1400">
+                <a:solidFill>
+                  <a:srgbClr val="000000"/>
+                </a:solidFill>
+                <a:latin typeface="Courier New"/>
+              </a:rPr>
+              <a:t>3</a:t>
+            </a:r>
+            <a:r>
+              <a:rPr sz="1400">
+                <a:solidFill>
+                  <a:srgbClr val="000000"/>
+                </a:solidFill>
+                <a:latin typeface="Courier New"/>
+              </a:rPr>
+              <a:t> </a:t>
+            </a:r>
+            <a:r>
+              <a:rPr sz="1400">
+                <a:solidFill>
+                  <a:srgbClr val="000000"/>
+                </a:solidFill>
+                <a:latin typeface="Courier New"/>
+              </a:rPr>
+              <a:t>1</a:t>
+            </a:r>
+            <a:r>
+              <a:rPr sz="1400">
+                <a:solidFill>
+                  <a:srgbClr val="000000"/>
+                </a:solidFill>
+                <a:latin typeface="Courier New"/>
+              </a:rPr>
+              <a:t>  </a:t>
+            </a:r>
+            <a:r>
+              <a:rPr sz="1400">
+                <a:solidFill>
+                  <a:srgbClr val="000000"/>
+                </a:solidFill>
+                <a:latin typeface="Courier New"/>
+              </a:rPr>
+              <a:t>PMOS</a:t>
+            </a:r>
+            <a:r>
+              <a:rPr sz="1400">
+                <a:solidFill>
+                  <a:srgbClr val="000000"/>
+                </a:solidFill>
+                <a:latin typeface="Courier New"/>
+              </a:rPr>
+              <a:t> </a:t>
+            </a:r>
+            <a:r>
+              <a:rPr sz="1400">
+                <a:solidFill>
+                  <a:srgbClr val="000000"/>
+                </a:solidFill>
+                <a:latin typeface="Courier New"/>
+              </a:rPr>
+              <a:t>w</a:t>
+            </a:r>
+            <a:r>
+              <a:rPr sz="1400">
+                <a:solidFill>
+                  <a:srgbClr val="000000"/>
+                </a:solidFill>
+                <a:latin typeface="Courier New"/>
+              </a:rPr>
+              <a:t>=</a:t>
+            </a:r>
+            <a:r>
+              <a:rPr sz="1400">
+                <a:solidFill>
+                  <a:srgbClr val="000000"/>
+                </a:solidFill>
+                <a:latin typeface="Courier New"/>
+              </a:rPr>
+              <a:t>3.50</a:t>
+            </a:r>
+            <a:r>
+              <a:rPr sz="1400">
+                <a:solidFill>
+                  <a:srgbClr val="000000"/>
+                </a:solidFill>
+                <a:latin typeface="Courier New"/>
+              </a:rPr>
+              <a:t>u</a:t>
+            </a:r>
+            <a:r>
+              <a:rPr sz="1400">
+                <a:solidFill>
+                  <a:srgbClr val="000000"/>
+                </a:solidFill>
+                <a:latin typeface="Courier New"/>
+              </a:rPr>
+              <a:t> </a:t>
+            </a:r>
+            <a:r>
+              <a:rPr sz="1400">
+                <a:solidFill>
+                  <a:srgbClr val="000000"/>
+                </a:solidFill>
+                <a:latin typeface="Courier New"/>
+              </a:rPr>
+              <a:t>L</a:t>
+            </a:r>
+            <a:r>
+              <a:rPr sz="1400">
+                <a:solidFill>
+                  <a:srgbClr val="000000"/>
+                </a:solidFill>
+                <a:latin typeface="Courier New"/>
+              </a:rPr>
+              <a:t>=</a:t>
+            </a:r>
+            <a:r>
+              <a:rPr sz="1400">
+                <a:solidFill>
+                  <a:srgbClr val="000000"/>
+                </a:solidFill>
+                <a:latin typeface="Courier New"/>
+              </a:rPr>
+              <a:t>0.50</a:t>
+            </a:r>
+            <a:r>
+              <a:rPr sz="1400">
+                <a:solidFill>
+                  <a:srgbClr val="000000"/>
+                </a:solidFill>
+                <a:latin typeface="Courier New"/>
+              </a:rPr>
+              <a:t>U</a:t>
+            </a:r>
+            <a:r>
+              <a:rPr sz="1400">
+                <a:solidFill>
+                  <a:srgbClr val="000000"/>
+                </a:solidFill>
+                <a:latin typeface="Courier New"/>
+              </a:rPr>
+              <a:t>MP2</a:t>
+            </a:r>
+            <a:r>
+              <a:rPr sz="1400">
+                <a:solidFill>
+                  <a:srgbClr val="000000"/>
+                </a:solidFill>
+                <a:latin typeface="Courier New"/>
+              </a:rPr>
+              <a:t> </a:t>
+            </a:r>
+            <a:r>
+              <a:rPr sz="1400">
+                <a:solidFill>
+                  <a:srgbClr val="000000"/>
+                </a:solidFill>
+                <a:latin typeface="Courier New"/>
+              </a:rPr>
+              <a:t>4</a:t>
+            </a:r>
+            <a:r>
+              <a:rPr sz="1400">
+                <a:solidFill>
+                  <a:srgbClr val="000000"/>
+                </a:solidFill>
+                <a:latin typeface="Courier New"/>
+              </a:rPr>
+              <a:t> </a:t>
+            </a:r>
+            <a:r>
+              <a:rPr sz="1400">
+                <a:solidFill>
+                  <a:srgbClr val="000000"/>
+                </a:solidFill>
+                <a:latin typeface="Courier New"/>
+              </a:rPr>
+              <a:t>4</a:t>
+            </a:r>
+            <a:r>
+              <a:rPr sz="1400">
+                <a:solidFill>
+                  <a:srgbClr val="000000"/>
+                </a:solidFill>
+                <a:latin typeface="Courier New"/>
+              </a:rPr>
+              <a:t> </a:t>
+            </a:r>
+            <a:r>
+              <a:rPr sz="1400">
+                <a:solidFill>
+                  <a:srgbClr val="000000"/>
+                </a:solidFill>
+                <a:latin typeface="Courier New"/>
+              </a:rPr>
+              <a:t>1</a:t>
+            </a:r>
+            <a:r>
+              <a:rPr sz="1400">
+                <a:solidFill>
+                  <a:srgbClr val="000000"/>
+                </a:solidFill>
+                <a:latin typeface="Courier New"/>
+              </a:rPr>
+              <a:t> </a:t>
+            </a:r>
+            <a:r>
+              <a:rPr sz="1400">
+                <a:solidFill>
+                  <a:srgbClr val="000000"/>
+                </a:solidFill>
+                <a:latin typeface="Courier New"/>
+              </a:rPr>
+              <a:t>1</a:t>
+            </a:r>
+            <a:r>
+              <a:rPr sz="1400">
+                <a:solidFill>
+                  <a:srgbClr val="000000"/>
+                </a:solidFill>
+                <a:latin typeface="Courier New"/>
+              </a:rPr>
+              <a:t>  </a:t>
+            </a:r>
+            <a:r>
+              <a:rPr sz="1400">
+                <a:solidFill>
+                  <a:srgbClr val="000000"/>
+                </a:solidFill>
+                <a:latin typeface="Courier New"/>
+              </a:rPr>
+              <a:t>PMOS</a:t>
+            </a:r>
+            <a:r>
+              <a:rPr sz="1400">
+                <a:solidFill>
+                  <a:srgbClr val="000000"/>
+                </a:solidFill>
+                <a:latin typeface="Courier New"/>
+              </a:rPr>
+              <a:t> </a:t>
+            </a:r>
+            <a:r>
+              <a:rPr sz="1400">
+                <a:solidFill>
+                  <a:srgbClr val="000000"/>
+                </a:solidFill>
+                <a:latin typeface="Courier New"/>
+              </a:rPr>
+              <a:t>w</a:t>
+            </a:r>
+            <a:r>
+              <a:rPr sz="1400">
+                <a:solidFill>
+                  <a:srgbClr val="000000"/>
+                </a:solidFill>
+                <a:latin typeface="Courier New"/>
+              </a:rPr>
+              <a:t>=</a:t>
+            </a:r>
+            <a:r>
+              <a:rPr sz="1400">
+                <a:solidFill>
+                  <a:srgbClr val="000000"/>
+                </a:solidFill>
+                <a:latin typeface="Courier New"/>
+              </a:rPr>
+              <a:t>3.50</a:t>
+            </a:r>
+            <a:r>
+              <a:rPr sz="1400">
+                <a:solidFill>
+                  <a:srgbClr val="000000"/>
+                </a:solidFill>
+                <a:latin typeface="Courier New"/>
+              </a:rPr>
+              <a:t>u</a:t>
+            </a:r>
+            <a:r>
+              <a:rPr sz="1400">
+                <a:solidFill>
+                  <a:srgbClr val="000000"/>
+                </a:solidFill>
+                <a:latin typeface="Courier New"/>
+              </a:rPr>
+              <a:t> </a:t>
+            </a:r>
+            <a:r>
+              <a:rPr sz="1400">
+                <a:solidFill>
+                  <a:srgbClr val="000000"/>
+                </a:solidFill>
+                <a:latin typeface="Courier New"/>
+              </a:rPr>
+              <a:t>L</a:t>
+            </a:r>
+            <a:r>
+              <a:rPr sz="1400">
+                <a:solidFill>
+                  <a:srgbClr val="000000"/>
+                </a:solidFill>
+                <a:latin typeface="Courier New"/>
+              </a:rPr>
+              <a:t>=</a:t>
+            </a:r>
+            <a:r>
+              <a:rPr sz="1400">
+                <a:solidFill>
+                  <a:srgbClr val="000000"/>
+                </a:solidFill>
+                <a:latin typeface="Courier New"/>
+              </a:rPr>
+              <a:t>0.50</a:t>
+            </a:r>
+            <a:r>
+              <a:rPr sz="1400">
+                <a:solidFill>
+                  <a:srgbClr val="000000"/>
+                </a:solidFill>
+                <a:latin typeface="Courier New"/>
+              </a:rPr>
+              <a:t>U</a:t>
+            </a:r>
+            <a:r>
+              <a:rPr sz="1400">
+                <a:solidFill>
+                  <a:srgbClr val="000000"/>
+                </a:solidFill>
+                <a:latin typeface="Courier New"/>
+              </a:rPr>
+              <a:t>MP3</a:t>
+            </a:r>
+            <a:r>
+              <a:rPr sz="1400">
+                <a:solidFill>
+                  <a:srgbClr val="000000"/>
+                </a:solidFill>
+                <a:latin typeface="Courier New"/>
+              </a:rPr>
+              <a:t> </a:t>
+            </a:r>
+            <a:r>
+              <a:rPr sz="1400">
+                <a:solidFill>
+                  <a:srgbClr val="000000"/>
+                </a:solidFill>
+                <a:latin typeface="Courier New"/>
+              </a:rPr>
+              <a:t>1</a:t>
+            </a:r>
+            <a:r>
+              <a:rPr sz="1400">
+                <a:solidFill>
+                  <a:srgbClr val="000000"/>
+                </a:solidFill>
+                <a:latin typeface="Courier New"/>
+              </a:rPr>
+              <a:t> </a:t>
+            </a:r>
+            <a:r>
+              <a:rPr sz="1400">
+                <a:solidFill>
+                  <a:srgbClr val="000000"/>
+                </a:solidFill>
+                <a:latin typeface="Courier New"/>
+              </a:rPr>
+              <a:t>6</a:t>
+            </a:r>
+            <a:r>
+              <a:rPr sz="1400">
+                <a:solidFill>
+                  <a:srgbClr val="000000"/>
+                </a:solidFill>
+                <a:latin typeface="Courier New"/>
+              </a:rPr>
+              <a:t> </a:t>
+            </a:r>
+            <a:r>
+              <a:rPr sz="1400">
+                <a:solidFill>
+                  <a:srgbClr val="000000"/>
+                </a:solidFill>
+                <a:latin typeface="Courier New"/>
+              </a:rPr>
+              <a:t>5</a:t>
+            </a:r>
+            <a:r>
+              <a:rPr sz="1400">
+                <a:solidFill>
+                  <a:srgbClr val="000000"/>
+                </a:solidFill>
+                <a:latin typeface="Courier New"/>
+              </a:rPr>
+              <a:t> </a:t>
+            </a:r>
+            <a:r>
+              <a:rPr sz="1400">
+                <a:solidFill>
+                  <a:srgbClr val="000000"/>
+                </a:solidFill>
+                <a:latin typeface="Courier New"/>
+              </a:rPr>
+              <a:t>1</a:t>
+            </a:r>
+            <a:r>
+              <a:rPr sz="1400">
+                <a:solidFill>
+                  <a:srgbClr val="000000"/>
+                </a:solidFill>
+                <a:latin typeface="Courier New"/>
+              </a:rPr>
+              <a:t>  </a:t>
+            </a:r>
+            <a:r>
+              <a:rPr sz="1400">
+                <a:solidFill>
+                  <a:srgbClr val="000000"/>
+                </a:solidFill>
+                <a:latin typeface="Courier New"/>
+              </a:rPr>
+              <a:t>PMOS</a:t>
+            </a:r>
+            <a:r>
+              <a:rPr sz="1400">
+                <a:solidFill>
+                  <a:srgbClr val="000000"/>
+                </a:solidFill>
+                <a:latin typeface="Courier New"/>
+              </a:rPr>
+              <a:t> </a:t>
+            </a:r>
+            <a:r>
+              <a:rPr sz="1400">
+                <a:solidFill>
+                  <a:srgbClr val="000000"/>
+                </a:solidFill>
+                <a:latin typeface="Courier New"/>
+              </a:rPr>
+              <a:t>w</a:t>
+            </a:r>
+            <a:r>
+              <a:rPr sz="1400">
+                <a:solidFill>
+                  <a:srgbClr val="000000"/>
+                </a:solidFill>
+                <a:latin typeface="Courier New"/>
+              </a:rPr>
+              <a:t>=</a:t>
+            </a:r>
+            <a:r>
+              <a:rPr sz="1400">
+                <a:solidFill>
+                  <a:srgbClr val="000000"/>
+                </a:solidFill>
+                <a:latin typeface="Courier New"/>
+              </a:rPr>
+              <a:t>3.50</a:t>
+            </a:r>
+            <a:r>
+              <a:rPr sz="1400">
+                <a:solidFill>
+                  <a:srgbClr val="000000"/>
+                </a:solidFill>
+                <a:latin typeface="Courier New"/>
+              </a:rPr>
+              <a:t>u</a:t>
+            </a:r>
+            <a:r>
+              <a:rPr sz="1400">
+                <a:solidFill>
+                  <a:srgbClr val="000000"/>
+                </a:solidFill>
+                <a:latin typeface="Courier New"/>
+              </a:rPr>
+              <a:t> </a:t>
+            </a:r>
+            <a:r>
+              <a:rPr sz="1400">
+                <a:solidFill>
+                  <a:srgbClr val="000000"/>
+                </a:solidFill>
+                <a:latin typeface="Courier New"/>
+              </a:rPr>
+              <a:t>L</a:t>
+            </a:r>
+            <a:r>
+              <a:rPr sz="1400">
+                <a:solidFill>
+                  <a:srgbClr val="000000"/>
+                </a:solidFill>
+                <a:latin typeface="Courier New"/>
+              </a:rPr>
+              <a:t>=</a:t>
+            </a:r>
+            <a:r>
+              <a:rPr sz="1400">
+                <a:solidFill>
+                  <a:srgbClr val="000000"/>
+                </a:solidFill>
+                <a:latin typeface="Courier New"/>
+              </a:rPr>
+              <a:t>0.50</a:t>
+            </a:r>
+            <a:r>
+              <a:rPr sz="1400">
+                <a:solidFill>
+                  <a:srgbClr val="000000"/>
+                </a:solidFill>
+                <a:latin typeface="Courier New"/>
+              </a:rPr>
+              <a:t>U</a:t>
+            </a:r>
+          </a:p>
+        </p:txBody>
+      </p:sp>
+      <p:sp>
+        <p:nvSpPr>
+          <p:cNvPr id="3" name="Title 2"/>
+          <p:cNvSpPr>
+            <a:spLocks noGrp="1"/>
+          </p:cNvSpPr>
+          <p:nvPr>
+            <p:ph type="title"/>
+          </p:nvPr>
+        </p:nvSpPr>
+        <p:spPr/>
+        <p:txBody>
+          <a:bodyPr wrap="square">
+            <a:noAutofit/>
+          </a:bodyPr>
+          <a:lstStyle/>
+          <a:p>
+            <a:r>
+              <a:rPr sz="3200" b="1" i="0">
+                <a:latin typeface="Arial"/>
+              </a:rPr>
+              <a:t>pMOS transistors van de verschilversterker</a:t>
+            </a:r>
+            <a:endParaRPr sz="3200" b="1" i="0">
+              <a:latin typeface="Arial"/>
+            </a:endParaRPr>
+          </a:p>
+        </p:txBody>
+      </p:sp>
+    </p:spTree>
+  </p:cSld>
+  <p:clrMapOvr>
+    <a:masterClrMapping/>
+  </p:clrMapOvr>
+</p:sld>
+</file>
+
+<file path=ppt/slides/slide36.xml><?xml version="1.0" encoding="utf-8"?>
+<p:sld xmlns:a="http://schemas.openxmlformats.org/drawingml/2006/main" xmlns:p="http://schemas.openxmlformats.org/presentationml/2006/main" xmlns:r="http://schemas.openxmlformats.org/officeDocument/2006/relationships">
+  <p:cSld>
+    <p:spTree>
+      <p:nvGrpSpPr>
+        <p:cNvPr id="1" name=""/>
+        <p:cNvGrpSpPr/>
+        <p:nvPr/>
+      </p:nvGrpSpPr>
+      <p:grpSpPr/>
+      <p:sp>
+        <p:nvSpPr>
+          <p:cNvPr id="2" name="Content Placeholder 1"/>
+          <p:cNvSpPr>
+            <a:spLocks noGrp="1"/>
+          </p:cNvSpPr>
+          <p:nvPr>
+            <p:ph idx="1"/>
+          </p:nvPr>
+        </p:nvSpPr>
+        <p:spPr/>
+        <p:txBody>
+          <a:bodyPr/>
+          <a:lstStyle/>
+          <a:p>
+            <a:r>
+              <a:rPr sz="1400">
+                <a:solidFill>
+                  <a:srgbClr val="000000"/>
+                </a:solidFill>
+                <a:latin typeface="Courier New"/>
+              </a:rPr>
+              <a:t>MP4</a:t>
+            </a:r>
+            <a:r>
+              <a:rPr sz="1400">
+                <a:solidFill>
+                  <a:srgbClr val="000000"/>
+                </a:solidFill>
+                <a:latin typeface="Courier New"/>
+              </a:rPr>
+              <a:t> </a:t>
+            </a:r>
+            <a:r>
+              <a:rPr sz="1400">
+                <a:solidFill>
+                  <a:srgbClr val="000000"/>
+                </a:solidFill>
+                <a:latin typeface="Courier New"/>
+              </a:rPr>
+              <a:t>6</a:t>
+            </a:r>
+            <a:r>
+              <a:rPr sz="1400">
+                <a:solidFill>
+                  <a:srgbClr val="000000"/>
+                </a:solidFill>
+                <a:latin typeface="Courier New"/>
+              </a:rPr>
+              <a:t> </a:t>
+            </a:r>
+            <a:r>
+              <a:rPr sz="1400">
+                <a:solidFill>
+                  <a:srgbClr val="000000"/>
+                </a:solidFill>
+                <a:latin typeface="Courier New"/>
+              </a:rPr>
+              <a:t>6</a:t>
+            </a:r>
+            <a:r>
+              <a:rPr sz="1400">
+                <a:solidFill>
+                  <a:srgbClr val="000000"/>
+                </a:solidFill>
+                <a:latin typeface="Courier New"/>
+              </a:rPr>
+              <a:t> </a:t>
+            </a:r>
+            <a:r>
+              <a:rPr sz="1400">
+                <a:solidFill>
+                  <a:srgbClr val="000000"/>
+                </a:solidFill>
+                <a:latin typeface="Courier New"/>
+              </a:rPr>
+              <a:t>1</a:t>
+            </a:r>
+            <a:r>
+              <a:rPr sz="1400">
+                <a:solidFill>
+                  <a:srgbClr val="000000"/>
+                </a:solidFill>
+                <a:latin typeface="Courier New"/>
+              </a:rPr>
+              <a:t> </a:t>
+            </a:r>
+            <a:r>
+              <a:rPr sz="1400">
+                <a:solidFill>
+                  <a:srgbClr val="000000"/>
+                </a:solidFill>
+                <a:latin typeface="Courier New"/>
+              </a:rPr>
+              <a:t>1</a:t>
+            </a:r>
+            <a:r>
+              <a:rPr sz="1400">
+                <a:solidFill>
+                  <a:srgbClr val="000000"/>
+                </a:solidFill>
+                <a:latin typeface="Courier New"/>
+              </a:rPr>
+              <a:t> </a:t>
+            </a:r>
+            <a:r>
+              <a:rPr sz="1400">
+                <a:solidFill>
+                  <a:srgbClr val="000000"/>
+                </a:solidFill>
+                <a:latin typeface="Courier New"/>
+              </a:rPr>
+              <a:t>PMOS</a:t>
+            </a:r>
+            <a:r>
+              <a:rPr sz="1400">
+                <a:solidFill>
+                  <a:srgbClr val="000000"/>
+                </a:solidFill>
+                <a:latin typeface="Courier New"/>
+              </a:rPr>
+              <a:t> </a:t>
+            </a:r>
+            <a:r>
+              <a:rPr sz="1400">
+                <a:solidFill>
+                  <a:srgbClr val="000000"/>
+                </a:solidFill>
+                <a:latin typeface="Courier New"/>
+              </a:rPr>
+              <a:t>w</a:t>
+            </a:r>
+            <a:r>
+              <a:rPr sz="1400">
+                <a:solidFill>
+                  <a:srgbClr val="000000"/>
+                </a:solidFill>
+                <a:latin typeface="Courier New"/>
+              </a:rPr>
+              <a:t>=</a:t>
+            </a:r>
+            <a:r>
+              <a:rPr sz="1400">
+                <a:solidFill>
+                  <a:srgbClr val="000000"/>
+                </a:solidFill>
+                <a:latin typeface="Courier New"/>
+              </a:rPr>
+              <a:t>3.50</a:t>
+            </a:r>
+            <a:r>
+              <a:rPr sz="1400">
+                <a:solidFill>
+                  <a:srgbClr val="000000"/>
+                </a:solidFill>
+                <a:latin typeface="Courier New"/>
+              </a:rPr>
+              <a:t>u</a:t>
+            </a:r>
+            <a:r>
+              <a:rPr sz="1400">
+                <a:solidFill>
+                  <a:srgbClr val="000000"/>
+                </a:solidFill>
+                <a:latin typeface="Courier New"/>
+              </a:rPr>
+              <a:t> </a:t>
+            </a:r>
+            <a:r>
+              <a:rPr sz="1400">
+                <a:solidFill>
+                  <a:srgbClr val="000000"/>
+                </a:solidFill>
+                <a:latin typeface="Courier New"/>
+              </a:rPr>
+              <a:t>L</a:t>
+            </a:r>
+            <a:r>
+              <a:rPr sz="1400">
+                <a:solidFill>
+                  <a:srgbClr val="000000"/>
+                </a:solidFill>
+                <a:latin typeface="Courier New"/>
+              </a:rPr>
+              <a:t>=</a:t>
+            </a:r>
+            <a:r>
+              <a:rPr sz="1400">
+                <a:solidFill>
+                  <a:srgbClr val="000000"/>
+                </a:solidFill>
+                <a:latin typeface="Courier New"/>
+              </a:rPr>
+              <a:t>0.50</a:t>
+            </a:r>
+            <a:r>
+              <a:rPr sz="1400">
+                <a:solidFill>
+                  <a:srgbClr val="000000"/>
+                </a:solidFill>
+                <a:latin typeface="Courier New"/>
+              </a:rPr>
+              <a:t>U</a:t>
+            </a:r>
+          </a:p>
+        </p:txBody>
+      </p:sp>
+      <p:sp>
+        <p:nvSpPr>
+          <p:cNvPr id="3" name="Title 2"/>
+          <p:cNvSpPr>
+            <a:spLocks noGrp="1"/>
+          </p:cNvSpPr>
+          <p:nvPr>
+            <p:ph type="title"/>
+          </p:nvPr>
+        </p:nvSpPr>
+        <p:spPr/>
+        <p:txBody>
+          <a:bodyPr wrap="square">
+            <a:noAutofit/>
+          </a:bodyPr>
+          <a:lstStyle/>
+          <a:p>
+            <a:r>
+              <a:rPr sz="3200" b="1" i="0">
+                <a:latin typeface="Arial"/>
+              </a:rPr>
+              <a:t>pMOS transistors van de verschilversterker</a:t>
+            </a:r>
+            <a:endParaRPr sz="3200" b="1" i="0">
+              <a:latin typeface="Arial"/>
+            </a:endParaRPr>
+          </a:p>
+        </p:txBody>
+      </p:sp>
+    </p:spTree>
+  </p:cSld>
+  <p:clrMapOvr>
+    <a:masterClrMapping/>
+  </p:clrMapOvr>
+</p:sld>
+</file>
+
+<file path=ppt/slides/slide37.xml><?xml version="1.0" encoding="utf-8"?>
 <p:sld xmlns:a="http://schemas.openxmlformats.org/drawingml/2006/main" xmlns:p="http://schemas.openxmlformats.org/presentationml/2006/main" xmlns:r="http://schemas.openxmlformats.org/officeDocument/2006/relationships">
   <p:cSld>
     <p:spTree>
@@ -6860,203 +13032,7 @@
 </p:sld>
 </file>
 
-<file path=ppt/slides/slide17.xml><?xml version="1.0" encoding="utf-8"?>
-<p:sld xmlns:a="http://schemas.openxmlformats.org/drawingml/2006/main" xmlns:p="http://schemas.openxmlformats.org/presentationml/2006/main" xmlns:r="http://schemas.openxmlformats.org/officeDocument/2006/relationships">
-  <p:cSld>
-    <p:spTree>
-      <p:nvGrpSpPr>
-        <p:cNvPr id="1" name=""/>
-        <p:cNvGrpSpPr/>
-        <p:nvPr/>
-      </p:nvGrpSpPr>
-      <p:grpSpPr/>
-      <p:sp>
-        <p:nvSpPr>
-          <p:cNvPr id="2" name="Content Placeholder 1"/>
-          <p:cNvSpPr>
-            <a:spLocks noGrp="1"/>
-          </p:cNvSpPr>
-          <p:nvPr>
-            <p:ph idx="1"/>
-          </p:nvPr>
-        </p:nvSpPr>
-        <p:spPr/>
-        <p:txBody>
-          <a:bodyPr wrap="square">
-            <a:noAutofit/>
-          </a:bodyPr>
-          <a:lstStyle/>
-          <a:p>
-            <a:pPr>
-              <a:lnSpc>
-                <a:spcPts val="2400"/>
-              </a:lnSpc>
-              <a:defRPr>
-                <a:solidFill>
-                  <a:srgbClr val="FFFFFF"/>
-                </a:solidFill>
-              </a:defRPr>
-            </a:pPr>
-            <a:r>
-              <a:rPr sz="2400" b="0" i="0">
-                <a:latin typeface="Courier"/>
-              </a:rPr>
-              <a:t>.MODEL NMOS NMOS(LEVEL=1 VTO=0.50 KP=90.000E-6 LAMBDA=0.001)</a:t>
-            </a:r>
-            <a:endParaRPr sz="2400" b="0" i="0">
-              <a:latin typeface="Courier"/>
-            </a:endParaRPr>
-          </a:p>
-          <a:p>
-            <a:pPr>
-              <a:lnSpc>
-                <a:spcPts val="2400"/>
-              </a:lnSpc>
-              <a:defRPr>
-                <a:solidFill>
-                  <a:srgbClr val="FFFFFF"/>
-                </a:solidFill>
-              </a:defRPr>
-            </a:pPr>
-            <a:r>
-              <a:rPr sz="2400" b="0" i="0">
-                <a:latin typeface="Courier"/>
-              </a:rPr>
-              <a:t>.MODEL PMOS PMOS(LEVEL=1 VTO=-0.45 KP=55.000E-6 LAMBDA=0.001)</a:t>
-            </a:r>
-            <a:endParaRPr sz="2400" b="0" i="0">
-              <a:latin typeface="Courier"/>
-            </a:endParaRPr>
-          </a:p>
-        </p:txBody>
-      </p:sp>
-      <p:sp>
-        <p:nvSpPr>
-          <p:cNvPr id="3" name="Title 2"/>
-          <p:cNvSpPr>
-            <a:spLocks noGrp="1"/>
-          </p:cNvSpPr>
-          <p:nvPr>
-            <p:ph type="title"/>
-          </p:nvPr>
-        </p:nvSpPr>
-        <p:spPr/>
-        <p:txBody>
-          <a:bodyPr wrap="square">
-            <a:noAutofit/>
-          </a:bodyPr>
-          <a:lstStyle/>
-          <a:p>
-            <a:r>
-              <a:rPr sz="3200" b="1" i="0">
-                <a:latin typeface="Arial"/>
-              </a:rPr>
-              <a:t>Eenvoudige transistormodellen</a:t>
-            </a:r>
-            <a:endParaRPr sz="3200" b="1" i="0">
-              <a:latin typeface="Arial"/>
-            </a:endParaRPr>
-          </a:p>
-        </p:txBody>
-      </p:sp>
-    </p:spTree>
-  </p:cSld>
-  <p:clrMapOvr>
-    <a:masterClrMapping/>
-  </p:clrMapOvr>
-</p:sld>
-</file>
-
-<file path=ppt/slides/slide18.xml><?xml version="1.0" encoding="utf-8"?>
-<p:sld xmlns:a="http://schemas.openxmlformats.org/drawingml/2006/main" xmlns:p="http://schemas.openxmlformats.org/presentationml/2006/main" xmlns:r="http://schemas.openxmlformats.org/officeDocument/2006/relationships">
-  <p:cSld>
-    <p:spTree>
-      <p:nvGrpSpPr>
-        <p:cNvPr id="1" name=""/>
-        <p:cNvGrpSpPr/>
-        <p:nvPr/>
-      </p:nvGrpSpPr>
-      <p:grpSpPr/>
-      <p:sp>
-        <p:nvSpPr>
-          <p:cNvPr id="2" name="Title 1"/>
-          <p:cNvSpPr>
-            <a:spLocks noGrp="1"/>
-          </p:cNvSpPr>
-          <p:nvPr>
-            <p:ph type="title"/>
-          </p:nvPr>
-        </p:nvSpPr>
-        <p:spPr/>
-        <p:txBody>
-          <a:bodyPr wrap="square">
-            <a:noAutofit/>
-          </a:bodyPr>
-          <a:lstStyle/>
-          <a:p>
-            <a:r>
-              <a:rPr sz="3200" b="1" i="0">
-                <a:latin typeface="Arial"/>
-              </a:rPr>
-              <a:t>Simulatie</a:t>
-            </a:r>
-            <a:endParaRPr sz="3200" b="1" i="0">
-              <a:latin typeface="Arial"/>
-            </a:endParaRPr>
-          </a:p>
-        </p:txBody>
-      </p:sp>
-      <p:pic>
-        <p:nvPicPr>
-          <p:cNvPr id="3" name="Picture 2" descr="image.png"/>
-          <p:cNvPicPr>
-            <a:picLocks noChangeAspect="1"/>
-          </p:cNvPicPr>
-          <p:nvPr/>
-        </p:nvPicPr>
-        <p:blipFill>
-          <a:blip r:embed="rId2"/>
-          <a:stretch>
-            <a:fillRect/>
-          </a:stretch>
-        </p:blipFill>
-        <p:spPr>
-          <a:xfrm>
-            <a:off x="485015" y="566928"/>
-            <a:ext cx="11221970" cy="5577840"/>
-          </a:xfrm>
-          <a:prstGeom prst="rect">
-            <a:avLst/>
-          </a:prstGeom>
-        </p:spPr>
-      </p:pic>
-    </p:spTree>
-  </p:cSld>
-  <p:clrMapOvr>
-    <a:masterClrMapping/>
-  </p:clrMapOvr>
-</p:sld>
-</file>
-
-<file path=ppt/slides/slide19.xml><?xml version="1.0" encoding="utf-8"?>
-<p:sld xmlns:a="http://schemas.openxmlformats.org/drawingml/2006/main" xmlns:p="http://schemas.openxmlformats.org/presentationml/2006/main" xmlns:r="http://schemas.openxmlformats.org/officeDocument/2006/relationships">
-  <p:cSld>
-    <p:spTree>
-      <p:nvGrpSpPr>
-        <p:cNvPr id="1" name=""/>
-        <p:cNvGrpSpPr/>
-        <p:nvPr/>
-      </p:nvGrpSpPr>
-      <p:grpSpPr/>
-    </p:spTree>
-  </p:cSld>
-  <p:clrMapOvr>
-    <a:masterClrMapping/>
-  </p:clrMapOvr>
-</p:sld>
-</file>
-
-<file path=ppt/slides/slide2.xml><?xml version="1.0" encoding="utf-8"?>
+<file path=ppt/slides/slide38.xml><?xml version="1.0" encoding="utf-8"?>
 <p:sld xmlns:a="http://schemas.openxmlformats.org/drawingml/2006/main" xmlns:p="http://schemas.openxmlformats.org/presentationml/2006/main" xmlns:r="http://schemas.openxmlformats.org/officeDocument/2006/relationships">
   <p:cSld>
     <p:spTree>
@@ -7081,24 +13057,6 @@
           <a:bodyPr/>
           <a:lstStyle/>
           <a:p/>
-          <a:p>
-            <a:pPr lvl="1"/>
-            <a:r>
-              <a:t>SPICE (Simulation Program for Integrated Circuits Emphasis) is een algemene analoge circuit simulator die kan gebruikt worden voor het voorspellen en controleren van het gedrag van circuits.</a:t>
-            </a:r>
-          </a:p>
-          <a:p>
-            <a:pPr lvl="1"/>
-            <a:r>
-              <a:t>Ontwikkeld in de 1970’s in Berkeley</a:t>
-            </a:r>
-          </a:p>
-          <a:p>
-            <a:pPr lvl="1"/>
-            <a:r>
-              <a:t>Op basis van de MNA analyse</a:t>
-            </a:r>
-          </a:p>
         </p:txBody>
       </p:sp>
       <p:sp>
@@ -7122,7 +13080,7 @@
               <a:rPr sz="3200" b="1" i="0">
                 <a:latin typeface="Arial"/>
               </a:rPr>
-              <a:t>Inleiding SPICE</a:t>
+              <a:t>Eenvoudige transistormodellen</a:t>
             </a:r>
             <a:endParaRPr sz="3200" b="1" i="0">
               <a:latin typeface="Arial"/>
@@ -7138,25 +13096,7 @@
 </p:sld>
 </file>
 
-<file path=ppt/slides/slide20.xml><?xml version="1.0" encoding="utf-8"?>
-<p:sld xmlns:a="http://schemas.openxmlformats.org/drawingml/2006/main" xmlns:p="http://schemas.openxmlformats.org/presentationml/2006/main" xmlns:r="http://schemas.openxmlformats.org/officeDocument/2006/relationships">
-  <p:cSld>
-    <p:spTree>
-      <p:nvGrpSpPr>
-        <p:cNvPr id="1" name=""/>
-        <p:cNvGrpSpPr/>
-        <p:nvPr/>
-      </p:nvGrpSpPr>
-      <p:grpSpPr/>
-    </p:spTree>
-  </p:cSld>
-  <p:clrMapOvr>
-    <a:masterClrMapping/>
-  </p:clrMapOvr>
-</p:sld>
-</file>
-
-<file path=ppt/slides/slide3.xml><?xml version="1.0" encoding="utf-8"?>
+<file path=ppt/slides/slide39.xml><?xml version="1.0" encoding="utf-8"?>
 <p:sld xmlns:a="http://schemas.openxmlformats.org/drawingml/2006/main" xmlns:p="http://schemas.openxmlformats.org/presentationml/2006/main" xmlns:r="http://schemas.openxmlformats.org/officeDocument/2006/relationships">
   <p:cSld>
     <p:spTree>
@@ -7181,72 +13121,6 @@
           <a:bodyPr/>
           <a:lstStyle/>
           <a:p/>
-          <a:p>
-            <a:pPr lvl="1"/>
-            <a:r>
-              <a:t>Weerstand (R)</a:t>
-            </a:r>
-          </a:p>
-          <a:p>
-            <a:pPr lvl="1"/>
-            <a:r>
-              <a:t>Capaciteit (C)</a:t>
-            </a:r>
-          </a:p>
-          <a:p>
-            <a:pPr lvl="1"/>
-            <a:r>
-              <a:t>Spoel (L)</a:t>
-            </a:r>
-          </a:p>
-          <a:p>
-            <a:pPr lvl="1"/>
-            <a:r>
-              <a:t>Gekoppelde spoelen (K)</a:t>
-            </a:r>
-          </a:p>
-          <a:p>
-            <a:pPr lvl="1"/>
-            <a:r>
-              <a:t>Transmissie lijn</a:t>
-            </a:r>
-          </a:p>
-          <a:p>
-            <a:pPr lvl="2"/>
-            <a:r>
-              <a:t>zonder verliezen(T)</a:t>
-            </a:r>
-          </a:p>
-          <a:p>
-            <a:pPr lvl="2"/>
-            <a:r>
-              <a:t>met verliezen (O,Y,P)</a:t>
-            </a:r>
-          </a:p>
-          <a:p>
-            <a:pPr lvl="2"/>
-            <a:r>
-              <a:t>RC lijnen (U)</a:t>
-            </a:r>
-          </a:p>
-          <a:p>
-            <a:pPr lvl="1"/>
-            <a:r>
-              <a:t>Schakelaars</a:t>
-            </a:r>
-          </a:p>
-          <a:p>
-            <a:pPr lvl="2"/>
-            <a:r>
-              <a:t>gecontrolleerd door spanning (S)</a:t>
-            </a:r>
-          </a:p>
-          <a:p>
-            <a:pPr lvl="2"/>
-            <a:r>
-              <a:t>gecontrolleerd door stroom (W)</a:t>
-            </a:r>
-          </a:p>
         </p:txBody>
       </p:sp>
       <p:sp>
@@ -7270,7 +13144,7 @@
               <a:rPr sz="3200" b="1" i="0">
                 <a:latin typeface="Arial"/>
               </a:rPr>
-              <a:t>Beschikbare passieve componenten</a:t>
+              <a:t>Eenvoudige transistormodellen</a:t>
             </a:r>
             <a:endParaRPr sz="3200" b="1" i="0">
               <a:latin typeface="Arial"/>
@@ -7384,6 +13258,884 @@
           </a:p>
         </p:txBody>
       </p:sp>
+    </p:spTree>
+  </p:cSld>
+  <p:clrMapOvr>
+    <a:masterClrMapping/>
+  </p:clrMapOvr>
+</p:sld>
+</file>
+
+<file path=ppt/slides/slide40.xml><?xml version="1.0" encoding="utf-8"?>
+<p:sld xmlns:a="http://schemas.openxmlformats.org/drawingml/2006/main" xmlns:p="http://schemas.openxmlformats.org/presentationml/2006/main" xmlns:r="http://schemas.openxmlformats.org/officeDocument/2006/relationships">
+  <p:cSld>
+    <p:spTree>
+      <p:nvGrpSpPr>
+        <p:cNvPr id="1" name=""/>
+        <p:cNvGrpSpPr/>
+        <p:nvPr/>
+      </p:nvGrpSpPr>
+      <p:grpSpPr/>
+      <p:sp>
+        <p:nvSpPr>
+          <p:cNvPr id="2" name="Content Placeholder 1"/>
+          <p:cNvSpPr>
+            <a:spLocks noGrp="1"/>
+          </p:cNvSpPr>
+          <p:nvPr>
+            <p:ph idx="1"/>
+          </p:nvPr>
+        </p:nvSpPr>
+        <p:spPr/>
+        <p:txBody>
+          <a:bodyPr/>
+          <a:lstStyle/>
+          <a:p/>
+        </p:txBody>
+      </p:sp>
+      <p:sp>
+        <p:nvSpPr>
+          <p:cNvPr id="3" name="Title 2"/>
+          <p:cNvSpPr>
+            <a:spLocks noGrp="1"/>
+          </p:cNvSpPr>
+          <p:nvPr>
+            <p:ph type="title"/>
+          </p:nvPr>
+        </p:nvSpPr>
+        <p:spPr/>
+        <p:txBody>
+          <a:bodyPr wrap="square">
+            <a:noAutofit/>
+          </a:bodyPr>
+          <a:lstStyle/>
+          <a:p>
+            <a:r>
+              <a:rPr sz="3200" b="1" i="0">
+                <a:latin typeface="Arial"/>
+              </a:rPr>
+              <a:t>Eenvoudige transistormodellen</a:t>
+            </a:r>
+            <a:endParaRPr sz="3200" b="1" i="0">
+              <a:latin typeface="Arial"/>
+            </a:endParaRPr>
+          </a:p>
+        </p:txBody>
+      </p:sp>
+    </p:spTree>
+  </p:cSld>
+  <p:clrMapOvr>
+    <a:masterClrMapping/>
+  </p:clrMapOvr>
+</p:sld>
+</file>
+
+<file path=ppt/slides/slide41.xml><?xml version="1.0" encoding="utf-8"?>
+<p:sld xmlns:a="http://schemas.openxmlformats.org/drawingml/2006/main" xmlns:p="http://schemas.openxmlformats.org/presentationml/2006/main" xmlns:r="http://schemas.openxmlformats.org/officeDocument/2006/relationships">
+  <p:cSld>
+    <p:spTree>
+      <p:nvGrpSpPr>
+        <p:cNvPr id="1" name=""/>
+        <p:cNvGrpSpPr/>
+        <p:nvPr/>
+      </p:nvGrpSpPr>
+      <p:grpSpPr/>
+      <p:sp>
+        <p:nvSpPr>
+          <p:cNvPr id="2" name="Content Placeholder 1"/>
+          <p:cNvSpPr>
+            <a:spLocks noGrp="1"/>
+          </p:cNvSpPr>
+          <p:nvPr>
+            <p:ph idx="1"/>
+          </p:nvPr>
+        </p:nvSpPr>
+        <p:spPr/>
+        <p:txBody>
+          <a:bodyPr/>
+          <a:lstStyle/>
+          <a:p/>
+        </p:txBody>
+      </p:sp>
+      <p:sp>
+        <p:nvSpPr>
+          <p:cNvPr id="3" name="Title 2"/>
+          <p:cNvSpPr>
+            <a:spLocks noGrp="1"/>
+          </p:cNvSpPr>
+          <p:nvPr>
+            <p:ph type="title"/>
+          </p:nvPr>
+        </p:nvSpPr>
+        <p:spPr/>
+        <p:txBody>
+          <a:bodyPr wrap="square">
+            <a:noAutofit/>
+          </a:bodyPr>
+          <a:lstStyle/>
+          <a:p>
+            <a:r>
+              <a:rPr sz="3200" b="1" i="0">
+                <a:latin typeface="Arial"/>
+              </a:rPr>
+              <a:t>Eenvoudige transistormodellen</a:t>
+            </a:r>
+            <a:endParaRPr sz="3200" b="1" i="0">
+              <a:latin typeface="Arial"/>
+            </a:endParaRPr>
+          </a:p>
+        </p:txBody>
+      </p:sp>
+    </p:spTree>
+  </p:cSld>
+  <p:clrMapOvr>
+    <a:masterClrMapping/>
+  </p:clrMapOvr>
+</p:sld>
+</file>
+
+<file path=ppt/slides/slide42.xml><?xml version="1.0" encoding="utf-8"?>
+<p:sld xmlns:a="http://schemas.openxmlformats.org/drawingml/2006/main" xmlns:p="http://schemas.openxmlformats.org/presentationml/2006/main" xmlns:r="http://schemas.openxmlformats.org/officeDocument/2006/relationships">
+  <p:cSld>
+    <p:spTree>
+      <p:nvGrpSpPr>
+        <p:cNvPr id="1" name=""/>
+        <p:cNvGrpSpPr/>
+        <p:nvPr/>
+      </p:nvGrpSpPr>
+      <p:grpSpPr/>
+      <p:sp>
+        <p:nvSpPr>
+          <p:cNvPr id="2" name="Content Placeholder 1"/>
+          <p:cNvSpPr>
+            <a:spLocks noGrp="1"/>
+          </p:cNvSpPr>
+          <p:nvPr>
+            <p:ph idx="1"/>
+          </p:nvPr>
+        </p:nvSpPr>
+        <p:spPr/>
+        <p:txBody>
+          <a:bodyPr/>
+          <a:lstStyle/>
+          <a:p/>
+        </p:txBody>
+      </p:sp>
+      <p:sp>
+        <p:nvSpPr>
+          <p:cNvPr id="3" name="Title 2"/>
+          <p:cNvSpPr>
+            <a:spLocks noGrp="1"/>
+          </p:cNvSpPr>
+          <p:nvPr>
+            <p:ph type="title"/>
+          </p:nvPr>
+        </p:nvSpPr>
+        <p:spPr/>
+        <p:txBody>
+          <a:bodyPr wrap="square">
+            <a:noAutofit/>
+          </a:bodyPr>
+          <a:lstStyle/>
+          <a:p>
+            <a:r>
+              <a:rPr sz="3200" b="1" i="0">
+                <a:latin typeface="Arial"/>
+              </a:rPr>
+              <a:t>Eenvoudige transistormodellen</a:t>
+            </a:r>
+            <a:endParaRPr sz="3200" b="1" i="0">
+              <a:latin typeface="Arial"/>
+            </a:endParaRPr>
+          </a:p>
+        </p:txBody>
+      </p:sp>
+    </p:spTree>
+  </p:cSld>
+  <p:clrMapOvr>
+    <a:masterClrMapping/>
+  </p:clrMapOvr>
+</p:sld>
+</file>
+
+<file path=ppt/slides/slide43.xml><?xml version="1.0" encoding="utf-8"?>
+<p:sld xmlns:a="http://schemas.openxmlformats.org/drawingml/2006/main" xmlns:p="http://schemas.openxmlformats.org/presentationml/2006/main" xmlns:r="http://schemas.openxmlformats.org/officeDocument/2006/relationships">
+  <p:cSld>
+    <p:spTree>
+      <p:nvGrpSpPr>
+        <p:cNvPr id="1" name=""/>
+        <p:cNvGrpSpPr/>
+        <p:nvPr/>
+      </p:nvGrpSpPr>
+      <p:grpSpPr/>
+      <p:sp>
+        <p:nvSpPr>
+          <p:cNvPr id="2" name="Content Placeholder 1"/>
+          <p:cNvSpPr>
+            <a:spLocks noGrp="1"/>
+          </p:cNvSpPr>
+          <p:nvPr>
+            <p:ph idx="1"/>
+          </p:nvPr>
+        </p:nvSpPr>
+        <p:spPr/>
+        <p:txBody>
+          <a:bodyPr/>
+          <a:lstStyle/>
+          <a:p/>
+        </p:txBody>
+      </p:sp>
+      <p:sp>
+        <p:nvSpPr>
+          <p:cNvPr id="3" name="Title 2"/>
+          <p:cNvSpPr>
+            <a:spLocks noGrp="1"/>
+          </p:cNvSpPr>
+          <p:nvPr>
+            <p:ph type="title"/>
+          </p:nvPr>
+        </p:nvSpPr>
+        <p:spPr/>
+        <p:txBody>
+          <a:bodyPr wrap="square">
+            <a:noAutofit/>
+          </a:bodyPr>
+          <a:lstStyle/>
+          <a:p>
+            <a:r>
+              <a:rPr sz="3200" b="1" i="0">
+                <a:latin typeface="Arial"/>
+              </a:rPr>
+              <a:t>Eenvoudige transistormodellen</a:t>
+            </a:r>
+            <a:endParaRPr sz="3200" b="1" i="0">
+              <a:latin typeface="Arial"/>
+            </a:endParaRPr>
+          </a:p>
+        </p:txBody>
+      </p:sp>
+    </p:spTree>
+  </p:cSld>
+  <p:clrMapOvr>
+    <a:masterClrMapping/>
+  </p:clrMapOvr>
+</p:sld>
+</file>
+
+<file path=ppt/slides/slide44.xml><?xml version="1.0" encoding="utf-8"?>
+<p:sld xmlns:a="http://schemas.openxmlformats.org/drawingml/2006/main" xmlns:p="http://schemas.openxmlformats.org/presentationml/2006/main" xmlns:r="http://schemas.openxmlformats.org/officeDocument/2006/relationships">
+  <p:cSld>
+    <p:spTree>
+      <p:nvGrpSpPr>
+        <p:cNvPr id="1" name=""/>
+        <p:cNvGrpSpPr/>
+        <p:nvPr/>
+      </p:nvGrpSpPr>
+      <p:grpSpPr/>
+      <p:sp>
+        <p:nvSpPr>
+          <p:cNvPr id="2" name="Content Placeholder 1"/>
+          <p:cNvSpPr>
+            <a:spLocks noGrp="1"/>
+          </p:cNvSpPr>
+          <p:nvPr>
+            <p:ph idx="1"/>
+          </p:nvPr>
+        </p:nvSpPr>
+        <p:spPr/>
+        <p:txBody>
+          <a:bodyPr/>
+          <a:lstStyle/>
+          <a:p>
+            <a:r>
+              <a:rPr sz="1400">
+                <a:solidFill>
+                  <a:srgbClr val="000000"/>
+                </a:solidFill>
+                <a:latin typeface="Courier New"/>
+              </a:rPr>
+              <a:t/>
+            </a:r>
+            <a:r>
+              <a:rPr sz="1400">
+                <a:solidFill>
+                  <a:srgbClr val="000000"/>
+                </a:solidFill>
+                <a:latin typeface="Courier New"/>
+              </a:rPr>
+              <a:t>.</a:t>
+            </a:r>
+            <a:r>
+              <a:rPr sz="1400">
+                <a:solidFill>
+                  <a:srgbClr val="000000"/>
+                </a:solidFill>
+                <a:latin typeface="Courier New"/>
+              </a:rPr>
+              <a:t>MODEL</a:t>
+            </a:r>
+            <a:r>
+              <a:rPr sz="1400">
+                <a:solidFill>
+                  <a:srgbClr val="000000"/>
+                </a:solidFill>
+                <a:latin typeface="Courier New"/>
+              </a:rPr>
+              <a:t> </a:t>
+            </a:r>
+            <a:r>
+              <a:rPr sz="1400">
+                <a:solidFill>
+                  <a:srgbClr val="000000"/>
+                </a:solidFill>
+                <a:latin typeface="Courier New"/>
+              </a:rPr>
+              <a:t>NMOS</a:t>
+            </a:r>
+            <a:r>
+              <a:rPr sz="1400">
+                <a:solidFill>
+                  <a:srgbClr val="000000"/>
+                </a:solidFill>
+                <a:latin typeface="Courier New"/>
+              </a:rPr>
+              <a:t> </a:t>
+            </a:r>
+            <a:r>
+              <a:rPr sz="1400">
+                <a:solidFill>
+                  <a:srgbClr val="000000"/>
+                </a:solidFill>
+                <a:latin typeface="Courier New"/>
+              </a:rPr>
+              <a:t>NMOS</a:t>
+            </a:r>
+            <a:r>
+              <a:rPr sz="1400">
+                <a:solidFill>
+                  <a:srgbClr val="000000"/>
+                </a:solidFill>
+                <a:latin typeface="Courier New"/>
+              </a:rPr>
+              <a:t>(</a:t>
+            </a:r>
+            <a:r>
+              <a:rPr sz="1400">
+                <a:solidFill>
+                  <a:srgbClr val="000000"/>
+                </a:solidFill>
+                <a:latin typeface="Courier New"/>
+              </a:rPr>
+              <a:t>LEVEL</a:t>
+            </a:r>
+            <a:r>
+              <a:rPr sz="1400">
+                <a:solidFill>
+                  <a:srgbClr val="000000"/>
+                </a:solidFill>
+                <a:latin typeface="Courier New"/>
+              </a:rPr>
+              <a:t>=</a:t>
+            </a:r>
+            <a:r>
+              <a:rPr sz="1400">
+                <a:solidFill>
+                  <a:srgbClr val="000000"/>
+                </a:solidFill>
+                <a:latin typeface="Courier New"/>
+              </a:rPr>
+              <a:t>1</a:t>
+            </a:r>
+            <a:r>
+              <a:rPr sz="1400">
+                <a:solidFill>
+                  <a:srgbClr val="000000"/>
+                </a:solidFill>
+                <a:latin typeface="Courier New"/>
+              </a:rPr>
+              <a:t> </a:t>
+            </a:r>
+            <a:r>
+              <a:rPr sz="1400">
+                <a:solidFill>
+                  <a:srgbClr val="000000"/>
+                </a:solidFill>
+                <a:latin typeface="Courier New"/>
+              </a:rPr>
+              <a:t>VTO</a:t>
+            </a:r>
+            <a:r>
+              <a:rPr sz="1400">
+                <a:solidFill>
+                  <a:srgbClr val="000000"/>
+                </a:solidFill>
+                <a:latin typeface="Courier New"/>
+              </a:rPr>
+              <a:t>=</a:t>
+            </a:r>
+            <a:r>
+              <a:rPr sz="1400">
+                <a:solidFill>
+                  <a:srgbClr val="000000"/>
+                </a:solidFill>
+                <a:latin typeface="Courier New"/>
+              </a:rPr>
+              <a:t>0.50</a:t>
+            </a:r>
+            <a:r>
+              <a:rPr sz="1400">
+                <a:solidFill>
+                  <a:srgbClr val="000000"/>
+                </a:solidFill>
+                <a:latin typeface="Courier New"/>
+              </a:rPr>
+              <a:t> </a:t>
+            </a:r>
+            <a:r>
+              <a:rPr sz="1400">
+                <a:solidFill>
+                  <a:srgbClr val="000000"/>
+                </a:solidFill>
+                <a:latin typeface="Courier New"/>
+              </a:rPr>
+              <a:t>KP</a:t>
+            </a:r>
+            <a:r>
+              <a:rPr sz="1400">
+                <a:solidFill>
+                  <a:srgbClr val="000000"/>
+                </a:solidFill>
+                <a:latin typeface="Courier New"/>
+              </a:rPr>
+              <a:t>=</a:t>
+            </a:r>
+            <a:r>
+              <a:rPr sz="1400">
+                <a:solidFill>
+                  <a:srgbClr val="000000"/>
+                </a:solidFill>
+                <a:latin typeface="Courier New"/>
+              </a:rPr>
+              <a:t>90.000E-6</a:t>
+            </a:r>
+            <a:r>
+              <a:rPr sz="1400">
+                <a:solidFill>
+                  <a:srgbClr val="000000"/>
+                </a:solidFill>
+                <a:latin typeface="Courier New"/>
+              </a:rPr>
+              <a:t> </a:t>
+            </a:r>
+            <a:r>
+              <a:rPr sz="1400">
+                <a:solidFill>
+                  <a:srgbClr val="000000"/>
+                </a:solidFill>
+                <a:latin typeface="Courier New"/>
+              </a:rPr>
+              <a:t>LAMBDA</a:t>
+            </a:r>
+            <a:r>
+              <a:rPr sz="1400">
+                <a:solidFill>
+                  <a:srgbClr val="000000"/>
+                </a:solidFill>
+                <a:latin typeface="Courier New"/>
+              </a:rPr>
+              <a:t>=</a:t>
+            </a:r>
+            <a:r>
+              <a:rPr sz="1400">
+                <a:solidFill>
+                  <a:srgbClr val="000000"/>
+                </a:solidFill>
+                <a:latin typeface="Courier New"/>
+              </a:rPr>
+              <a:t>0.001</a:t>
+            </a:r>
+            <a:r>
+              <a:rPr sz="1400">
+                <a:solidFill>
+                  <a:srgbClr val="000000"/>
+                </a:solidFill>
+                <a:latin typeface="Courier New"/>
+              </a:rPr>
+              <a:t>)</a:t>
+            </a:r>
+            <a:r>
+              <a:rPr sz="1400">
+                <a:solidFill>
+                  <a:srgbClr val="000000"/>
+                </a:solidFill>
+                <a:latin typeface="Courier New"/>
+              </a:rPr>
+              <a:t/>
+            </a:r>
+            <a:r>
+              <a:rPr sz="1400">
+                <a:solidFill>
+                  <a:srgbClr val="000000"/>
+                </a:solidFill>
+                <a:latin typeface="Courier New"/>
+              </a:rPr>
+              <a:t>.</a:t>
+            </a:r>
+            <a:r>
+              <a:rPr sz="1400">
+                <a:solidFill>
+                  <a:srgbClr val="000000"/>
+                </a:solidFill>
+                <a:latin typeface="Courier New"/>
+              </a:rPr>
+              <a:t>MODEL</a:t>
+            </a:r>
+            <a:r>
+              <a:rPr sz="1400">
+                <a:solidFill>
+                  <a:srgbClr val="000000"/>
+                </a:solidFill>
+                <a:latin typeface="Courier New"/>
+              </a:rPr>
+              <a:t> </a:t>
+            </a:r>
+            <a:r>
+              <a:rPr sz="1400">
+                <a:solidFill>
+                  <a:srgbClr val="000000"/>
+                </a:solidFill>
+                <a:latin typeface="Courier New"/>
+              </a:rPr>
+              <a:t>PMOS</a:t>
+            </a:r>
+            <a:r>
+              <a:rPr sz="1400">
+                <a:solidFill>
+                  <a:srgbClr val="000000"/>
+                </a:solidFill>
+                <a:latin typeface="Courier New"/>
+              </a:rPr>
+              <a:t> </a:t>
+            </a:r>
+            <a:r>
+              <a:rPr sz="1400">
+                <a:solidFill>
+                  <a:srgbClr val="000000"/>
+                </a:solidFill>
+                <a:latin typeface="Courier New"/>
+              </a:rPr>
+              <a:t>PMOS</a:t>
+            </a:r>
+            <a:r>
+              <a:rPr sz="1400">
+                <a:solidFill>
+                  <a:srgbClr val="000000"/>
+                </a:solidFill>
+                <a:latin typeface="Courier New"/>
+              </a:rPr>
+              <a:t>(</a:t>
+            </a:r>
+            <a:r>
+              <a:rPr sz="1400">
+                <a:solidFill>
+                  <a:srgbClr val="000000"/>
+                </a:solidFill>
+                <a:latin typeface="Courier New"/>
+              </a:rPr>
+              <a:t>LEVEL</a:t>
+            </a:r>
+            <a:r>
+              <a:rPr sz="1400">
+                <a:solidFill>
+                  <a:srgbClr val="000000"/>
+                </a:solidFill>
+                <a:latin typeface="Courier New"/>
+              </a:rPr>
+              <a:t>=</a:t>
+            </a:r>
+            <a:r>
+              <a:rPr sz="1400">
+                <a:solidFill>
+                  <a:srgbClr val="000000"/>
+                </a:solidFill>
+                <a:latin typeface="Courier New"/>
+              </a:rPr>
+              <a:t>1</a:t>
+            </a:r>
+            <a:r>
+              <a:rPr sz="1400">
+                <a:solidFill>
+                  <a:srgbClr val="000000"/>
+                </a:solidFill>
+                <a:latin typeface="Courier New"/>
+              </a:rPr>
+              <a:t> </a:t>
+            </a:r>
+            <a:r>
+              <a:rPr sz="1400">
+                <a:solidFill>
+                  <a:srgbClr val="000000"/>
+                </a:solidFill>
+                <a:latin typeface="Courier New"/>
+              </a:rPr>
+              <a:t>VTO</a:t>
+            </a:r>
+            <a:r>
+              <a:rPr sz="1400">
+                <a:solidFill>
+                  <a:srgbClr val="000000"/>
+                </a:solidFill>
+                <a:latin typeface="Courier New"/>
+              </a:rPr>
+              <a:t>=</a:t>
+            </a:r>
+            <a:r>
+              <a:rPr sz="1400">
+                <a:solidFill>
+                  <a:srgbClr val="000000"/>
+                </a:solidFill>
+                <a:latin typeface="Courier New"/>
+              </a:rPr>
+              <a:t>-</a:t>
+            </a:r>
+            <a:r>
+              <a:rPr sz="1400">
+                <a:solidFill>
+                  <a:srgbClr val="000000"/>
+                </a:solidFill>
+                <a:latin typeface="Courier New"/>
+              </a:rPr>
+              <a:t>0.45</a:t>
+            </a:r>
+            <a:r>
+              <a:rPr sz="1400">
+                <a:solidFill>
+                  <a:srgbClr val="000000"/>
+                </a:solidFill>
+                <a:latin typeface="Courier New"/>
+              </a:rPr>
+              <a:t> </a:t>
+            </a:r>
+            <a:r>
+              <a:rPr sz="1400">
+                <a:solidFill>
+                  <a:srgbClr val="000000"/>
+                </a:solidFill>
+                <a:latin typeface="Courier New"/>
+              </a:rPr>
+              <a:t>KP</a:t>
+            </a:r>
+            <a:r>
+              <a:rPr sz="1400">
+                <a:solidFill>
+                  <a:srgbClr val="000000"/>
+                </a:solidFill>
+                <a:latin typeface="Courier New"/>
+              </a:rPr>
+              <a:t>=</a:t>
+            </a:r>
+            <a:r>
+              <a:rPr sz="1400">
+                <a:solidFill>
+                  <a:srgbClr val="000000"/>
+                </a:solidFill>
+                <a:latin typeface="Courier New"/>
+              </a:rPr>
+              <a:t>55.000E-6</a:t>
+            </a:r>
+            <a:r>
+              <a:rPr sz="1400">
+                <a:solidFill>
+                  <a:srgbClr val="000000"/>
+                </a:solidFill>
+                <a:latin typeface="Courier New"/>
+              </a:rPr>
+              <a:t> </a:t>
+            </a:r>
+            <a:r>
+              <a:rPr sz="1400">
+                <a:solidFill>
+                  <a:srgbClr val="000000"/>
+                </a:solidFill>
+                <a:latin typeface="Courier New"/>
+              </a:rPr>
+              <a:t>LAMBDA</a:t>
+            </a:r>
+            <a:r>
+              <a:rPr sz="1400">
+                <a:solidFill>
+                  <a:srgbClr val="000000"/>
+                </a:solidFill>
+                <a:latin typeface="Courier New"/>
+              </a:rPr>
+              <a:t>=</a:t>
+            </a:r>
+            <a:r>
+              <a:rPr sz="1400">
+                <a:solidFill>
+                  <a:srgbClr val="000000"/>
+                </a:solidFill>
+                <a:latin typeface="Courier New"/>
+              </a:rPr>
+              <a:t>0.001</a:t>
+            </a:r>
+            <a:r>
+              <a:rPr sz="1400">
+                <a:solidFill>
+                  <a:srgbClr val="000000"/>
+                </a:solidFill>
+                <a:latin typeface="Courier New"/>
+              </a:rPr>
+              <a:t>)</a:t>
+            </a:r>
+            <a:r>
+              <a:rPr sz="1400">
+                <a:solidFill>
+                  <a:srgbClr val="000000"/>
+                </a:solidFill>
+                <a:latin typeface="Courier New"/>
+              </a:rPr>
+              <a:t/>
+            </a:r>
+          </a:p>
+        </p:txBody>
+      </p:sp>
+      <p:sp>
+        <p:nvSpPr>
+          <p:cNvPr id="3" name="Title 2"/>
+          <p:cNvSpPr>
+            <a:spLocks noGrp="1"/>
+          </p:cNvSpPr>
+          <p:nvPr>
+            <p:ph type="title"/>
+          </p:nvPr>
+        </p:nvSpPr>
+        <p:spPr/>
+        <p:txBody>
+          <a:bodyPr wrap="square">
+            <a:noAutofit/>
+          </a:bodyPr>
+          <a:lstStyle/>
+          <a:p>
+            <a:r>
+              <a:rPr sz="3200" b="1" i="0">
+                <a:latin typeface="Arial"/>
+              </a:rPr>
+              <a:t>Eenvoudige transistormodellen</a:t>
+            </a:r>
+            <a:endParaRPr sz="3200" b="1" i="0">
+              <a:latin typeface="Arial"/>
+            </a:endParaRPr>
+          </a:p>
+        </p:txBody>
+      </p:sp>
+    </p:spTree>
+  </p:cSld>
+  <p:clrMapOvr>
+    <a:masterClrMapping/>
+  </p:clrMapOvr>
+</p:sld>
+</file>
+
+<file path=ppt/slides/slide45.xml><?xml version="1.0" encoding="utf-8"?>
+<p:sld xmlns:a="http://schemas.openxmlformats.org/drawingml/2006/main" xmlns:p="http://schemas.openxmlformats.org/presentationml/2006/main" xmlns:r="http://schemas.openxmlformats.org/officeDocument/2006/relationships">
+  <p:cSld>
+    <p:spTree>
+      <p:nvGrpSpPr>
+        <p:cNvPr id="1" name=""/>
+        <p:cNvGrpSpPr/>
+        <p:nvPr/>
+      </p:nvGrpSpPr>
+      <p:grpSpPr/>
+      <p:sp>
+        <p:nvSpPr>
+          <p:cNvPr id="2" name="Title 1"/>
+          <p:cNvSpPr>
+            <a:spLocks noGrp="1"/>
+          </p:cNvSpPr>
+          <p:nvPr>
+            <p:ph type="title"/>
+          </p:nvPr>
+        </p:nvSpPr>
+        <p:spPr/>
+        <p:txBody>
+          <a:bodyPr wrap="square">
+            <a:noAutofit/>
+          </a:bodyPr>
+          <a:lstStyle/>
+          <a:p>
+            <a:r>
+              <a:rPr sz="3200" b="1" i="0">
+                <a:latin typeface="Arial"/>
+              </a:rPr>
+              <a:t>Simulatie</a:t>
+            </a:r>
+            <a:endParaRPr sz="3200" b="1" i="0">
+              <a:latin typeface="Arial"/>
+            </a:endParaRPr>
+          </a:p>
+        </p:txBody>
+      </p:sp>
+      <p:pic>
+        <p:nvPicPr>
+          <p:cNvPr id="3" name="Picture 2" descr="image.png"/>
+          <p:cNvPicPr>
+            <a:picLocks noChangeAspect="1"/>
+          </p:cNvPicPr>
+          <p:nvPr/>
+        </p:nvPicPr>
+        <p:blipFill>
+          <a:blip r:embed="rId2"/>
+          <a:stretch>
+            <a:fillRect/>
+          </a:stretch>
+        </p:blipFill>
+        <p:spPr>
+          <a:xfrm>
+            <a:off x="485015" y="566928"/>
+            <a:ext cx="11221970" cy="5577840"/>
+          </a:xfrm>
+          <a:prstGeom prst="rect">
+            <a:avLst/>
+          </a:prstGeom>
+        </p:spPr>
+      </p:pic>
+    </p:spTree>
+  </p:cSld>
+  <p:clrMapOvr>
+    <a:masterClrMapping/>
+  </p:clrMapOvr>
+</p:sld>
+</file>
+
+<file path=ppt/slides/slide46.xml><?xml version="1.0" encoding="utf-8"?>
+<p:sld xmlns:a="http://schemas.openxmlformats.org/drawingml/2006/main" xmlns:p="http://schemas.openxmlformats.org/presentationml/2006/main" xmlns:r="http://schemas.openxmlformats.org/officeDocument/2006/relationships">
+  <p:cSld>
+    <p:spTree>
+      <p:nvGrpSpPr>
+        <p:cNvPr id="1" name=""/>
+        <p:cNvGrpSpPr/>
+        <p:nvPr/>
+      </p:nvGrpSpPr>
+      <p:grpSpPr/>
+    </p:spTree>
+  </p:cSld>
+  <p:clrMapOvr>
+    <a:masterClrMapping/>
+  </p:clrMapOvr>
+</p:sld>
+</file>
+
+<file path=ppt/slides/slide47.xml><?xml version="1.0" encoding="utf-8"?>
+<p:sld xmlns:a="http://schemas.openxmlformats.org/drawingml/2006/main" xmlns:p="http://schemas.openxmlformats.org/presentationml/2006/main" xmlns:r="http://schemas.openxmlformats.org/officeDocument/2006/relationships">
+  <p:cSld>
+    <p:spTree>
+      <p:nvGrpSpPr>
+        <p:cNvPr id="1" name=""/>
+        <p:cNvGrpSpPr/>
+        <p:nvPr/>
+      </p:nvGrpSpPr>
+      <p:grpSpPr/>
     </p:spTree>
   </p:cSld>
   <p:clrMapOvr>

--- a/ToegepasteAnalogeElektronica/PowerPoint/Spice-simulatie.pptx
+++ b/ToegepasteAnalogeElektronica/PowerPoint/Spice-simulatie.pptx
@@ -1,6 +1,6 @@
 
 <file path=ppt/presentation.xml><?xml version="1.0" encoding="utf-8"?>
-<p:presentation xmlns:a="http://schemas.openxmlformats.org/drawingml/2006/main" xmlns:r="http://schemas.openxmlformats.org/officeDocument/2006/relationships" xmlns:p="http://schemas.openxmlformats.org/presentationml/2006/main" saveSubsetFonts="1" autoCompressPictures="0">
+<p:presentation xmlns:a="http://schemas.openxmlformats.org/drawingml/2006/main" xmlns:r="http://schemas.openxmlformats.org/officeDocument/2006/relationships" xmlns:p="http://schemas.openxmlformats.org/presentationml/2006/main" showSpecialPlsOnTitleSld="0" saveSubsetFonts="1" autoCompressPictures="0">
   <p:sldMasterIdLst>
     <p:sldMasterId id="2147483648" r:id="rId4"/>
   </p:sldMasterIdLst>
@@ -693,7 +693,7 @@
           <a:p>
             <a:fld id="{8F591CCF-F6FD-734B-854A-5BC033593B1E}" type="datetimeFigureOut">
               <a:rPr lang="nl-NL" smtClean="0"/>
-              <a:t>21-9-2025</a:t>
+              <a:t>28-9-2025</a:t>
             </a:fld>
             <a:endParaRPr lang="nl-NL"/>
           </a:p>
@@ -858,7 +858,7 @@
           <a:p>
             <a:fld id="{23C66214-DB21-4647-B5DA-0D17CA592867}" type="datetimeFigureOut">
               <a:rPr lang="nl-NL" smtClean="0"/>
-              <a:t>21-9-2025</a:t>
+              <a:t>28-9-2025</a:t>
             </a:fld>
             <a:endParaRPr lang="nl-NL"/>
           </a:p>
@@ -1467,9 +1467,9 @@
           <a:bodyPr/>
           <a:lstStyle/>
           <a:p>
-            <a:fld id="{D15822B7-9EF6-9542-AF10-CD505E021A84}" type="datetime1">
+            <a:fld id="{39E7E716-59E8-42BC-97BF-DDA9E59ADEE7}" type="datetime1">
               <a:rPr lang="nl-BE" smtClean="0"/>
-              <a:t>21/09/2025</a:t>
+              <a:t>28/09/2025</a:t>
             </a:fld>
             <a:endParaRPr lang="nl-NL"/>
           </a:p>
@@ -1501,7 +1501,7 @@
           <a:bodyPr/>
           <a:lstStyle/>
           <a:p>
-            <a:endParaRPr lang="nl-NL"/>
+            <a:endParaRPr lang="nl-NL" dirty="0"/>
           </a:p>
         </p:txBody>
       </p:sp>
@@ -1717,9 +1717,9 @@
           <a:bodyPr/>
           <a:lstStyle/>
           <a:p>
-            <a:fld id="{D15822B7-9EF6-9542-AF10-CD505E021A84}" type="datetime1">
+            <a:fld id="{68285E84-F3E9-4DE0-AF5C-DC32311C51B6}" type="datetime1">
               <a:rPr lang="nl-BE" smtClean="0"/>
-              <a:t>21/09/2025</a:t>
+              <a:t>28/09/2025</a:t>
             </a:fld>
             <a:endParaRPr lang="nl-NL"/>
           </a:p>
@@ -2000,9 +2000,9 @@
           <a:bodyPr/>
           <a:lstStyle/>
           <a:p>
-            <a:fld id="{F52CA13D-CC20-034F-8D4D-5C3038626ED9}" type="datetime1">
+            <a:fld id="{86D712DB-13D1-48DF-8D74-EA2A0D6A1295}" type="datetime1">
               <a:rPr lang="nl-BE" smtClean="0"/>
-              <a:t>21/09/2025</a:t>
+              <a:t>28/09/2025</a:t>
             </a:fld>
             <a:endParaRPr lang="nl-NL"/>
           </a:p>
@@ -2352,9 +2352,9 @@
           <a:bodyPr/>
           <a:lstStyle/>
           <a:p>
-            <a:fld id="{F52CA13D-CC20-034F-8D4D-5C3038626ED9}" type="datetime1">
+            <a:fld id="{EE55F63B-E5C2-47C9-B767-96A09BC63624}" type="datetime1">
               <a:rPr lang="nl-BE" smtClean="0"/>
-              <a:t>21/09/2025</a:t>
+              <a:t>28/09/2025</a:t>
             </a:fld>
             <a:endParaRPr lang="nl-NL"/>
           </a:p>
@@ -3585,9 +3585,9 @@
           <a:bodyPr/>
           <a:lstStyle/>
           <a:p>
-            <a:fld id="{F52CA13D-CC20-034F-8D4D-5C3038626ED9}" type="datetime1">
+            <a:fld id="{0445AAF3-F212-43BB-932B-DD1A31841819}" type="datetime1">
               <a:rPr lang="nl-BE" smtClean="0"/>
-              <a:t>21/09/2025</a:t>
+              <a:t>28/09/2025</a:t>
             </a:fld>
             <a:endParaRPr lang="nl-NL"/>
           </a:p>
@@ -3806,9 +3806,9 @@
           <a:bodyPr/>
           <a:lstStyle/>
           <a:p>
-            <a:fld id="{F52CA13D-CC20-034F-8D4D-5C3038626ED9}" type="datetime1">
+            <a:fld id="{215EBCC0-C3A3-417F-962F-876AE60FF46F}" type="datetime1">
               <a:rPr lang="nl-BE" smtClean="0"/>
-              <a:t>21/09/2025</a:t>
+              <a:t>28/09/2025</a:t>
             </a:fld>
             <a:endParaRPr lang="nl-NL"/>
           </a:p>
@@ -4097,9 +4097,9 @@
           <a:bodyPr/>
           <a:lstStyle/>
           <a:p>
-            <a:fld id="{F52CA13D-CC20-034F-8D4D-5C3038626ED9}" type="datetime1">
+            <a:fld id="{5087A35E-C6EC-4A6C-A286-9B263B20AC20}" type="datetime1">
               <a:rPr lang="nl-BE" smtClean="0"/>
-              <a:t>21/09/2025</a:t>
+              <a:t>28/09/2025</a:t>
             </a:fld>
             <a:endParaRPr lang="nl-NL"/>
           </a:p>
@@ -4351,9 +4351,9 @@
           <a:bodyPr/>
           <a:lstStyle/>
           <a:p>
-            <a:fld id="{F52CA13D-CC20-034F-8D4D-5C3038626ED9}" type="datetime1">
+            <a:fld id="{4B9B00E3-DE57-4EA4-A886-8AA88F9577D7}" type="datetime1">
               <a:rPr lang="nl-BE" smtClean="0"/>
-              <a:t>21/09/2025</a:t>
+              <a:t>28/09/2025</a:t>
             </a:fld>
             <a:endParaRPr lang="nl-NL"/>
           </a:p>
@@ -4564,9 +4564,9 @@
           <a:bodyPr/>
           <a:lstStyle/>
           <a:p>
-            <a:fld id="{D15822B7-9EF6-9542-AF10-CD505E021A84}" type="datetime1">
+            <a:fld id="{1631A466-BC4F-407D-A3EA-76F6655478F0}" type="datetime1">
               <a:rPr lang="nl-BE" smtClean="0"/>
-              <a:t>21/09/2025</a:t>
+              <a:t>28/09/2025</a:t>
             </a:fld>
             <a:endParaRPr lang="nl-NL"/>
           </a:p>
@@ -4755,9 +4755,9 @@
           <a:bodyPr/>
           <a:lstStyle/>
           <a:p>
-            <a:fld id="{D15822B7-9EF6-9542-AF10-CD505E021A84}" type="datetime1">
+            <a:fld id="{7CF5F32B-E94B-420F-86D9-59A9E32E05E1}" type="datetime1">
               <a:rPr lang="nl-BE" smtClean="0"/>
-              <a:t>21/09/2025</a:t>
+              <a:t>28/09/2025</a:t>
             </a:fld>
             <a:endParaRPr lang="nl-NL"/>
           </a:p>
@@ -5113,9 +5113,9 @@
             </a:lvl1pPr>
           </a:lstStyle>
           <a:p>
-            <a:fld id="{0C33DDE8-63FF-C642-9F3A-0B773DD34821}" type="datetime1">
+            <a:fld id="{341CC9F9-C2CE-4031-804C-1F2576E1A82A}" type="datetime1">
               <a:rPr lang="nl-BE" smtClean="0"/>
-              <a:t>21/09/2025</a:t>
+              <a:t>28/09/2025</a:t>
             </a:fld>
             <a:endParaRPr lang="nl-NL"/>
           </a:p>
@@ -5251,7 +5251,7 @@
     <p:sldLayoutId id="2147483670" r:id="rId12"/>
     <p:sldLayoutId id="2147483651" r:id="rId13"/>
   </p:sldLayoutIdLst>
-  <p:hf hdr="0" ftr="0" dt="0"/>
+  <p:hf hdr="0" dt="0"/>
   <p:txStyles>
     <p:titleStyle>
       <a:lvl1pPr algn="l" defTabSz="914400" rtl="0" eaLnBrk="1" latinLnBrk="0" hangingPunct="1">
@@ -8690,26 +8690,6 @@
 </file>
 
 <file path=customXml/item1.xml><?xml version="1.0" encoding="utf-8"?>
-<p:properties xmlns:p="http://schemas.microsoft.com/office/2006/metadata/properties" xmlns:xsi="http://www.w3.org/2001/XMLSchema-instance" xmlns:pc="http://schemas.microsoft.com/office/infopath/2007/PartnerControls">
-  <documentManagement>
-    <lcf76f155ced4ddcb4097134ff3c332f xmlns="81d41a3b-f33d-4db6-b532-757106a7a2ae">
-      <Terms xmlns="http://schemas.microsoft.com/office/infopath/2007/PartnerControls"/>
-    </lcf76f155ced4ddcb4097134ff3c332f>
-    <TaxCatchAll xmlns="bf25a9bf-a811-4965-9d0a-b88059080fed" xsi:nil="true"/>
-  </documentManagement>
-</p:properties>
-</file>
-
-<file path=customXml/item2.xml><?xml version="1.0" encoding="utf-8"?>
-<?mso-contentType ?>
-<FormTemplates xmlns="http://schemas.microsoft.com/sharepoint/v3/contenttype/forms">
-  <Display>DocumentLibraryForm</Display>
-  <Edit>DocumentLibraryForm</Edit>
-  <New>DocumentLibraryForm</New>
-</FormTemplates>
-</file>
-
-<file path=customXml/item3.xml><?xml version="1.0" encoding="utf-8"?>
 <ct:contentTypeSchema xmlns:ct="http://schemas.microsoft.com/office/2006/metadata/contentType" xmlns:ma="http://schemas.microsoft.com/office/2006/metadata/properties/metaAttributes" ct:_="" ma:_="" ma:contentTypeName="Document" ma:contentTypeID="0x010100B8C495A181F81B4C9DE5AD85CD0F70D4" ma:contentTypeVersion="18" ma:contentTypeDescription="Een nieuw document maken." ma:contentTypeScope="" ma:versionID="6ba28a59cba4a02a693681f32745d77b">
   <xsd:schema xmlns:xsd="http://www.w3.org/2001/XMLSchema" xmlns:xs="http://www.w3.org/2001/XMLSchema" xmlns:p="http://schemas.microsoft.com/office/2006/metadata/properties" xmlns:ns2="81d41a3b-f33d-4db6-b532-757106a7a2ae" xmlns:ns3="bf25a9bf-a811-4965-9d0a-b88059080fed" targetNamespace="http://schemas.microsoft.com/office/2006/metadata/properties" ma:root="true" ma:fieldsID="b996b4a4c0d83f5cfec71b22aba921d2" ns2:_="" ns3:_="">
     <xsd:import namespace="81d41a3b-f33d-4db6-b532-757106a7a2ae"/>
@@ -8964,32 +8944,27 @@
 </ct:contentTypeSchema>
 </file>
 
-<file path=customXml/itemProps1.xml><?xml version="1.0" encoding="utf-8"?>
-<ds:datastoreItem xmlns:ds="http://schemas.openxmlformats.org/officeDocument/2006/customXml" ds:itemID="{5EE9034D-0B43-4AB0-9535-9A62DB37A999}">
-  <ds:schemaRefs>
-    <ds:schemaRef ds:uri="http://www.w3.org/XML/1998/namespace"/>
-    <ds:schemaRef ds:uri="81d41a3b-f33d-4db6-b532-757106a7a2ae"/>
-    <ds:schemaRef ds:uri="http://purl.org/dc/dcmitype/"/>
-    <ds:schemaRef ds:uri="http://purl.org/dc/elements/1.1/"/>
-    <ds:schemaRef ds:uri="http://schemas.microsoft.com/office/2006/documentManagement/types"/>
-    <ds:schemaRef ds:uri="bf25a9bf-a811-4965-9d0a-b88059080fed"/>
-    <ds:schemaRef ds:uri="http://purl.org/dc/terms/"/>
-    <ds:schemaRef ds:uri="http://schemas.microsoft.com/office/infopath/2007/PartnerControls"/>
-    <ds:schemaRef ds:uri="http://schemas.openxmlformats.org/package/2006/metadata/core-properties"/>
-    <ds:schemaRef ds:uri="http://schemas.microsoft.com/office/2006/metadata/properties"/>
-  </ds:schemaRefs>
-</ds:datastoreItem>
+<file path=customXml/item2.xml><?xml version="1.0" encoding="utf-8"?>
+<?mso-contentType ?>
+<FormTemplates xmlns="http://schemas.microsoft.com/sharepoint/v3/contenttype/forms">
+  <Display>DocumentLibraryForm</Display>
+  <Edit>DocumentLibraryForm</Edit>
+  <New>DocumentLibraryForm</New>
+</FormTemplates>
 </file>
 
-<file path=customXml/itemProps2.xml><?xml version="1.0" encoding="utf-8"?>
-<ds:datastoreItem xmlns:ds="http://schemas.openxmlformats.org/officeDocument/2006/customXml" ds:itemID="{263A7949-1B93-457F-8888-53CC8A016F77}">
-  <ds:schemaRefs>
-    <ds:schemaRef ds:uri="http://schemas.microsoft.com/sharepoint/v3/contenttype/forms"/>
-  </ds:schemaRefs>
-</ds:datastoreItem>
+<file path=customXml/item3.xml><?xml version="1.0" encoding="utf-8"?>
+<p:properties xmlns:p="http://schemas.microsoft.com/office/2006/metadata/properties" xmlns:xsi="http://www.w3.org/2001/XMLSchema-instance" xmlns:pc="http://schemas.microsoft.com/office/infopath/2007/PartnerControls">
+  <documentManagement>
+    <lcf76f155ced4ddcb4097134ff3c332f xmlns="81d41a3b-f33d-4db6-b532-757106a7a2ae">
+      <Terms xmlns="http://schemas.microsoft.com/office/infopath/2007/PartnerControls"/>
+    </lcf76f155ced4ddcb4097134ff3c332f>
+    <TaxCatchAll xmlns="bf25a9bf-a811-4965-9d0a-b88059080fed" xsi:nil="true"/>
+  </documentManagement>
+</p:properties>
 </file>
 
-<file path=customXml/itemProps3.xml><?xml version="1.0" encoding="utf-8"?>
+<file path=customXml/itemProps1.xml><?xml version="1.0" encoding="utf-8"?>
 <ds:datastoreItem xmlns:ds="http://schemas.openxmlformats.org/officeDocument/2006/customXml" ds:itemID="{2A270F01-48F1-4A41-8E26-ACAC66896963}">
   <ds:schemaRefs>
     <ds:schemaRef ds:uri="http://schemas.microsoft.com/office/2006/metadata/contentType"/>
@@ -9006,4 +8981,29 @@
     <ds:schemaRef ds:uri="http://schemas.microsoft.com/internal/obd"/>
   </ds:schemaRefs>
 </ds:datastoreItem>
+</file>
+
+<file path=customXml/itemProps2.xml><?xml version="1.0" encoding="utf-8"?>
+<ds:datastoreItem xmlns:ds="http://schemas.openxmlformats.org/officeDocument/2006/customXml" ds:itemID="{263A7949-1B93-457F-8888-53CC8A016F77}">
+  <ds:schemaRefs>
+    <ds:schemaRef ds:uri="http://schemas.microsoft.com/sharepoint/v3/contenttype/forms"/>
+  </ds:schemaRefs>
+</ds:datastoreItem>
+</file>
+
+<file path=customXml/itemProps3.xml><?xml version="1.0" encoding="utf-8"?>
+<ds:datastoreItem xmlns:ds="http://schemas.openxmlformats.org/officeDocument/2006/customXml" ds:itemID="{5EE9034D-0B43-4AB0-9535-9A62DB37A999}">
+  <ds:schemaRefs>
+    <ds:schemaRef ds:uri="http://www.w3.org/XML/1998/namespace"/>
+    <ds:schemaRef ds:uri="81d41a3b-f33d-4db6-b532-757106a7a2ae"/>
+    <ds:schemaRef ds:uri="http://purl.org/dc/dcmitype/"/>
+    <ds:schemaRef ds:uri="http://purl.org/dc/elements/1.1/"/>
+    <ds:schemaRef ds:uri="http://schemas.microsoft.com/office/2006/documentManagement/types"/>
+    <ds:schemaRef ds:uri="bf25a9bf-a811-4965-9d0a-b88059080fed"/>
+    <ds:schemaRef ds:uri="http://purl.org/dc/terms/"/>
+    <ds:schemaRef ds:uri="http://schemas.microsoft.com/office/infopath/2007/PartnerControls"/>
+    <ds:schemaRef ds:uri="http://schemas.openxmlformats.org/package/2006/metadata/core-properties"/>
+    <ds:schemaRef ds:uri="http://schemas.microsoft.com/office/2006/metadata/properties"/>
+  </ds:schemaRefs>
+</ds:datastoreItem>
 </file>
--- a/ToegepasteAnalogeElektronica/PowerPoint/Spice-simulatie.pptx
+++ b/ToegepasteAnalogeElektronica/PowerPoint/Spice-simulatie.pptx
@@ -6624,8 +6624,8 @@
         </p:blipFill>
         <p:spPr>
           <a:xfrm>
-            <a:off x="682214" y="566928"/>
-            <a:ext cx="10827572" cy="5577840"/>
+            <a:off x="593463" y="566928"/>
+            <a:ext cx="11005073" cy="5669280"/>
           </a:xfrm>
           <a:prstGeom prst="rect">
             <a:avLst/>
@@ -6845,7 +6845,7 @@
         <p:spPr>
           <a:xfrm>
             <a:off x="0" y="566928"/>
-            <a:ext cx="12192000" cy="5577840"/>
+            <a:ext cx="12192000" cy="5669280"/>
           </a:xfrm>
           <a:prstGeom prst="rect">
             <a:avLst/>
@@ -7022,8 +7022,8 @@
         </p:blipFill>
         <p:spPr>
           <a:xfrm>
-            <a:off x="485015" y="566928"/>
-            <a:ext cx="11221970" cy="5577840"/>
+            <a:off x="393031" y="566928"/>
+            <a:ext cx="11405937" cy="5669280"/>
           </a:xfrm>
           <a:prstGeom prst="rect">
             <a:avLst/>
@@ -7081,24 +7081,6 @@
           <a:bodyPr/>
           <a:lstStyle/>
           <a:p/>
-          <a:p>
-            <a:pPr lvl="1"/>
-            <a:r>
-              <a:t>SPICE (Simulation Program for Integrated Circuits Emphasis) is een algemene analoge circuit simulator die kan gebruikt worden voor het voorspellen en controleren van het gedrag van circuits.</a:t>
-            </a:r>
-          </a:p>
-          <a:p>
-            <a:pPr lvl="1"/>
-            <a:r>
-              <a:t>Ontwikkeld in de 1970’s in Berkeley</a:t>
-            </a:r>
-          </a:p>
-          <a:p>
-            <a:pPr lvl="1"/>
-            <a:r>
-              <a:t>Op basis van de MNA analyse</a:t>
-            </a:r>
-          </a:p>
         </p:txBody>
       </p:sp>
       <p:sp>
@@ -7127,6 +7109,48 @@
             <a:endParaRPr sz="3200" b="1" i="0">
               <a:latin typeface="Arial"/>
             </a:endParaRPr>
+          </a:p>
+        </p:txBody>
+      </p:sp>
+      <p:sp>
+        <p:nvSpPr>
+          <p:cNvPr id="2" name="Content Placeholder 1"/>
+          <p:cNvSpPr>
+            <a:spLocks noGrp="1"/>
+          </p:cNvSpPr>
+          <p:nvPr>
+            <p:ph idx="1"/>
+          </p:nvPr>
+        </p:nvSpPr>
+        <p:spPr>
+          <a:xfrm>
+            <a:off x="914400" y="566928"/>
+            <a:ext cx="10820400" cy="5669280"/>
+          </a:xfrm>
+        </p:spPr>
+        <p:txBody>
+          <a:bodyPr>
+            <a:spAutoFit/>
+          </a:bodyPr>
+          <a:lstStyle/>
+          <a:p/>
+          <a:p>
+            <a:pPr lvl="1"/>
+            <a:r>
+              <a:t>SPICE (Simulation Program for Integrated Circuits Emphasis) is een algemene analoge circuit simulator die kan gebruikt worden voor het voorspellen en controleren van het gedrag van circuits.</a:t>
+            </a:r>
+          </a:p>
+          <a:p>
+            <a:pPr lvl="1"/>
+            <a:r>
+              <a:t>Ontwikkeld in de 1970’s in Berkeley</a:t>
+            </a:r>
+          </a:p>
+          <a:p>
+            <a:pPr lvl="1"/>
+            <a:r>
+              <a:t>Op basis van de MNA analyse</a:t>
+            </a:r>
           </a:p>
         </p:txBody>
       </p:sp>
@@ -7181,72 +7205,6 @@
           <a:bodyPr/>
           <a:lstStyle/>
           <a:p/>
-          <a:p>
-            <a:pPr lvl="1"/>
-            <a:r>
-              <a:t>Weerstand (R)</a:t>
-            </a:r>
-          </a:p>
-          <a:p>
-            <a:pPr lvl="1"/>
-            <a:r>
-              <a:t>Capaciteit (C)</a:t>
-            </a:r>
-          </a:p>
-          <a:p>
-            <a:pPr lvl="1"/>
-            <a:r>
-              <a:t>Spoel (L)</a:t>
-            </a:r>
-          </a:p>
-          <a:p>
-            <a:pPr lvl="1"/>
-            <a:r>
-              <a:t>Gekoppelde spoelen (K)</a:t>
-            </a:r>
-          </a:p>
-          <a:p>
-            <a:pPr lvl="1"/>
-            <a:r>
-              <a:t>Transmissie lijn</a:t>
-            </a:r>
-          </a:p>
-          <a:p>
-            <a:pPr lvl="2"/>
-            <a:r>
-              <a:t>zonder verliezen(T)</a:t>
-            </a:r>
-          </a:p>
-          <a:p>
-            <a:pPr lvl="2"/>
-            <a:r>
-              <a:t>met verliezen (O,Y,P)</a:t>
-            </a:r>
-          </a:p>
-          <a:p>
-            <a:pPr lvl="2"/>
-            <a:r>
-              <a:t>RC lijnen (U)</a:t>
-            </a:r>
-          </a:p>
-          <a:p>
-            <a:pPr lvl="1"/>
-            <a:r>
-              <a:t>Schakelaars</a:t>
-            </a:r>
-          </a:p>
-          <a:p>
-            <a:pPr lvl="2"/>
-            <a:r>
-              <a:t>gecontrolleerd door spanning (S)</a:t>
-            </a:r>
-          </a:p>
-          <a:p>
-            <a:pPr lvl="2"/>
-            <a:r>
-              <a:t>gecontrolleerd door stroom (W)</a:t>
-            </a:r>
-          </a:p>
         </p:txBody>
       </p:sp>
       <p:sp>
@@ -7275,6 +7233,96 @@
             <a:endParaRPr sz="3200" b="1" i="0">
               <a:latin typeface="Arial"/>
             </a:endParaRPr>
+          </a:p>
+        </p:txBody>
+      </p:sp>
+      <p:sp>
+        <p:nvSpPr>
+          <p:cNvPr id="2" name="Content Placeholder 1"/>
+          <p:cNvSpPr>
+            <a:spLocks noGrp="1"/>
+          </p:cNvSpPr>
+          <p:nvPr>
+            <p:ph idx="1"/>
+          </p:nvPr>
+        </p:nvSpPr>
+        <p:spPr>
+          <a:xfrm>
+            <a:off x="914400" y="566928"/>
+            <a:ext cx="10820400" cy="5669280"/>
+          </a:xfrm>
+        </p:spPr>
+        <p:txBody>
+          <a:bodyPr>
+            <a:spAutoFit/>
+          </a:bodyPr>
+          <a:lstStyle/>
+          <a:p/>
+          <a:p>
+            <a:pPr lvl="1"/>
+            <a:r>
+              <a:t>Weerstand (R)</a:t>
+            </a:r>
+          </a:p>
+          <a:p>
+            <a:pPr lvl="1"/>
+            <a:r>
+              <a:t>Capaciteit (C)</a:t>
+            </a:r>
+          </a:p>
+          <a:p>
+            <a:pPr lvl="1"/>
+            <a:r>
+              <a:t>Spoel (L)</a:t>
+            </a:r>
+          </a:p>
+          <a:p>
+            <a:pPr lvl="1"/>
+            <a:r>
+              <a:t>Gekoppelde spoelen (K)</a:t>
+            </a:r>
+          </a:p>
+          <a:p>
+            <a:pPr lvl="1"/>
+            <a:r>
+              <a:t>Transmissie lijn</a:t>
+            </a:r>
+          </a:p>
+          <a:p>
+            <a:pPr lvl="2"/>
+            <a:r>
+              <a:t>zonder verliezen(T)</a:t>
+            </a:r>
+          </a:p>
+          <a:p>
+            <a:pPr lvl="2"/>
+            <a:r>
+              <a:t>met verliezen (O,Y,P)</a:t>
+            </a:r>
+          </a:p>
+          <a:p>
+            <a:pPr lvl="2"/>
+            <a:r>
+              <a:t>RC lijnen (U)</a:t>
+            </a:r>
+          </a:p>
+          <a:p>
+            <a:pPr lvl="1"/>
+            <a:r>
+              <a:t>Schakelaars</a:t>
+            </a:r>
+          </a:p>
+          <a:p>
+            <a:pPr lvl="2"/>
+            <a:r>
+              <a:t>gecontrolleerd door spanning (S)</a:t>
+            </a:r>
+          </a:p>
+          <a:p>
+            <a:pPr lvl="2"/>
+            <a:r>
+              <a:t>gecontrolleerd door stroom (W)</a:t>
+            </a:r>
           </a:p>
         </p:txBody>
       </p:sp>
@@ -7311,48 +7359,6 @@
           <a:bodyPr/>
           <a:lstStyle/>
           <a:p/>
-          <a:p>
-            <a:pPr lvl="1"/>
-            <a:r>
-              <a:t>Diodes (D)</a:t>
-            </a:r>
-          </a:p>
-          <a:p>
-            <a:pPr lvl="1"/>
-            <a:r>
-              <a:t>Bipolaire transistors (Q)</a:t>
-            </a:r>
-          </a:p>
-          <a:p>
-            <a:pPr lvl="1"/>
-            <a:r>
-              <a:t>MOS transistors (M)</a:t>
-            </a:r>
-          </a:p>
-          <a:p>
-            <a:pPr lvl="1"/>
-            <a:r>
-              <a:t>JFET (J)</a:t>
-            </a:r>
-          </a:p>
-          <a:p>
-            <a:pPr lvl="1"/>
-            <a:r>
-              <a:t>MESFET (Z)</a:t>
-            </a:r>
-          </a:p>
-          <a:p>
-            <a:pPr lvl="1"/>
-            <a:r>
-              <a:t>code models (A)</a:t>
-            </a:r>
-          </a:p>
-          <a:p>
-            <a:pPr lvl="1"/>
-            <a:r>
-              <a:t>subcircuits (X)</a:t>
-            </a:r>
-          </a:p>
         </p:txBody>
       </p:sp>
       <p:sp>
@@ -7381,6 +7387,72 @@
             <a:endParaRPr sz="3200" b="1" i="0">
               <a:latin typeface="Arial"/>
             </a:endParaRPr>
+          </a:p>
+        </p:txBody>
+      </p:sp>
+      <p:sp>
+        <p:nvSpPr>
+          <p:cNvPr id="2" name="Content Placeholder 1"/>
+          <p:cNvSpPr>
+            <a:spLocks noGrp="1"/>
+          </p:cNvSpPr>
+          <p:nvPr>
+            <p:ph idx="1"/>
+          </p:nvPr>
+        </p:nvSpPr>
+        <p:spPr>
+          <a:xfrm>
+            <a:off x="914400" y="566928"/>
+            <a:ext cx="10820400" cy="5669280"/>
+          </a:xfrm>
+        </p:spPr>
+        <p:txBody>
+          <a:bodyPr>
+            <a:spAutoFit/>
+          </a:bodyPr>
+          <a:lstStyle/>
+          <a:p/>
+          <a:p>
+            <a:pPr lvl="1"/>
+            <a:r>
+              <a:t>Diodes (D)</a:t>
+            </a:r>
+          </a:p>
+          <a:p>
+            <a:pPr lvl="1"/>
+            <a:r>
+              <a:t>Bipolaire transistors (Q)</a:t>
+            </a:r>
+          </a:p>
+          <a:p>
+            <a:pPr lvl="1"/>
+            <a:r>
+              <a:t>MOS transistors (M)</a:t>
+            </a:r>
+          </a:p>
+          <a:p>
+            <a:pPr lvl="1"/>
+            <a:r>
+              <a:t>JFET (J)</a:t>
+            </a:r>
+          </a:p>
+          <a:p>
+            <a:pPr lvl="1"/>
+            <a:r>
+              <a:t>MESFET (Z)</a:t>
+            </a:r>
+          </a:p>
+          <a:p>
+            <a:pPr lvl="1"/>
+            <a:r>
+              <a:t>code models (A)</a:t>
+            </a:r>
+          </a:p>
+          <a:p>
+            <a:pPr lvl="1"/>
+            <a:r>
+              <a:t>subcircuits (X)</a:t>
+            </a:r>
           </a:p>
         </p:txBody>
       </p:sp>
@@ -7417,42 +7489,6 @@
           <a:bodyPr/>
           <a:lstStyle/>
           <a:p/>
-          <a:p>
-            <a:pPr lvl="1"/>
-            <a:r>
-              <a:t>Onafhankelijke spanningsbron (V)</a:t>
-            </a:r>
-          </a:p>
-          <a:p>
-            <a:pPr lvl="1"/>
-            <a:r>
-              <a:t>Onafhankelijke stroombron (I)</a:t>
-            </a:r>
-          </a:p>
-          <a:p>
-            <a:pPr lvl="1"/>
-            <a:r>
-              <a:t>Spanningsgecontrolleerde spanningsbron (E)</a:t>
-            </a:r>
-          </a:p>
-          <a:p>
-            <a:pPr lvl="1"/>
-            <a:r>
-              <a:t>Spanningsgecontrolleerde stroombron (G)</a:t>
-            </a:r>
-          </a:p>
-          <a:p>
-            <a:pPr lvl="1"/>
-            <a:r>
-              <a:t>Stroomgecontrolleerde spanningsbron (H)</a:t>
-            </a:r>
-          </a:p>
-          <a:p>
-            <a:pPr lvl="1"/>
-            <a:r>
-              <a:t>Stroomgecontrolleerde stroombron (F)</a:t>
-            </a:r>
-          </a:p>
         </p:txBody>
       </p:sp>
       <p:sp>
@@ -7481,6 +7517,66 @@
             <a:endParaRPr sz="2500" b="1" i="0">
               <a:latin typeface="Arial"/>
             </a:endParaRPr>
+          </a:p>
+        </p:txBody>
+      </p:sp>
+      <p:sp>
+        <p:nvSpPr>
+          <p:cNvPr id="2" name="Content Placeholder 1"/>
+          <p:cNvSpPr>
+            <a:spLocks noGrp="1"/>
+          </p:cNvSpPr>
+          <p:nvPr>
+            <p:ph idx="1"/>
+          </p:nvPr>
+        </p:nvSpPr>
+        <p:spPr>
+          <a:xfrm>
+            <a:off x="914400" y="566928"/>
+            <a:ext cx="10820400" cy="5669280"/>
+          </a:xfrm>
+        </p:spPr>
+        <p:txBody>
+          <a:bodyPr>
+            <a:spAutoFit/>
+          </a:bodyPr>
+          <a:lstStyle/>
+          <a:p/>
+          <a:p>
+            <a:pPr lvl="1"/>
+            <a:r>
+              <a:t>Onafhankelijke spanningsbron (V)</a:t>
+            </a:r>
+          </a:p>
+          <a:p>
+            <a:pPr lvl="1"/>
+            <a:r>
+              <a:t>Onafhankelijke stroombron (I)</a:t>
+            </a:r>
+          </a:p>
+          <a:p>
+            <a:pPr lvl="1"/>
+            <a:r>
+              <a:t>Spanningsgecontrolleerde spanningsbron (E)</a:t>
+            </a:r>
+          </a:p>
+          <a:p>
+            <a:pPr lvl="1"/>
+            <a:r>
+              <a:t>Spanningsgecontrolleerde stroombron (G)</a:t>
+            </a:r>
+          </a:p>
+          <a:p>
+            <a:pPr lvl="1"/>
+            <a:r>
+              <a:t>Stroomgecontrolleerde spanningsbron (H)</a:t>
+            </a:r>
+          </a:p>
+          <a:p>
+            <a:pPr lvl="1"/>
+            <a:r>
+              <a:t>Stroomgecontrolleerde stroombron (F)</a:t>
+            </a:r>
           </a:p>
         </p:txBody>
       </p:sp>
@@ -7517,60 +7613,6 @@
           <a:bodyPr/>
           <a:lstStyle/>
           <a:p/>
-          <a:p>
-            <a:pPr lvl="1"/>
-            <a:r>
-              <a:t>operating point analyse (.op)</a:t>
-            </a:r>
-          </a:p>
-          <a:p>
-            <a:pPr lvl="1"/>
-            <a:r>
-              <a:t>Niet-lineare DC analyse  (.dc)</a:t>
-            </a:r>
-          </a:p>
-          <a:p>
-            <a:pPr lvl="1"/>
-            <a:r>
-              <a:t>Niet-lineare transient analyse (.tran)</a:t>
-            </a:r>
-          </a:p>
-          <a:p>
-            <a:pPr lvl="1"/>
-            <a:r>
-              <a:t>Lineare klein signaal AC Analyse (.ac)</a:t>
-            </a:r>
-          </a:p>
-          <a:p>
-            <a:pPr lvl="1"/>
-            <a:r>
-              <a:t>pool en zero analyse (.pz)</a:t>
-            </a:r>
-          </a:p>
-          <a:p>
-            <a:pPr lvl="1"/>
-            <a:r>
-              <a:t>Noise analyse (.noise)</a:t>
-            </a:r>
-          </a:p>
-          <a:p>
-            <a:pPr lvl="1"/>
-            <a:r>
-              <a:t>Sensitiviteit analyse (.sens)</a:t>
-            </a:r>
-          </a:p>
-          <a:p>
-            <a:pPr lvl="1"/>
-            <a:r>
-              <a:t>Klein signaal distortie analysis (.disto)</a:t>
-            </a:r>
-          </a:p>
-          <a:p>
-            <a:pPr lvl="1"/>
-            <a:r>
-              <a:t>Monte-Carlo analyse</a:t>
-            </a:r>
-          </a:p>
         </p:txBody>
       </p:sp>
       <p:sp>
@@ -7599,6 +7641,84 @@
             <a:endParaRPr sz="3200" b="1" i="0">
               <a:latin typeface="Arial"/>
             </a:endParaRPr>
+          </a:p>
+        </p:txBody>
+      </p:sp>
+      <p:sp>
+        <p:nvSpPr>
+          <p:cNvPr id="2" name="Content Placeholder 1"/>
+          <p:cNvSpPr>
+            <a:spLocks noGrp="1"/>
+          </p:cNvSpPr>
+          <p:nvPr>
+            <p:ph idx="1"/>
+          </p:nvPr>
+        </p:nvSpPr>
+        <p:spPr>
+          <a:xfrm>
+            <a:off x="914400" y="566928"/>
+            <a:ext cx="10820400" cy="5669280"/>
+          </a:xfrm>
+        </p:spPr>
+        <p:txBody>
+          <a:bodyPr>
+            <a:spAutoFit/>
+          </a:bodyPr>
+          <a:lstStyle/>
+          <a:p/>
+          <a:p>
+            <a:pPr lvl="1"/>
+            <a:r>
+              <a:t>Operating point analyse (.op)</a:t>
+            </a:r>
+          </a:p>
+          <a:p>
+            <a:pPr lvl="1"/>
+            <a:r>
+              <a:t>Niet-lineare DC analyse  (.dc)</a:t>
+            </a:r>
+          </a:p>
+          <a:p>
+            <a:pPr lvl="1"/>
+            <a:r>
+              <a:t>Niet-lineare transient analyse (.tran)</a:t>
+            </a:r>
+          </a:p>
+          <a:p>
+            <a:pPr lvl="1"/>
+            <a:r>
+              <a:t>Lineare klein signaal AC Analyse (.ac)</a:t>
+            </a:r>
+          </a:p>
+          <a:p>
+            <a:pPr lvl="1"/>
+            <a:r>
+              <a:t>Pool en zero analyse (.pz)</a:t>
+            </a:r>
+          </a:p>
+          <a:p>
+            <a:pPr lvl="1"/>
+            <a:r>
+              <a:t>Noise analyse (.noise)</a:t>
+            </a:r>
+          </a:p>
+          <a:p>
+            <a:pPr lvl="1"/>
+            <a:r>
+              <a:t>Sensitiviteit analyse (.sens)</a:t>
+            </a:r>
+          </a:p>
+          <a:p>
+            <a:pPr lvl="1"/>
+            <a:r>
+              <a:t>Klein signaal distortie analysis (.disto)</a:t>
+            </a:r>
+          </a:p>
+          <a:p>
+            <a:pPr lvl="1"/>
+            <a:r>
+              <a:t>Monte-Carlo analyse</a:t>
+            </a:r>
           </a:p>
         </p:txBody>
       </p:sp>
@@ -7635,96 +7755,6 @@
           <a:bodyPr/>
           <a:lstStyle/>
           <a:p/>
-          <a:p>
-            <a:pPr lvl="1"/>
-            <a:r>
-              <a:t>atto (a)  10</a:t>
-            </a:r>
-            <a:r>
-              <a:rPr sz="1800" baseline="45000"/>
-              <a:t>-18</a:t>
-            </a:r>
-          </a:p>
-          <a:p>
-            <a:pPr lvl="1"/>
-            <a:r>
-              <a:t>femto (f)  10</a:t>
-            </a:r>
-            <a:r>
-              <a:rPr sz="1800" baseline="45000"/>
-              <a:t>-15</a:t>
-            </a:r>
-          </a:p>
-          <a:p>
-            <a:pPr lvl="1"/>
-            <a:r>
-              <a:t>pico (p)  10</a:t>
-            </a:r>
-            <a:r>
-              <a:rPr sz="1800" baseline="45000"/>
-              <a:t>-12</a:t>
-            </a:r>
-          </a:p>
-          <a:p>
-            <a:pPr lvl="1"/>
-            <a:r>
-              <a:t>nano (n)  10</a:t>
-            </a:r>
-            <a:r>
-              <a:rPr sz="1800" baseline="45000"/>
-              <a:t>-9</a:t>
-            </a:r>
-          </a:p>
-          <a:p>
-            <a:pPr lvl="1"/>
-            <a:r>
-              <a:t>micro (u)  10</a:t>
-            </a:r>
-            <a:r>
-              <a:rPr sz="1800" baseline="45000"/>
-              <a:t>-6</a:t>
-            </a:r>
-          </a:p>
-          <a:p>
-            <a:pPr lvl="1"/>
-            <a:r>
-              <a:t>milli (m)  10</a:t>
-            </a:r>
-            <a:r>
-              <a:rPr sz="1800" baseline="45000"/>
-              <a:t>-3</a:t>
-            </a:r>
-          </a:p>
-          <a:p>
-            <a:pPr lvl="1"/>
-            <a:r>
-              <a:t>kilo (k)  10</a:t>
-            </a:r>
-            <a:r>
-              <a:rPr sz="1800" baseline="45000"/>
-              <a:t>3</a:t>
-            </a:r>
-          </a:p>
-          <a:p>
-            <a:pPr lvl="1"/>
-            <a:r>
-              <a:t>mega (x) of (meg)  10</a:t>
-            </a:r>
-            <a:r>
-              <a:rPr sz="1800" baseline="45000"/>
-              <a:t>6</a:t>
-            </a:r>
-          </a:p>
-          <a:p>
-            <a:pPr lvl="1"/>
-            <a:r>
-              <a:t>giga (g)  10</a:t>
-            </a:r>
-            <a:r>
-              <a:rPr sz="1800" baseline="45000"/>
-              <a:t>9</a:t>
-            </a:r>
-          </a:p>
         </p:txBody>
       </p:sp>
       <p:sp>
@@ -7753,6 +7783,120 @@
             <a:endParaRPr sz="3200" b="1" i="0">
               <a:latin typeface="Arial"/>
             </a:endParaRPr>
+          </a:p>
+        </p:txBody>
+      </p:sp>
+      <p:sp>
+        <p:nvSpPr>
+          <p:cNvPr id="2" name="Content Placeholder 1"/>
+          <p:cNvSpPr>
+            <a:spLocks noGrp="1"/>
+          </p:cNvSpPr>
+          <p:nvPr>
+            <p:ph idx="1"/>
+          </p:nvPr>
+        </p:nvSpPr>
+        <p:spPr>
+          <a:xfrm>
+            <a:off x="914400" y="566928"/>
+            <a:ext cx="10820400" cy="5669280"/>
+          </a:xfrm>
+        </p:spPr>
+        <p:txBody>
+          <a:bodyPr>
+            <a:spAutoFit/>
+          </a:bodyPr>
+          <a:lstStyle/>
+          <a:p/>
+          <a:p>
+            <a:pPr lvl="1"/>
+            <a:r>
+              <a:t>atto (a)  10</a:t>
+            </a:r>
+            <a:r>
+              <a:rPr sz="1800" baseline="45000"/>
+              <a:t>-18</a:t>
+            </a:r>
+          </a:p>
+          <a:p>
+            <a:pPr lvl="1"/>
+            <a:r>
+              <a:t>femto (f)  10</a:t>
+            </a:r>
+            <a:r>
+              <a:rPr sz="1800" baseline="45000"/>
+              <a:t>-15</a:t>
+            </a:r>
+          </a:p>
+          <a:p>
+            <a:pPr lvl="1"/>
+            <a:r>
+              <a:t>pico (p)  10</a:t>
+            </a:r>
+            <a:r>
+              <a:rPr sz="1800" baseline="45000"/>
+              <a:t>-12</a:t>
+            </a:r>
+          </a:p>
+          <a:p>
+            <a:pPr lvl="1"/>
+            <a:r>
+              <a:t>nano (n)  10</a:t>
+            </a:r>
+            <a:r>
+              <a:rPr sz="1800" baseline="45000"/>
+              <a:t>-9</a:t>
+            </a:r>
+          </a:p>
+          <a:p>
+            <a:pPr lvl="1"/>
+            <a:r>
+              <a:t>micro (u)  10</a:t>
+            </a:r>
+            <a:r>
+              <a:rPr sz="1800" baseline="45000"/>
+              <a:t>-6</a:t>
+            </a:r>
+          </a:p>
+          <a:p>
+            <a:pPr lvl="1"/>
+            <a:r>
+              <a:t>milli (m)  10</a:t>
+            </a:r>
+            <a:r>
+              <a:rPr sz="1800" baseline="45000"/>
+              <a:t>-3</a:t>
+            </a:r>
+          </a:p>
+          <a:p>
+            <a:pPr lvl="1"/>
+            <a:r>
+              <a:t>kilo (k)  10</a:t>
+            </a:r>
+            <a:r>
+              <a:rPr sz="1800" baseline="45000"/>
+              <a:t>3</a:t>
+            </a:r>
+          </a:p>
+          <a:p>
+            <a:pPr lvl="1"/>
+            <a:r>
+              <a:t>mega (x) of (meg)  10</a:t>
+            </a:r>
+            <a:r>
+              <a:rPr sz="1800" baseline="45000"/>
+              <a:t>6</a:t>
+            </a:r>
+          </a:p>
+          <a:p>
+            <a:pPr lvl="1"/>
+            <a:r>
+              <a:t>giga (g)  10</a:t>
+            </a:r>
+            <a:r>
+              <a:rPr sz="1800" baseline="45000"/>
+              <a:t>9</a:t>
+            </a:r>
           </a:p>
         </p:txBody>
       </p:sp>
@@ -7819,8 +7963,8 @@
         </p:blipFill>
         <p:spPr>
           <a:xfrm>
-            <a:off x="2409496" y="566928"/>
-            <a:ext cx="7373007" cy="5577840"/>
+            <a:off x="2349062" y="566928"/>
+            <a:ext cx="7493876" cy="5669280"/>
           </a:xfrm>
           <a:prstGeom prst="rect">
             <a:avLst/>
@@ -7890,8 +8034,8 @@
         </p:blipFill>
         <p:spPr>
           <a:xfrm>
-            <a:off x="2317210" y="566928"/>
-            <a:ext cx="7557580" cy="5577840"/>
+            <a:off x="2255262" y="566928"/>
+            <a:ext cx="7681475" cy="5669280"/>
           </a:xfrm>
           <a:prstGeom prst="rect">
             <a:avLst/>

--- a/ToegepasteAnalogeElektronica/PowerPoint/Spice-simulatie.pptx
+++ b/ToegepasteAnalogeElektronica/PowerPoint/Spice-simulatie.pptx
@@ -7078,57 +7078,6 @@
         </p:nvSpPr>
         <p:spPr/>
         <p:txBody>
-          <a:bodyPr/>
-          <a:lstStyle/>
-          <a:p/>
-        </p:txBody>
-      </p:sp>
-      <p:sp>
-        <p:nvSpPr>
-          <p:cNvPr id="3" name="Title 2"/>
-          <p:cNvSpPr>
-            <a:spLocks noGrp="1"/>
-          </p:cNvSpPr>
-          <p:nvPr>
-            <p:ph type="title"/>
-          </p:nvPr>
-        </p:nvSpPr>
-        <p:spPr/>
-        <p:txBody>
-          <a:bodyPr wrap="square">
-            <a:noAutofit/>
-          </a:bodyPr>
-          <a:lstStyle/>
-          <a:p>
-            <a:r>
-              <a:rPr sz="3200" b="1" i="0">
-                <a:latin typeface="Arial"/>
-              </a:rPr>
-              <a:t>Inleiding SPICE</a:t>
-            </a:r>
-            <a:endParaRPr sz="3200" b="1" i="0">
-              <a:latin typeface="Arial"/>
-            </a:endParaRPr>
-          </a:p>
-        </p:txBody>
-      </p:sp>
-      <p:sp>
-        <p:nvSpPr>
-          <p:cNvPr id="2" name="Content Placeholder 1"/>
-          <p:cNvSpPr>
-            <a:spLocks noGrp="1"/>
-          </p:cNvSpPr>
-          <p:nvPr>
-            <p:ph idx="1"/>
-          </p:nvPr>
-        </p:nvSpPr>
-        <p:spPr>
-          <a:xfrm>
-            <a:off x="914400" y="566928"/>
-            <a:ext cx="10820400" cy="5669280"/>
-          </a:xfrm>
-        </p:spPr>
-        <p:txBody>
           <a:bodyPr>
             <a:spAutoFit/>
           </a:bodyPr>
@@ -7151,6 +7100,35 @@
             <a:r>
               <a:t>Op basis van de MNA analyse</a:t>
             </a:r>
+          </a:p>
+        </p:txBody>
+      </p:sp>
+      <p:sp>
+        <p:nvSpPr>
+          <p:cNvPr id="3" name="Title 2"/>
+          <p:cNvSpPr>
+            <a:spLocks noGrp="1"/>
+          </p:cNvSpPr>
+          <p:nvPr>
+            <p:ph type="title"/>
+          </p:nvPr>
+        </p:nvSpPr>
+        <p:spPr/>
+        <p:txBody>
+          <a:bodyPr wrap="square">
+            <a:noAutofit/>
+          </a:bodyPr>
+          <a:lstStyle/>
+          <a:p>
+            <a:r>
+              <a:rPr sz="3200" b="1" i="0">
+                <a:latin typeface="Arial"/>
+              </a:rPr>
+              <a:t>Inleiding SPICE</a:t>
+            </a:r>
+            <a:endParaRPr sz="3200" b="1" i="0">
+              <a:latin typeface="Arial"/>
+            </a:endParaRPr>
           </a:p>
         </p:txBody>
       </p:sp>
@@ -7202,57 +7180,6 @@
         </p:nvSpPr>
         <p:spPr/>
         <p:txBody>
-          <a:bodyPr/>
-          <a:lstStyle/>
-          <a:p/>
-        </p:txBody>
-      </p:sp>
-      <p:sp>
-        <p:nvSpPr>
-          <p:cNvPr id="3" name="Title 2"/>
-          <p:cNvSpPr>
-            <a:spLocks noGrp="1"/>
-          </p:cNvSpPr>
-          <p:nvPr>
-            <p:ph type="title"/>
-          </p:nvPr>
-        </p:nvSpPr>
-        <p:spPr/>
-        <p:txBody>
-          <a:bodyPr wrap="square">
-            <a:noAutofit/>
-          </a:bodyPr>
-          <a:lstStyle/>
-          <a:p>
-            <a:r>
-              <a:rPr sz="3200" b="1" i="0">
-                <a:latin typeface="Arial"/>
-              </a:rPr>
-              <a:t>Beschikbare passieve componenten</a:t>
-            </a:r>
-            <a:endParaRPr sz="3200" b="1" i="0">
-              <a:latin typeface="Arial"/>
-            </a:endParaRPr>
-          </a:p>
-        </p:txBody>
-      </p:sp>
-      <p:sp>
-        <p:nvSpPr>
-          <p:cNvPr id="2" name="Content Placeholder 1"/>
-          <p:cNvSpPr>
-            <a:spLocks noGrp="1"/>
-          </p:cNvSpPr>
-          <p:nvPr>
-            <p:ph idx="1"/>
-          </p:nvPr>
-        </p:nvSpPr>
-        <p:spPr>
-          <a:xfrm>
-            <a:off x="914400" y="566928"/>
-            <a:ext cx="10820400" cy="5669280"/>
-          </a:xfrm>
-        </p:spPr>
-        <p:txBody>
           <a:bodyPr>
             <a:spAutoFit/>
           </a:bodyPr>
@@ -7323,6 +7250,35 @@
             <a:r>
               <a:t>gecontrolleerd door stroom (W)</a:t>
             </a:r>
+          </a:p>
+        </p:txBody>
+      </p:sp>
+      <p:sp>
+        <p:nvSpPr>
+          <p:cNvPr id="3" name="Title 2"/>
+          <p:cNvSpPr>
+            <a:spLocks noGrp="1"/>
+          </p:cNvSpPr>
+          <p:nvPr>
+            <p:ph type="title"/>
+          </p:nvPr>
+        </p:nvSpPr>
+        <p:spPr/>
+        <p:txBody>
+          <a:bodyPr wrap="square">
+            <a:noAutofit/>
+          </a:bodyPr>
+          <a:lstStyle/>
+          <a:p>
+            <a:r>
+              <a:rPr sz="3200" b="1" i="0">
+                <a:latin typeface="Arial"/>
+              </a:rPr>
+              <a:t>Beschikbare passieve componenten</a:t>
+            </a:r>
+            <a:endParaRPr sz="3200" b="1" i="0">
+              <a:latin typeface="Arial"/>
+            </a:endParaRPr>
           </a:p>
         </p:txBody>
       </p:sp>
@@ -7356,57 +7312,6 @@
         </p:nvSpPr>
         <p:spPr/>
         <p:txBody>
-          <a:bodyPr/>
-          <a:lstStyle/>
-          <a:p/>
-        </p:txBody>
-      </p:sp>
-      <p:sp>
-        <p:nvSpPr>
-          <p:cNvPr id="3" name="Title 2"/>
-          <p:cNvSpPr>
-            <a:spLocks noGrp="1"/>
-          </p:cNvSpPr>
-          <p:nvPr>
-            <p:ph type="title"/>
-          </p:nvPr>
-        </p:nvSpPr>
-        <p:spPr/>
-        <p:txBody>
-          <a:bodyPr wrap="square">
-            <a:noAutofit/>
-          </a:bodyPr>
-          <a:lstStyle/>
-          <a:p>
-            <a:r>
-              <a:rPr sz="3200" b="1" i="0">
-                <a:latin typeface="Arial"/>
-              </a:rPr>
-              <a:t>Beschikbare active componenten</a:t>
-            </a:r>
-            <a:endParaRPr sz="3200" b="1" i="0">
-              <a:latin typeface="Arial"/>
-            </a:endParaRPr>
-          </a:p>
-        </p:txBody>
-      </p:sp>
-      <p:sp>
-        <p:nvSpPr>
-          <p:cNvPr id="2" name="Content Placeholder 1"/>
-          <p:cNvSpPr>
-            <a:spLocks noGrp="1"/>
-          </p:cNvSpPr>
-          <p:nvPr>
-            <p:ph idx="1"/>
-          </p:nvPr>
-        </p:nvSpPr>
-        <p:spPr>
-          <a:xfrm>
-            <a:off x="914400" y="566928"/>
-            <a:ext cx="10820400" cy="5669280"/>
-          </a:xfrm>
-        </p:spPr>
-        <p:txBody>
           <a:bodyPr>
             <a:spAutoFit/>
           </a:bodyPr>
@@ -7453,6 +7358,35 @@
             <a:r>
               <a:t>subcircuits (X)</a:t>
             </a:r>
+          </a:p>
+        </p:txBody>
+      </p:sp>
+      <p:sp>
+        <p:nvSpPr>
+          <p:cNvPr id="3" name="Title 2"/>
+          <p:cNvSpPr>
+            <a:spLocks noGrp="1"/>
+          </p:cNvSpPr>
+          <p:nvPr>
+            <p:ph type="title"/>
+          </p:nvPr>
+        </p:nvSpPr>
+        <p:spPr/>
+        <p:txBody>
+          <a:bodyPr wrap="square">
+            <a:noAutofit/>
+          </a:bodyPr>
+          <a:lstStyle/>
+          <a:p>
+            <a:r>
+              <a:rPr sz="3200" b="1" i="0">
+                <a:latin typeface="Arial"/>
+              </a:rPr>
+              <a:t>Beschikbare active componenten</a:t>
+            </a:r>
+            <a:endParaRPr sz="3200" b="1" i="0">
+              <a:latin typeface="Arial"/>
+            </a:endParaRPr>
           </a:p>
         </p:txBody>
       </p:sp>
@@ -7486,57 +7420,6 @@
         </p:nvSpPr>
         <p:spPr/>
         <p:txBody>
-          <a:bodyPr/>
-          <a:lstStyle/>
-          <a:p/>
-        </p:txBody>
-      </p:sp>
-      <p:sp>
-        <p:nvSpPr>
-          <p:cNvPr id="3" name="Title 2"/>
-          <p:cNvSpPr>
-            <a:spLocks noGrp="1"/>
-          </p:cNvSpPr>
-          <p:nvPr>
-            <p:ph type="title"/>
-          </p:nvPr>
-        </p:nvSpPr>
-        <p:spPr/>
-        <p:txBody>
-          <a:bodyPr wrap="square">
-            <a:noAutofit/>
-          </a:bodyPr>
-          <a:lstStyle/>
-          <a:p>
-            <a:r>
-              <a:rPr sz="2500" b="1" i="0">
-                <a:latin typeface="Arial"/>
-              </a:rPr>
-              <a:t>Onafhankelijke en afhankelijke spanningsbronnen en stroombronnen</a:t>
-            </a:r>
-            <a:endParaRPr sz="2500" b="1" i="0">
-              <a:latin typeface="Arial"/>
-            </a:endParaRPr>
-          </a:p>
-        </p:txBody>
-      </p:sp>
-      <p:sp>
-        <p:nvSpPr>
-          <p:cNvPr id="2" name="Content Placeholder 1"/>
-          <p:cNvSpPr>
-            <a:spLocks noGrp="1"/>
-          </p:cNvSpPr>
-          <p:nvPr>
-            <p:ph idx="1"/>
-          </p:nvPr>
-        </p:nvSpPr>
-        <p:spPr>
-          <a:xfrm>
-            <a:off x="914400" y="566928"/>
-            <a:ext cx="10820400" cy="5669280"/>
-          </a:xfrm>
-        </p:spPr>
-        <p:txBody>
           <a:bodyPr>
             <a:spAutoFit/>
           </a:bodyPr>
@@ -7577,6 +7460,35 @@
             <a:r>
               <a:t>Stroomgecontrolleerde stroombron (F)</a:t>
             </a:r>
+          </a:p>
+        </p:txBody>
+      </p:sp>
+      <p:sp>
+        <p:nvSpPr>
+          <p:cNvPr id="3" name="Title 2"/>
+          <p:cNvSpPr>
+            <a:spLocks noGrp="1"/>
+          </p:cNvSpPr>
+          <p:nvPr>
+            <p:ph type="title"/>
+          </p:nvPr>
+        </p:nvSpPr>
+        <p:spPr/>
+        <p:txBody>
+          <a:bodyPr wrap="square">
+            <a:noAutofit/>
+          </a:bodyPr>
+          <a:lstStyle/>
+          <a:p>
+            <a:r>
+              <a:rPr sz="2500" b="1" i="0">
+                <a:latin typeface="Arial"/>
+              </a:rPr>
+              <a:t>Onafhankelijke en afhankelijke spanningsbronnen en stroombronnen</a:t>
+            </a:r>
+            <a:endParaRPr sz="2500" b="1" i="0">
+              <a:latin typeface="Arial"/>
+            </a:endParaRPr>
           </a:p>
         </p:txBody>
       </p:sp>
@@ -7610,57 +7522,6 @@
         </p:nvSpPr>
         <p:spPr/>
         <p:txBody>
-          <a:bodyPr/>
-          <a:lstStyle/>
-          <a:p/>
-        </p:txBody>
-      </p:sp>
-      <p:sp>
-        <p:nvSpPr>
-          <p:cNvPr id="3" name="Title 2"/>
-          <p:cNvSpPr>
-            <a:spLocks noGrp="1"/>
-          </p:cNvSpPr>
-          <p:nvPr>
-            <p:ph type="title"/>
-          </p:nvPr>
-        </p:nvSpPr>
-        <p:spPr/>
-        <p:txBody>
-          <a:bodyPr wrap="square">
-            <a:noAutofit/>
-          </a:bodyPr>
-          <a:lstStyle/>
-          <a:p>
-            <a:r>
-              <a:rPr sz="3200" b="1" i="0">
-                <a:latin typeface="Arial"/>
-              </a:rPr>
-              <a:t>Types van analyse</a:t>
-            </a:r>
-            <a:endParaRPr sz="3200" b="1" i="0">
-              <a:latin typeface="Arial"/>
-            </a:endParaRPr>
-          </a:p>
-        </p:txBody>
-      </p:sp>
-      <p:sp>
-        <p:nvSpPr>
-          <p:cNvPr id="2" name="Content Placeholder 1"/>
-          <p:cNvSpPr>
-            <a:spLocks noGrp="1"/>
-          </p:cNvSpPr>
-          <p:nvPr>
-            <p:ph idx="1"/>
-          </p:nvPr>
-        </p:nvSpPr>
-        <p:spPr>
-          <a:xfrm>
-            <a:off x="914400" y="566928"/>
-            <a:ext cx="10820400" cy="5669280"/>
-          </a:xfrm>
-        </p:spPr>
-        <p:txBody>
           <a:bodyPr>
             <a:spAutoFit/>
           </a:bodyPr>
@@ -7719,6 +7580,35 @@
             <a:r>
               <a:t>Monte-Carlo analyse</a:t>
             </a:r>
+          </a:p>
+        </p:txBody>
+      </p:sp>
+      <p:sp>
+        <p:nvSpPr>
+          <p:cNvPr id="3" name="Title 2"/>
+          <p:cNvSpPr>
+            <a:spLocks noGrp="1"/>
+          </p:cNvSpPr>
+          <p:nvPr>
+            <p:ph type="title"/>
+          </p:nvPr>
+        </p:nvSpPr>
+        <p:spPr/>
+        <p:txBody>
+          <a:bodyPr wrap="square">
+            <a:noAutofit/>
+          </a:bodyPr>
+          <a:lstStyle/>
+          <a:p>
+            <a:r>
+              <a:rPr sz="3200" b="1" i="0">
+                <a:latin typeface="Arial"/>
+              </a:rPr>
+              <a:t>Types van analyse</a:t>
+            </a:r>
+            <a:endParaRPr sz="3200" b="1" i="0">
+              <a:latin typeface="Arial"/>
+            </a:endParaRPr>
           </a:p>
         </p:txBody>
       </p:sp>
@@ -7752,57 +7642,6 @@
         </p:nvSpPr>
         <p:spPr/>
         <p:txBody>
-          <a:bodyPr/>
-          <a:lstStyle/>
-          <a:p/>
-        </p:txBody>
-      </p:sp>
-      <p:sp>
-        <p:nvSpPr>
-          <p:cNvPr id="3" name="Title 2"/>
-          <p:cNvSpPr>
-            <a:spLocks noGrp="1"/>
-          </p:cNvSpPr>
-          <p:nvPr>
-            <p:ph type="title"/>
-          </p:nvPr>
-        </p:nvSpPr>
-        <p:spPr/>
-        <p:txBody>
-          <a:bodyPr wrap="square">
-            <a:noAutofit/>
-          </a:bodyPr>
-          <a:lstStyle/>
-          <a:p>
-            <a:r>
-              <a:rPr sz="3200" b="1" i="0">
-                <a:latin typeface="Arial"/>
-              </a:rPr>
-              <a:t>Eenheden in spice</a:t>
-            </a:r>
-            <a:endParaRPr sz="3200" b="1" i="0">
-              <a:latin typeface="Arial"/>
-            </a:endParaRPr>
-          </a:p>
-        </p:txBody>
-      </p:sp>
-      <p:sp>
-        <p:nvSpPr>
-          <p:cNvPr id="2" name="Content Placeholder 1"/>
-          <p:cNvSpPr>
-            <a:spLocks noGrp="1"/>
-          </p:cNvSpPr>
-          <p:nvPr>
-            <p:ph idx="1"/>
-          </p:nvPr>
-        </p:nvSpPr>
-        <p:spPr>
-          <a:xfrm>
-            <a:off x="914400" y="566928"/>
-            <a:ext cx="10820400" cy="5669280"/>
-          </a:xfrm>
-        </p:spPr>
-        <p:txBody>
           <a:bodyPr>
             <a:spAutoFit/>
           </a:bodyPr>
@@ -7897,6 +7736,35 @@
               <a:rPr sz="1800" baseline="45000"/>
               <a:t>9</a:t>
             </a:r>
+          </a:p>
+        </p:txBody>
+      </p:sp>
+      <p:sp>
+        <p:nvSpPr>
+          <p:cNvPr id="3" name="Title 2"/>
+          <p:cNvSpPr>
+            <a:spLocks noGrp="1"/>
+          </p:cNvSpPr>
+          <p:nvPr>
+            <p:ph type="title"/>
+          </p:nvPr>
+        </p:nvSpPr>
+        <p:spPr/>
+        <p:txBody>
+          <a:bodyPr wrap="square">
+            <a:noAutofit/>
+          </a:bodyPr>
+          <a:lstStyle/>
+          <a:p>
+            <a:r>
+              <a:rPr sz="3200" b="1" i="0">
+                <a:latin typeface="Arial"/>
+              </a:rPr>
+              <a:t>Eenheden in spice</a:t>
+            </a:r>
+            <a:endParaRPr sz="3200" b="1" i="0">
+              <a:latin typeface="Arial"/>
+            </a:endParaRPr>
           </a:p>
         </p:txBody>
       </p:sp>
